--- a/course/compiler/LectureNotes/(Spring2017)Lecture6.pptx
+++ b/course/compiler/LectureNotes/(Spring2017)Lecture6.pptx
@@ -5,10 +5,10 @@
     <p:sldMasterId id="2147483648" r:id="rId4"/>
   </p:sldMasterIdLst>
   <p:notesMasterIdLst>
-    <p:notesMasterId r:id="rId11"/>
+    <p:notesMasterId r:id="rId25"/>
   </p:notesMasterIdLst>
   <p:handoutMasterIdLst>
-    <p:handoutMasterId r:id="rId12"/>
+    <p:handoutMasterId r:id="rId26"/>
   </p:handoutMasterIdLst>
   <p:sldIdLst>
     <p:sldId id="256" r:id="rId5"/>
@@ -17,6 +17,20 @@
     <p:sldId id="299" r:id="rId8"/>
     <p:sldId id="341" r:id="rId9"/>
     <p:sldId id="342" r:id="rId10"/>
+    <p:sldId id="343" r:id="rId11"/>
+    <p:sldId id="344" r:id="rId12"/>
+    <p:sldId id="345" r:id="rId13"/>
+    <p:sldId id="346" r:id="rId14"/>
+    <p:sldId id="347" r:id="rId15"/>
+    <p:sldId id="348" r:id="rId16"/>
+    <p:sldId id="349" r:id="rId17"/>
+    <p:sldId id="350" r:id="rId18"/>
+    <p:sldId id="351" r:id="rId19"/>
+    <p:sldId id="352" r:id="rId20"/>
+    <p:sldId id="353" r:id="rId21"/>
+    <p:sldId id="354" r:id="rId22"/>
+    <p:sldId id="355" r:id="rId23"/>
+    <p:sldId id="356" r:id="rId24"/>
   </p:sldIdLst>
   <p:sldSz cx="9144000" cy="6858000" type="screen4x3"/>
   <p:notesSz cx="6858000" cy="9144000"/>
@@ -5607,6 +5621,1518 @@
 </p:sld>
 </file>
 
+<file path=ppt/slides/slide10.xml><?xml version="1.0" encoding="utf-8"?>
+<p:sld xmlns:a="http://schemas.openxmlformats.org/drawingml/2006/main" xmlns:r="http://schemas.openxmlformats.org/officeDocument/2006/relationships" xmlns:p="http://schemas.openxmlformats.org/presentationml/2006/main">
+  <p:cSld>
+    <p:spTree>
+      <p:nvGrpSpPr>
+        <p:cNvPr id="1" name=""/>
+        <p:cNvGrpSpPr/>
+        <p:nvPr/>
+      </p:nvGrpSpPr>
+      <p:grpSpPr>
+        <a:xfrm>
+          <a:off x="0" y="0"/>
+          <a:ext cx="0" cy="0"/>
+          <a:chOff x="0" y="0"/>
+          <a:chExt cx="0" cy="0"/>
+        </a:xfrm>
+      </p:grpSpPr>
+      <p:sp>
+        <p:nvSpPr>
+          <p:cNvPr id="2" name="标题 1"/>
+          <p:cNvSpPr>
+            <a:spLocks noGrp="1"/>
+          </p:cNvSpPr>
+          <p:nvPr>
+            <p:ph type="title"/>
+          </p:nvPr>
+        </p:nvSpPr>
+        <p:spPr/>
+        <p:txBody>
+          <a:bodyPr/>
+          <a:lstStyle/>
+          <a:p>
+            <a:r>
+              <a:rPr lang="en-US" altLang="zh-CN" dirty="0"/>
+              <a:t>6.2 Syntax-Directed Definitions</a:t>
+            </a:r>
+            <a:br>
+              <a:rPr lang="en-US" altLang="zh-CN" dirty="0"/>
+            </a:br>
+            <a:r>
+              <a:rPr lang="en-US" altLang="zh-CN" dirty="0"/>
+              <a:t>- Inherited and Synthesized Attributes</a:t>
+            </a:r>
+            <a:endParaRPr lang="zh-CN" altLang="en-US" dirty="0"/>
+          </a:p>
+        </p:txBody>
+      </p:sp>
+      <p:sp>
+        <p:nvSpPr>
+          <p:cNvPr id="3" name="内容占位符 2"/>
+          <p:cNvSpPr>
+            <a:spLocks noGrp="1"/>
+          </p:cNvSpPr>
+          <p:nvPr>
+            <p:ph idx="1"/>
+          </p:nvPr>
+        </p:nvSpPr>
+        <p:spPr/>
+        <p:txBody>
+          <a:bodyPr>
+            <a:normAutofit/>
+          </a:bodyPr>
+          <a:lstStyle/>
+          <a:p>
+            <a:r>
+              <a:rPr lang="en-US" altLang="zh-CN" sz="1800" dirty="0"/>
+              <a:t>Evaluating an SDD at the Nodes of a Parse </a:t>
+            </a:r>
+            <a:r>
+              <a:rPr lang="en-US" altLang="zh-CN" sz="1800" dirty="0" smtClean="0"/>
+              <a:t>Tree.</a:t>
+            </a:r>
+          </a:p>
+          <a:p>
+            <a:pPr lvl="1"/>
+            <a:r>
+              <a:rPr lang="en-US" altLang="zh-CN" sz="1600" dirty="0"/>
+              <a:t>To visualize the translation specified by an SDD, it helps to work with </a:t>
+            </a:r>
+            <a:r>
+              <a:rPr lang="en-US" altLang="zh-CN" sz="1600" dirty="0" smtClean="0"/>
+              <a:t>parse trees</a:t>
+            </a:r>
+            <a:r>
+              <a:rPr lang="en-US" altLang="zh-CN" sz="1600" dirty="0"/>
+              <a:t>, even though a translator need not actually build a parse tree</a:t>
+            </a:r>
+            <a:r>
+              <a:rPr lang="en-US" altLang="zh-CN" sz="1600" dirty="0" smtClean="0"/>
+              <a:t>.</a:t>
+            </a:r>
+          </a:p>
+          <a:p>
+            <a:pPr lvl="1"/>
+            <a:r>
+              <a:rPr lang="en-US" altLang="zh-CN" sz="1600" dirty="0"/>
+              <a:t>A parse tree, showing the value(s) of its attribute(s) is </a:t>
+            </a:r>
+            <a:r>
+              <a:rPr lang="en-US" altLang="zh-CN" sz="1600" dirty="0" smtClean="0"/>
+              <a:t>called an </a:t>
+            </a:r>
+            <a:r>
+              <a:rPr lang="en-US" altLang="zh-CN" sz="1600" i="1" dirty="0">
+                <a:solidFill>
+                  <a:srgbClr val="7030A0"/>
+                </a:solidFill>
+              </a:rPr>
+              <a:t>annotated parse </a:t>
+            </a:r>
+            <a:r>
+              <a:rPr lang="en-US" altLang="zh-CN" sz="1600" i="1" dirty="0" smtClean="0">
+                <a:solidFill>
+                  <a:srgbClr val="7030A0"/>
+                </a:solidFill>
+              </a:rPr>
+              <a:t>tree</a:t>
+            </a:r>
+            <a:r>
+              <a:rPr lang="en-US" altLang="zh-CN" sz="1600" dirty="0" smtClean="0"/>
+              <a:t>.</a:t>
+            </a:r>
+          </a:p>
+          <a:p>
+            <a:pPr marL="342900" lvl="1" indent="0">
+              <a:buNone/>
+            </a:pPr>
+            <a:endParaRPr lang="en-US" altLang="zh-CN" sz="1600" dirty="0"/>
+          </a:p>
+          <a:p>
+            <a:pPr marL="342900" lvl="1" indent="0">
+              <a:buNone/>
+            </a:pPr>
+            <a:r>
+              <a:rPr lang="en-US" altLang="zh-CN" sz="1600" dirty="0"/>
+              <a:t>For SDD's with both inherited and synthesized attributes, there is no </a:t>
+            </a:r>
+            <a:r>
+              <a:rPr lang="en-US" altLang="zh-CN" sz="1600" dirty="0" smtClean="0"/>
+              <a:t>guarantee that </a:t>
+            </a:r>
+            <a:r>
+              <a:rPr lang="en-US" altLang="zh-CN" sz="1600" dirty="0"/>
+              <a:t>there is even one order in which to evaluate attributes at nodes.</a:t>
+            </a:r>
+            <a:endParaRPr lang="en-US" altLang="zh-CN" sz="1600" dirty="0" smtClean="0"/>
+          </a:p>
+        </p:txBody>
+      </p:sp>
+    </p:spTree>
+    <p:extLst>
+      <p:ext uri="{BB962C8B-B14F-4D97-AF65-F5344CB8AC3E}">
+        <p14:creationId xmlns:p14="http://schemas.microsoft.com/office/powerpoint/2010/main" val="337830693"/>
+      </p:ext>
+    </p:extLst>
+  </p:cSld>
+  <p:clrMapOvr>
+    <a:masterClrMapping/>
+  </p:clrMapOvr>
+  <mc:AlternateContent xmlns:mc="http://schemas.openxmlformats.org/markup-compatibility/2006" xmlns:p14="http://schemas.microsoft.com/office/powerpoint/2010/main">
+    <mc:Choice Requires="p14">
+      <p:transition spd="med" p14:dur="700">
+        <p:fade/>
+      </p:transition>
+    </mc:Choice>
+    <mc:Fallback xmlns="">
+      <p:transition spd="med">
+        <p:fade/>
+      </p:transition>
+    </mc:Fallback>
+  </mc:AlternateContent>
+</p:sld>
+</file>
+
+<file path=ppt/slides/slide11.xml><?xml version="1.0" encoding="utf-8"?>
+<p:sld xmlns:a="http://schemas.openxmlformats.org/drawingml/2006/main" xmlns:r="http://schemas.openxmlformats.org/officeDocument/2006/relationships" xmlns:p="http://schemas.openxmlformats.org/presentationml/2006/main">
+  <p:cSld>
+    <p:spTree>
+      <p:nvGrpSpPr>
+        <p:cNvPr id="1" name=""/>
+        <p:cNvGrpSpPr/>
+        <p:nvPr/>
+      </p:nvGrpSpPr>
+      <p:grpSpPr>
+        <a:xfrm>
+          <a:off x="0" y="0"/>
+          <a:ext cx="0" cy="0"/>
+          <a:chOff x="0" y="0"/>
+          <a:chExt cx="0" cy="0"/>
+        </a:xfrm>
+      </p:grpSpPr>
+      <p:sp>
+        <p:nvSpPr>
+          <p:cNvPr id="2" name="标题 1"/>
+          <p:cNvSpPr>
+            <a:spLocks noGrp="1"/>
+          </p:cNvSpPr>
+          <p:nvPr>
+            <p:ph type="title"/>
+          </p:nvPr>
+        </p:nvSpPr>
+        <p:spPr/>
+        <p:txBody>
+          <a:bodyPr/>
+          <a:lstStyle/>
+          <a:p>
+            <a:r>
+              <a:rPr lang="en-US" altLang="zh-CN" dirty="0"/>
+              <a:t>6.2 Syntax-Directed Definitions</a:t>
+            </a:r>
+            <a:br>
+              <a:rPr lang="en-US" altLang="zh-CN" dirty="0"/>
+            </a:br>
+            <a:r>
+              <a:rPr lang="en-US" altLang="zh-CN" dirty="0"/>
+              <a:t>- Inherited and Synthesized Attributes</a:t>
+            </a:r>
+            <a:endParaRPr lang="zh-CN" altLang="en-US" dirty="0"/>
+          </a:p>
+        </p:txBody>
+      </p:sp>
+      <p:pic>
+        <p:nvPicPr>
+          <p:cNvPr id="4" name="图片 3"/>
+          <p:cNvPicPr>
+            <a:picLocks noChangeAspect="1"/>
+          </p:cNvPicPr>
+          <p:nvPr/>
+        </p:nvPicPr>
+        <p:blipFill>
+          <a:blip r:embed="rId2"/>
+          <a:stretch>
+            <a:fillRect/>
+          </a:stretch>
+        </p:blipFill>
+        <p:spPr>
+          <a:xfrm>
+            <a:off x="1312410" y="1595982"/>
+            <a:ext cx="6460300" cy="4891903"/>
+          </a:xfrm>
+          <a:prstGeom prst="rect">
+            <a:avLst/>
+          </a:prstGeom>
+        </p:spPr>
+      </p:pic>
+    </p:spTree>
+    <p:extLst>
+      <p:ext uri="{BB962C8B-B14F-4D97-AF65-F5344CB8AC3E}">
+        <p14:creationId xmlns:p14="http://schemas.microsoft.com/office/powerpoint/2010/main" val="309028022"/>
+      </p:ext>
+    </p:extLst>
+  </p:cSld>
+  <p:clrMapOvr>
+    <a:masterClrMapping/>
+  </p:clrMapOvr>
+  <mc:AlternateContent xmlns:mc="http://schemas.openxmlformats.org/markup-compatibility/2006" xmlns:p14="http://schemas.microsoft.com/office/powerpoint/2010/main">
+    <mc:Choice Requires="p14">
+      <p:transition spd="med" p14:dur="700">
+        <p:fade/>
+      </p:transition>
+    </mc:Choice>
+    <mc:Fallback xmlns="">
+      <p:transition spd="med">
+        <p:fade/>
+      </p:transition>
+    </mc:Fallback>
+  </mc:AlternateContent>
+  <p:timing>
+    <p:tnLst>
+      <p:par>
+        <p:cTn id="1" dur="indefinite" restart="never" nodeType="tmRoot"/>
+      </p:par>
+    </p:tnLst>
+  </p:timing>
+</p:sld>
+</file>
+
+<file path=ppt/slides/slide12.xml><?xml version="1.0" encoding="utf-8"?>
+<p:sld xmlns:a="http://schemas.openxmlformats.org/drawingml/2006/main" xmlns:r="http://schemas.openxmlformats.org/officeDocument/2006/relationships" xmlns:p="http://schemas.openxmlformats.org/presentationml/2006/main">
+  <p:cSld>
+    <p:spTree>
+      <p:nvGrpSpPr>
+        <p:cNvPr id="1" name=""/>
+        <p:cNvGrpSpPr/>
+        <p:nvPr/>
+      </p:nvGrpSpPr>
+      <p:grpSpPr>
+        <a:xfrm>
+          <a:off x="0" y="0"/>
+          <a:ext cx="0" cy="0"/>
+          <a:chOff x="0" y="0"/>
+          <a:chExt cx="0" cy="0"/>
+        </a:xfrm>
+      </p:grpSpPr>
+      <p:sp>
+        <p:nvSpPr>
+          <p:cNvPr id="2" name="标题 1"/>
+          <p:cNvSpPr>
+            <a:spLocks noGrp="1"/>
+          </p:cNvSpPr>
+          <p:nvPr>
+            <p:ph type="title"/>
+          </p:nvPr>
+        </p:nvSpPr>
+        <p:spPr/>
+        <p:txBody>
+          <a:bodyPr/>
+          <a:lstStyle/>
+          <a:p>
+            <a:r>
+              <a:rPr lang="en-US" altLang="zh-CN" dirty="0"/>
+              <a:t>6.2 Syntax-Directed Definitions</a:t>
+            </a:r>
+            <a:br>
+              <a:rPr lang="en-US" altLang="zh-CN" dirty="0"/>
+            </a:br>
+            <a:r>
+              <a:rPr lang="en-US" altLang="zh-CN" dirty="0"/>
+              <a:t>- Inherited and Synthesized Attributes</a:t>
+            </a:r>
+            <a:endParaRPr lang="zh-CN" altLang="en-US" dirty="0"/>
+          </a:p>
+        </p:txBody>
+      </p:sp>
+      <p:sp>
+        <p:nvSpPr>
+          <p:cNvPr id="3" name="内容占位符 2"/>
+          <p:cNvSpPr>
+            <a:spLocks noGrp="1"/>
+          </p:cNvSpPr>
+          <p:nvPr>
+            <p:ph idx="1"/>
+          </p:nvPr>
+        </p:nvSpPr>
+        <p:spPr/>
+        <p:txBody>
+          <a:bodyPr/>
+          <a:lstStyle/>
+          <a:p>
+            <a:r>
+              <a:rPr lang="en-US" altLang="zh-CN" dirty="0" smtClean="0">
+                <a:solidFill>
+                  <a:srgbClr val="FF0000"/>
+                </a:solidFill>
+              </a:rPr>
+              <a:t>The selection of the attributes is determined by parsing method.</a:t>
+            </a:r>
+            <a:endParaRPr lang="zh-CN" altLang="en-US" dirty="0">
+              <a:solidFill>
+                <a:srgbClr val="FF0000"/>
+              </a:solidFill>
+            </a:endParaRPr>
+          </a:p>
+        </p:txBody>
+      </p:sp>
+      <p:pic>
+        <p:nvPicPr>
+          <p:cNvPr id="4" name="图片 3"/>
+          <p:cNvPicPr>
+            <a:picLocks noChangeAspect="1"/>
+          </p:cNvPicPr>
+          <p:nvPr/>
+        </p:nvPicPr>
+        <p:blipFill>
+          <a:blip r:embed="rId2"/>
+          <a:stretch>
+            <a:fillRect/>
+          </a:stretch>
+        </p:blipFill>
+        <p:spPr>
+          <a:xfrm>
+            <a:off x="250196" y="2733345"/>
+            <a:ext cx="3843019" cy="2448255"/>
+          </a:xfrm>
+          <a:prstGeom prst="rect">
+            <a:avLst/>
+          </a:prstGeom>
+        </p:spPr>
+      </p:pic>
+      <p:pic>
+        <p:nvPicPr>
+          <p:cNvPr id="5" name="图片 4"/>
+          <p:cNvPicPr>
+            <a:picLocks noChangeAspect="1"/>
+          </p:cNvPicPr>
+          <p:nvPr/>
+        </p:nvPicPr>
+        <p:blipFill>
+          <a:blip r:embed="rId3"/>
+          <a:stretch>
+            <a:fillRect/>
+          </a:stretch>
+        </p:blipFill>
+        <p:spPr>
+          <a:xfrm>
+            <a:off x="4453655" y="2306307"/>
+            <a:ext cx="4476417" cy="3974750"/>
+          </a:xfrm>
+          <a:prstGeom prst="rect">
+            <a:avLst/>
+          </a:prstGeom>
+        </p:spPr>
+      </p:pic>
+      <p:sp>
+        <p:nvSpPr>
+          <p:cNvPr id="6" name="文本框 5"/>
+          <p:cNvSpPr txBox="1"/>
+          <p:nvPr/>
+        </p:nvSpPr>
+        <p:spPr>
+          <a:xfrm>
+            <a:off x="1001311" y="1936975"/>
+            <a:ext cx="1223412" cy="369332"/>
+          </a:xfrm>
+          <a:prstGeom prst="rect">
+            <a:avLst/>
+          </a:prstGeom>
+          <a:noFill/>
+        </p:spPr>
+        <p:txBody>
+          <a:bodyPr wrap="none" rtlCol="0">
+            <a:spAutoFit/>
+          </a:bodyPr>
+          <a:lstStyle/>
+          <a:p>
+            <a:r>
+              <a:rPr lang="en-US" altLang="zh-CN" dirty="0" smtClean="0"/>
+              <a:t>Bottom-up</a:t>
+            </a:r>
+            <a:endParaRPr lang="zh-CN" altLang="en-US" dirty="0"/>
+          </a:p>
+        </p:txBody>
+      </p:sp>
+    </p:spTree>
+    <p:extLst>
+      <p:ext uri="{BB962C8B-B14F-4D97-AF65-F5344CB8AC3E}">
+        <p14:creationId xmlns:p14="http://schemas.microsoft.com/office/powerpoint/2010/main" val="2007204074"/>
+      </p:ext>
+    </p:extLst>
+  </p:cSld>
+  <p:clrMapOvr>
+    <a:masterClrMapping/>
+  </p:clrMapOvr>
+  <mc:AlternateContent xmlns:mc="http://schemas.openxmlformats.org/markup-compatibility/2006" xmlns:p14="http://schemas.microsoft.com/office/powerpoint/2010/main">
+    <mc:Choice Requires="p14">
+      <p:transition spd="med" p14:dur="700">
+        <p:fade/>
+      </p:transition>
+    </mc:Choice>
+    <mc:Fallback xmlns="">
+      <p:transition spd="med">
+        <p:fade/>
+      </p:transition>
+    </mc:Fallback>
+  </mc:AlternateContent>
+  <p:timing>
+    <p:tnLst>
+      <p:par>
+        <p:cTn id="1" dur="indefinite" restart="never" nodeType="tmRoot"/>
+      </p:par>
+    </p:tnLst>
+  </p:timing>
+</p:sld>
+</file>
+
+<file path=ppt/slides/slide13.xml><?xml version="1.0" encoding="utf-8"?>
+<p:sld xmlns:a="http://schemas.openxmlformats.org/drawingml/2006/main" xmlns:r="http://schemas.openxmlformats.org/officeDocument/2006/relationships" xmlns:p="http://schemas.openxmlformats.org/presentationml/2006/main">
+  <p:cSld>
+    <p:spTree>
+      <p:nvGrpSpPr>
+        <p:cNvPr id="1" name=""/>
+        <p:cNvGrpSpPr/>
+        <p:nvPr/>
+      </p:nvGrpSpPr>
+      <p:grpSpPr>
+        <a:xfrm>
+          <a:off x="0" y="0"/>
+          <a:ext cx="0" cy="0"/>
+          <a:chOff x="0" y="0"/>
+          <a:chExt cx="0" cy="0"/>
+        </a:xfrm>
+      </p:grpSpPr>
+      <p:sp>
+        <p:nvSpPr>
+          <p:cNvPr id="2" name="标题 1"/>
+          <p:cNvSpPr>
+            <a:spLocks noGrp="1"/>
+          </p:cNvSpPr>
+          <p:nvPr>
+            <p:ph type="title"/>
+          </p:nvPr>
+        </p:nvSpPr>
+        <p:spPr/>
+        <p:txBody>
+          <a:bodyPr/>
+          <a:lstStyle/>
+          <a:p>
+            <a:r>
+              <a:rPr lang="en-US" altLang="zh-CN" dirty="0"/>
+              <a:t>6.2 Syntax-Directed Definitions</a:t>
+            </a:r>
+            <a:br>
+              <a:rPr lang="en-US" altLang="zh-CN" dirty="0"/>
+            </a:br>
+            <a:r>
+              <a:rPr lang="en-US" altLang="zh-CN" dirty="0"/>
+              <a:t>- Inherited and Synthesized Attributes</a:t>
+            </a:r>
+            <a:endParaRPr lang="zh-CN" altLang="en-US" dirty="0"/>
+          </a:p>
+        </p:txBody>
+      </p:sp>
+      <p:sp>
+        <p:nvSpPr>
+          <p:cNvPr id="3" name="内容占位符 2"/>
+          <p:cNvSpPr>
+            <a:spLocks noGrp="1"/>
+          </p:cNvSpPr>
+          <p:nvPr>
+            <p:ph idx="1"/>
+          </p:nvPr>
+        </p:nvSpPr>
+        <p:spPr/>
+        <p:txBody>
+          <a:bodyPr/>
+          <a:lstStyle/>
+          <a:p>
+            <a:r>
+              <a:rPr lang="en-US" altLang="zh-CN" dirty="0" smtClean="0">
+                <a:solidFill>
+                  <a:srgbClr val="FF0000"/>
+                </a:solidFill>
+              </a:rPr>
+              <a:t>The selection of the attributes is determined by parsing method.</a:t>
+            </a:r>
+            <a:endParaRPr lang="zh-CN" altLang="en-US" dirty="0">
+              <a:solidFill>
+                <a:srgbClr val="FF0000"/>
+              </a:solidFill>
+            </a:endParaRPr>
+          </a:p>
+        </p:txBody>
+      </p:sp>
+      <p:sp>
+        <p:nvSpPr>
+          <p:cNvPr id="6" name="文本框 5"/>
+          <p:cNvSpPr txBox="1"/>
+          <p:nvPr/>
+        </p:nvSpPr>
+        <p:spPr>
+          <a:xfrm>
+            <a:off x="1001311" y="1936975"/>
+            <a:ext cx="1107996" cy="369332"/>
+          </a:xfrm>
+          <a:prstGeom prst="rect">
+            <a:avLst/>
+          </a:prstGeom>
+          <a:noFill/>
+        </p:spPr>
+        <p:txBody>
+          <a:bodyPr wrap="none" rtlCol="0">
+            <a:spAutoFit/>
+          </a:bodyPr>
+          <a:lstStyle/>
+          <a:p>
+            <a:r>
+              <a:rPr lang="en-US" altLang="zh-CN" dirty="0" smtClean="0"/>
+              <a:t>Top-down</a:t>
+            </a:r>
+            <a:endParaRPr lang="zh-CN" altLang="en-US" dirty="0"/>
+          </a:p>
+        </p:txBody>
+      </p:sp>
+      <p:pic>
+        <p:nvPicPr>
+          <p:cNvPr id="7" name="图片 6"/>
+          <p:cNvPicPr>
+            <a:picLocks noChangeAspect="1"/>
+          </p:cNvPicPr>
+          <p:nvPr/>
+        </p:nvPicPr>
+        <p:blipFill>
+          <a:blip r:embed="rId2"/>
+          <a:stretch>
+            <a:fillRect/>
+          </a:stretch>
+        </p:blipFill>
+        <p:spPr>
+          <a:xfrm>
+            <a:off x="538534" y="2733345"/>
+            <a:ext cx="3846058" cy="2281560"/>
+          </a:xfrm>
+          <a:prstGeom prst="rect">
+            <a:avLst/>
+          </a:prstGeom>
+        </p:spPr>
+      </p:pic>
+      <p:pic>
+        <p:nvPicPr>
+          <p:cNvPr id="8" name="图片 7"/>
+          <p:cNvPicPr>
+            <a:picLocks noChangeAspect="1"/>
+          </p:cNvPicPr>
+          <p:nvPr/>
+        </p:nvPicPr>
+        <p:blipFill>
+          <a:blip r:embed="rId3"/>
+          <a:stretch>
+            <a:fillRect/>
+          </a:stretch>
+        </p:blipFill>
+        <p:spPr>
+          <a:xfrm>
+            <a:off x="4571431" y="2525052"/>
+            <a:ext cx="3964559" cy="2489853"/>
+          </a:xfrm>
+          <a:prstGeom prst="rect">
+            <a:avLst/>
+          </a:prstGeom>
+        </p:spPr>
+      </p:pic>
+      <p:pic>
+        <p:nvPicPr>
+          <p:cNvPr id="9" name="图片 8"/>
+          <p:cNvPicPr>
+            <a:picLocks noChangeAspect="1"/>
+          </p:cNvPicPr>
+          <p:nvPr/>
+        </p:nvPicPr>
+        <p:blipFill>
+          <a:blip r:embed="rId4"/>
+          <a:stretch>
+            <a:fillRect/>
+          </a:stretch>
+        </p:blipFill>
+        <p:spPr>
+          <a:xfrm>
+            <a:off x="594743" y="5305425"/>
+            <a:ext cx="7953375" cy="866775"/>
+          </a:xfrm>
+          <a:prstGeom prst="rect">
+            <a:avLst/>
+          </a:prstGeom>
+        </p:spPr>
+      </p:pic>
+    </p:spTree>
+    <p:extLst>
+      <p:ext uri="{BB962C8B-B14F-4D97-AF65-F5344CB8AC3E}">
+        <p14:creationId xmlns:p14="http://schemas.microsoft.com/office/powerpoint/2010/main" val="3430211535"/>
+      </p:ext>
+    </p:extLst>
+  </p:cSld>
+  <p:clrMapOvr>
+    <a:masterClrMapping/>
+  </p:clrMapOvr>
+  <mc:AlternateContent xmlns:mc="http://schemas.openxmlformats.org/markup-compatibility/2006" xmlns:p14="http://schemas.microsoft.com/office/powerpoint/2010/main">
+    <mc:Choice Requires="p14">
+      <p:transition spd="med" p14:dur="700">
+        <p:fade/>
+      </p:transition>
+    </mc:Choice>
+    <mc:Fallback xmlns="">
+      <p:transition spd="med">
+        <p:fade/>
+      </p:transition>
+    </mc:Fallback>
+  </mc:AlternateContent>
+  <p:timing>
+    <p:tnLst>
+      <p:par>
+        <p:cTn id="1" dur="indefinite" restart="never" nodeType="tmRoot"/>
+      </p:par>
+    </p:tnLst>
+  </p:timing>
+</p:sld>
+</file>
+
+<file path=ppt/slides/slide14.xml><?xml version="1.0" encoding="utf-8"?>
+<p:sld xmlns:a="http://schemas.openxmlformats.org/drawingml/2006/main" xmlns:r="http://schemas.openxmlformats.org/officeDocument/2006/relationships" xmlns:p="http://schemas.openxmlformats.org/presentationml/2006/main">
+  <p:cSld>
+    <p:spTree>
+      <p:nvGrpSpPr>
+        <p:cNvPr id="1" name=""/>
+        <p:cNvGrpSpPr/>
+        <p:nvPr/>
+      </p:nvGrpSpPr>
+      <p:grpSpPr>
+        <a:xfrm>
+          <a:off x="0" y="0"/>
+          <a:ext cx="0" cy="0"/>
+          <a:chOff x="0" y="0"/>
+          <a:chExt cx="0" cy="0"/>
+        </a:xfrm>
+      </p:grpSpPr>
+      <p:sp>
+        <p:nvSpPr>
+          <p:cNvPr id="2" name="标题 1"/>
+          <p:cNvSpPr>
+            <a:spLocks noGrp="1"/>
+          </p:cNvSpPr>
+          <p:nvPr>
+            <p:ph type="title"/>
+          </p:nvPr>
+        </p:nvSpPr>
+        <p:spPr/>
+        <p:txBody>
+          <a:bodyPr/>
+          <a:lstStyle/>
+          <a:p>
+            <a:r>
+              <a:rPr lang="en-US" altLang="zh-CN" dirty="0"/>
+              <a:t>6.3 Evaluation Orders for SDD </a:t>
+            </a:r>
+            <a:r>
+              <a:rPr lang="en-US" altLang="zh-CN" dirty="0" smtClean="0"/>
+              <a:t>'s - </a:t>
+            </a:r>
+            <a:r>
+              <a:rPr lang="en-US" altLang="zh-CN" dirty="0"/>
+              <a:t>Dependency Graphs</a:t>
+            </a:r>
+            <a:endParaRPr lang="zh-CN" altLang="en-US" dirty="0"/>
+          </a:p>
+        </p:txBody>
+      </p:sp>
+      <p:sp>
+        <p:nvSpPr>
+          <p:cNvPr id="3" name="内容占位符 2"/>
+          <p:cNvSpPr>
+            <a:spLocks noGrp="1"/>
+          </p:cNvSpPr>
+          <p:nvPr>
+            <p:ph idx="1"/>
+          </p:nvPr>
+        </p:nvSpPr>
+        <p:spPr/>
+        <p:txBody>
+          <a:bodyPr>
+            <a:normAutofit/>
+          </a:bodyPr>
+          <a:lstStyle/>
+          <a:p>
+            <a:pPr>
+              <a:lnSpc>
+                <a:spcPct val="100000"/>
+              </a:lnSpc>
+            </a:pPr>
+            <a:r>
+              <a:rPr lang="en-US" altLang="zh-CN" sz="1600" dirty="0"/>
+              <a:t>"</a:t>
+            </a:r>
+            <a:r>
+              <a:rPr lang="en-US" altLang="zh-CN" sz="1600" b="1" i="1" u="sng" dirty="0">
+                <a:solidFill>
+                  <a:srgbClr val="7030A0"/>
+                </a:solidFill>
+              </a:rPr>
+              <a:t>Dependency graphs</a:t>
+            </a:r>
+            <a:r>
+              <a:rPr lang="en-US" altLang="zh-CN" sz="1600" dirty="0"/>
+              <a:t>" are a useful tool for determining an evaluation order </a:t>
+            </a:r>
+            <a:r>
+              <a:rPr lang="en-US" altLang="zh-CN" sz="1600" dirty="0" smtClean="0"/>
+              <a:t>for the </a:t>
+            </a:r>
+            <a:r>
+              <a:rPr lang="en-US" altLang="zh-CN" sz="1600" dirty="0"/>
+              <a:t>attribute instances in a given parse tree. While an annotated parse </a:t>
+            </a:r>
+            <a:r>
+              <a:rPr lang="en-US" altLang="zh-CN" sz="1600" dirty="0" smtClean="0"/>
+              <a:t>tree shows </a:t>
+            </a:r>
+            <a:r>
+              <a:rPr lang="en-US" altLang="zh-CN" sz="1600" dirty="0"/>
+              <a:t>the values of attributes, a dependency graph helps us determine </a:t>
+            </a:r>
+            <a:r>
+              <a:rPr lang="en-US" altLang="zh-CN" sz="1600" dirty="0" smtClean="0"/>
+              <a:t>how those </a:t>
+            </a:r>
+            <a:r>
+              <a:rPr lang="en-US" altLang="zh-CN" sz="1600" dirty="0"/>
+              <a:t>values can be computed</a:t>
+            </a:r>
+            <a:r>
+              <a:rPr lang="en-US" altLang="zh-CN" sz="1600" dirty="0" smtClean="0"/>
+              <a:t>.</a:t>
+            </a:r>
+          </a:p>
+          <a:p>
+            <a:pPr>
+              <a:lnSpc>
+                <a:spcPct val="100000"/>
+              </a:lnSpc>
+            </a:pPr>
+            <a:r>
+              <a:rPr lang="en-US" altLang="zh-CN" sz="1600" dirty="0"/>
+              <a:t>A dependency graph depicts the flow of information among the attribute </a:t>
+            </a:r>
+            <a:r>
+              <a:rPr lang="en-US" altLang="zh-CN" sz="1600" dirty="0" smtClean="0"/>
+              <a:t>instances in </a:t>
+            </a:r>
+            <a:r>
+              <a:rPr lang="en-US" altLang="zh-CN" sz="1600" dirty="0"/>
+              <a:t>a particular parse tree; an edge from one attribute instance to </a:t>
+            </a:r>
+            <a:r>
+              <a:rPr lang="en-US" altLang="zh-CN" sz="1600" dirty="0" smtClean="0"/>
+              <a:t>another means </a:t>
+            </a:r>
+            <a:r>
+              <a:rPr lang="en-US" altLang="zh-CN" sz="1600" dirty="0"/>
+              <a:t>that the value of the first is needed to compute the second. </a:t>
+            </a:r>
+            <a:r>
+              <a:rPr lang="en-US" altLang="zh-CN" sz="1600" dirty="0" smtClean="0"/>
+              <a:t>Edges express </a:t>
+            </a:r>
+            <a:r>
+              <a:rPr lang="en-US" altLang="zh-CN" sz="1600" dirty="0"/>
+              <a:t>constraints implied by the semantic rules.</a:t>
+            </a:r>
+            <a:endParaRPr lang="zh-CN" altLang="en-US" sz="1600" dirty="0"/>
+          </a:p>
+        </p:txBody>
+      </p:sp>
+    </p:spTree>
+    <p:extLst>
+      <p:ext uri="{BB962C8B-B14F-4D97-AF65-F5344CB8AC3E}">
+        <p14:creationId xmlns:p14="http://schemas.microsoft.com/office/powerpoint/2010/main" val="1640691887"/>
+      </p:ext>
+    </p:extLst>
+  </p:cSld>
+  <p:clrMapOvr>
+    <a:masterClrMapping/>
+  </p:clrMapOvr>
+  <mc:AlternateContent xmlns:mc="http://schemas.openxmlformats.org/markup-compatibility/2006" xmlns:p14="http://schemas.microsoft.com/office/powerpoint/2010/main">
+    <mc:Choice Requires="p14">
+      <p:transition spd="med" p14:dur="700">
+        <p:fade/>
+      </p:transition>
+    </mc:Choice>
+    <mc:Fallback xmlns="">
+      <p:transition spd="med">
+        <p:fade/>
+      </p:transition>
+    </mc:Fallback>
+  </mc:AlternateContent>
+</p:sld>
+</file>
+
+<file path=ppt/slides/slide15.xml><?xml version="1.0" encoding="utf-8"?>
+<p:sld xmlns:a="http://schemas.openxmlformats.org/drawingml/2006/main" xmlns:r="http://schemas.openxmlformats.org/officeDocument/2006/relationships" xmlns:p="http://schemas.openxmlformats.org/presentationml/2006/main">
+  <p:cSld>
+    <p:spTree>
+      <p:nvGrpSpPr>
+        <p:cNvPr id="1" name=""/>
+        <p:cNvGrpSpPr/>
+        <p:nvPr/>
+      </p:nvGrpSpPr>
+      <p:grpSpPr>
+        <a:xfrm>
+          <a:off x="0" y="0"/>
+          <a:ext cx="0" cy="0"/>
+          <a:chOff x="0" y="0"/>
+          <a:chExt cx="0" cy="0"/>
+        </a:xfrm>
+      </p:grpSpPr>
+      <p:sp>
+        <p:nvSpPr>
+          <p:cNvPr id="2" name="标题 1"/>
+          <p:cNvSpPr>
+            <a:spLocks noGrp="1"/>
+          </p:cNvSpPr>
+          <p:nvPr>
+            <p:ph type="title"/>
+          </p:nvPr>
+        </p:nvSpPr>
+        <p:spPr/>
+        <p:txBody>
+          <a:bodyPr/>
+          <a:lstStyle/>
+          <a:p>
+            <a:r>
+              <a:rPr lang="en-US" altLang="zh-CN" dirty="0"/>
+              <a:t>6.3 Evaluation Orders for SDD 's - Dependency Graphs</a:t>
+            </a:r>
+            <a:endParaRPr lang="zh-CN" altLang="en-US" dirty="0"/>
+          </a:p>
+        </p:txBody>
+      </p:sp>
+      <p:pic>
+        <p:nvPicPr>
+          <p:cNvPr id="4" name="图片 3"/>
+          <p:cNvPicPr>
+            <a:picLocks noChangeAspect="1"/>
+          </p:cNvPicPr>
+          <p:nvPr/>
+        </p:nvPicPr>
+        <p:blipFill>
+          <a:blip r:embed="rId2"/>
+          <a:stretch>
+            <a:fillRect/>
+          </a:stretch>
+        </p:blipFill>
+        <p:spPr>
+          <a:xfrm>
+            <a:off x="696005" y="1392690"/>
+            <a:ext cx="8143875" cy="5705475"/>
+          </a:xfrm>
+          <a:prstGeom prst="rect">
+            <a:avLst/>
+          </a:prstGeom>
+        </p:spPr>
+      </p:pic>
+    </p:spTree>
+    <p:extLst>
+      <p:ext uri="{BB962C8B-B14F-4D97-AF65-F5344CB8AC3E}">
+        <p14:creationId xmlns:p14="http://schemas.microsoft.com/office/powerpoint/2010/main" val="3575402814"/>
+      </p:ext>
+    </p:extLst>
+  </p:cSld>
+  <p:clrMapOvr>
+    <a:masterClrMapping/>
+  </p:clrMapOvr>
+  <mc:AlternateContent xmlns:mc="http://schemas.openxmlformats.org/markup-compatibility/2006" xmlns:p14="http://schemas.microsoft.com/office/powerpoint/2010/main">
+    <mc:Choice Requires="p14">
+      <p:transition spd="med" p14:dur="700">
+        <p:fade/>
+      </p:transition>
+    </mc:Choice>
+    <mc:Fallback xmlns="">
+      <p:transition spd="med">
+        <p:fade/>
+      </p:transition>
+    </mc:Fallback>
+  </mc:AlternateContent>
+</p:sld>
+</file>
+
+<file path=ppt/slides/slide16.xml><?xml version="1.0" encoding="utf-8"?>
+<p:sld xmlns:a="http://schemas.openxmlformats.org/drawingml/2006/main" xmlns:r="http://schemas.openxmlformats.org/officeDocument/2006/relationships" xmlns:p="http://schemas.openxmlformats.org/presentationml/2006/main">
+  <p:cSld>
+    <p:spTree>
+      <p:nvGrpSpPr>
+        <p:cNvPr id="1" name=""/>
+        <p:cNvGrpSpPr/>
+        <p:nvPr/>
+      </p:nvGrpSpPr>
+      <p:grpSpPr>
+        <a:xfrm>
+          <a:off x="0" y="0"/>
+          <a:ext cx="0" cy="0"/>
+          <a:chOff x="0" y="0"/>
+          <a:chExt cx="0" cy="0"/>
+        </a:xfrm>
+      </p:grpSpPr>
+      <p:sp>
+        <p:nvSpPr>
+          <p:cNvPr id="2" name="标题 1"/>
+          <p:cNvSpPr>
+            <a:spLocks noGrp="1"/>
+          </p:cNvSpPr>
+          <p:nvPr>
+            <p:ph type="title"/>
+          </p:nvPr>
+        </p:nvSpPr>
+        <p:spPr/>
+        <p:txBody>
+          <a:bodyPr/>
+          <a:lstStyle/>
+          <a:p>
+            <a:r>
+              <a:rPr lang="en-US" altLang="zh-CN" dirty="0"/>
+              <a:t>6.3 Evaluation Orders for SDD 's - Dependency Graphs</a:t>
+            </a:r>
+            <a:endParaRPr lang="zh-CN" altLang="en-US" dirty="0"/>
+          </a:p>
+        </p:txBody>
+      </p:sp>
+      <p:pic>
+        <p:nvPicPr>
+          <p:cNvPr id="3" name="图片 2"/>
+          <p:cNvPicPr>
+            <a:picLocks noChangeAspect="1"/>
+          </p:cNvPicPr>
+          <p:nvPr/>
+        </p:nvPicPr>
+        <p:blipFill>
+          <a:blip r:embed="rId2"/>
+          <a:stretch>
+            <a:fillRect/>
+          </a:stretch>
+        </p:blipFill>
+        <p:spPr>
+          <a:xfrm>
+            <a:off x="717097" y="1600880"/>
+            <a:ext cx="8058150" cy="4505325"/>
+          </a:xfrm>
+          <a:prstGeom prst="rect">
+            <a:avLst/>
+          </a:prstGeom>
+        </p:spPr>
+      </p:pic>
+    </p:spTree>
+    <p:extLst>
+      <p:ext uri="{BB962C8B-B14F-4D97-AF65-F5344CB8AC3E}">
+        <p14:creationId xmlns:p14="http://schemas.microsoft.com/office/powerpoint/2010/main" val="2365190482"/>
+      </p:ext>
+    </p:extLst>
+  </p:cSld>
+  <p:clrMapOvr>
+    <a:masterClrMapping/>
+  </p:clrMapOvr>
+  <mc:AlternateContent xmlns:mc="http://schemas.openxmlformats.org/markup-compatibility/2006" xmlns:p14="http://schemas.microsoft.com/office/powerpoint/2010/main">
+    <mc:Choice Requires="p14">
+      <p:transition spd="med" p14:dur="700">
+        <p:fade/>
+      </p:transition>
+    </mc:Choice>
+    <mc:Fallback xmlns="">
+      <p:transition spd="med">
+        <p:fade/>
+      </p:transition>
+    </mc:Fallback>
+  </mc:AlternateContent>
+</p:sld>
+</file>
+
+<file path=ppt/slides/slide17.xml><?xml version="1.0" encoding="utf-8"?>
+<p:sld xmlns:a="http://schemas.openxmlformats.org/drawingml/2006/main" xmlns:r="http://schemas.openxmlformats.org/officeDocument/2006/relationships" xmlns:p="http://schemas.openxmlformats.org/presentationml/2006/main">
+  <p:cSld>
+    <p:spTree>
+      <p:nvGrpSpPr>
+        <p:cNvPr id="1" name=""/>
+        <p:cNvGrpSpPr/>
+        <p:nvPr/>
+      </p:nvGrpSpPr>
+      <p:grpSpPr>
+        <a:xfrm>
+          <a:off x="0" y="0"/>
+          <a:ext cx="0" cy="0"/>
+          <a:chOff x="0" y="0"/>
+          <a:chExt cx="0" cy="0"/>
+        </a:xfrm>
+      </p:grpSpPr>
+      <p:sp>
+        <p:nvSpPr>
+          <p:cNvPr id="2" name="标题 1"/>
+          <p:cNvSpPr>
+            <a:spLocks noGrp="1"/>
+          </p:cNvSpPr>
+          <p:nvPr>
+            <p:ph type="title"/>
+          </p:nvPr>
+        </p:nvSpPr>
+        <p:spPr/>
+        <p:txBody>
+          <a:bodyPr/>
+          <a:lstStyle/>
+          <a:p>
+            <a:r>
+              <a:rPr lang="en-US" altLang="zh-CN" dirty="0"/>
+              <a:t>6.3 Evaluation Orders for SDD 's - S-Attributed Definitions</a:t>
+            </a:r>
+          </a:p>
+        </p:txBody>
+      </p:sp>
+      <p:sp>
+        <p:nvSpPr>
+          <p:cNvPr id="3" name="内容占位符 2"/>
+          <p:cNvSpPr>
+            <a:spLocks noGrp="1"/>
+          </p:cNvSpPr>
+          <p:nvPr>
+            <p:ph idx="1"/>
+          </p:nvPr>
+        </p:nvSpPr>
+        <p:spPr/>
+        <p:txBody>
+          <a:bodyPr>
+            <a:normAutofit/>
+          </a:bodyPr>
+          <a:lstStyle/>
+          <a:p>
+            <a:r>
+              <a:rPr lang="en-US" altLang="zh-CN" sz="1800" b="1" dirty="0">
+                <a:solidFill>
+                  <a:srgbClr val="7030A0"/>
+                </a:solidFill>
+              </a:rPr>
+              <a:t>S-Attributed </a:t>
+            </a:r>
+            <a:r>
+              <a:rPr lang="en-US" altLang="zh-CN" sz="1800" b="1" dirty="0" smtClean="0">
+                <a:solidFill>
+                  <a:srgbClr val="7030A0"/>
+                </a:solidFill>
+              </a:rPr>
+              <a:t>Definitions</a:t>
+            </a:r>
+          </a:p>
+          <a:p>
+            <a:pPr lvl="1"/>
+            <a:r>
+              <a:rPr lang="en-US" altLang="zh-CN" sz="1600" dirty="0"/>
+              <a:t>An SDD is S-attributed if every attribute is </a:t>
+            </a:r>
+            <a:r>
+              <a:rPr lang="en-US" altLang="zh-CN" sz="1600" dirty="0" smtClean="0"/>
+              <a:t>synthesized</a:t>
+            </a:r>
+          </a:p>
+          <a:p>
+            <a:r>
+              <a:rPr lang="en-US" altLang="zh-CN" sz="1900" b="1" dirty="0">
+                <a:solidFill>
+                  <a:schemeClr val="tx2"/>
+                </a:solidFill>
+              </a:rPr>
+              <a:t>When an .SDD is S-attributed, we can evaluate its attributes in arty </a:t>
+            </a:r>
+            <a:r>
+              <a:rPr lang="en-US" altLang="zh-CN" sz="1900" b="1" dirty="0" smtClean="0">
+                <a:solidFill>
+                  <a:schemeClr val="tx2"/>
+                </a:solidFill>
+              </a:rPr>
+              <a:t>bottom up order </a:t>
+            </a:r>
+            <a:r>
+              <a:rPr lang="en-US" altLang="zh-CN" sz="1900" b="1" dirty="0">
+                <a:solidFill>
+                  <a:schemeClr val="tx2"/>
+                </a:solidFill>
+              </a:rPr>
+              <a:t>of the nodes of the parse tree. It is often especially simple to </a:t>
+            </a:r>
+            <a:r>
+              <a:rPr lang="en-US" altLang="zh-CN" sz="1900" b="1" dirty="0" smtClean="0">
+                <a:solidFill>
+                  <a:schemeClr val="tx2"/>
+                </a:solidFill>
+              </a:rPr>
+              <a:t>evaluate the </a:t>
+            </a:r>
+            <a:r>
+              <a:rPr lang="en-US" altLang="zh-CN" sz="1900" b="1" dirty="0">
+                <a:solidFill>
+                  <a:schemeClr val="tx2"/>
+                </a:solidFill>
+              </a:rPr>
+              <a:t>attributes by performing a </a:t>
+            </a:r>
+            <a:r>
+              <a:rPr lang="en-US" altLang="zh-CN" sz="1900" b="1" dirty="0" err="1">
+                <a:solidFill>
+                  <a:schemeClr val="tx2"/>
+                </a:solidFill>
+              </a:rPr>
+              <a:t>postorder</a:t>
+            </a:r>
+            <a:r>
+              <a:rPr lang="en-US" altLang="zh-CN" sz="1900" b="1" dirty="0">
+                <a:solidFill>
+                  <a:schemeClr val="tx2"/>
+                </a:solidFill>
+              </a:rPr>
+              <a:t> traversal of the parse tree and </a:t>
+            </a:r>
+            <a:r>
+              <a:rPr lang="en-US" altLang="zh-CN" sz="1900" b="1" dirty="0" smtClean="0">
+                <a:solidFill>
+                  <a:schemeClr val="tx2"/>
+                </a:solidFill>
+              </a:rPr>
+              <a:t>evaluating the </a:t>
+            </a:r>
+            <a:r>
+              <a:rPr lang="en-US" altLang="zh-CN" sz="1900" b="1" dirty="0">
+                <a:solidFill>
+                  <a:schemeClr val="tx2"/>
+                </a:solidFill>
+              </a:rPr>
+              <a:t>attributes at a node N when the traversal leaves N for the last </a:t>
+            </a:r>
+            <a:r>
+              <a:rPr lang="en-US" altLang="zh-CN" sz="1900" b="1" dirty="0" smtClean="0">
+                <a:solidFill>
+                  <a:schemeClr val="tx2"/>
+                </a:solidFill>
+              </a:rPr>
+              <a:t>time.</a:t>
+            </a:r>
+            <a:endParaRPr lang="zh-CN" altLang="en-US" sz="1900" b="1" dirty="0">
+              <a:solidFill>
+                <a:schemeClr val="tx2"/>
+              </a:solidFill>
+            </a:endParaRPr>
+          </a:p>
+        </p:txBody>
+      </p:sp>
+      <p:pic>
+        <p:nvPicPr>
+          <p:cNvPr id="4" name="图片 3"/>
+          <p:cNvPicPr>
+            <a:picLocks noChangeAspect="1"/>
+          </p:cNvPicPr>
+          <p:nvPr/>
+        </p:nvPicPr>
+        <p:blipFill>
+          <a:blip r:embed="rId2"/>
+          <a:stretch>
+            <a:fillRect/>
+          </a:stretch>
+        </p:blipFill>
+        <p:spPr>
+          <a:xfrm>
+            <a:off x="1547812" y="4104594"/>
+            <a:ext cx="6200775" cy="1152525"/>
+          </a:xfrm>
+          <a:prstGeom prst="rect">
+            <a:avLst/>
+          </a:prstGeom>
+        </p:spPr>
+      </p:pic>
+    </p:spTree>
+    <p:extLst>
+      <p:ext uri="{BB962C8B-B14F-4D97-AF65-F5344CB8AC3E}">
+        <p14:creationId xmlns:p14="http://schemas.microsoft.com/office/powerpoint/2010/main" val="3335338897"/>
+      </p:ext>
+    </p:extLst>
+  </p:cSld>
+  <p:clrMapOvr>
+    <a:masterClrMapping/>
+  </p:clrMapOvr>
+  <mc:AlternateContent xmlns:mc="http://schemas.openxmlformats.org/markup-compatibility/2006" xmlns:p14="http://schemas.microsoft.com/office/powerpoint/2010/main">
+    <mc:Choice Requires="p14">
+      <p:transition spd="med" p14:dur="700">
+        <p:fade/>
+      </p:transition>
+    </mc:Choice>
+    <mc:Fallback xmlns="">
+      <p:transition spd="med">
+        <p:fade/>
+      </p:transition>
+    </mc:Fallback>
+  </mc:AlternateContent>
+</p:sld>
+</file>
+
+<file path=ppt/slides/slide18.xml><?xml version="1.0" encoding="utf-8"?>
+<p:sld xmlns:a="http://schemas.openxmlformats.org/drawingml/2006/main" xmlns:r="http://schemas.openxmlformats.org/officeDocument/2006/relationships" xmlns:p="http://schemas.openxmlformats.org/presentationml/2006/main">
+  <p:cSld>
+    <p:spTree>
+      <p:nvGrpSpPr>
+        <p:cNvPr id="1" name=""/>
+        <p:cNvGrpSpPr/>
+        <p:nvPr/>
+      </p:nvGrpSpPr>
+      <p:grpSpPr>
+        <a:xfrm>
+          <a:off x="0" y="0"/>
+          <a:ext cx="0" cy="0"/>
+          <a:chOff x="0" y="0"/>
+          <a:chExt cx="0" cy="0"/>
+        </a:xfrm>
+      </p:grpSpPr>
+      <p:sp>
+        <p:nvSpPr>
+          <p:cNvPr id="2" name="标题 1"/>
+          <p:cNvSpPr>
+            <a:spLocks noGrp="1"/>
+          </p:cNvSpPr>
+          <p:nvPr>
+            <p:ph type="title"/>
+          </p:nvPr>
+        </p:nvSpPr>
+        <p:spPr/>
+        <p:txBody>
+          <a:bodyPr/>
+          <a:lstStyle/>
+          <a:p>
+            <a:r>
+              <a:rPr lang="en-US" altLang="zh-CN" dirty="0"/>
+              <a:t>6.3 Evaluation Orders for SDD 's - L-Attributed Definitions</a:t>
+            </a:r>
+          </a:p>
+        </p:txBody>
+      </p:sp>
+      <p:sp>
+        <p:nvSpPr>
+          <p:cNvPr id="3" name="内容占位符 2"/>
+          <p:cNvSpPr>
+            <a:spLocks noGrp="1"/>
+          </p:cNvSpPr>
+          <p:nvPr>
+            <p:ph idx="1"/>
+          </p:nvPr>
+        </p:nvSpPr>
+        <p:spPr/>
+        <p:txBody>
+          <a:bodyPr>
+            <a:normAutofit/>
+          </a:bodyPr>
+          <a:lstStyle/>
+          <a:p>
+            <a:r>
+              <a:rPr lang="en-US" altLang="zh-CN" sz="1800" b="1" dirty="0">
+                <a:solidFill>
+                  <a:srgbClr val="7030A0"/>
+                </a:solidFill>
+              </a:rPr>
+              <a:t>L-Attributed Definitions</a:t>
+            </a:r>
+            <a:endParaRPr lang="zh-CN" altLang="en-US" sz="1800" b="1" dirty="0">
+              <a:solidFill>
+                <a:srgbClr val="7030A0"/>
+              </a:solidFill>
+            </a:endParaRPr>
+          </a:p>
+        </p:txBody>
+      </p:sp>
+      <p:pic>
+        <p:nvPicPr>
+          <p:cNvPr id="4" name="图片 3"/>
+          <p:cNvPicPr>
+            <a:picLocks noChangeAspect="1"/>
+          </p:cNvPicPr>
+          <p:nvPr/>
+        </p:nvPicPr>
+        <p:blipFill>
+          <a:blip r:embed="rId2"/>
+          <a:stretch>
+            <a:fillRect/>
+          </a:stretch>
+        </p:blipFill>
+        <p:spPr>
+          <a:xfrm>
+            <a:off x="828675" y="1958068"/>
+            <a:ext cx="7705725" cy="2876550"/>
+          </a:xfrm>
+          <a:prstGeom prst="rect">
+            <a:avLst/>
+          </a:prstGeom>
+        </p:spPr>
+      </p:pic>
+      <p:pic>
+        <p:nvPicPr>
+          <p:cNvPr id="5" name="图片 4"/>
+          <p:cNvPicPr>
+            <a:picLocks noChangeAspect="1"/>
+          </p:cNvPicPr>
+          <p:nvPr/>
+        </p:nvPicPr>
+        <p:blipFill>
+          <a:blip r:embed="rId3"/>
+          <a:stretch>
+            <a:fillRect/>
+          </a:stretch>
+        </p:blipFill>
+        <p:spPr>
+          <a:xfrm>
+            <a:off x="1100137" y="4742543"/>
+            <a:ext cx="7324725" cy="1038225"/>
+          </a:xfrm>
+          <a:prstGeom prst="rect">
+            <a:avLst/>
+          </a:prstGeom>
+        </p:spPr>
+      </p:pic>
+    </p:spTree>
+    <p:extLst>
+      <p:ext uri="{BB962C8B-B14F-4D97-AF65-F5344CB8AC3E}">
+        <p14:creationId xmlns:p14="http://schemas.microsoft.com/office/powerpoint/2010/main" val="75573386"/>
+      </p:ext>
+    </p:extLst>
+  </p:cSld>
+  <p:clrMapOvr>
+    <a:masterClrMapping/>
+  </p:clrMapOvr>
+  <mc:AlternateContent xmlns:mc="http://schemas.openxmlformats.org/markup-compatibility/2006" xmlns:p14="http://schemas.microsoft.com/office/powerpoint/2010/main">
+    <mc:Choice Requires="p14">
+      <p:transition spd="med" p14:dur="700">
+        <p:fade/>
+      </p:transition>
+    </mc:Choice>
+    <mc:Fallback xmlns="">
+      <p:transition spd="med">
+        <p:fade/>
+      </p:transition>
+    </mc:Fallback>
+  </mc:AlternateContent>
+</p:sld>
+</file>
+
+<file path=ppt/slides/slide19.xml><?xml version="1.0" encoding="utf-8"?>
+<p:sld xmlns:a="http://schemas.openxmlformats.org/drawingml/2006/main" xmlns:r="http://schemas.openxmlformats.org/officeDocument/2006/relationships" xmlns:p="http://schemas.openxmlformats.org/presentationml/2006/main">
+  <p:cSld>
+    <p:spTree>
+      <p:nvGrpSpPr>
+        <p:cNvPr id="1" name=""/>
+        <p:cNvGrpSpPr/>
+        <p:nvPr/>
+      </p:nvGrpSpPr>
+      <p:grpSpPr>
+        <a:xfrm>
+          <a:off x="0" y="0"/>
+          <a:ext cx="0" cy="0"/>
+          <a:chOff x="0" y="0"/>
+          <a:chExt cx="0" cy="0"/>
+        </a:xfrm>
+      </p:grpSpPr>
+      <p:sp>
+        <p:nvSpPr>
+          <p:cNvPr id="2" name="标题 1"/>
+          <p:cNvSpPr>
+            <a:spLocks noGrp="1"/>
+          </p:cNvSpPr>
+          <p:nvPr>
+            <p:ph type="title"/>
+          </p:nvPr>
+        </p:nvSpPr>
+        <p:spPr/>
+        <p:txBody>
+          <a:bodyPr/>
+          <a:lstStyle/>
+          <a:p>
+            <a:r>
+              <a:rPr lang="en-US" altLang="zh-CN" dirty="0"/>
+              <a:t>6.3 Evaluation Orders for SDD 's - L-Attributed Definitions</a:t>
+            </a:r>
+          </a:p>
+        </p:txBody>
+      </p:sp>
+      <p:pic>
+        <p:nvPicPr>
+          <p:cNvPr id="4" name="图片 3"/>
+          <p:cNvPicPr>
+            <a:picLocks noChangeAspect="1"/>
+          </p:cNvPicPr>
+          <p:nvPr/>
+        </p:nvPicPr>
+        <p:blipFill>
+          <a:blip r:embed="rId2"/>
+          <a:stretch>
+            <a:fillRect/>
+          </a:stretch>
+        </p:blipFill>
+        <p:spPr>
+          <a:xfrm>
+            <a:off x="828675" y="1298525"/>
+            <a:ext cx="7175047" cy="1755597"/>
+          </a:xfrm>
+          <a:prstGeom prst="rect">
+            <a:avLst/>
+          </a:prstGeom>
+        </p:spPr>
+      </p:pic>
+      <p:pic>
+        <p:nvPicPr>
+          <p:cNvPr id="5" name="图片 4"/>
+          <p:cNvPicPr>
+            <a:picLocks noChangeAspect="1"/>
+          </p:cNvPicPr>
+          <p:nvPr/>
+        </p:nvPicPr>
+        <p:blipFill>
+          <a:blip r:embed="rId3"/>
+          <a:stretch>
+            <a:fillRect/>
+          </a:stretch>
+        </p:blipFill>
+        <p:spPr>
+          <a:xfrm>
+            <a:off x="828675" y="2883649"/>
+            <a:ext cx="6993755" cy="3887265"/>
+          </a:xfrm>
+          <a:prstGeom prst="rect">
+            <a:avLst/>
+          </a:prstGeom>
+        </p:spPr>
+      </p:pic>
+    </p:spTree>
+    <p:extLst>
+      <p:ext uri="{BB962C8B-B14F-4D97-AF65-F5344CB8AC3E}">
+        <p14:creationId xmlns:p14="http://schemas.microsoft.com/office/powerpoint/2010/main" val="2890361823"/>
+      </p:ext>
+    </p:extLst>
+  </p:cSld>
+  <p:clrMapOvr>
+    <a:masterClrMapping/>
+  </p:clrMapOvr>
+  <mc:AlternateContent xmlns:mc="http://schemas.openxmlformats.org/markup-compatibility/2006" xmlns:p14="http://schemas.microsoft.com/office/powerpoint/2010/main">
+    <mc:Choice Requires="p14">
+      <p:transition spd="med" p14:dur="700">
+        <p:fade/>
+      </p:transition>
+    </mc:Choice>
+    <mc:Fallback xmlns="">
+      <p:transition spd="med">
+        <p:fade/>
+      </p:transition>
+    </mc:Fallback>
+  </mc:AlternateContent>
+</p:sld>
+</file>
+
 <file path=ppt/slides/slide2.xml><?xml version="1.0" encoding="utf-8"?>
 <p:sld xmlns:a="http://schemas.openxmlformats.org/drawingml/2006/main" xmlns:r="http://schemas.openxmlformats.org/officeDocument/2006/relationships" xmlns:p="http://schemas.openxmlformats.org/presentationml/2006/main">
   <p:cSld>
@@ -5671,6 +7197,176 @@
     <p:extLst>
       <p:ext uri="{BB962C8B-B14F-4D97-AF65-F5344CB8AC3E}">
         <p14:creationId xmlns:p14="http://schemas.microsoft.com/office/powerpoint/2010/main" val="132884364"/>
+      </p:ext>
+    </p:extLst>
+  </p:cSld>
+  <p:clrMapOvr>
+    <a:masterClrMapping/>
+  </p:clrMapOvr>
+  <mc:AlternateContent xmlns:mc="http://schemas.openxmlformats.org/markup-compatibility/2006" xmlns:p14="http://schemas.microsoft.com/office/powerpoint/2010/main">
+    <mc:Choice Requires="p14">
+      <p:transition spd="med" p14:dur="700">
+        <p:fade/>
+      </p:transition>
+    </mc:Choice>
+    <mc:Fallback xmlns="">
+      <p:transition spd="med">
+        <p:fade/>
+      </p:transition>
+    </mc:Fallback>
+  </mc:AlternateContent>
+</p:sld>
+</file>
+
+<file path=ppt/slides/slide20.xml><?xml version="1.0" encoding="utf-8"?>
+<p:sld xmlns:a="http://schemas.openxmlformats.org/drawingml/2006/main" xmlns:r="http://schemas.openxmlformats.org/officeDocument/2006/relationships" xmlns:p="http://schemas.openxmlformats.org/presentationml/2006/main">
+  <p:cSld>
+    <p:spTree>
+      <p:nvGrpSpPr>
+        <p:cNvPr id="1" name=""/>
+        <p:cNvGrpSpPr/>
+        <p:nvPr/>
+      </p:nvGrpSpPr>
+      <p:grpSpPr>
+        <a:xfrm>
+          <a:off x="0" y="0"/>
+          <a:ext cx="0" cy="0"/>
+          <a:chOff x="0" y="0"/>
+          <a:chExt cx="0" cy="0"/>
+        </a:xfrm>
+      </p:grpSpPr>
+      <p:sp>
+        <p:nvSpPr>
+          <p:cNvPr id="2" name="标题 1"/>
+          <p:cNvSpPr>
+            <a:spLocks noGrp="1"/>
+          </p:cNvSpPr>
+          <p:nvPr>
+            <p:ph type="title"/>
+          </p:nvPr>
+        </p:nvSpPr>
+        <p:spPr/>
+        <p:txBody>
+          <a:bodyPr/>
+          <a:lstStyle/>
+          <a:p>
+            <a:pPr>
+              <a:lnSpc>
+                <a:spcPct val="100000"/>
+              </a:lnSpc>
+            </a:pPr>
+            <a:r>
+              <a:rPr lang="en-US" altLang="zh-CN" dirty="0"/>
+              <a:t>6.3 Evaluation Orders for SDD 's - Semantic Rules with Controlled Side Effects</a:t>
+            </a:r>
+            <a:endParaRPr lang="zh-CN" altLang="en-US" dirty="0"/>
+          </a:p>
+        </p:txBody>
+      </p:sp>
+      <p:sp>
+        <p:nvSpPr>
+          <p:cNvPr id="3" name="内容占位符 2"/>
+          <p:cNvSpPr>
+            <a:spLocks noGrp="1"/>
+          </p:cNvSpPr>
+          <p:nvPr>
+            <p:ph idx="1"/>
+          </p:nvPr>
+        </p:nvSpPr>
+        <p:spPr/>
+        <p:txBody>
+          <a:bodyPr>
+            <a:normAutofit/>
+          </a:bodyPr>
+          <a:lstStyle/>
+          <a:p>
+            <a:pPr>
+              <a:lnSpc>
+                <a:spcPct val="100000"/>
+              </a:lnSpc>
+            </a:pPr>
+            <a:r>
+              <a:rPr lang="en-US" altLang="zh-CN" sz="1600" dirty="0"/>
+              <a:t>We shall control side effects in SDD's in one of the following ways </a:t>
+            </a:r>
+            <a:r>
+              <a:rPr lang="en-US" altLang="zh-CN" sz="1600" dirty="0" smtClean="0"/>
+              <a:t>:</a:t>
+            </a:r>
+            <a:endParaRPr lang="en-US" altLang="zh-CN" sz="1300" dirty="0" smtClean="0"/>
+          </a:p>
+          <a:p>
+            <a:pPr>
+              <a:lnSpc>
+                <a:spcPct val="100000"/>
+              </a:lnSpc>
+            </a:pPr>
+            <a:r>
+              <a:rPr lang="en-US" altLang="zh-CN" sz="1600" dirty="0"/>
+              <a:t>Permit incidental side effects that do not constrain attribute </a:t>
+            </a:r>
+            <a:r>
+              <a:rPr lang="en-US" altLang="zh-CN" sz="1600" dirty="0" smtClean="0"/>
+              <a:t>evaluation. In </a:t>
+            </a:r>
+            <a:r>
+              <a:rPr lang="en-US" altLang="zh-CN" sz="1600" dirty="0"/>
+              <a:t>other words, permit side effects when attribute evaluation based on </a:t>
+            </a:r>
+            <a:r>
+              <a:rPr lang="en-US" altLang="zh-CN" sz="1600" dirty="0" smtClean="0"/>
+              <a:t>any topological </a:t>
+            </a:r>
+            <a:r>
+              <a:rPr lang="en-US" altLang="zh-CN" sz="1600" dirty="0"/>
+              <a:t>sort of the dependency graph produces a "correct" </a:t>
+            </a:r>
+            <a:r>
+              <a:rPr lang="en-US" altLang="zh-CN" sz="1600" dirty="0" smtClean="0"/>
+              <a:t>translation, where </a:t>
+            </a:r>
+            <a:r>
+              <a:rPr lang="en-US" altLang="zh-CN" sz="1600" dirty="0"/>
+              <a:t>"correct" depends on the application .</a:t>
+            </a:r>
+          </a:p>
+          <a:p>
+            <a:pPr>
+              <a:lnSpc>
+                <a:spcPct val="100000"/>
+              </a:lnSpc>
+            </a:pPr>
+            <a:r>
+              <a:rPr lang="en-US" altLang="zh-CN" sz="1600" dirty="0" smtClean="0"/>
+              <a:t> </a:t>
+            </a:r>
+            <a:r>
+              <a:rPr lang="en-US" altLang="zh-CN" sz="1600" dirty="0"/>
+              <a:t>Constrain the allowable evaluation orders, so that the same translation </a:t>
+            </a:r>
+            <a:r>
+              <a:rPr lang="en-US" altLang="zh-CN" sz="1600" dirty="0" smtClean="0"/>
+              <a:t>is produced </a:t>
+            </a:r>
+            <a:r>
+              <a:rPr lang="en-US" altLang="zh-CN" sz="1600" dirty="0"/>
+              <a:t>for any allowable order. The constraints can be thought of </a:t>
+            </a:r>
+            <a:r>
+              <a:rPr lang="en-US" altLang="zh-CN" sz="1600" dirty="0" smtClean="0"/>
+              <a:t>as implicit </a:t>
+            </a:r>
+            <a:r>
+              <a:rPr lang="en-US" altLang="zh-CN" sz="1600" dirty="0"/>
+              <a:t>edges added to the dependency graph.</a:t>
+            </a:r>
+          </a:p>
+        </p:txBody>
+      </p:sp>
+    </p:spTree>
+    <p:extLst>
+      <p:ext uri="{BB962C8B-B14F-4D97-AF65-F5344CB8AC3E}">
+        <p14:creationId xmlns:p14="http://schemas.microsoft.com/office/powerpoint/2010/main" val="2979827882"/>
       </p:ext>
     </p:extLst>
   </p:cSld>
@@ -5755,8 +7451,19 @@
           <a:p>
             <a:r>
               <a:rPr lang="en-US" altLang="zh-CN" dirty="0"/>
-              <a:t>Syntax-Directed Definitions</a:t>
-            </a:r>
+              <a:t>Syntax-Directed </a:t>
+            </a:r>
+            <a:r>
+              <a:rPr lang="en-US" altLang="zh-CN" dirty="0" smtClean="0"/>
+              <a:t>Definitions</a:t>
+            </a:r>
+          </a:p>
+          <a:p>
+            <a:r>
+              <a:rPr lang="en-US" altLang="zh-CN" dirty="0"/>
+              <a:t>Evaluation Orders for SDD 's</a:t>
+            </a:r>
+            <a:endParaRPr lang="en-US" altLang="zh-CN" dirty="0"/>
           </a:p>
           <a:p>
             <a:endParaRPr lang="en-US" altLang="zh-CN" dirty="0"/>
@@ -5922,7 +7629,7 @@
           <p:cNvPr id="6" name="图片 5">
             <a:extLst>
               <a:ext uri="{FF2B5EF4-FFF2-40B4-BE49-F238E27FC236}">
-                <a16:creationId xmlns:a16="http://schemas.microsoft.com/office/drawing/2014/main" id="{7C82A730-939B-4182-B617-CE5367D1FA16}"/>
+                <a16:creationId xmlns:a16="http://schemas.microsoft.com/office/drawing/2014/main" xmlns="" id="{7C82A730-939B-4182-B617-CE5367D1FA16}"/>
               </a:ext>
             </a:extLst>
           </p:cNvPr>
@@ -5952,7 +7659,7 @@
           <p:cNvPr id="7" name="矩形 6">
             <a:extLst>
               <a:ext uri="{FF2B5EF4-FFF2-40B4-BE49-F238E27FC236}">
-                <a16:creationId xmlns:a16="http://schemas.microsoft.com/office/drawing/2014/main" id="{225F7DE6-80B3-4B12-AF4E-4BFB981B7694}"/>
+                <a16:creationId xmlns:a16="http://schemas.microsoft.com/office/drawing/2014/main" xmlns="" id="{225F7DE6-80B3-4B12-AF4E-4BFB981B7694}"/>
               </a:ext>
             </a:extLst>
           </p:cNvPr>
@@ -5987,7 +7694,7 @@
           <p:cNvPr id="8" name="矩形 7">
             <a:extLst>
               <a:ext uri="{FF2B5EF4-FFF2-40B4-BE49-F238E27FC236}">
-                <a16:creationId xmlns:a16="http://schemas.microsoft.com/office/drawing/2014/main" id="{8CD4E63D-BCA8-466C-A68C-308C2F92ADBE}"/>
+                <a16:creationId xmlns:a16="http://schemas.microsoft.com/office/drawing/2014/main" xmlns="" id="{8CD4E63D-BCA8-466C-A68C-308C2F92ADBE}"/>
               </a:ext>
             </a:extLst>
           </p:cNvPr>
@@ -6030,7 +7737,7 @@
           <p:cNvPr id="10" name="直接箭头连接符 9">
             <a:extLst>
               <a:ext uri="{FF2B5EF4-FFF2-40B4-BE49-F238E27FC236}">
-                <a16:creationId xmlns:a16="http://schemas.microsoft.com/office/drawing/2014/main" id="{2A0BE18E-BFD3-485C-AB52-987C9F69FDA5}"/>
+                <a16:creationId xmlns:a16="http://schemas.microsoft.com/office/drawing/2014/main" xmlns="" id="{2A0BE18E-BFD3-485C-AB52-987C9F69FDA5}"/>
               </a:ext>
             </a:extLst>
           </p:cNvPr>
@@ -6114,7 +7821,7 @@
           <p:cNvPr id="2" name="标题 1">
             <a:extLst>
               <a:ext uri="{FF2B5EF4-FFF2-40B4-BE49-F238E27FC236}">
-                <a16:creationId xmlns:a16="http://schemas.microsoft.com/office/drawing/2014/main" id="{24F4F8E7-4DA6-4043-A142-FFD00000D364}"/>
+                <a16:creationId xmlns:a16="http://schemas.microsoft.com/office/drawing/2014/main" xmlns="" id="{24F4F8E7-4DA6-4043-A142-FFD00000D364}"/>
               </a:ext>
             </a:extLst>
           </p:cNvPr>
@@ -6143,7 +7850,7 @@
           <p:cNvPr id="3" name="内容占位符 2">
             <a:extLst>
               <a:ext uri="{FF2B5EF4-FFF2-40B4-BE49-F238E27FC236}">
-                <a16:creationId xmlns:a16="http://schemas.microsoft.com/office/drawing/2014/main" id="{EDE2676F-59AB-4DD6-B234-479EC08E73DD}"/>
+                <a16:creationId xmlns:a16="http://schemas.microsoft.com/office/drawing/2014/main" xmlns="" id="{EDE2676F-59AB-4DD6-B234-479EC08E73DD}"/>
               </a:ext>
             </a:extLst>
           </p:cNvPr>
@@ -6184,7 +7891,7 @@
           <p:cNvPr id="5" name="矩形 4">
             <a:extLst>
               <a:ext uri="{FF2B5EF4-FFF2-40B4-BE49-F238E27FC236}">
-                <a16:creationId xmlns:a16="http://schemas.microsoft.com/office/drawing/2014/main" id="{39DE9480-8F05-44FA-97B1-FF50EF5D73D0}"/>
+                <a16:creationId xmlns:a16="http://schemas.microsoft.com/office/drawing/2014/main" xmlns="" id="{39DE9480-8F05-44FA-97B1-FF50EF5D73D0}"/>
               </a:ext>
             </a:extLst>
           </p:cNvPr>
@@ -6258,7 +7965,7 @@
           <p:cNvPr id="7" name="图片 6">
             <a:extLst>
               <a:ext uri="{FF2B5EF4-FFF2-40B4-BE49-F238E27FC236}">
-                <a16:creationId xmlns:a16="http://schemas.microsoft.com/office/drawing/2014/main" id="{C9A7BF75-F594-43DA-AFC2-34EA0782CA66}"/>
+                <a16:creationId xmlns:a16="http://schemas.microsoft.com/office/drawing/2014/main" xmlns="" id="{C9A7BF75-F594-43DA-AFC2-34EA0782CA66}"/>
               </a:ext>
             </a:extLst>
           </p:cNvPr>
@@ -6288,7 +7995,7 @@
           <p:cNvPr id="8" name="矩形 7">
             <a:extLst>
               <a:ext uri="{FF2B5EF4-FFF2-40B4-BE49-F238E27FC236}">
-                <a16:creationId xmlns:a16="http://schemas.microsoft.com/office/drawing/2014/main" id="{24BFA8EF-A4B5-47C1-955D-97DA2A957F17}"/>
+                <a16:creationId xmlns:a16="http://schemas.microsoft.com/office/drawing/2014/main" xmlns="" id="{24BFA8EF-A4B5-47C1-955D-97DA2A957F17}"/>
               </a:ext>
             </a:extLst>
           </p:cNvPr>
@@ -6389,7 +8096,7 @@
           <p:cNvPr id="2" name="标题 1">
             <a:extLst>
               <a:ext uri="{FF2B5EF4-FFF2-40B4-BE49-F238E27FC236}">
-                <a16:creationId xmlns:a16="http://schemas.microsoft.com/office/drawing/2014/main" id="{0DD30E7F-B65C-4295-A0CF-6CA3E34F8DD8}"/>
+                <a16:creationId xmlns:a16="http://schemas.microsoft.com/office/drawing/2014/main" xmlns="" id="{0DD30E7F-B65C-4295-A0CF-6CA3E34F8DD8}"/>
               </a:ext>
             </a:extLst>
           </p:cNvPr>
@@ -6418,7 +8125,7 @@
           <p:cNvPr id="3" name="内容占位符 2">
             <a:extLst>
               <a:ext uri="{FF2B5EF4-FFF2-40B4-BE49-F238E27FC236}">
-                <a16:creationId xmlns:a16="http://schemas.microsoft.com/office/drawing/2014/main" id="{6075EA04-0D09-47A3-898C-E17D4DE095B3}"/>
+                <a16:creationId xmlns:a16="http://schemas.microsoft.com/office/drawing/2014/main" xmlns="" id="{6075EA04-0D09-47A3-898C-E17D4DE095B3}"/>
               </a:ext>
             </a:extLst>
           </p:cNvPr>
@@ -6443,17 +8150,84 @@
             </a:pPr>
             <a:r>
               <a:rPr lang="en-US" altLang="zh-CN" sz="1800" dirty="0"/>
-              <a:t>A syntax-directed definition ( SDD) is a context-free grammar together with attributes and rules. Attributes are associated with grammar symbols and </a:t>
-            </a:r>
-            <a:r>
-              <a:rPr lang="en-US" altLang="zh-CN" sz="1800"/>
-              <a:t>rules are </a:t>
-            </a:r>
+              <a:t>A syntax-directed definition ( SDD) is a context-free grammar together with attributes and rules. Attributes are associated with grammar symbols and rules are associated with productions. </a:t>
+            </a:r>
+            <a:endParaRPr lang="en-US" altLang="zh-CN" sz="1800" dirty="0" smtClean="0"/>
+          </a:p>
+          <a:p>
+            <a:pPr>
+              <a:lnSpc>
+                <a:spcPct val="100000"/>
+              </a:lnSpc>
+            </a:pPr>
             <a:r>
               <a:rPr lang="en-US" altLang="zh-CN" sz="1800" dirty="0"/>
-              <a:t>associated with productions. </a:t>
-            </a:r>
-            <a:endParaRPr lang="zh-CN" altLang="en-US" sz="1800" dirty="0"/>
+              <a:t>If X is a symbol and a is one of its </a:t>
+            </a:r>
+            <a:r>
+              <a:rPr lang="en-US" altLang="zh-CN" sz="1800" dirty="0" smtClean="0"/>
+              <a:t>attributes, then </a:t>
+            </a:r>
+            <a:r>
+              <a:rPr lang="en-US" altLang="zh-CN" sz="1800" dirty="0"/>
+              <a:t>we write </a:t>
+            </a:r>
+            <a:r>
+              <a:rPr lang="en-US" altLang="zh-CN" sz="1800" dirty="0" err="1"/>
+              <a:t>X.a</a:t>
+            </a:r>
+            <a:r>
+              <a:rPr lang="en-US" altLang="zh-CN" sz="1800" dirty="0"/>
+              <a:t> to denote the value of a at a particular parse-tree </a:t>
+            </a:r>
+            <a:r>
+              <a:rPr lang="en-US" altLang="zh-CN" sz="1800" dirty="0" smtClean="0"/>
+              <a:t>node labeled </a:t>
+            </a:r>
+            <a:r>
+              <a:rPr lang="en-US" altLang="zh-CN" sz="1800" dirty="0"/>
+              <a:t>X</a:t>
+            </a:r>
+            <a:r>
+              <a:rPr lang="en-US" altLang="zh-CN" sz="1800" dirty="0" smtClean="0"/>
+              <a:t>.</a:t>
+            </a:r>
+          </a:p>
+          <a:p>
+            <a:pPr>
+              <a:lnSpc>
+                <a:spcPct val="100000"/>
+              </a:lnSpc>
+            </a:pPr>
+            <a:endParaRPr lang="en-US" altLang="zh-CN" sz="1800" dirty="0"/>
+          </a:p>
+          <a:p>
+            <a:pPr>
+              <a:lnSpc>
+                <a:spcPct val="100000"/>
+              </a:lnSpc>
+            </a:pPr>
+            <a:r>
+              <a:rPr lang="en-US" altLang="zh-CN" sz="1800" dirty="0"/>
+              <a:t>Attributes may be of any kind: numbers , types , </a:t>
+            </a:r>
+            <a:r>
+              <a:rPr lang="en-US" altLang="zh-CN" sz="1800" dirty="0" smtClean="0"/>
+              <a:t>table references </a:t>
+            </a:r>
+            <a:r>
+              <a:rPr lang="en-US" altLang="zh-CN" sz="1800" dirty="0"/>
+              <a:t>, or strings, for instance. The strings may even be long sequences </a:t>
+            </a:r>
+            <a:r>
+              <a:rPr lang="en-US" altLang="zh-CN" sz="1800" dirty="0" smtClean="0"/>
+              <a:t>of code</a:t>
+            </a:r>
+            <a:r>
+              <a:rPr lang="en-US" altLang="zh-CN" sz="1800" dirty="0"/>
+              <a:t>, say code in the intermediate language used by a compiler.</a:t>
+            </a:r>
+            <a:endParaRPr lang="en-US" altLang="zh-CN" sz="1800" dirty="0"/>
           </a:p>
         </p:txBody>
       </p:sp>
@@ -6461,6 +8235,678 @@
     <p:extLst>
       <p:ext uri="{BB962C8B-B14F-4D97-AF65-F5344CB8AC3E}">
         <p14:creationId xmlns:p14="http://schemas.microsoft.com/office/powerpoint/2010/main" val="306129557"/>
+      </p:ext>
+    </p:extLst>
+  </p:cSld>
+  <p:clrMapOvr>
+    <a:masterClrMapping/>
+  </p:clrMapOvr>
+  <mc:AlternateContent xmlns:mc="http://schemas.openxmlformats.org/markup-compatibility/2006" xmlns:p14="http://schemas.microsoft.com/office/powerpoint/2010/main">
+    <mc:Choice Requires="p14">
+      <p:transition spd="med" p14:dur="700">
+        <p:fade/>
+      </p:transition>
+    </mc:Choice>
+    <mc:Fallback xmlns="">
+      <p:transition spd="med">
+        <p:fade/>
+      </p:transition>
+    </mc:Fallback>
+  </mc:AlternateContent>
+</p:sld>
+</file>
+
+<file path=ppt/slides/slide7.xml><?xml version="1.0" encoding="utf-8"?>
+<p:sld xmlns:a="http://schemas.openxmlformats.org/drawingml/2006/main" xmlns:r="http://schemas.openxmlformats.org/officeDocument/2006/relationships" xmlns:p="http://schemas.openxmlformats.org/presentationml/2006/main">
+  <p:cSld>
+    <p:spTree>
+      <p:nvGrpSpPr>
+        <p:cNvPr id="1" name=""/>
+        <p:cNvGrpSpPr/>
+        <p:nvPr/>
+      </p:nvGrpSpPr>
+      <p:grpSpPr>
+        <a:xfrm>
+          <a:off x="0" y="0"/>
+          <a:ext cx="0" cy="0"/>
+          <a:chOff x="0" y="0"/>
+          <a:chExt cx="0" cy="0"/>
+        </a:xfrm>
+      </p:grpSpPr>
+      <p:sp>
+        <p:nvSpPr>
+          <p:cNvPr id="2" name="标题 1"/>
+          <p:cNvSpPr>
+            <a:spLocks noGrp="1"/>
+          </p:cNvSpPr>
+          <p:nvPr>
+            <p:ph type="title"/>
+          </p:nvPr>
+        </p:nvSpPr>
+        <p:spPr/>
+        <p:txBody>
+          <a:bodyPr/>
+          <a:lstStyle/>
+          <a:p>
+            <a:r>
+              <a:rPr lang="en-US" altLang="zh-CN" dirty="0"/>
+              <a:t>6.2 Syntax-Directed </a:t>
+            </a:r>
+            <a:r>
+              <a:rPr lang="en-US" altLang="zh-CN" dirty="0" smtClean="0"/>
+              <a:t>Definitions</a:t>
+            </a:r>
+            <a:br>
+              <a:rPr lang="en-US" altLang="zh-CN" dirty="0" smtClean="0"/>
+            </a:br>
+            <a:r>
+              <a:rPr lang="en-US" altLang="zh-CN" dirty="0" smtClean="0"/>
+              <a:t>- Inherited </a:t>
+            </a:r>
+            <a:r>
+              <a:rPr lang="en-US" altLang="zh-CN" dirty="0"/>
+              <a:t>and Synthesized </a:t>
+            </a:r>
+            <a:r>
+              <a:rPr lang="en-US" altLang="zh-CN" dirty="0" smtClean="0"/>
+              <a:t>Attributes</a:t>
+            </a:r>
+            <a:endParaRPr lang="zh-CN" altLang="en-US" dirty="0"/>
+          </a:p>
+        </p:txBody>
+      </p:sp>
+      <p:sp>
+        <p:nvSpPr>
+          <p:cNvPr id="3" name="内容占位符 2"/>
+          <p:cNvSpPr>
+            <a:spLocks noGrp="1"/>
+          </p:cNvSpPr>
+          <p:nvPr>
+            <p:ph idx="1"/>
+          </p:nvPr>
+        </p:nvSpPr>
+        <p:spPr/>
+        <p:txBody>
+          <a:bodyPr>
+            <a:normAutofit/>
+          </a:bodyPr>
+          <a:lstStyle/>
+          <a:p>
+            <a:pPr>
+              <a:lnSpc>
+                <a:spcPct val="100000"/>
+              </a:lnSpc>
+            </a:pPr>
+            <a:r>
+              <a:rPr lang="en-US" altLang="zh-CN" sz="1800" b="1" i="1" u="sng" dirty="0">
+                <a:solidFill>
+                  <a:srgbClr val="7030A0"/>
+                </a:solidFill>
+              </a:rPr>
+              <a:t>A synthesized attribute </a:t>
+            </a:r>
+            <a:r>
+              <a:rPr lang="en-US" altLang="zh-CN" sz="1800" dirty="0"/>
+              <a:t>for a nonterminal A at a parse-tree node N </a:t>
+            </a:r>
+            <a:r>
+              <a:rPr lang="en-US" altLang="zh-CN" sz="1800" dirty="0" smtClean="0"/>
+              <a:t>is defined </a:t>
+            </a:r>
+            <a:r>
+              <a:rPr lang="en-US" altLang="zh-CN" sz="1800" dirty="0"/>
+              <a:t>by a semantic rule associated with the production at N. </a:t>
+            </a:r>
+            <a:r>
+              <a:rPr lang="en-US" altLang="zh-CN" sz="1800" dirty="0" smtClean="0"/>
+              <a:t>Note that </a:t>
+            </a:r>
+            <a:r>
+              <a:rPr lang="en-US" altLang="zh-CN" sz="1800" dirty="0"/>
+              <a:t>the production must have A as its head. A synthesized attribute </a:t>
+            </a:r>
+            <a:r>
+              <a:rPr lang="en-US" altLang="zh-CN" sz="1800" dirty="0" smtClean="0"/>
+              <a:t>at node </a:t>
+            </a:r>
+            <a:r>
+              <a:rPr lang="en-US" altLang="zh-CN" sz="1800" dirty="0"/>
+              <a:t>N is defined only in terms of attribute values at the children of </a:t>
+            </a:r>
+            <a:r>
+              <a:rPr lang="en-US" altLang="zh-CN" sz="1800" dirty="0" smtClean="0"/>
+              <a:t>N and </a:t>
+            </a:r>
+            <a:r>
+              <a:rPr lang="en-US" altLang="zh-CN" sz="1800" dirty="0"/>
+              <a:t>at N itself</a:t>
+            </a:r>
+            <a:r>
+              <a:rPr lang="en-US" altLang="zh-CN" sz="1800" dirty="0" smtClean="0"/>
+              <a:t>.</a:t>
+            </a:r>
+          </a:p>
+          <a:p>
+            <a:pPr>
+              <a:lnSpc>
+                <a:spcPct val="100000"/>
+              </a:lnSpc>
+            </a:pPr>
+            <a:endParaRPr lang="en-US" altLang="zh-CN" sz="1800" dirty="0"/>
+          </a:p>
+          <a:p>
+            <a:pPr>
+              <a:lnSpc>
+                <a:spcPct val="100000"/>
+              </a:lnSpc>
+            </a:pPr>
+            <a:r>
+              <a:rPr lang="en-US" altLang="zh-CN" sz="1800" b="1" i="1" u="sng" dirty="0">
+                <a:solidFill>
+                  <a:srgbClr val="7030A0"/>
+                </a:solidFill>
+              </a:rPr>
+              <a:t>An inherited attribute </a:t>
+            </a:r>
+            <a:r>
+              <a:rPr lang="en-US" altLang="zh-CN" sz="1800" dirty="0"/>
+              <a:t>for a nonterminal B at a parse-tree node N </a:t>
+            </a:r>
+            <a:r>
+              <a:rPr lang="en-US" altLang="zh-CN" sz="1800" dirty="0" smtClean="0"/>
+              <a:t>is defined </a:t>
+            </a:r>
+            <a:r>
+              <a:rPr lang="en-US" altLang="zh-CN" sz="1800" dirty="0"/>
+              <a:t>by a semantic rule associated with the production at the </a:t>
+            </a:r>
+            <a:r>
+              <a:rPr lang="en-US" altLang="zh-CN" sz="1800" dirty="0" smtClean="0"/>
+              <a:t>parent of </a:t>
+            </a:r>
+            <a:r>
+              <a:rPr lang="en-US" altLang="zh-CN" sz="1800" dirty="0"/>
+              <a:t>N. Note that the production must have B as a symbol in its body. </a:t>
+            </a:r>
+            <a:r>
+              <a:rPr lang="en-US" altLang="zh-CN" sz="1800" dirty="0" smtClean="0"/>
+              <a:t>An inherited </a:t>
+            </a:r>
+            <a:r>
+              <a:rPr lang="en-US" altLang="zh-CN" sz="1800" dirty="0"/>
+              <a:t>attribute at node N is defined only in terms of attribute </a:t>
+            </a:r>
+            <a:r>
+              <a:rPr lang="en-US" altLang="zh-CN" sz="1800" dirty="0" smtClean="0"/>
+              <a:t>values at </a:t>
+            </a:r>
+            <a:r>
+              <a:rPr lang="en-US" altLang="zh-CN" sz="1800" dirty="0"/>
+              <a:t>N's parent , N itself, and N's siblings.</a:t>
+            </a:r>
+            <a:endParaRPr lang="zh-CN" altLang="en-US" sz="1800" dirty="0"/>
+          </a:p>
+        </p:txBody>
+      </p:sp>
+    </p:spTree>
+    <p:extLst>
+      <p:ext uri="{BB962C8B-B14F-4D97-AF65-F5344CB8AC3E}">
+        <p14:creationId xmlns:p14="http://schemas.microsoft.com/office/powerpoint/2010/main" val="817625544"/>
+      </p:ext>
+    </p:extLst>
+  </p:cSld>
+  <p:clrMapOvr>
+    <a:masterClrMapping/>
+  </p:clrMapOvr>
+  <mc:AlternateContent xmlns:mc="http://schemas.openxmlformats.org/markup-compatibility/2006" xmlns:p14="http://schemas.microsoft.com/office/powerpoint/2010/main">
+    <mc:Choice Requires="p14">
+      <p:transition spd="med" p14:dur="700">
+        <p:fade/>
+      </p:transition>
+    </mc:Choice>
+    <mc:Fallback xmlns="">
+      <p:transition spd="med">
+        <p:fade/>
+      </p:transition>
+    </mc:Fallback>
+  </mc:AlternateContent>
+</p:sld>
+</file>
+
+<file path=ppt/slides/slide8.xml><?xml version="1.0" encoding="utf-8"?>
+<p:sld xmlns:a="http://schemas.openxmlformats.org/drawingml/2006/main" xmlns:r="http://schemas.openxmlformats.org/officeDocument/2006/relationships" xmlns:p="http://schemas.openxmlformats.org/presentationml/2006/main">
+  <p:cSld>
+    <p:spTree>
+      <p:nvGrpSpPr>
+        <p:cNvPr id="1" name=""/>
+        <p:cNvGrpSpPr/>
+        <p:nvPr/>
+      </p:nvGrpSpPr>
+      <p:grpSpPr>
+        <a:xfrm>
+          <a:off x="0" y="0"/>
+          <a:ext cx="0" cy="0"/>
+          <a:chOff x="0" y="0"/>
+          <a:chExt cx="0" cy="0"/>
+        </a:xfrm>
+      </p:grpSpPr>
+      <p:sp>
+        <p:nvSpPr>
+          <p:cNvPr id="2" name="标题 1"/>
+          <p:cNvSpPr>
+            <a:spLocks noGrp="1"/>
+          </p:cNvSpPr>
+          <p:nvPr>
+            <p:ph type="title"/>
+          </p:nvPr>
+        </p:nvSpPr>
+        <p:spPr/>
+        <p:txBody>
+          <a:bodyPr/>
+          <a:lstStyle/>
+          <a:p>
+            <a:r>
+              <a:rPr lang="en-US" altLang="zh-CN" dirty="0"/>
+              <a:t>6.2 Syntax-Directed Definitions</a:t>
+            </a:r>
+            <a:br>
+              <a:rPr lang="en-US" altLang="zh-CN" dirty="0"/>
+            </a:br>
+            <a:r>
+              <a:rPr lang="en-US" altLang="zh-CN" dirty="0"/>
+              <a:t>- Inherited and Synthesized Attributes</a:t>
+            </a:r>
+            <a:endParaRPr lang="zh-CN" altLang="en-US" dirty="0"/>
+          </a:p>
+        </p:txBody>
+      </p:sp>
+      <p:sp>
+        <p:nvSpPr>
+          <p:cNvPr id="3" name="内容占位符 2"/>
+          <p:cNvSpPr>
+            <a:spLocks noGrp="1"/>
+          </p:cNvSpPr>
+          <p:nvPr>
+            <p:ph idx="1"/>
+          </p:nvPr>
+        </p:nvSpPr>
+        <p:spPr>
+          <a:xfrm>
+            <a:off x="828675" y="1600200"/>
+            <a:ext cx="7486650" cy="1034143"/>
+          </a:xfrm>
+        </p:spPr>
+        <p:txBody>
+          <a:bodyPr>
+            <a:normAutofit/>
+          </a:bodyPr>
+          <a:lstStyle/>
+          <a:p>
+            <a:r>
+              <a:rPr lang="en-US" altLang="zh-CN" sz="1600" dirty="0"/>
+              <a:t>Terminals can have synthesized attributes, but not inherited attributes. </a:t>
+            </a:r>
+            <a:r>
+              <a:rPr lang="en-US" altLang="zh-CN" sz="1600" dirty="0" smtClean="0"/>
+              <a:t>Attributes for </a:t>
+            </a:r>
+            <a:r>
+              <a:rPr lang="en-US" altLang="zh-CN" sz="1600" dirty="0"/>
+              <a:t>terminals have lexical values that are supplied by the lexical </a:t>
+            </a:r>
+            <a:r>
+              <a:rPr lang="en-US" altLang="zh-CN" sz="1600" dirty="0" smtClean="0"/>
+              <a:t>analyzer; there </a:t>
+            </a:r>
+            <a:r>
+              <a:rPr lang="en-US" altLang="zh-CN" sz="1600" dirty="0"/>
+              <a:t>are no semantic rules in the SDD itself for computing the value </a:t>
+            </a:r>
+            <a:r>
+              <a:rPr lang="en-US" altLang="zh-CN" sz="1600" dirty="0" smtClean="0"/>
+              <a:t>of an </a:t>
+            </a:r>
+            <a:r>
+              <a:rPr lang="en-US" altLang="zh-CN" sz="1600" dirty="0"/>
+              <a:t>attribute for a </a:t>
+            </a:r>
+            <a:r>
+              <a:rPr lang="en-US" altLang="zh-CN" sz="1600" dirty="0" smtClean="0"/>
+              <a:t>terminal</a:t>
+            </a:r>
+            <a:r>
+              <a:rPr lang="en-US" altLang="zh-CN" sz="1600" dirty="0"/>
+              <a:t>.</a:t>
+            </a:r>
+            <a:endParaRPr lang="zh-CN" altLang="en-US" sz="1600" dirty="0"/>
+          </a:p>
+        </p:txBody>
+      </p:sp>
+      <p:pic>
+        <p:nvPicPr>
+          <p:cNvPr id="4" name="图片 3"/>
+          <p:cNvPicPr>
+            <a:picLocks noChangeAspect="1"/>
+          </p:cNvPicPr>
+          <p:nvPr/>
+        </p:nvPicPr>
+        <p:blipFill>
+          <a:blip r:embed="rId2"/>
+          <a:stretch>
+            <a:fillRect/>
+          </a:stretch>
+        </p:blipFill>
+        <p:spPr>
+          <a:xfrm>
+            <a:off x="1071674" y="2634343"/>
+            <a:ext cx="6999514" cy="4179397"/>
+          </a:xfrm>
+          <a:prstGeom prst="rect">
+            <a:avLst/>
+          </a:prstGeom>
+        </p:spPr>
+      </p:pic>
+      <p:cxnSp>
+        <p:nvCxnSpPr>
+          <p:cNvPr id="6" name="直接连接符 5"/>
+          <p:cNvCxnSpPr/>
+          <p:nvPr/>
+        </p:nvCxnSpPr>
+        <p:spPr>
+          <a:xfrm flipV="1">
+            <a:off x="7184571" y="3429000"/>
+            <a:ext cx="457200" cy="10886"/>
+          </a:xfrm>
+          <a:prstGeom prst="line">
+            <a:avLst/>
+          </a:prstGeom>
+          <a:ln>
+            <a:solidFill>
+              <a:srgbClr val="FF0000"/>
+            </a:solidFill>
+          </a:ln>
+        </p:spPr>
+        <p:style>
+          <a:lnRef idx="3">
+            <a:schemeClr val="accent2"/>
+          </a:lnRef>
+          <a:fillRef idx="0">
+            <a:schemeClr val="accent2"/>
+          </a:fillRef>
+          <a:effectRef idx="2">
+            <a:schemeClr val="accent2"/>
+          </a:effectRef>
+          <a:fontRef idx="minor">
+            <a:schemeClr val="tx1"/>
+          </a:fontRef>
+        </p:style>
+      </p:cxnSp>
+      <p:cxnSp>
+        <p:nvCxnSpPr>
+          <p:cNvPr id="8" name="直接连接符 7"/>
+          <p:cNvCxnSpPr/>
+          <p:nvPr/>
+        </p:nvCxnSpPr>
+        <p:spPr>
+          <a:xfrm flipV="1">
+            <a:off x="1219200" y="3668486"/>
+            <a:ext cx="1632857" cy="10885"/>
+          </a:xfrm>
+          <a:prstGeom prst="line">
+            <a:avLst/>
+          </a:prstGeom>
+          <a:ln>
+            <a:solidFill>
+              <a:srgbClr val="FF0000"/>
+            </a:solidFill>
+          </a:ln>
+        </p:spPr>
+        <p:style>
+          <a:lnRef idx="3">
+            <a:schemeClr val="accent2"/>
+          </a:lnRef>
+          <a:fillRef idx="0">
+            <a:schemeClr val="accent2"/>
+          </a:fillRef>
+          <a:effectRef idx="2">
+            <a:schemeClr val="accent2"/>
+          </a:effectRef>
+          <a:fontRef idx="minor">
+            <a:schemeClr val="tx1"/>
+          </a:fontRef>
+        </p:style>
+      </p:cxnSp>
+    </p:spTree>
+    <p:extLst>
+      <p:ext uri="{BB962C8B-B14F-4D97-AF65-F5344CB8AC3E}">
+        <p14:creationId xmlns:p14="http://schemas.microsoft.com/office/powerpoint/2010/main" val="1906387091"/>
+      </p:ext>
+    </p:extLst>
+  </p:cSld>
+  <p:clrMapOvr>
+    <a:masterClrMapping/>
+  </p:clrMapOvr>
+  <mc:AlternateContent xmlns:mc="http://schemas.openxmlformats.org/markup-compatibility/2006" xmlns:p14="http://schemas.microsoft.com/office/powerpoint/2010/main">
+    <mc:Choice Requires="p14">
+      <p:transition spd="med" p14:dur="700">
+        <p:fade/>
+      </p:transition>
+    </mc:Choice>
+    <mc:Fallback xmlns="">
+      <p:transition spd="med">
+        <p:fade/>
+      </p:transition>
+    </mc:Fallback>
+  </mc:AlternateContent>
+</p:sld>
+</file>
+
+<file path=ppt/slides/slide9.xml><?xml version="1.0" encoding="utf-8"?>
+<p:sld xmlns:a="http://schemas.openxmlformats.org/drawingml/2006/main" xmlns:r="http://schemas.openxmlformats.org/officeDocument/2006/relationships" xmlns:p="http://schemas.openxmlformats.org/presentationml/2006/main">
+  <p:cSld>
+    <p:spTree>
+      <p:nvGrpSpPr>
+        <p:cNvPr id="1" name=""/>
+        <p:cNvGrpSpPr/>
+        <p:nvPr/>
+      </p:nvGrpSpPr>
+      <p:grpSpPr>
+        <a:xfrm>
+          <a:off x="0" y="0"/>
+          <a:ext cx="0" cy="0"/>
+          <a:chOff x="0" y="0"/>
+          <a:chExt cx="0" cy="0"/>
+        </a:xfrm>
+      </p:grpSpPr>
+      <p:sp>
+        <p:nvSpPr>
+          <p:cNvPr id="2" name="标题 1"/>
+          <p:cNvSpPr>
+            <a:spLocks noGrp="1"/>
+          </p:cNvSpPr>
+          <p:nvPr>
+            <p:ph type="title"/>
+          </p:nvPr>
+        </p:nvSpPr>
+        <p:spPr/>
+        <p:txBody>
+          <a:bodyPr/>
+          <a:lstStyle/>
+          <a:p>
+            <a:r>
+              <a:rPr lang="en-US" altLang="zh-CN" dirty="0"/>
+              <a:t>6.2 Syntax-Directed Definitions</a:t>
+            </a:r>
+            <a:br>
+              <a:rPr lang="en-US" altLang="zh-CN" dirty="0"/>
+            </a:br>
+            <a:r>
+              <a:rPr lang="en-US" altLang="zh-CN" dirty="0"/>
+              <a:t>- Inherited and Synthesized Attributes</a:t>
+            </a:r>
+            <a:endParaRPr lang="zh-CN" altLang="en-US" dirty="0"/>
+          </a:p>
+        </p:txBody>
+      </p:sp>
+      <p:sp>
+        <p:nvSpPr>
+          <p:cNvPr id="3" name="内容占位符 2"/>
+          <p:cNvSpPr>
+            <a:spLocks noGrp="1"/>
+          </p:cNvSpPr>
+          <p:nvPr>
+            <p:ph idx="1"/>
+          </p:nvPr>
+        </p:nvSpPr>
+        <p:spPr/>
+        <p:txBody>
+          <a:bodyPr>
+            <a:normAutofit/>
+          </a:bodyPr>
+          <a:lstStyle/>
+          <a:p>
+            <a:pPr>
+              <a:lnSpc>
+                <a:spcPct val="100000"/>
+              </a:lnSpc>
+            </a:pPr>
+            <a:r>
+              <a:rPr lang="en-US" altLang="zh-CN" sz="1600" dirty="0"/>
+              <a:t>An SDD that involves only synthesized attributes is called </a:t>
+            </a:r>
+            <a:r>
+              <a:rPr lang="en-US" altLang="zh-CN" sz="1600" b="1" dirty="0" smtClean="0">
+                <a:solidFill>
+                  <a:srgbClr val="7030A0"/>
+                </a:solidFill>
+              </a:rPr>
+              <a:t>S-attributed</a:t>
+            </a:r>
+            <a:r>
+              <a:rPr lang="en-US" altLang="zh-CN" sz="1600" dirty="0" smtClean="0"/>
+              <a:t>.</a:t>
+            </a:r>
+          </a:p>
+          <a:p>
+            <a:pPr>
+              <a:lnSpc>
+                <a:spcPct val="100000"/>
+              </a:lnSpc>
+            </a:pPr>
+            <a:r>
+              <a:rPr lang="en-US" altLang="zh-CN" sz="1600" dirty="0"/>
+              <a:t>In an S-attributed SDD, each rule </a:t>
+            </a:r>
+            <a:r>
+              <a:rPr lang="en-US" altLang="zh-CN" sz="1600" dirty="0" smtClean="0"/>
+              <a:t>computes an </a:t>
+            </a:r>
+            <a:r>
+              <a:rPr lang="en-US" altLang="zh-CN" sz="1600" dirty="0"/>
+              <a:t>attribute for the </a:t>
+            </a:r>
+            <a:r>
+              <a:rPr lang="en-US" altLang="zh-CN" sz="1600" dirty="0">
+                <a:solidFill>
+                  <a:srgbClr val="FF0000"/>
+                </a:solidFill>
+              </a:rPr>
+              <a:t>nonterminal at the head of a production from </a:t>
+            </a:r>
+            <a:r>
+              <a:rPr lang="en-US" altLang="zh-CN" sz="1600" dirty="0" smtClean="0">
+                <a:solidFill>
+                  <a:srgbClr val="FF0000"/>
+                </a:solidFill>
+              </a:rPr>
+              <a:t>attributes taken </a:t>
+            </a:r>
+            <a:r>
+              <a:rPr lang="en-US" altLang="zh-CN" sz="1600" dirty="0">
+                <a:solidFill>
+                  <a:srgbClr val="FF0000"/>
+                </a:solidFill>
+              </a:rPr>
+              <a:t>from the body of the production</a:t>
+            </a:r>
+            <a:r>
+              <a:rPr lang="en-US" altLang="zh-CN" sz="1600" dirty="0" smtClean="0"/>
+              <a:t>.</a:t>
+            </a:r>
+          </a:p>
+          <a:p>
+            <a:pPr>
+              <a:lnSpc>
+                <a:spcPct val="100000"/>
+              </a:lnSpc>
+            </a:pPr>
+            <a:r>
+              <a:rPr lang="en-US" altLang="zh-CN" sz="1600" dirty="0"/>
+              <a:t>An S-attributed SDD can be implemented naturally in conjunction with </a:t>
+            </a:r>
+            <a:r>
+              <a:rPr lang="en-US" altLang="zh-CN" sz="1600" dirty="0" smtClean="0"/>
+              <a:t>an LR </a:t>
+            </a:r>
+            <a:r>
+              <a:rPr lang="en-US" altLang="zh-CN" sz="1600" dirty="0"/>
+              <a:t>parser</a:t>
+            </a:r>
+            <a:r>
+              <a:rPr lang="en-US" altLang="zh-CN" sz="1600" dirty="0" smtClean="0"/>
+              <a:t>.</a:t>
+            </a:r>
+          </a:p>
+          <a:p>
+            <a:pPr>
+              <a:lnSpc>
+                <a:spcPct val="100000"/>
+              </a:lnSpc>
+            </a:pPr>
+            <a:r>
+              <a:rPr lang="en-US" altLang="zh-CN" sz="1600" dirty="0"/>
+              <a:t>An SDD without side effects is sometimes called an </a:t>
+            </a:r>
+            <a:r>
+              <a:rPr lang="en-US" altLang="zh-CN" sz="1600" b="1" i="1" dirty="0">
+                <a:solidFill>
+                  <a:srgbClr val="7030A0"/>
+                </a:solidFill>
+              </a:rPr>
+              <a:t>attribute grammar</a:t>
+            </a:r>
+            <a:r>
+              <a:rPr lang="en-US" altLang="zh-CN" sz="1600" dirty="0" smtClean="0"/>
+              <a:t>.</a:t>
+            </a:r>
+          </a:p>
+          <a:p>
+            <a:pPr marL="0" indent="0">
+              <a:lnSpc>
+                <a:spcPct val="100000"/>
+              </a:lnSpc>
+              <a:buNone/>
+            </a:pPr>
+            <a:r>
+              <a:rPr lang="en-US" altLang="zh-CN" sz="1600" dirty="0"/>
+              <a:t>Side effects: printing the result or </a:t>
+            </a:r>
+            <a:r>
+              <a:rPr lang="en-US" altLang="zh-CN" sz="1600" dirty="0" smtClean="0"/>
+              <a:t>interacting with </a:t>
+            </a:r>
+            <a:r>
+              <a:rPr lang="en-US" altLang="zh-CN" sz="1600" dirty="0"/>
+              <a:t>a symbol table</a:t>
+            </a:r>
+            <a:endParaRPr lang="en-US" altLang="zh-CN" sz="1600" dirty="0" smtClean="0"/>
+          </a:p>
+        </p:txBody>
+      </p:sp>
+    </p:spTree>
+    <p:extLst>
+      <p:ext uri="{BB962C8B-B14F-4D97-AF65-F5344CB8AC3E}">
+        <p14:creationId xmlns:p14="http://schemas.microsoft.com/office/powerpoint/2010/main" val="1691829660"/>
       </p:ext>
     </p:extLst>
   </p:cSld>
@@ -7230,141 +9676,6 @@
 </file>
 
 <file path=customXml/item1.xml><?xml version="1.0" encoding="utf-8"?>
-<p:properties xmlns:p="http://schemas.microsoft.com/office/2006/metadata/properties" xmlns:xsi="http://www.w3.org/2001/XMLSchema-instance" xmlns:pc="http://schemas.microsoft.com/office/infopath/2007/PartnerControls">
-  <documentManagement>
-    <APDescription xmlns="4873beb7-5857-4685-be1f-d57550cc96cc" xsi:nil="true"/>
-    <AssetExpire xmlns="4873beb7-5857-4685-be1f-d57550cc96cc">2029-01-01T08:00:00+00:00</AssetExpire>
-    <CampaignTagsTaxHTField0 xmlns="4873beb7-5857-4685-be1f-d57550cc96cc">
-      <Terms xmlns="http://schemas.microsoft.com/office/infopath/2007/PartnerControls"/>
-    </CampaignTagsTaxHTField0>
-    <IntlLangReviewDate xmlns="4873beb7-5857-4685-be1f-d57550cc96cc" xsi:nil="true"/>
-    <TPFriendlyName xmlns="4873beb7-5857-4685-be1f-d57550cc96cc" xsi:nil="true"/>
-    <IntlLangReview xmlns="4873beb7-5857-4685-be1f-d57550cc96cc">false</IntlLangReview>
-    <LocLastLocAttemptVersionLookup xmlns="4873beb7-5857-4685-be1f-d57550cc96cc">855024</LocLastLocAttemptVersionLookup>
-    <PolicheckWords xmlns="4873beb7-5857-4685-be1f-d57550cc96cc" xsi:nil="true"/>
-    <SubmitterId xmlns="4873beb7-5857-4685-be1f-d57550cc96cc" xsi:nil="true"/>
-    <AcquiredFrom xmlns="4873beb7-5857-4685-be1f-d57550cc96cc">Internal MS</AcquiredFrom>
-    <EditorialStatus xmlns="4873beb7-5857-4685-be1f-d57550cc96cc">Complete</EditorialStatus>
-    <Markets xmlns="4873beb7-5857-4685-be1f-d57550cc96cc"/>
-    <OriginAsset xmlns="4873beb7-5857-4685-be1f-d57550cc96cc" xsi:nil="true"/>
-    <AssetStart xmlns="4873beb7-5857-4685-be1f-d57550cc96cc">2012-08-31T08:50:00+00:00</AssetStart>
-    <FriendlyTitle xmlns="4873beb7-5857-4685-be1f-d57550cc96cc" xsi:nil="true"/>
-    <MarketSpecific xmlns="4873beb7-5857-4685-be1f-d57550cc96cc">false</MarketSpecific>
-    <TPNamespace xmlns="4873beb7-5857-4685-be1f-d57550cc96cc" xsi:nil="true"/>
-    <PublishStatusLookup xmlns="4873beb7-5857-4685-be1f-d57550cc96cc">
-      <Value>1616423</Value>
-    </PublishStatusLookup>
-    <APAuthor xmlns="4873beb7-5857-4685-be1f-d57550cc96cc">
-      <UserInfo>
-        <DisplayName>REDMOND\kristaa</DisplayName>
-        <AccountId>136</AccountId>
-        <AccountType/>
-      </UserInfo>
-    </APAuthor>
-    <TPCommandLine xmlns="4873beb7-5857-4685-be1f-d57550cc96cc" xsi:nil="true"/>
-    <IntlLangReviewer xmlns="4873beb7-5857-4685-be1f-d57550cc96cc" xsi:nil="true"/>
-    <OpenTemplate xmlns="4873beb7-5857-4685-be1f-d57550cc96cc">true</OpenTemplate>
-    <CSXSubmissionDate xmlns="4873beb7-5857-4685-be1f-d57550cc96cc" xsi:nil="true"/>
-    <TaxCatchAll xmlns="4873beb7-5857-4685-be1f-d57550cc96cc"/>
-    <Manager xmlns="4873beb7-5857-4685-be1f-d57550cc96cc" xsi:nil="true"/>
-    <NumericId xmlns="4873beb7-5857-4685-be1f-d57550cc96cc" xsi:nil="true"/>
-    <ParentAssetId xmlns="4873beb7-5857-4685-be1f-d57550cc96cc" xsi:nil="true"/>
-    <OriginalSourceMarket xmlns="4873beb7-5857-4685-be1f-d57550cc96cc" xsi:nil="true"/>
-    <ApprovalStatus xmlns="4873beb7-5857-4685-be1f-d57550cc96cc">InProgress</ApprovalStatus>
-    <TPComponent xmlns="4873beb7-5857-4685-be1f-d57550cc96cc" xsi:nil="true"/>
-    <EditorialTags xmlns="4873beb7-5857-4685-be1f-d57550cc96cc" xsi:nil="true"/>
-    <TPExecutable xmlns="4873beb7-5857-4685-be1f-d57550cc96cc" xsi:nil="true"/>
-    <TPLaunchHelpLink xmlns="4873beb7-5857-4685-be1f-d57550cc96cc" xsi:nil="true"/>
-    <LocComments xmlns="4873beb7-5857-4685-be1f-d57550cc96cc" xsi:nil="true"/>
-    <LocRecommendedHandoff xmlns="4873beb7-5857-4685-be1f-d57550cc96cc" xsi:nil="true"/>
-    <SourceTitle xmlns="4873beb7-5857-4685-be1f-d57550cc96cc" xsi:nil="true"/>
-    <CSXUpdate xmlns="4873beb7-5857-4685-be1f-d57550cc96cc">false</CSXUpdate>
-    <IntlLocPriority xmlns="4873beb7-5857-4685-be1f-d57550cc96cc" xsi:nil="true"/>
-    <UAProjectedTotalWords xmlns="4873beb7-5857-4685-be1f-d57550cc96cc" xsi:nil="true"/>
-    <AssetType xmlns="4873beb7-5857-4685-be1f-d57550cc96cc">TP</AssetType>
-    <MachineTranslated xmlns="4873beb7-5857-4685-be1f-d57550cc96cc">false</MachineTranslated>
-    <OutputCachingOn xmlns="4873beb7-5857-4685-be1f-d57550cc96cc">false</OutputCachingOn>
-    <TemplateStatus xmlns="4873beb7-5857-4685-be1f-d57550cc96cc">Complete</TemplateStatus>
-    <IsSearchable xmlns="4873beb7-5857-4685-be1f-d57550cc96cc">true</IsSearchable>
-    <ContentItem xmlns="4873beb7-5857-4685-be1f-d57550cc96cc" xsi:nil="true"/>
-    <HandoffToMSDN xmlns="4873beb7-5857-4685-be1f-d57550cc96cc" xsi:nil="true"/>
-    <ShowIn xmlns="4873beb7-5857-4685-be1f-d57550cc96cc">Show everywhere</ShowIn>
-    <ThumbnailAssetId xmlns="4873beb7-5857-4685-be1f-d57550cc96cc" xsi:nil="true"/>
-    <UALocComments xmlns="4873beb7-5857-4685-be1f-d57550cc96cc" xsi:nil="true"/>
-    <UALocRecommendation xmlns="4873beb7-5857-4685-be1f-d57550cc96cc">Localize</UALocRecommendation>
-    <LastModifiedDateTime xmlns="4873beb7-5857-4685-be1f-d57550cc96cc" xsi:nil="true"/>
-    <LegacyData xmlns="4873beb7-5857-4685-be1f-d57550cc96cc" xsi:nil="true"/>
-    <LocManualTestRequired xmlns="4873beb7-5857-4685-be1f-d57550cc96cc">false</LocManualTestRequired>
-    <LocMarketGroupTiers2 xmlns="4873beb7-5857-4685-be1f-d57550cc96cc" xsi:nil="true"/>
-    <ClipArtFilename xmlns="4873beb7-5857-4685-be1f-d57550cc96cc" xsi:nil="true"/>
-    <TPApplication xmlns="4873beb7-5857-4685-be1f-d57550cc96cc" xsi:nil="true"/>
-    <CSXHash xmlns="4873beb7-5857-4685-be1f-d57550cc96cc" xsi:nil="true"/>
-    <DirectSourceMarket xmlns="4873beb7-5857-4685-be1f-d57550cc96cc" xsi:nil="true"/>
-    <PrimaryImageGen xmlns="4873beb7-5857-4685-be1f-d57550cc96cc">true</PrimaryImageGen>
-    <PlannedPubDate xmlns="4873beb7-5857-4685-be1f-d57550cc96cc" xsi:nil="true"/>
-    <CSXSubmissionMarket xmlns="4873beb7-5857-4685-be1f-d57550cc96cc" xsi:nil="true"/>
-    <Downloads xmlns="4873beb7-5857-4685-be1f-d57550cc96cc">0</Downloads>
-    <ArtSampleDocs xmlns="4873beb7-5857-4685-be1f-d57550cc96cc" xsi:nil="true"/>
-    <TrustLevel xmlns="4873beb7-5857-4685-be1f-d57550cc96cc">1 Microsoft Managed Content</TrustLevel>
-    <BlockPublish xmlns="4873beb7-5857-4685-be1f-d57550cc96cc">false</BlockPublish>
-    <TPLaunchHelpLinkType xmlns="4873beb7-5857-4685-be1f-d57550cc96cc">Template</TPLaunchHelpLinkType>
-    <LocalizationTagsTaxHTField0 xmlns="4873beb7-5857-4685-be1f-d57550cc96cc">
-      <Terms xmlns="http://schemas.microsoft.com/office/infopath/2007/PartnerControls"/>
-    </LocalizationTagsTaxHTField0>
-    <BusinessGroup xmlns="4873beb7-5857-4685-be1f-d57550cc96cc" xsi:nil="true"/>
-    <Providers xmlns="4873beb7-5857-4685-be1f-d57550cc96cc" xsi:nil="true"/>
-    <TemplateTemplateType xmlns="4873beb7-5857-4685-be1f-d57550cc96cc">PowerPoint Presentation Template</TemplateTemplateType>
-    <TimesCloned xmlns="4873beb7-5857-4685-be1f-d57550cc96cc" xsi:nil="true"/>
-    <TPAppVersion xmlns="4873beb7-5857-4685-be1f-d57550cc96cc" xsi:nil="true"/>
-    <VoteCount xmlns="4873beb7-5857-4685-be1f-d57550cc96cc" xsi:nil="true"/>
-    <AverageRating xmlns="4873beb7-5857-4685-be1f-d57550cc96cc" xsi:nil="true"/>
-    <FeatureTagsTaxHTField0 xmlns="4873beb7-5857-4685-be1f-d57550cc96cc">
-      <Terms xmlns="http://schemas.microsoft.com/office/infopath/2007/PartnerControls"/>
-    </FeatureTagsTaxHTField0>
-    <Provider xmlns="4873beb7-5857-4685-be1f-d57550cc96cc" xsi:nil="true"/>
-    <UACurrentWords xmlns="4873beb7-5857-4685-be1f-d57550cc96cc" xsi:nil="true"/>
-    <AssetId xmlns="4873beb7-5857-4685-be1f-d57550cc96cc">TP103431361</AssetId>
-    <TPClientViewer xmlns="4873beb7-5857-4685-be1f-d57550cc96cc" xsi:nil="true"/>
-    <DSATActionTaken xmlns="4873beb7-5857-4685-be1f-d57550cc96cc" xsi:nil="true"/>
-    <APEditor xmlns="4873beb7-5857-4685-be1f-d57550cc96cc">
-      <UserInfo>
-        <DisplayName/>
-        <AccountId xsi:nil="true"/>
-        <AccountType/>
-      </UserInfo>
-    </APEditor>
-    <TPInstallLocation xmlns="4873beb7-5857-4685-be1f-d57550cc96cc" xsi:nil="true"/>
-    <OOCacheId xmlns="4873beb7-5857-4685-be1f-d57550cc96cc" xsi:nil="true"/>
-    <IsDeleted xmlns="4873beb7-5857-4685-be1f-d57550cc96cc">false</IsDeleted>
-    <PublishTargets xmlns="4873beb7-5857-4685-be1f-d57550cc96cc">OfficeOnlineVNext</PublishTargets>
-    <ApprovalLog xmlns="4873beb7-5857-4685-be1f-d57550cc96cc" xsi:nil="true"/>
-    <BugNumber xmlns="4873beb7-5857-4685-be1f-d57550cc96cc" xsi:nil="true"/>
-    <CrawlForDependencies xmlns="4873beb7-5857-4685-be1f-d57550cc96cc">false</CrawlForDependencies>
-    <InternalTagsTaxHTField0 xmlns="4873beb7-5857-4685-be1f-d57550cc96cc">
-      <Terms xmlns="http://schemas.microsoft.com/office/infopath/2007/PartnerControls"/>
-    </InternalTagsTaxHTField0>
-    <LastHandOff xmlns="4873beb7-5857-4685-be1f-d57550cc96cc" xsi:nil="true"/>
-    <Milestone xmlns="4873beb7-5857-4685-be1f-d57550cc96cc" xsi:nil="true"/>
-    <OriginalRelease xmlns="4873beb7-5857-4685-be1f-d57550cc96cc">15</OriginalRelease>
-    <RecommendationsModifier xmlns="4873beb7-5857-4685-be1f-d57550cc96cc" xsi:nil="true"/>
-    <ScenarioTagsTaxHTField0 xmlns="4873beb7-5857-4685-be1f-d57550cc96cc">
-      <Terms xmlns="http://schemas.microsoft.com/office/infopath/2007/PartnerControls"/>
-    </ScenarioTagsTaxHTField0>
-    <UANotes xmlns="4873beb7-5857-4685-be1f-d57550cc96cc" xsi:nil="true"/>
-  </documentManagement>
-</p:properties>
-</file>
-
-<file path=customXml/item2.xml><?xml version="1.0" encoding="utf-8"?>
-<?mso-contentType ?>
-<FormTemplates xmlns="http://schemas.microsoft.com/sharepoint/v3/contenttype/forms">
-  <Display>DocumentLibraryForm</Display>
-  <Edit>AssetEditForm</Edit>
-  <New>DocumentLibraryForm</New>
-</FormTemplates>
-</file>
-
-<file path=customXml/item3.xml><?xml version="1.0" encoding="utf-8"?>
 <ct:contentTypeSchema xmlns:ct="http://schemas.microsoft.com/office/2006/metadata/contentType" xmlns:ma="http://schemas.microsoft.com/office/2006/metadata/properties/metaAttributes" ct:_="" ma:_="" ma:contentTypeName="TemplateFile" ma:contentTypeID="0x0101006EDDDB5EE6D98C44930B742096920B300400F5B6D36B3EF94B4E9A635CDF2A18F5B8" ma:contentTypeVersion="72" ma:contentTypeDescription="Create a new document." ma:contentTypeScope="" ma:versionID="a23e56308344d904b51738559c3d67c9">
   <xsd:schema xmlns:xsd="http://www.w3.org/2001/XMLSchema" xmlns:xs="http://www.w3.org/2001/XMLSchema" xmlns:p="http://schemas.microsoft.com/office/2006/metadata/properties" xmlns:ns2="4873beb7-5857-4685-be1f-d57550cc96cc" targetNamespace="http://schemas.microsoft.com/office/2006/metadata/properties" ma:root="true" ma:fieldsID="cd0908cc4600e77bf5da051303e00c8d" ns2:_="">
     <xsd:import namespace="4873beb7-5857-4685-be1f-d57550cc96cc"/>
@@ -8404,31 +10715,142 @@
 </ct:contentTypeSchema>
 </file>
 
-<file path=customXml/itemProps1.xml><?xml version="1.0" encoding="utf-8"?>
-<ds:datastoreItem xmlns:ds="http://schemas.openxmlformats.org/officeDocument/2006/customXml" ds:itemID="{8CDDBB83-77C1-4099-A0AA-289882E745E2}">
-  <ds:schemaRefs>
-    <ds:schemaRef ds:uri="http://purl.org/dc/terms/"/>
-    <ds:schemaRef ds:uri="http://purl.org/dc/dcmitype/"/>
-    <ds:schemaRef ds:uri="http://www.w3.org/XML/1998/namespace"/>
-    <ds:schemaRef ds:uri="http://purl.org/dc/elements/1.1/"/>
-    <ds:schemaRef ds:uri="http://schemas.microsoft.com/office/infopath/2007/PartnerControls"/>
-    <ds:schemaRef ds:uri="http://schemas.microsoft.com/office/2006/documentManagement/types"/>
-    <ds:schemaRef ds:uri="http://schemas.openxmlformats.org/package/2006/metadata/core-properties"/>
-    <ds:schemaRef ds:uri="4873beb7-5857-4685-be1f-d57550cc96cc"/>
-    <ds:schemaRef ds:uri="http://schemas.microsoft.com/office/2006/metadata/properties"/>
-  </ds:schemaRefs>
-</ds:datastoreItem>
+<file path=customXml/item2.xml><?xml version="1.0" encoding="utf-8"?>
+<?mso-contentType ?>
+<FormTemplates xmlns="http://schemas.microsoft.com/sharepoint/v3/contenttype/forms">
+  <Display>DocumentLibraryForm</Display>
+  <Edit>AssetEditForm</Edit>
+  <New>DocumentLibraryForm</New>
+</FormTemplates>
 </file>
 
-<file path=customXml/itemProps2.xml><?xml version="1.0" encoding="utf-8"?>
-<ds:datastoreItem xmlns:ds="http://schemas.openxmlformats.org/officeDocument/2006/customXml" ds:itemID="{561E720F-F05D-4536-9C34-0CFCED65D3B7}">
-  <ds:schemaRefs>
-    <ds:schemaRef ds:uri="http://schemas.microsoft.com/sharepoint/v3/contenttype/forms"/>
-  </ds:schemaRefs>
-</ds:datastoreItem>
+<file path=customXml/item3.xml><?xml version="1.0" encoding="utf-8"?>
+<p:properties xmlns:p="http://schemas.microsoft.com/office/2006/metadata/properties" xmlns:xsi="http://www.w3.org/2001/XMLSchema-instance" xmlns:pc="http://schemas.microsoft.com/office/infopath/2007/PartnerControls">
+  <documentManagement>
+    <APDescription xmlns="4873beb7-5857-4685-be1f-d57550cc96cc" xsi:nil="true"/>
+    <AssetExpire xmlns="4873beb7-5857-4685-be1f-d57550cc96cc">2029-01-01T08:00:00+00:00</AssetExpire>
+    <CampaignTagsTaxHTField0 xmlns="4873beb7-5857-4685-be1f-d57550cc96cc">
+      <Terms xmlns="http://schemas.microsoft.com/office/infopath/2007/PartnerControls"/>
+    </CampaignTagsTaxHTField0>
+    <IntlLangReviewDate xmlns="4873beb7-5857-4685-be1f-d57550cc96cc" xsi:nil="true"/>
+    <TPFriendlyName xmlns="4873beb7-5857-4685-be1f-d57550cc96cc" xsi:nil="true"/>
+    <IntlLangReview xmlns="4873beb7-5857-4685-be1f-d57550cc96cc">false</IntlLangReview>
+    <LocLastLocAttemptVersionLookup xmlns="4873beb7-5857-4685-be1f-d57550cc96cc">855024</LocLastLocAttemptVersionLookup>
+    <PolicheckWords xmlns="4873beb7-5857-4685-be1f-d57550cc96cc" xsi:nil="true"/>
+    <SubmitterId xmlns="4873beb7-5857-4685-be1f-d57550cc96cc" xsi:nil="true"/>
+    <AcquiredFrom xmlns="4873beb7-5857-4685-be1f-d57550cc96cc">Internal MS</AcquiredFrom>
+    <EditorialStatus xmlns="4873beb7-5857-4685-be1f-d57550cc96cc">Complete</EditorialStatus>
+    <Markets xmlns="4873beb7-5857-4685-be1f-d57550cc96cc"/>
+    <OriginAsset xmlns="4873beb7-5857-4685-be1f-d57550cc96cc" xsi:nil="true"/>
+    <AssetStart xmlns="4873beb7-5857-4685-be1f-d57550cc96cc">2012-08-31T08:50:00+00:00</AssetStart>
+    <FriendlyTitle xmlns="4873beb7-5857-4685-be1f-d57550cc96cc" xsi:nil="true"/>
+    <MarketSpecific xmlns="4873beb7-5857-4685-be1f-d57550cc96cc">false</MarketSpecific>
+    <TPNamespace xmlns="4873beb7-5857-4685-be1f-d57550cc96cc" xsi:nil="true"/>
+    <PublishStatusLookup xmlns="4873beb7-5857-4685-be1f-d57550cc96cc">
+      <Value>1616423</Value>
+    </PublishStatusLookup>
+    <APAuthor xmlns="4873beb7-5857-4685-be1f-d57550cc96cc">
+      <UserInfo>
+        <DisplayName>REDMOND\kristaa</DisplayName>
+        <AccountId>136</AccountId>
+        <AccountType/>
+      </UserInfo>
+    </APAuthor>
+    <TPCommandLine xmlns="4873beb7-5857-4685-be1f-d57550cc96cc" xsi:nil="true"/>
+    <IntlLangReviewer xmlns="4873beb7-5857-4685-be1f-d57550cc96cc" xsi:nil="true"/>
+    <OpenTemplate xmlns="4873beb7-5857-4685-be1f-d57550cc96cc">true</OpenTemplate>
+    <CSXSubmissionDate xmlns="4873beb7-5857-4685-be1f-d57550cc96cc" xsi:nil="true"/>
+    <TaxCatchAll xmlns="4873beb7-5857-4685-be1f-d57550cc96cc"/>
+    <Manager xmlns="4873beb7-5857-4685-be1f-d57550cc96cc" xsi:nil="true"/>
+    <NumericId xmlns="4873beb7-5857-4685-be1f-d57550cc96cc" xsi:nil="true"/>
+    <ParentAssetId xmlns="4873beb7-5857-4685-be1f-d57550cc96cc" xsi:nil="true"/>
+    <OriginalSourceMarket xmlns="4873beb7-5857-4685-be1f-d57550cc96cc" xsi:nil="true"/>
+    <ApprovalStatus xmlns="4873beb7-5857-4685-be1f-d57550cc96cc">InProgress</ApprovalStatus>
+    <TPComponent xmlns="4873beb7-5857-4685-be1f-d57550cc96cc" xsi:nil="true"/>
+    <EditorialTags xmlns="4873beb7-5857-4685-be1f-d57550cc96cc" xsi:nil="true"/>
+    <TPExecutable xmlns="4873beb7-5857-4685-be1f-d57550cc96cc" xsi:nil="true"/>
+    <TPLaunchHelpLink xmlns="4873beb7-5857-4685-be1f-d57550cc96cc" xsi:nil="true"/>
+    <LocComments xmlns="4873beb7-5857-4685-be1f-d57550cc96cc" xsi:nil="true"/>
+    <LocRecommendedHandoff xmlns="4873beb7-5857-4685-be1f-d57550cc96cc" xsi:nil="true"/>
+    <SourceTitle xmlns="4873beb7-5857-4685-be1f-d57550cc96cc" xsi:nil="true"/>
+    <CSXUpdate xmlns="4873beb7-5857-4685-be1f-d57550cc96cc">false</CSXUpdate>
+    <IntlLocPriority xmlns="4873beb7-5857-4685-be1f-d57550cc96cc" xsi:nil="true"/>
+    <UAProjectedTotalWords xmlns="4873beb7-5857-4685-be1f-d57550cc96cc" xsi:nil="true"/>
+    <AssetType xmlns="4873beb7-5857-4685-be1f-d57550cc96cc">TP</AssetType>
+    <MachineTranslated xmlns="4873beb7-5857-4685-be1f-d57550cc96cc">false</MachineTranslated>
+    <OutputCachingOn xmlns="4873beb7-5857-4685-be1f-d57550cc96cc">false</OutputCachingOn>
+    <TemplateStatus xmlns="4873beb7-5857-4685-be1f-d57550cc96cc">Complete</TemplateStatus>
+    <IsSearchable xmlns="4873beb7-5857-4685-be1f-d57550cc96cc">true</IsSearchable>
+    <ContentItem xmlns="4873beb7-5857-4685-be1f-d57550cc96cc" xsi:nil="true"/>
+    <HandoffToMSDN xmlns="4873beb7-5857-4685-be1f-d57550cc96cc" xsi:nil="true"/>
+    <ShowIn xmlns="4873beb7-5857-4685-be1f-d57550cc96cc">Show everywhere</ShowIn>
+    <ThumbnailAssetId xmlns="4873beb7-5857-4685-be1f-d57550cc96cc" xsi:nil="true"/>
+    <UALocComments xmlns="4873beb7-5857-4685-be1f-d57550cc96cc" xsi:nil="true"/>
+    <UALocRecommendation xmlns="4873beb7-5857-4685-be1f-d57550cc96cc">Localize</UALocRecommendation>
+    <LastModifiedDateTime xmlns="4873beb7-5857-4685-be1f-d57550cc96cc" xsi:nil="true"/>
+    <LegacyData xmlns="4873beb7-5857-4685-be1f-d57550cc96cc" xsi:nil="true"/>
+    <LocManualTestRequired xmlns="4873beb7-5857-4685-be1f-d57550cc96cc">false</LocManualTestRequired>
+    <LocMarketGroupTiers2 xmlns="4873beb7-5857-4685-be1f-d57550cc96cc" xsi:nil="true"/>
+    <ClipArtFilename xmlns="4873beb7-5857-4685-be1f-d57550cc96cc" xsi:nil="true"/>
+    <TPApplication xmlns="4873beb7-5857-4685-be1f-d57550cc96cc" xsi:nil="true"/>
+    <CSXHash xmlns="4873beb7-5857-4685-be1f-d57550cc96cc" xsi:nil="true"/>
+    <DirectSourceMarket xmlns="4873beb7-5857-4685-be1f-d57550cc96cc" xsi:nil="true"/>
+    <PrimaryImageGen xmlns="4873beb7-5857-4685-be1f-d57550cc96cc">true</PrimaryImageGen>
+    <PlannedPubDate xmlns="4873beb7-5857-4685-be1f-d57550cc96cc" xsi:nil="true"/>
+    <CSXSubmissionMarket xmlns="4873beb7-5857-4685-be1f-d57550cc96cc" xsi:nil="true"/>
+    <Downloads xmlns="4873beb7-5857-4685-be1f-d57550cc96cc">0</Downloads>
+    <ArtSampleDocs xmlns="4873beb7-5857-4685-be1f-d57550cc96cc" xsi:nil="true"/>
+    <TrustLevel xmlns="4873beb7-5857-4685-be1f-d57550cc96cc">1 Microsoft Managed Content</TrustLevel>
+    <BlockPublish xmlns="4873beb7-5857-4685-be1f-d57550cc96cc">false</BlockPublish>
+    <TPLaunchHelpLinkType xmlns="4873beb7-5857-4685-be1f-d57550cc96cc">Template</TPLaunchHelpLinkType>
+    <LocalizationTagsTaxHTField0 xmlns="4873beb7-5857-4685-be1f-d57550cc96cc">
+      <Terms xmlns="http://schemas.microsoft.com/office/infopath/2007/PartnerControls"/>
+    </LocalizationTagsTaxHTField0>
+    <BusinessGroup xmlns="4873beb7-5857-4685-be1f-d57550cc96cc" xsi:nil="true"/>
+    <Providers xmlns="4873beb7-5857-4685-be1f-d57550cc96cc" xsi:nil="true"/>
+    <TemplateTemplateType xmlns="4873beb7-5857-4685-be1f-d57550cc96cc">PowerPoint Presentation Template</TemplateTemplateType>
+    <TimesCloned xmlns="4873beb7-5857-4685-be1f-d57550cc96cc" xsi:nil="true"/>
+    <TPAppVersion xmlns="4873beb7-5857-4685-be1f-d57550cc96cc" xsi:nil="true"/>
+    <VoteCount xmlns="4873beb7-5857-4685-be1f-d57550cc96cc" xsi:nil="true"/>
+    <AverageRating xmlns="4873beb7-5857-4685-be1f-d57550cc96cc" xsi:nil="true"/>
+    <FeatureTagsTaxHTField0 xmlns="4873beb7-5857-4685-be1f-d57550cc96cc">
+      <Terms xmlns="http://schemas.microsoft.com/office/infopath/2007/PartnerControls"/>
+    </FeatureTagsTaxHTField0>
+    <Provider xmlns="4873beb7-5857-4685-be1f-d57550cc96cc" xsi:nil="true"/>
+    <UACurrentWords xmlns="4873beb7-5857-4685-be1f-d57550cc96cc" xsi:nil="true"/>
+    <AssetId xmlns="4873beb7-5857-4685-be1f-d57550cc96cc">TP103431361</AssetId>
+    <TPClientViewer xmlns="4873beb7-5857-4685-be1f-d57550cc96cc" xsi:nil="true"/>
+    <DSATActionTaken xmlns="4873beb7-5857-4685-be1f-d57550cc96cc" xsi:nil="true"/>
+    <APEditor xmlns="4873beb7-5857-4685-be1f-d57550cc96cc">
+      <UserInfo>
+        <DisplayName/>
+        <AccountId xsi:nil="true"/>
+        <AccountType/>
+      </UserInfo>
+    </APEditor>
+    <TPInstallLocation xmlns="4873beb7-5857-4685-be1f-d57550cc96cc" xsi:nil="true"/>
+    <OOCacheId xmlns="4873beb7-5857-4685-be1f-d57550cc96cc" xsi:nil="true"/>
+    <IsDeleted xmlns="4873beb7-5857-4685-be1f-d57550cc96cc">false</IsDeleted>
+    <PublishTargets xmlns="4873beb7-5857-4685-be1f-d57550cc96cc">OfficeOnlineVNext</PublishTargets>
+    <ApprovalLog xmlns="4873beb7-5857-4685-be1f-d57550cc96cc" xsi:nil="true"/>
+    <BugNumber xmlns="4873beb7-5857-4685-be1f-d57550cc96cc" xsi:nil="true"/>
+    <CrawlForDependencies xmlns="4873beb7-5857-4685-be1f-d57550cc96cc">false</CrawlForDependencies>
+    <InternalTagsTaxHTField0 xmlns="4873beb7-5857-4685-be1f-d57550cc96cc">
+      <Terms xmlns="http://schemas.microsoft.com/office/infopath/2007/PartnerControls"/>
+    </InternalTagsTaxHTField0>
+    <LastHandOff xmlns="4873beb7-5857-4685-be1f-d57550cc96cc" xsi:nil="true"/>
+    <Milestone xmlns="4873beb7-5857-4685-be1f-d57550cc96cc" xsi:nil="true"/>
+    <OriginalRelease xmlns="4873beb7-5857-4685-be1f-d57550cc96cc">15</OriginalRelease>
+    <RecommendationsModifier xmlns="4873beb7-5857-4685-be1f-d57550cc96cc" xsi:nil="true"/>
+    <ScenarioTagsTaxHTField0 xmlns="4873beb7-5857-4685-be1f-d57550cc96cc">
+      <Terms xmlns="http://schemas.microsoft.com/office/infopath/2007/PartnerControls"/>
+    </ScenarioTagsTaxHTField0>
+    <UANotes xmlns="4873beb7-5857-4685-be1f-d57550cc96cc" xsi:nil="true"/>
+  </documentManagement>
+</p:properties>
 </file>
 
-<file path=customXml/itemProps3.xml><?xml version="1.0" encoding="utf-8"?>
+<file path=customXml/itemProps1.xml><?xml version="1.0" encoding="utf-8"?>
 <ds:datastoreItem xmlns:ds="http://schemas.openxmlformats.org/officeDocument/2006/customXml" ds:itemID="{28C8B9CA-0273-4370-889A-FC05DA5C2FA5}">
   <ds:schemaRefs>
     <ds:schemaRef ds:uri="http://schemas.microsoft.com/office/2006/metadata/contentType"/>
@@ -8444,4 +10866,28 @@
     <ds:schemaRef ds:uri="http://schemas.microsoft.com/internal/obd"/>
   </ds:schemaRefs>
 </ds:datastoreItem>
+</file>
+
+<file path=customXml/itemProps2.xml><?xml version="1.0" encoding="utf-8"?>
+<ds:datastoreItem xmlns:ds="http://schemas.openxmlformats.org/officeDocument/2006/customXml" ds:itemID="{561E720F-F05D-4536-9C34-0CFCED65D3B7}">
+  <ds:schemaRefs>
+    <ds:schemaRef ds:uri="http://schemas.microsoft.com/sharepoint/v3/contenttype/forms"/>
+  </ds:schemaRefs>
+</ds:datastoreItem>
+</file>
+
+<file path=customXml/itemProps3.xml><?xml version="1.0" encoding="utf-8"?>
+<ds:datastoreItem xmlns:ds="http://schemas.openxmlformats.org/officeDocument/2006/customXml" ds:itemID="{8CDDBB83-77C1-4099-A0AA-289882E745E2}">
+  <ds:schemaRefs>
+    <ds:schemaRef ds:uri="http://purl.org/dc/terms/"/>
+    <ds:schemaRef ds:uri="http://purl.org/dc/dcmitype/"/>
+    <ds:schemaRef ds:uri="http://www.w3.org/XML/1998/namespace"/>
+    <ds:schemaRef ds:uri="http://purl.org/dc/elements/1.1/"/>
+    <ds:schemaRef ds:uri="http://schemas.microsoft.com/office/infopath/2007/PartnerControls"/>
+    <ds:schemaRef ds:uri="http://schemas.microsoft.com/office/2006/documentManagement/types"/>
+    <ds:schemaRef ds:uri="http://schemas.openxmlformats.org/package/2006/metadata/core-properties"/>
+    <ds:schemaRef ds:uri="4873beb7-5857-4685-be1f-d57550cc96cc"/>
+    <ds:schemaRef ds:uri="http://schemas.microsoft.com/office/2006/metadata/properties"/>
+  </ds:schemaRefs>
+</ds:datastoreItem>
 </file>
--- a/course/compiler/LectureNotes/(Spring2017)Lecture6.pptx
+++ b/course/compiler/LectureNotes/(Spring2017)Lecture6.pptx
@@ -5,10 +5,10 @@
     <p:sldMasterId id="2147483648" r:id="rId4"/>
   </p:sldMasterIdLst>
   <p:notesMasterIdLst>
-    <p:notesMasterId r:id="rId25"/>
+    <p:notesMasterId r:id="rId31"/>
   </p:notesMasterIdLst>
   <p:handoutMasterIdLst>
-    <p:handoutMasterId r:id="rId26"/>
+    <p:handoutMasterId r:id="rId32"/>
   </p:handoutMasterIdLst>
   <p:sldIdLst>
     <p:sldId id="256" r:id="rId5"/>
@@ -31,6 +31,12 @@
     <p:sldId id="354" r:id="rId22"/>
     <p:sldId id="355" r:id="rId23"/>
     <p:sldId id="356" r:id="rId24"/>
+    <p:sldId id="357" r:id="rId25"/>
+    <p:sldId id="358" r:id="rId26"/>
+    <p:sldId id="359" r:id="rId27"/>
+    <p:sldId id="360" r:id="rId28"/>
+    <p:sldId id="361" r:id="rId29"/>
+    <p:sldId id="362" r:id="rId30"/>
   </p:sldIdLst>
   <p:sldSz cx="9144000" cy="6858000" type="screen4x3"/>
   <p:notesSz cx="6858000" cy="9144000"/>
@@ -246,7 +252,7 @@
                 <a:ea typeface="微软雅黑" panose="020B0503020204020204" pitchFamily="34" charset="-122"/>
               </a:rPr>
               <a:pPr algn="r" rtl="0"/>
-              <a:t>2017/5/24</a:t>
+              <a:t>2017/5/25</a:t>
             </a:fld>
             <a:endParaRPr lang="zh-CN" altLang="en-US" dirty="0">
               <a:latin typeface="微软雅黑" panose="020B0503020204020204" pitchFamily="34" charset="-122"/>
@@ -433,7 +439,7 @@
             <a:fld id="{229B22C3-6CB1-491B-AD00-E0837F23A3F3}" type="datetime1">
               <a:rPr lang="zh-CN" altLang="en-US" smtClean="0"/>
               <a:pPr/>
-              <a:t>2017/5/24</a:t>
+              <a:t>2017/5/25</a:t>
             </a:fld>
             <a:endParaRPr lang="zh-CN" altLang="en-US" dirty="0"/>
           </a:p>
@@ -1029,7 +1035,7 @@
             <a:fld id="{A7392AAC-879E-4B39-8824-AF6B730A809E}" type="datetime1">
               <a:rPr lang="zh-CN" altLang="en-US" smtClean="0"/>
               <a:pPr/>
-              <a:t>2017/5/24</a:t>
+              <a:t>2017/5/25</a:t>
             </a:fld>
             <a:endParaRPr lang="zh-CN" altLang="en-US" dirty="0"/>
           </a:p>
@@ -1370,7 +1376,7 @@
             <a:fld id="{7118C275-B304-48F5-8C4F-015CBCF4E7C1}" type="datetime1">
               <a:rPr lang="zh-CN" altLang="en-US" smtClean="0"/>
               <a:pPr/>
-              <a:t>2017/5/24</a:t>
+              <a:t>2017/5/25</a:t>
             </a:fld>
             <a:r>
               <a:rPr lang="zh-CN" altLang="en-US" dirty="0"/>
@@ -1576,7 +1582,7 @@
             <a:fld id="{98791AA9-DDCB-4BA8-AD1D-963A3AA00622}" type="datetime1">
               <a:rPr lang="zh-CN" altLang="en-US" smtClean="0"/>
               <a:pPr/>
-              <a:t>2017/5/24</a:t>
+              <a:t>2017/5/25</a:t>
             </a:fld>
             <a:endParaRPr lang="zh-CN" altLang="en-US" dirty="0"/>
           </a:p>
@@ -1780,7 +1786,7 @@
             <a:fld id="{9170426F-E661-472B-BE42-25E072CD46D9}" type="datetime1">
               <a:rPr lang="zh-CN" altLang="en-US" smtClean="0"/>
               <a:pPr/>
-              <a:t>2017/5/24</a:t>
+              <a:t>2017/5/25</a:t>
             </a:fld>
             <a:endParaRPr lang="zh-CN" altLang="en-US" dirty="0"/>
           </a:p>
@@ -2102,7 +2108,7 @@
             <a:fld id="{9BA78444-6099-4C0A-A3A9-C6F3C5D7F289}" type="datetime1">
               <a:rPr lang="zh-CN" altLang="en-US" smtClean="0"/>
               <a:pPr/>
-              <a:t>2017/5/24</a:t>
+              <a:t>2017/5/25</a:t>
             </a:fld>
             <a:endParaRPr lang="zh-CN" altLang="en-US" dirty="0"/>
           </a:p>
@@ -3214,7 +3220,7 @@
             <a:fld id="{AF5F6A19-70BF-4380-9A40-68C9536408C6}" type="datetime1">
               <a:rPr lang="zh-CN" altLang="en-US" smtClean="0"/>
               <a:pPr/>
-              <a:t>2017/5/24</a:t>
+              <a:t>2017/5/25</a:t>
             </a:fld>
             <a:endParaRPr lang="zh-CN" altLang="en-US" dirty="0"/>
           </a:p>
@@ -3613,7 +3619,7 @@
             <a:fld id="{6017EB90-196C-4C15-BD31-13E0E0436C73}" type="datetime1">
               <a:rPr lang="zh-CN" altLang="en-US" smtClean="0"/>
               <a:pPr/>
-              <a:t>2017/5/24</a:t>
+              <a:t>2017/5/25</a:t>
             </a:fld>
             <a:r>
               <a:rPr lang="zh-CN" altLang="en-US" dirty="0"/>
@@ -4095,7 +4101,7 @@
             <a:fld id="{C2EC0F41-B48F-4298-A7F6-618EB9D22195}" type="datetime1">
               <a:rPr lang="zh-CN" altLang="en-US" smtClean="0"/>
               <a:pPr/>
-              <a:t>2017/5/24</a:t>
+              <a:t>2017/5/25</a:t>
             </a:fld>
             <a:endParaRPr lang="zh-CN" altLang="en-US" dirty="0"/>
           </a:p>
@@ -4246,7 +4252,7 @@
             <a:fld id="{7DB2D836-56E8-4B15-857C-14B1A5B3B67B}" type="datetime1">
               <a:rPr lang="zh-CN" altLang="en-US" smtClean="0"/>
               <a:pPr/>
-              <a:t>2017/5/24</a:t>
+              <a:t>2017/5/25</a:t>
             </a:fld>
             <a:endParaRPr lang="zh-CN" altLang="en-US" dirty="0"/>
           </a:p>
@@ -4364,7 +4370,7 @@
             <a:fld id="{038D929F-7D8C-4CC3-8AC7-BB9B8FE2DEBF}" type="datetime1">
               <a:rPr lang="zh-CN" altLang="en-US" smtClean="0"/>
               <a:pPr/>
-              <a:t>2017/5/24</a:t>
+              <a:t>2017/5/25</a:t>
             </a:fld>
             <a:endParaRPr lang="zh-CN" altLang="en-US" dirty="0"/>
           </a:p>
@@ -4667,7 +4673,7 @@
             <a:fld id="{F7892ACC-8BC8-4C9E-9D2B-0669DA5038B6}" type="datetime1">
               <a:rPr lang="zh-CN" altLang="en-US" smtClean="0"/>
               <a:pPr/>
-              <a:t>2017/5/24</a:t>
+              <a:t>2017/5/25</a:t>
             </a:fld>
             <a:endParaRPr lang="zh-CN" altLang="en-US" dirty="0"/>
           </a:p>
@@ -4933,7 +4939,7 @@
             <a:fld id="{660B6A15-7713-4A08-BBFD-F297CCC2B976}" type="datetime1">
               <a:rPr lang="zh-CN" altLang="en-US" smtClean="0"/>
               <a:pPr/>
-              <a:t>2017/5/24</a:t>
+              <a:t>2017/5/25</a:t>
             </a:fld>
             <a:r>
               <a:rPr lang="zh-CN" altLang="en-US" dirty="0"/>
@@ -7388,6 +7394,755 @@
 </p:sld>
 </file>
 
+<file path=ppt/slides/slide21.xml><?xml version="1.0" encoding="utf-8"?>
+<p:sld xmlns:a="http://schemas.openxmlformats.org/drawingml/2006/main" xmlns:r="http://schemas.openxmlformats.org/officeDocument/2006/relationships" xmlns:p="http://schemas.openxmlformats.org/presentationml/2006/main">
+  <p:cSld>
+    <p:spTree>
+      <p:nvGrpSpPr>
+        <p:cNvPr id="1" name=""/>
+        <p:cNvGrpSpPr/>
+        <p:nvPr/>
+      </p:nvGrpSpPr>
+      <p:grpSpPr>
+        <a:xfrm>
+          <a:off x="0" y="0"/>
+          <a:ext cx="0" cy="0"/>
+          <a:chOff x="0" y="0"/>
+          <a:chExt cx="0" cy="0"/>
+        </a:xfrm>
+      </p:grpSpPr>
+      <p:sp>
+        <p:nvSpPr>
+          <p:cNvPr id="2" name="标题 1"/>
+          <p:cNvSpPr>
+            <a:spLocks noGrp="1"/>
+          </p:cNvSpPr>
+          <p:nvPr>
+            <p:ph type="title"/>
+          </p:nvPr>
+        </p:nvSpPr>
+        <p:spPr/>
+        <p:txBody>
+          <a:bodyPr/>
+          <a:lstStyle/>
+          <a:p>
+            <a:r>
+              <a:rPr lang="en-US" altLang="zh-CN" dirty="0"/>
+              <a:t>6.3 Evaluation Orders for SDD 's - Semantic Rules with Controlled Side Effects</a:t>
+            </a:r>
+            <a:endParaRPr lang="zh-CN" altLang="en-US" dirty="0"/>
+          </a:p>
+        </p:txBody>
+      </p:sp>
+      <p:pic>
+        <p:nvPicPr>
+          <p:cNvPr id="4" name="图片 3"/>
+          <p:cNvPicPr>
+            <a:picLocks noChangeAspect="1"/>
+          </p:cNvPicPr>
+          <p:nvPr/>
+        </p:nvPicPr>
+        <p:blipFill>
+          <a:blip r:embed="rId2"/>
+          <a:stretch>
+            <a:fillRect/>
+          </a:stretch>
+        </p:blipFill>
+        <p:spPr>
+          <a:xfrm>
+            <a:off x="585107" y="1428750"/>
+            <a:ext cx="8191500" cy="5429250"/>
+          </a:xfrm>
+          <a:prstGeom prst="rect">
+            <a:avLst/>
+          </a:prstGeom>
+        </p:spPr>
+      </p:pic>
+    </p:spTree>
+    <p:extLst>
+      <p:ext uri="{BB962C8B-B14F-4D97-AF65-F5344CB8AC3E}">
+        <p14:creationId xmlns:p14="http://schemas.microsoft.com/office/powerpoint/2010/main" val="1468500740"/>
+      </p:ext>
+    </p:extLst>
+  </p:cSld>
+  <p:clrMapOvr>
+    <a:masterClrMapping/>
+  </p:clrMapOvr>
+  <mc:AlternateContent xmlns:mc="http://schemas.openxmlformats.org/markup-compatibility/2006" xmlns:p14="http://schemas.microsoft.com/office/powerpoint/2010/main">
+    <mc:Choice Requires="p14">
+      <p:transition spd="med" p14:dur="700">
+        <p:fade/>
+      </p:transition>
+    </mc:Choice>
+    <mc:Fallback xmlns="">
+      <p:transition spd="med">
+        <p:fade/>
+      </p:transition>
+    </mc:Fallback>
+  </mc:AlternateContent>
+</p:sld>
+</file>
+
+<file path=ppt/slides/slide22.xml><?xml version="1.0" encoding="utf-8"?>
+<p:sld xmlns:a="http://schemas.openxmlformats.org/drawingml/2006/main" xmlns:r="http://schemas.openxmlformats.org/officeDocument/2006/relationships" xmlns:p="http://schemas.openxmlformats.org/presentationml/2006/main">
+  <p:cSld>
+    <p:spTree>
+      <p:nvGrpSpPr>
+        <p:cNvPr id="1" name=""/>
+        <p:cNvGrpSpPr/>
+        <p:nvPr/>
+      </p:nvGrpSpPr>
+      <p:grpSpPr>
+        <a:xfrm>
+          <a:off x="0" y="0"/>
+          <a:ext cx="0" cy="0"/>
+          <a:chOff x="0" y="0"/>
+          <a:chExt cx="0" cy="0"/>
+        </a:xfrm>
+      </p:grpSpPr>
+      <p:sp>
+        <p:nvSpPr>
+          <p:cNvPr id="2" name="标题 1"/>
+          <p:cNvSpPr>
+            <a:spLocks noGrp="1"/>
+          </p:cNvSpPr>
+          <p:nvPr>
+            <p:ph type="title"/>
+          </p:nvPr>
+        </p:nvSpPr>
+        <p:spPr/>
+        <p:txBody>
+          <a:bodyPr/>
+          <a:lstStyle/>
+          <a:p>
+            <a:r>
+              <a:rPr lang="en-US" altLang="zh-CN" dirty="0"/>
+              <a:t>6.3 Evaluation Orders for SDD 's - Semantic Rules with Controlled Side Effects</a:t>
+            </a:r>
+            <a:endParaRPr lang="zh-CN" altLang="en-US" dirty="0"/>
+          </a:p>
+        </p:txBody>
+      </p:sp>
+      <p:pic>
+        <p:nvPicPr>
+          <p:cNvPr id="4" name="图片 3"/>
+          <p:cNvPicPr>
+            <a:picLocks noChangeAspect="1"/>
+          </p:cNvPicPr>
+          <p:nvPr/>
+        </p:nvPicPr>
+        <p:blipFill>
+          <a:blip r:embed="rId2"/>
+          <a:stretch>
+            <a:fillRect/>
+          </a:stretch>
+        </p:blipFill>
+        <p:spPr>
+          <a:xfrm>
+            <a:off x="1247775" y="1719943"/>
+            <a:ext cx="6800850" cy="4572000"/>
+          </a:xfrm>
+          <a:prstGeom prst="rect">
+            <a:avLst/>
+          </a:prstGeom>
+        </p:spPr>
+      </p:pic>
+    </p:spTree>
+    <p:extLst>
+      <p:ext uri="{BB962C8B-B14F-4D97-AF65-F5344CB8AC3E}">
+        <p14:creationId xmlns:p14="http://schemas.microsoft.com/office/powerpoint/2010/main" val="518874326"/>
+      </p:ext>
+    </p:extLst>
+  </p:cSld>
+  <p:clrMapOvr>
+    <a:masterClrMapping/>
+  </p:clrMapOvr>
+  <mc:AlternateContent xmlns:mc="http://schemas.openxmlformats.org/markup-compatibility/2006" xmlns:p14="http://schemas.microsoft.com/office/powerpoint/2010/main">
+    <mc:Choice Requires="p14">
+      <p:transition spd="med" p14:dur="700">
+        <p:fade/>
+      </p:transition>
+    </mc:Choice>
+    <mc:Fallback xmlns="">
+      <p:transition spd="med">
+        <p:fade/>
+      </p:transition>
+    </mc:Fallback>
+  </mc:AlternateContent>
+</p:sld>
+</file>
+
+<file path=ppt/slides/slide23.xml><?xml version="1.0" encoding="utf-8"?>
+<p:sld xmlns:a="http://schemas.openxmlformats.org/drawingml/2006/main" xmlns:r="http://schemas.openxmlformats.org/officeDocument/2006/relationships" xmlns:p="http://schemas.openxmlformats.org/presentationml/2006/main">
+  <p:cSld>
+    <p:spTree>
+      <p:nvGrpSpPr>
+        <p:cNvPr id="1" name=""/>
+        <p:cNvGrpSpPr/>
+        <p:nvPr/>
+      </p:nvGrpSpPr>
+      <p:grpSpPr>
+        <a:xfrm>
+          <a:off x="0" y="0"/>
+          <a:ext cx="0" cy="0"/>
+          <a:chOff x="0" y="0"/>
+          <a:chExt cx="0" cy="0"/>
+        </a:xfrm>
+      </p:grpSpPr>
+      <p:sp>
+        <p:nvSpPr>
+          <p:cNvPr id="2" name="标题 1"/>
+          <p:cNvSpPr>
+            <a:spLocks noGrp="1"/>
+          </p:cNvSpPr>
+          <p:nvPr>
+            <p:ph type="title"/>
+          </p:nvPr>
+        </p:nvSpPr>
+        <p:spPr/>
+        <p:txBody>
+          <a:bodyPr/>
+          <a:lstStyle/>
+          <a:p>
+            <a:r>
+              <a:rPr lang="en-US" altLang="zh-CN" dirty="0"/>
+              <a:t>6.4 Applications of Syntax-Directed Translation</a:t>
+            </a:r>
+            <a:endParaRPr lang="zh-CN" altLang="en-US" dirty="0"/>
+          </a:p>
+        </p:txBody>
+      </p:sp>
+      <p:sp>
+        <p:nvSpPr>
+          <p:cNvPr id="3" name="内容占位符 2"/>
+          <p:cNvSpPr>
+            <a:spLocks noGrp="1"/>
+          </p:cNvSpPr>
+          <p:nvPr>
+            <p:ph idx="1"/>
+          </p:nvPr>
+        </p:nvSpPr>
+        <p:spPr/>
+        <p:txBody>
+          <a:bodyPr>
+            <a:normAutofit/>
+          </a:bodyPr>
+          <a:lstStyle/>
+          <a:p>
+            <a:pPr>
+              <a:lnSpc>
+                <a:spcPct val="100000"/>
+              </a:lnSpc>
+            </a:pPr>
+            <a:r>
+              <a:rPr lang="en-US" altLang="zh-CN" sz="1600" dirty="0">
+                <a:solidFill>
+                  <a:srgbClr val="0070C0"/>
+                </a:solidFill>
+              </a:rPr>
+              <a:t>Construction of Syntax </a:t>
+            </a:r>
+            <a:r>
+              <a:rPr lang="en-US" altLang="zh-CN" sz="1600" dirty="0" smtClean="0">
+                <a:solidFill>
+                  <a:srgbClr val="0070C0"/>
+                </a:solidFill>
+              </a:rPr>
+              <a:t>Trees</a:t>
+            </a:r>
+          </a:p>
+          <a:p>
+            <a:pPr marL="0" indent="0">
+              <a:lnSpc>
+                <a:spcPct val="100000"/>
+              </a:lnSpc>
+              <a:buNone/>
+            </a:pPr>
+            <a:endParaRPr lang="zh-CN" altLang="en-US" sz="1600" dirty="0">
+              <a:solidFill>
+                <a:srgbClr val="0070C0"/>
+              </a:solidFill>
+            </a:endParaRPr>
+          </a:p>
+        </p:txBody>
+      </p:sp>
+      <p:pic>
+        <p:nvPicPr>
+          <p:cNvPr id="4" name="图片 3"/>
+          <p:cNvPicPr>
+            <a:picLocks noChangeAspect="1"/>
+          </p:cNvPicPr>
+          <p:nvPr/>
+        </p:nvPicPr>
+        <p:blipFill>
+          <a:blip r:embed="rId2"/>
+          <a:stretch>
+            <a:fillRect/>
+          </a:stretch>
+        </p:blipFill>
+        <p:spPr>
+          <a:xfrm>
+            <a:off x="924148" y="2003985"/>
+            <a:ext cx="7390039" cy="1332486"/>
+          </a:xfrm>
+          <a:prstGeom prst="rect">
+            <a:avLst/>
+          </a:prstGeom>
+        </p:spPr>
+      </p:pic>
+      <p:pic>
+        <p:nvPicPr>
+          <p:cNvPr id="5" name="图片 4"/>
+          <p:cNvPicPr>
+            <a:picLocks noChangeAspect="1"/>
+          </p:cNvPicPr>
+          <p:nvPr/>
+        </p:nvPicPr>
+        <p:blipFill>
+          <a:blip r:embed="rId3"/>
+          <a:stretch>
+            <a:fillRect/>
+          </a:stretch>
+        </p:blipFill>
+        <p:spPr>
+          <a:xfrm>
+            <a:off x="1360145" y="3617085"/>
+            <a:ext cx="5955055" cy="2274500"/>
+          </a:xfrm>
+          <a:prstGeom prst="rect">
+            <a:avLst/>
+          </a:prstGeom>
+        </p:spPr>
+      </p:pic>
+    </p:spTree>
+    <p:extLst>
+      <p:ext uri="{BB962C8B-B14F-4D97-AF65-F5344CB8AC3E}">
+        <p14:creationId xmlns:p14="http://schemas.microsoft.com/office/powerpoint/2010/main" val="249846207"/>
+      </p:ext>
+    </p:extLst>
+  </p:cSld>
+  <p:clrMapOvr>
+    <a:masterClrMapping/>
+  </p:clrMapOvr>
+  <mc:AlternateContent xmlns:mc="http://schemas.openxmlformats.org/markup-compatibility/2006" xmlns:p14="http://schemas.microsoft.com/office/powerpoint/2010/main">
+    <mc:Choice Requires="p14">
+      <p:transition spd="med" p14:dur="700">
+        <p:fade/>
+      </p:transition>
+    </mc:Choice>
+    <mc:Fallback xmlns="">
+      <p:transition spd="med">
+        <p:fade/>
+      </p:transition>
+    </mc:Fallback>
+  </mc:AlternateContent>
+</p:sld>
+</file>
+
+<file path=ppt/slides/slide24.xml><?xml version="1.0" encoding="utf-8"?>
+<p:sld xmlns:a="http://schemas.openxmlformats.org/drawingml/2006/main" xmlns:r="http://schemas.openxmlformats.org/officeDocument/2006/relationships" xmlns:p="http://schemas.openxmlformats.org/presentationml/2006/main">
+  <p:cSld>
+    <p:spTree>
+      <p:nvGrpSpPr>
+        <p:cNvPr id="1" name=""/>
+        <p:cNvGrpSpPr/>
+        <p:nvPr/>
+      </p:nvGrpSpPr>
+      <p:grpSpPr>
+        <a:xfrm>
+          <a:off x="0" y="0"/>
+          <a:ext cx="0" cy="0"/>
+          <a:chOff x="0" y="0"/>
+          <a:chExt cx="0" cy="0"/>
+        </a:xfrm>
+      </p:grpSpPr>
+      <p:sp>
+        <p:nvSpPr>
+          <p:cNvPr id="2" name="标题 1"/>
+          <p:cNvSpPr>
+            <a:spLocks noGrp="1"/>
+          </p:cNvSpPr>
+          <p:nvPr>
+            <p:ph type="title"/>
+          </p:nvPr>
+        </p:nvSpPr>
+        <p:spPr/>
+        <p:txBody>
+          <a:bodyPr/>
+          <a:lstStyle/>
+          <a:p>
+            <a:r>
+              <a:rPr lang="en-US" altLang="zh-CN" dirty="0"/>
+              <a:t>6.4 Applications of Syntax-Directed Translation</a:t>
+            </a:r>
+            <a:endParaRPr lang="zh-CN" altLang="en-US" dirty="0"/>
+          </a:p>
+        </p:txBody>
+      </p:sp>
+      <p:pic>
+        <p:nvPicPr>
+          <p:cNvPr id="4" name="图片 3"/>
+          <p:cNvPicPr>
+            <a:picLocks noChangeAspect="1"/>
+          </p:cNvPicPr>
+          <p:nvPr/>
+        </p:nvPicPr>
+        <p:blipFill>
+          <a:blip r:embed="rId2"/>
+          <a:stretch>
+            <a:fillRect/>
+          </a:stretch>
+        </p:blipFill>
+        <p:spPr>
+          <a:xfrm>
+            <a:off x="1870809" y="1575006"/>
+            <a:ext cx="5401244" cy="4996564"/>
+          </a:xfrm>
+          <a:prstGeom prst="rect">
+            <a:avLst/>
+          </a:prstGeom>
+        </p:spPr>
+      </p:pic>
+    </p:spTree>
+    <p:extLst>
+      <p:ext uri="{BB962C8B-B14F-4D97-AF65-F5344CB8AC3E}">
+        <p14:creationId xmlns:p14="http://schemas.microsoft.com/office/powerpoint/2010/main" val="438349378"/>
+      </p:ext>
+    </p:extLst>
+  </p:cSld>
+  <p:clrMapOvr>
+    <a:masterClrMapping/>
+  </p:clrMapOvr>
+  <mc:AlternateContent xmlns:mc="http://schemas.openxmlformats.org/markup-compatibility/2006" xmlns:p14="http://schemas.microsoft.com/office/powerpoint/2010/main">
+    <mc:Choice Requires="p14">
+      <p:transition spd="med" p14:dur="700">
+        <p:fade/>
+      </p:transition>
+    </mc:Choice>
+    <mc:Fallback xmlns="">
+      <p:transition spd="med">
+        <p:fade/>
+      </p:transition>
+    </mc:Fallback>
+  </mc:AlternateContent>
+</p:sld>
+</file>
+
+<file path=ppt/slides/slide25.xml><?xml version="1.0" encoding="utf-8"?>
+<p:sld xmlns:a="http://schemas.openxmlformats.org/drawingml/2006/main" xmlns:r="http://schemas.openxmlformats.org/officeDocument/2006/relationships" xmlns:p="http://schemas.openxmlformats.org/presentationml/2006/main">
+  <p:cSld>
+    <p:spTree>
+      <p:nvGrpSpPr>
+        <p:cNvPr id="1" name=""/>
+        <p:cNvGrpSpPr/>
+        <p:nvPr/>
+      </p:nvGrpSpPr>
+      <p:grpSpPr>
+        <a:xfrm>
+          <a:off x="0" y="0"/>
+          <a:ext cx="0" cy="0"/>
+          <a:chOff x="0" y="0"/>
+          <a:chExt cx="0" cy="0"/>
+        </a:xfrm>
+      </p:grpSpPr>
+      <p:sp>
+        <p:nvSpPr>
+          <p:cNvPr id="2" name="标题 1"/>
+          <p:cNvSpPr>
+            <a:spLocks noGrp="1"/>
+          </p:cNvSpPr>
+          <p:nvPr>
+            <p:ph type="title"/>
+          </p:nvPr>
+        </p:nvSpPr>
+        <p:spPr/>
+        <p:txBody>
+          <a:bodyPr/>
+          <a:lstStyle/>
+          <a:p>
+            <a:r>
+              <a:rPr lang="en-US" altLang="zh-CN" dirty="0"/>
+              <a:t>6.4 Applications of Syntax-Directed Translation</a:t>
+            </a:r>
+            <a:endParaRPr lang="zh-CN" altLang="en-US" dirty="0"/>
+          </a:p>
+        </p:txBody>
+      </p:sp>
+      <p:pic>
+        <p:nvPicPr>
+          <p:cNvPr id="4" name="内容占位符 3"/>
+          <p:cNvPicPr>
+            <a:picLocks noGrp="1" noChangeAspect="1"/>
+          </p:cNvPicPr>
+          <p:nvPr>
+            <p:ph idx="1"/>
+          </p:nvPr>
+        </p:nvPicPr>
+        <p:blipFill>
+          <a:blip r:embed="rId2"/>
+          <a:stretch>
+            <a:fillRect/>
+          </a:stretch>
+        </p:blipFill>
+        <p:spPr>
+          <a:xfrm>
+            <a:off x="827537" y="1479227"/>
+            <a:ext cx="7486650" cy="612060"/>
+          </a:xfrm>
+          <a:prstGeom prst="rect">
+            <a:avLst/>
+          </a:prstGeom>
+        </p:spPr>
+      </p:pic>
+      <p:pic>
+        <p:nvPicPr>
+          <p:cNvPr id="5" name="图片 4"/>
+          <p:cNvPicPr>
+            <a:picLocks noChangeAspect="1"/>
+          </p:cNvPicPr>
+          <p:nvPr/>
+        </p:nvPicPr>
+        <p:blipFill>
+          <a:blip r:embed="rId3"/>
+          <a:stretch>
+            <a:fillRect/>
+          </a:stretch>
+        </p:blipFill>
+        <p:spPr>
+          <a:xfrm>
+            <a:off x="668111" y="5701393"/>
+            <a:ext cx="7981950" cy="876300"/>
+          </a:xfrm>
+          <a:prstGeom prst="rect">
+            <a:avLst/>
+          </a:prstGeom>
+        </p:spPr>
+      </p:pic>
+      <p:pic>
+        <p:nvPicPr>
+          <p:cNvPr id="6" name="图片 5"/>
+          <p:cNvPicPr>
+            <a:picLocks noChangeAspect="1"/>
+          </p:cNvPicPr>
+          <p:nvPr/>
+        </p:nvPicPr>
+        <p:blipFill>
+          <a:blip r:embed="rId4"/>
+          <a:stretch>
+            <a:fillRect/>
+          </a:stretch>
+        </p:blipFill>
+        <p:spPr>
+          <a:xfrm>
+            <a:off x="130629" y="2402225"/>
+            <a:ext cx="4207076" cy="2617333"/>
+          </a:xfrm>
+          <a:prstGeom prst="rect">
+            <a:avLst/>
+          </a:prstGeom>
+        </p:spPr>
+      </p:pic>
+      <p:pic>
+        <p:nvPicPr>
+          <p:cNvPr id="7" name="图片 6"/>
+          <p:cNvPicPr>
+            <a:picLocks noChangeAspect="1"/>
+          </p:cNvPicPr>
+          <p:nvPr/>
+        </p:nvPicPr>
+        <p:blipFill>
+          <a:blip r:embed="rId5"/>
+          <a:stretch>
+            <a:fillRect/>
+          </a:stretch>
+        </p:blipFill>
+        <p:spPr>
+          <a:xfrm>
+            <a:off x="4252912" y="2567175"/>
+            <a:ext cx="4701949" cy="2287435"/>
+          </a:xfrm>
+          <a:prstGeom prst="rect">
+            <a:avLst/>
+          </a:prstGeom>
+        </p:spPr>
+      </p:pic>
+    </p:spTree>
+    <p:extLst>
+      <p:ext uri="{BB962C8B-B14F-4D97-AF65-F5344CB8AC3E}">
+        <p14:creationId xmlns:p14="http://schemas.microsoft.com/office/powerpoint/2010/main" val="3835071478"/>
+      </p:ext>
+    </p:extLst>
+  </p:cSld>
+  <p:clrMapOvr>
+    <a:masterClrMapping/>
+  </p:clrMapOvr>
+  <mc:AlternateContent xmlns:mc="http://schemas.openxmlformats.org/markup-compatibility/2006" xmlns:p14="http://schemas.microsoft.com/office/powerpoint/2010/main">
+    <mc:Choice Requires="p14">
+      <p:transition spd="med" p14:dur="700">
+        <p:fade/>
+      </p:transition>
+    </mc:Choice>
+    <mc:Fallback xmlns="">
+      <p:transition spd="med">
+        <p:fade/>
+      </p:transition>
+    </mc:Fallback>
+  </mc:AlternateContent>
+</p:sld>
+</file>
+
+<file path=ppt/slides/slide26.xml><?xml version="1.0" encoding="utf-8"?>
+<p:sld xmlns:a="http://schemas.openxmlformats.org/drawingml/2006/main" xmlns:r="http://schemas.openxmlformats.org/officeDocument/2006/relationships" xmlns:p="http://schemas.openxmlformats.org/presentationml/2006/main">
+  <p:cSld>
+    <p:spTree>
+      <p:nvGrpSpPr>
+        <p:cNvPr id="1" name=""/>
+        <p:cNvGrpSpPr/>
+        <p:nvPr/>
+      </p:nvGrpSpPr>
+      <p:grpSpPr>
+        <a:xfrm>
+          <a:off x="0" y="0"/>
+          <a:ext cx="0" cy="0"/>
+          <a:chOff x="0" y="0"/>
+          <a:chExt cx="0" cy="0"/>
+        </a:xfrm>
+      </p:grpSpPr>
+      <p:sp>
+        <p:nvSpPr>
+          <p:cNvPr id="2" name="标题 1"/>
+          <p:cNvSpPr>
+            <a:spLocks noGrp="1"/>
+          </p:cNvSpPr>
+          <p:nvPr>
+            <p:ph type="title"/>
+          </p:nvPr>
+        </p:nvSpPr>
+        <p:spPr/>
+        <p:txBody>
+          <a:bodyPr/>
+          <a:lstStyle/>
+          <a:p>
+            <a:r>
+              <a:rPr lang="en-US" altLang="zh-CN" dirty="0"/>
+              <a:t>6.4 Applications of Syntax-Directed Translation</a:t>
+            </a:r>
+            <a:endParaRPr lang="zh-CN" altLang="en-US" dirty="0"/>
+          </a:p>
+        </p:txBody>
+      </p:sp>
+      <p:sp>
+        <p:nvSpPr>
+          <p:cNvPr id="3" name="内容占位符 2"/>
+          <p:cNvSpPr>
+            <a:spLocks noGrp="1"/>
+          </p:cNvSpPr>
+          <p:nvPr>
+            <p:ph idx="1"/>
+          </p:nvPr>
+        </p:nvSpPr>
+        <p:spPr>
+          <a:xfrm>
+            <a:off x="828675" y="1600200"/>
+            <a:ext cx="7486650" cy="424543"/>
+          </a:xfrm>
+        </p:spPr>
+        <p:txBody>
+          <a:bodyPr>
+            <a:normAutofit/>
+          </a:bodyPr>
+          <a:lstStyle/>
+          <a:p>
+            <a:r>
+              <a:rPr lang="en-US" altLang="zh-CN" sz="1800" dirty="0">
+                <a:solidFill>
+                  <a:srgbClr val="0070C0"/>
+                </a:solidFill>
+              </a:rPr>
+              <a:t>The </a:t>
+            </a:r>
+            <a:r>
+              <a:rPr lang="en-US" altLang="zh-CN" sz="1800" dirty="0" smtClean="0">
+                <a:solidFill>
+                  <a:srgbClr val="0070C0"/>
+                </a:solidFill>
+              </a:rPr>
+              <a:t>Structure </a:t>
+            </a:r>
+            <a:r>
+              <a:rPr lang="en-US" altLang="zh-CN" sz="1800" dirty="0">
+                <a:solidFill>
+                  <a:srgbClr val="0070C0"/>
+                </a:solidFill>
+              </a:rPr>
+              <a:t>of a </a:t>
+            </a:r>
+            <a:r>
+              <a:rPr lang="en-US" altLang="zh-CN" sz="1800" dirty="0" smtClean="0">
+                <a:solidFill>
+                  <a:srgbClr val="0070C0"/>
+                </a:solidFill>
+              </a:rPr>
+              <a:t>Type</a:t>
+            </a:r>
+          </a:p>
+          <a:p>
+            <a:pPr marL="0" indent="0">
+              <a:buNone/>
+            </a:pPr>
+            <a:endParaRPr lang="zh-CN" altLang="en-US" sz="1800" dirty="0"/>
+          </a:p>
+        </p:txBody>
+      </p:sp>
+      <p:pic>
+        <p:nvPicPr>
+          <p:cNvPr id="4" name="图片 3"/>
+          <p:cNvPicPr>
+            <a:picLocks noChangeAspect="1"/>
+          </p:cNvPicPr>
+          <p:nvPr/>
+        </p:nvPicPr>
+        <p:blipFill>
+          <a:blip r:embed="rId2"/>
+          <a:stretch>
+            <a:fillRect/>
+          </a:stretch>
+        </p:blipFill>
+        <p:spPr>
+          <a:xfrm>
+            <a:off x="828675" y="1948541"/>
+            <a:ext cx="6006359" cy="2569028"/>
+          </a:xfrm>
+          <a:prstGeom prst="rect">
+            <a:avLst/>
+          </a:prstGeom>
+        </p:spPr>
+      </p:pic>
+    </p:spTree>
+    <p:extLst>
+      <p:ext uri="{BB962C8B-B14F-4D97-AF65-F5344CB8AC3E}">
+        <p14:creationId xmlns:p14="http://schemas.microsoft.com/office/powerpoint/2010/main" val="1459584752"/>
+      </p:ext>
+    </p:extLst>
+  </p:cSld>
+  <p:clrMapOvr>
+    <a:masterClrMapping/>
+  </p:clrMapOvr>
+  <mc:AlternateContent xmlns:mc="http://schemas.openxmlformats.org/markup-compatibility/2006" xmlns:p14="http://schemas.microsoft.com/office/powerpoint/2010/main">
+    <mc:Choice Requires="p14">
+      <p:transition spd="med" p14:dur="700">
+        <p:fade/>
+      </p:transition>
+    </mc:Choice>
+    <mc:Fallback xmlns="">
+      <p:transition spd="med">
+        <p:fade/>
+      </p:transition>
+    </mc:Fallback>
+  </mc:AlternateContent>
+</p:sld>
+</file>
+
 <file path=ppt/slides/slide3.xml><?xml version="1.0" encoding="utf-8"?>
 <p:sld xmlns:a="http://schemas.openxmlformats.org/drawingml/2006/main" xmlns:r="http://schemas.openxmlformats.org/officeDocument/2006/relationships" xmlns:p="http://schemas.openxmlformats.org/presentationml/2006/main">
   <p:cSld>
@@ -7461,7 +8216,17 @@
           <a:p>
             <a:r>
               <a:rPr lang="en-US" altLang="zh-CN" dirty="0"/>
-              <a:t>Evaluation Orders for SDD 's</a:t>
+              <a:t>Evaluation Orders for SDD </a:t>
+            </a:r>
+            <a:r>
+              <a:rPr lang="en-US" altLang="zh-CN" dirty="0" smtClean="0"/>
+              <a:t>'s</a:t>
+            </a:r>
+          </a:p>
+          <a:p>
+            <a:r>
+              <a:rPr lang="en-US" altLang="zh-CN" dirty="0"/>
+              <a:t>Applications of Syntax-Directed Translation</a:t>
             </a:r>
             <a:endParaRPr lang="en-US" altLang="zh-CN" dirty="0"/>
           </a:p>
@@ -7629,7 +8394,7 @@
           <p:cNvPr id="6" name="图片 5">
             <a:extLst>
               <a:ext uri="{FF2B5EF4-FFF2-40B4-BE49-F238E27FC236}">
-                <a16:creationId xmlns:a16="http://schemas.microsoft.com/office/drawing/2014/main" xmlns="" id="{7C82A730-939B-4182-B617-CE5367D1FA16}"/>
+                <a16:creationId xmlns="" xmlns:a16="http://schemas.microsoft.com/office/drawing/2014/main" id="{7C82A730-939B-4182-B617-CE5367D1FA16}"/>
               </a:ext>
             </a:extLst>
           </p:cNvPr>
@@ -7659,7 +8424,7 @@
           <p:cNvPr id="7" name="矩形 6">
             <a:extLst>
               <a:ext uri="{FF2B5EF4-FFF2-40B4-BE49-F238E27FC236}">
-                <a16:creationId xmlns:a16="http://schemas.microsoft.com/office/drawing/2014/main" xmlns="" id="{225F7DE6-80B3-4B12-AF4E-4BFB981B7694}"/>
+                <a16:creationId xmlns="" xmlns:a16="http://schemas.microsoft.com/office/drawing/2014/main" id="{225F7DE6-80B3-4B12-AF4E-4BFB981B7694}"/>
               </a:ext>
             </a:extLst>
           </p:cNvPr>
@@ -7694,7 +8459,7 @@
           <p:cNvPr id="8" name="矩形 7">
             <a:extLst>
               <a:ext uri="{FF2B5EF4-FFF2-40B4-BE49-F238E27FC236}">
-                <a16:creationId xmlns:a16="http://schemas.microsoft.com/office/drawing/2014/main" xmlns="" id="{8CD4E63D-BCA8-466C-A68C-308C2F92ADBE}"/>
+                <a16:creationId xmlns="" xmlns:a16="http://schemas.microsoft.com/office/drawing/2014/main" id="{8CD4E63D-BCA8-466C-A68C-308C2F92ADBE}"/>
               </a:ext>
             </a:extLst>
           </p:cNvPr>
@@ -7737,7 +8502,7 @@
           <p:cNvPr id="10" name="直接箭头连接符 9">
             <a:extLst>
               <a:ext uri="{FF2B5EF4-FFF2-40B4-BE49-F238E27FC236}">
-                <a16:creationId xmlns:a16="http://schemas.microsoft.com/office/drawing/2014/main" xmlns="" id="{2A0BE18E-BFD3-485C-AB52-987C9F69FDA5}"/>
+                <a16:creationId xmlns="" xmlns:a16="http://schemas.microsoft.com/office/drawing/2014/main" id="{2A0BE18E-BFD3-485C-AB52-987C9F69FDA5}"/>
               </a:ext>
             </a:extLst>
           </p:cNvPr>
@@ -7821,7 +8586,7 @@
           <p:cNvPr id="2" name="标题 1">
             <a:extLst>
               <a:ext uri="{FF2B5EF4-FFF2-40B4-BE49-F238E27FC236}">
-                <a16:creationId xmlns:a16="http://schemas.microsoft.com/office/drawing/2014/main" xmlns="" id="{24F4F8E7-4DA6-4043-A142-FFD00000D364}"/>
+                <a16:creationId xmlns="" xmlns:a16="http://schemas.microsoft.com/office/drawing/2014/main" id="{24F4F8E7-4DA6-4043-A142-FFD00000D364}"/>
               </a:ext>
             </a:extLst>
           </p:cNvPr>
@@ -7850,7 +8615,7 @@
           <p:cNvPr id="3" name="内容占位符 2">
             <a:extLst>
               <a:ext uri="{FF2B5EF4-FFF2-40B4-BE49-F238E27FC236}">
-                <a16:creationId xmlns:a16="http://schemas.microsoft.com/office/drawing/2014/main" xmlns="" id="{EDE2676F-59AB-4DD6-B234-479EC08E73DD}"/>
+                <a16:creationId xmlns="" xmlns:a16="http://schemas.microsoft.com/office/drawing/2014/main" id="{EDE2676F-59AB-4DD6-B234-479EC08E73DD}"/>
               </a:ext>
             </a:extLst>
           </p:cNvPr>
@@ -7891,7 +8656,7 @@
           <p:cNvPr id="5" name="矩形 4">
             <a:extLst>
               <a:ext uri="{FF2B5EF4-FFF2-40B4-BE49-F238E27FC236}">
-                <a16:creationId xmlns:a16="http://schemas.microsoft.com/office/drawing/2014/main" xmlns="" id="{39DE9480-8F05-44FA-97B1-FF50EF5D73D0}"/>
+                <a16:creationId xmlns="" xmlns:a16="http://schemas.microsoft.com/office/drawing/2014/main" id="{39DE9480-8F05-44FA-97B1-FF50EF5D73D0}"/>
               </a:ext>
             </a:extLst>
           </p:cNvPr>
@@ -7965,7 +8730,7 @@
           <p:cNvPr id="7" name="图片 6">
             <a:extLst>
               <a:ext uri="{FF2B5EF4-FFF2-40B4-BE49-F238E27FC236}">
-                <a16:creationId xmlns:a16="http://schemas.microsoft.com/office/drawing/2014/main" xmlns="" id="{C9A7BF75-F594-43DA-AFC2-34EA0782CA66}"/>
+                <a16:creationId xmlns="" xmlns:a16="http://schemas.microsoft.com/office/drawing/2014/main" id="{C9A7BF75-F594-43DA-AFC2-34EA0782CA66}"/>
               </a:ext>
             </a:extLst>
           </p:cNvPr>
@@ -7995,7 +8760,7 @@
           <p:cNvPr id="8" name="矩形 7">
             <a:extLst>
               <a:ext uri="{FF2B5EF4-FFF2-40B4-BE49-F238E27FC236}">
-                <a16:creationId xmlns:a16="http://schemas.microsoft.com/office/drawing/2014/main" xmlns="" id="{24BFA8EF-A4B5-47C1-955D-97DA2A957F17}"/>
+                <a16:creationId xmlns="" xmlns:a16="http://schemas.microsoft.com/office/drawing/2014/main" id="{24BFA8EF-A4B5-47C1-955D-97DA2A957F17}"/>
               </a:ext>
             </a:extLst>
           </p:cNvPr>
@@ -8096,7 +8861,7 @@
           <p:cNvPr id="2" name="标题 1">
             <a:extLst>
               <a:ext uri="{FF2B5EF4-FFF2-40B4-BE49-F238E27FC236}">
-                <a16:creationId xmlns:a16="http://schemas.microsoft.com/office/drawing/2014/main" xmlns="" id="{0DD30E7F-B65C-4295-A0CF-6CA3E34F8DD8}"/>
+                <a16:creationId xmlns="" xmlns:a16="http://schemas.microsoft.com/office/drawing/2014/main" id="{0DD30E7F-B65C-4295-A0CF-6CA3E34F8DD8}"/>
               </a:ext>
             </a:extLst>
           </p:cNvPr>
@@ -8125,7 +8890,7 @@
           <p:cNvPr id="3" name="内容占位符 2">
             <a:extLst>
               <a:ext uri="{FF2B5EF4-FFF2-40B4-BE49-F238E27FC236}">
-                <a16:creationId xmlns:a16="http://schemas.microsoft.com/office/drawing/2014/main" xmlns="" id="{6075EA04-0D09-47A3-898C-E17D4DE095B3}"/>
+                <a16:creationId xmlns="" xmlns:a16="http://schemas.microsoft.com/office/drawing/2014/main" id="{6075EA04-0D09-47A3-898C-E17D4DE095B3}"/>
               </a:ext>
             </a:extLst>
           </p:cNvPr>
@@ -8227,7 +8992,6 @@
               <a:rPr lang="en-US" altLang="zh-CN" sz="1800" dirty="0"/>
               <a:t>, say code in the intermediate language used by a compiler.</a:t>
             </a:r>
-            <a:endParaRPr lang="en-US" altLang="zh-CN" sz="1800" dirty="0"/>
           </a:p>
         </p:txBody>
       </p:sp>
@@ -9676,6 +10440,141 @@
 </file>
 
 <file path=customXml/item1.xml><?xml version="1.0" encoding="utf-8"?>
+<p:properties xmlns:p="http://schemas.microsoft.com/office/2006/metadata/properties" xmlns:xsi="http://www.w3.org/2001/XMLSchema-instance" xmlns:pc="http://schemas.microsoft.com/office/infopath/2007/PartnerControls">
+  <documentManagement>
+    <APDescription xmlns="4873beb7-5857-4685-be1f-d57550cc96cc" xsi:nil="true"/>
+    <AssetExpire xmlns="4873beb7-5857-4685-be1f-d57550cc96cc">2029-01-01T08:00:00+00:00</AssetExpire>
+    <CampaignTagsTaxHTField0 xmlns="4873beb7-5857-4685-be1f-d57550cc96cc">
+      <Terms xmlns="http://schemas.microsoft.com/office/infopath/2007/PartnerControls"/>
+    </CampaignTagsTaxHTField0>
+    <IntlLangReviewDate xmlns="4873beb7-5857-4685-be1f-d57550cc96cc" xsi:nil="true"/>
+    <TPFriendlyName xmlns="4873beb7-5857-4685-be1f-d57550cc96cc" xsi:nil="true"/>
+    <IntlLangReview xmlns="4873beb7-5857-4685-be1f-d57550cc96cc">false</IntlLangReview>
+    <LocLastLocAttemptVersionLookup xmlns="4873beb7-5857-4685-be1f-d57550cc96cc">855024</LocLastLocAttemptVersionLookup>
+    <PolicheckWords xmlns="4873beb7-5857-4685-be1f-d57550cc96cc" xsi:nil="true"/>
+    <SubmitterId xmlns="4873beb7-5857-4685-be1f-d57550cc96cc" xsi:nil="true"/>
+    <AcquiredFrom xmlns="4873beb7-5857-4685-be1f-d57550cc96cc">Internal MS</AcquiredFrom>
+    <EditorialStatus xmlns="4873beb7-5857-4685-be1f-d57550cc96cc">Complete</EditorialStatus>
+    <Markets xmlns="4873beb7-5857-4685-be1f-d57550cc96cc"/>
+    <OriginAsset xmlns="4873beb7-5857-4685-be1f-d57550cc96cc" xsi:nil="true"/>
+    <AssetStart xmlns="4873beb7-5857-4685-be1f-d57550cc96cc">2012-08-31T08:50:00+00:00</AssetStart>
+    <FriendlyTitle xmlns="4873beb7-5857-4685-be1f-d57550cc96cc" xsi:nil="true"/>
+    <MarketSpecific xmlns="4873beb7-5857-4685-be1f-d57550cc96cc">false</MarketSpecific>
+    <TPNamespace xmlns="4873beb7-5857-4685-be1f-d57550cc96cc" xsi:nil="true"/>
+    <PublishStatusLookup xmlns="4873beb7-5857-4685-be1f-d57550cc96cc">
+      <Value>1616423</Value>
+    </PublishStatusLookup>
+    <APAuthor xmlns="4873beb7-5857-4685-be1f-d57550cc96cc">
+      <UserInfo>
+        <DisplayName>REDMOND\kristaa</DisplayName>
+        <AccountId>136</AccountId>
+        <AccountType/>
+      </UserInfo>
+    </APAuthor>
+    <TPCommandLine xmlns="4873beb7-5857-4685-be1f-d57550cc96cc" xsi:nil="true"/>
+    <IntlLangReviewer xmlns="4873beb7-5857-4685-be1f-d57550cc96cc" xsi:nil="true"/>
+    <OpenTemplate xmlns="4873beb7-5857-4685-be1f-d57550cc96cc">true</OpenTemplate>
+    <CSXSubmissionDate xmlns="4873beb7-5857-4685-be1f-d57550cc96cc" xsi:nil="true"/>
+    <TaxCatchAll xmlns="4873beb7-5857-4685-be1f-d57550cc96cc"/>
+    <Manager xmlns="4873beb7-5857-4685-be1f-d57550cc96cc" xsi:nil="true"/>
+    <NumericId xmlns="4873beb7-5857-4685-be1f-d57550cc96cc" xsi:nil="true"/>
+    <ParentAssetId xmlns="4873beb7-5857-4685-be1f-d57550cc96cc" xsi:nil="true"/>
+    <OriginalSourceMarket xmlns="4873beb7-5857-4685-be1f-d57550cc96cc" xsi:nil="true"/>
+    <ApprovalStatus xmlns="4873beb7-5857-4685-be1f-d57550cc96cc">InProgress</ApprovalStatus>
+    <TPComponent xmlns="4873beb7-5857-4685-be1f-d57550cc96cc" xsi:nil="true"/>
+    <EditorialTags xmlns="4873beb7-5857-4685-be1f-d57550cc96cc" xsi:nil="true"/>
+    <TPExecutable xmlns="4873beb7-5857-4685-be1f-d57550cc96cc" xsi:nil="true"/>
+    <TPLaunchHelpLink xmlns="4873beb7-5857-4685-be1f-d57550cc96cc" xsi:nil="true"/>
+    <LocComments xmlns="4873beb7-5857-4685-be1f-d57550cc96cc" xsi:nil="true"/>
+    <LocRecommendedHandoff xmlns="4873beb7-5857-4685-be1f-d57550cc96cc" xsi:nil="true"/>
+    <SourceTitle xmlns="4873beb7-5857-4685-be1f-d57550cc96cc" xsi:nil="true"/>
+    <CSXUpdate xmlns="4873beb7-5857-4685-be1f-d57550cc96cc">false</CSXUpdate>
+    <IntlLocPriority xmlns="4873beb7-5857-4685-be1f-d57550cc96cc" xsi:nil="true"/>
+    <UAProjectedTotalWords xmlns="4873beb7-5857-4685-be1f-d57550cc96cc" xsi:nil="true"/>
+    <AssetType xmlns="4873beb7-5857-4685-be1f-d57550cc96cc">TP</AssetType>
+    <MachineTranslated xmlns="4873beb7-5857-4685-be1f-d57550cc96cc">false</MachineTranslated>
+    <OutputCachingOn xmlns="4873beb7-5857-4685-be1f-d57550cc96cc">false</OutputCachingOn>
+    <TemplateStatus xmlns="4873beb7-5857-4685-be1f-d57550cc96cc">Complete</TemplateStatus>
+    <IsSearchable xmlns="4873beb7-5857-4685-be1f-d57550cc96cc">true</IsSearchable>
+    <ContentItem xmlns="4873beb7-5857-4685-be1f-d57550cc96cc" xsi:nil="true"/>
+    <HandoffToMSDN xmlns="4873beb7-5857-4685-be1f-d57550cc96cc" xsi:nil="true"/>
+    <ShowIn xmlns="4873beb7-5857-4685-be1f-d57550cc96cc">Show everywhere</ShowIn>
+    <ThumbnailAssetId xmlns="4873beb7-5857-4685-be1f-d57550cc96cc" xsi:nil="true"/>
+    <UALocComments xmlns="4873beb7-5857-4685-be1f-d57550cc96cc" xsi:nil="true"/>
+    <UALocRecommendation xmlns="4873beb7-5857-4685-be1f-d57550cc96cc">Localize</UALocRecommendation>
+    <LastModifiedDateTime xmlns="4873beb7-5857-4685-be1f-d57550cc96cc" xsi:nil="true"/>
+    <LegacyData xmlns="4873beb7-5857-4685-be1f-d57550cc96cc" xsi:nil="true"/>
+    <LocManualTestRequired xmlns="4873beb7-5857-4685-be1f-d57550cc96cc">false</LocManualTestRequired>
+    <LocMarketGroupTiers2 xmlns="4873beb7-5857-4685-be1f-d57550cc96cc" xsi:nil="true"/>
+    <ClipArtFilename xmlns="4873beb7-5857-4685-be1f-d57550cc96cc" xsi:nil="true"/>
+    <TPApplication xmlns="4873beb7-5857-4685-be1f-d57550cc96cc" xsi:nil="true"/>
+    <CSXHash xmlns="4873beb7-5857-4685-be1f-d57550cc96cc" xsi:nil="true"/>
+    <DirectSourceMarket xmlns="4873beb7-5857-4685-be1f-d57550cc96cc" xsi:nil="true"/>
+    <PrimaryImageGen xmlns="4873beb7-5857-4685-be1f-d57550cc96cc">true</PrimaryImageGen>
+    <PlannedPubDate xmlns="4873beb7-5857-4685-be1f-d57550cc96cc" xsi:nil="true"/>
+    <CSXSubmissionMarket xmlns="4873beb7-5857-4685-be1f-d57550cc96cc" xsi:nil="true"/>
+    <Downloads xmlns="4873beb7-5857-4685-be1f-d57550cc96cc">0</Downloads>
+    <ArtSampleDocs xmlns="4873beb7-5857-4685-be1f-d57550cc96cc" xsi:nil="true"/>
+    <TrustLevel xmlns="4873beb7-5857-4685-be1f-d57550cc96cc">1 Microsoft Managed Content</TrustLevel>
+    <BlockPublish xmlns="4873beb7-5857-4685-be1f-d57550cc96cc">false</BlockPublish>
+    <TPLaunchHelpLinkType xmlns="4873beb7-5857-4685-be1f-d57550cc96cc">Template</TPLaunchHelpLinkType>
+    <LocalizationTagsTaxHTField0 xmlns="4873beb7-5857-4685-be1f-d57550cc96cc">
+      <Terms xmlns="http://schemas.microsoft.com/office/infopath/2007/PartnerControls"/>
+    </LocalizationTagsTaxHTField0>
+    <BusinessGroup xmlns="4873beb7-5857-4685-be1f-d57550cc96cc" xsi:nil="true"/>
+    <Providers xmlns="4873beb7-5857-4685-be1f-d57550cc96cc" xsi:nil="true"/>
+    <TemplateTemplateType xmlns="4873beb7-5857-4685-be1f-d57550cc96cc">PowerPoint Presentation Template</TemplateTemplateType>
+    <TimesCloned xmlns="4873beb7-5857-4685-be1f-d57550cc96cc" xsi:nil="true"/>
+    <TPAppVersion xmlns="4873beb7-5857-4685-be1f-d57550cc96cc" xsi:nil="true"/>
+    <VoteCount xmlns="4873beb7-5857-4685-be1f-d57550cc96cc" xsi:nil="true"/>
+    <AverageRating xmlns="4873beb7-5857-4685-be1f-d57550cc96cc" xsi:nil="true"/>
+    <FeatureTagsTaxHTField0 xmlns="4873beb7-5857-4685-be1f-d57550cc96cc">
+      <Terms xmlns="http://schemas.microsoft.com/office/infopath/2007/PartnerControls"/>
+    </FeatureTagsTaxHTField0>
+    <Provider xmlns="4873beb7-5857-4685-be1f-d57550cc96cc" xsi:nil="true"/>
+    <UACurrentWords xmlns="4873beb7-5857-4685-be1f-d57550cc96cc" xsi:nil="true"/>
+    <AssetId xmlns="4873beb7-5857-4685-be1f-d57550cc96cc">TP103431361</AssetId>
+    <TPClientViewer xmlns="4873beb7-5857-4685-be1f-d57550cc96cc" xsi:nil="true"/>
+    <DSATActionTaken xmlns="4873beb7-5857-4685-be1f-d57550cc96cc" xsi:nil="true"/>
+    <APEditor xmlns="4873beb7-5857-4685-be1f-d57550cc96cc">
+      <UserInfo>
+        <DisplayName/>
+        <AccountId xsi:nil="true"/>
+        <AccountType/>
+      </UserInfo>
+    </APEditor>
+    <TPInstallLocation xmlns="4873beb7-5857-4685-be1f-d57550cc96cc" xsi:nil="true"/>
+    <OOCacheId xmlns="4873beb7-5857-4685-be1f-d57550cc96cc" xsi:nil="true"/>
+    <IsDeleted xmlns="4873beb7-5857-4685-be1f-d57550cc96cc">false</IsDeleted>
+    <PublishTargets xmlns="4873beb7-5857-4685-be1f-d57550cc96cc">OfficeOnlineVNext</PublishTargets>
+    <ApprovalLog xmlns="4873beb7-5857-4685-be1f-d57550cc96cc" xsi:nil="true"/>
+    <BugNumber xmlns="4873beb7-5857-4685-be1f-d57550cc96cc" xsi:nil="true"/>
+    <CrawlForDependencies xmlns="4873beb7-5857-4685-be1f-d57550cc96cc">false</CrawlForDependencies>
+    <InternalTagsTaxHTField0 xmlns="4873beb7-5857-4685-be1f-d57550cc96cc">
+      <Terms xmlns="http://schemas.microsoft.com/office/infopath/2007/PartnerControls"/>
+    </InternalTagsTaxHTField0>
+    <LastHandOff xmlns="4873beb7-5857-4685-be1f-d57550cc96cc" xsi:nil="true"/>
+    <Milestone xmlns="4873beb7-5857-4685-be1f-d57550cc96cc" xsi:nil="true"/>
+    <OriginalRelease xmlns="4873beb7-5857-4685-be1f-d57550cc96cc">15</OriginalRelease>
+    <RecommendationsModifier xmlns="4873beb7-5857-4685-be1f-d57550cc96cc" xsi:nil="true"/>
+    <ScenarioTagsTaxHTField0 xmlns="4873beb7-5857-4685-be1f-d57550cc96cc">
+      <Terms xmlns="http://schemas.microsoft.com/office/infopath/2007/PartnerControls"/>
+    </ScenarioTagsTaxHTField0>
+    <UANotes xmlns="4873beb7-5857-4685-be1f-d57550cc96cc" xsi:nil="true"/>
+  </documentManagement>
+</p:properties>
+</file>
+
+<file path=customXml/item2.xml><?xml version="1.0" encoding="utf-8"?>
+<?mso-contentType ?>
+<FormTemplates xmlns="http://schemas.microsoft.com/sharepoint/v3/contenttype/forms">
+  <Display>DocumentLibraryForm</Display>
+  <Edit>AssetEditForm</Edit>
+  <New>DocumentLibraryForm</New>
+</FormTemplates>
+</file>
+
+<file path=customXml/item3.xml><?xml version="1.0" encoding="utf-8"?>
 <ct:contentTypeSchema xmlns:ct="http://schemas.microsoft.com/office/2006/metadata/contentType" xmlns:ma="http://schemas.microsoft.com/office/2006/metadata/properties/metaAttributes" ct:_="" ma:_="" ma:contentTypeName="TemplateFile" ma:contentTypeID="0x0101006EDDDB5EE6D98C44930B742096920B300400F5B6D36B3EF94B4E9A635CDF2A18F5B8" ma:contentTypeVersion="72" ma:contentTypeDescription="Create a new document." ma:contentTypeScope="" ma:versionID="a23e56308344d904b51738559c3d67c9">
   <xsd:schema xmlns:xsd="http://www.w3.org/2001/XMLSchema" xmlns:xs="http://www.w3.org/2001/XMLSchema" xmlns:p="http://schemas.microsoft.com/office/2006/metadata/properties" xmlns:ns2="4873beb7-5857-4685-be1f-d57550cc96cc" targetNamespace="http://schemas.microsoft.com/office/2006/metadata/properties" ma:root="true" ma:fieldsID="cd0908cc4600e77bf5da051303e00c8d" ns2:_="">
     <xsd:import namespace="4873beb7-5857-4685-be1f-d57550cc96cc"/>
@@ -10715,142 +11614,31 @@
 </ct:contentTypeSchema>
 </file>
 
-<file path=customXml/item2.xml><?xml version="1.0" encoding="utf-8"?>
-<?mso-contentType ?>
-<FormTemplates xmlns="http://schemas.microsoft.com/sharepoint/v3/contenttype/forms">
-  <Display>DocumentLibraryForm</Display>
-  <Edit>AssetEditForm</Edit>
-  <New>DocumentLibraryForm</New>
-</FormTemplates>
+<file path=customXml/itemProps1.xml><?xml version="1.0" encoding="utf-8"?>
+<ds:datastoreItem xmlns:ds="http://schemas.openxmlformats.org/officeDocument/2006/customXml" ds:itemID="{8CDDBB83-77C1-4099-A0AA-289882E745E2}">
+  <ds:schemaRefs>
+    <ds:schemaRef ds:uri="http://purl.org/dc/terms/"/>
+    <ds:schemaRef ds:uri="http://purl.org/dc/dcmitype/"/>
+    <ds:schemaRef ds:uri="http://www.w3.org/XML/1998/namespace"/>
+    <ds:schemaRef ds:uri="http://purl.org/dc/elements/1.1/"/>
+    <ds:schemaRef ds:uri="http://schemas.microsoft.com/office/infopath/2007/PartnerControls"/>
+    <ds:schemaRef ds:uri="http://schemas.microsoft.com/office/2006/documentManagement/types"/>
+    <ds:schemaRef ds:uri="http://schemas.openxmlformats.org/package/2006/metadata/core-properties"/>
+    <ds:schemaRef ds:uri="4873beb7-5857-4685-be1f-d57550cc96cc"/>
+    <ds:schemaRef ds:uri="http://schemas.microsoft.com/office/2006/metadata/properties"/>
+  </ds:schemaRefs>
+</ds:datastoreItem>
 </file>
 
-<file path=customXml/item3.xml><?xml version="1.0" encoding="utf-8"?>
-<p:properties xmlns:p="http://schemas.microsoft.com/office/2006/metadata/properties" xmlns:xsi="http://www.w3.org/2001/XMLSchema-instance" xmlns:pc="http://schemas.microsoft.com/office/infopath/2007/PartnerControls">
-  <documentManagement>
-    <APDescription xmlns="4873beb7-5857-4685-be1f-d57550cc96cc" xsi:nil="true"/>
-    <AssetExpire xmlns="4873beb7-5857-4685-be1f-d57550cc96cc">2029-01-01T08:00:00+00:00</AssetExpire>
-    <CampaignTagsTaxHTField0 xmlns="4873beb7-5857-4685-be1f-d57550cc96cc">
-      <Terms xmlns="http://schemas.microsoft.com/office/infopath/2007/PartnerControls"/>
-    </CampaignTagsTaxHTField0>
-    <IntlLangReviewDate xmlns="4873beb7-5857-4685-be1f-d57550cc96cc" xsi:nil="true"/>
-    <TPFriendlyName xmlns="4873beb7-5857-4685-be1f-d57550cc96cc" xsi:nil="true"/>
-    <IntlLangReview xmlns="4873beb7-5857-4685-be1f-d57550cc96cc">false</IntlLangReview>
-    <LocLastLocAttemptVersionLookup xmlns="4873beb7-5857-4685-be1f-d57550cc96cc">855024</LocLastLocAttemptVersionLookup>
-    <PolicheckWords xmlns="4873beb7-5857-4685-be1f-d57550cc96cc" xsi:nil="true"/>
-    <SubmitterId xmlns="4873beb7-5857-4685-be1f-d57550cc96cc" xsi:nil="true"/>
-    <AcquiredFrom xmlns="4873beb7-5857-4685-be1f-d57550cc96cc">Internal MS</AcquiredFrom>
-    <EditorialStatus xmlns="4873beb7-5857-4685-be1f-d57550cc96cc">Complete</EditorialStatus>
-    <Markets xmlns="4873beb7-5857-4685-be1f-d57550cc96cc"/>
-    <OriginAsset xmlns="4873beb7-5857-4685-be1f-d57550cc96cc" xsi:nil="true"/>
-    <AssetStart xmlns="4873beb7-5857-4685-be1f-d57550cc96cc">2012-08-31T08:50:00+00:00</AssetStart>
-    <FriendlyTitle xmlns="4873beb7-5857-4685-be1f-d57550cc96cc" xsi:nil="true"/>
-    <MarketSpecific xmlns="4873beb7-5857-4685-be1f-d57550cc96cc">false</MarketSpecific>
-    <TPNamespace xmlns="4873beb7-5857-4685-be1f-d57550cc96cc" xsi:nil="true"/>
-    <PublishStatusLookup xmlns="4873beb7-5857-4685-be1f-d57550cc96cc">
-      <Value>1616423</Value>
-    </PublishStatusLookup>
-    <APAuthor xmlns="4873beb7-5857-4685-be1f-d57550cc96cc">
-      <UserInfo>
-        <DisplayName>REDMOND\kristaa</DisplayName>
-        <AccountId>136</AccountId>
-        <AccountType/>
-      </UserInfo>
-    </APAuthor>
-    <TPCommandLine xmlns="4873beb7-5857-4685-be1f-d57550cc96cc" xsi:nil="true"/>
-    <IntlLangReviewer xmlns="4873beb7-5857-4685-be1f-d57550cc96cc" xsi:nil="true"/>
-    <OpenTemplate xmlns="4873beb7-5857-4685-be1f-d57550cc96cc">true</OpenTemplate>
-    <CSXSubmissionDate xmlns="4873beb7-5857-4685-be1f-d57550cc96cc" xsi:nil="true"/>
-    <TaxCatchAll xmlns="4873beb7-5857-4685-be1f-d57550cc96cc"/>
-    <Manager xmlns="4873beb7-5857-4685-be1f-d57550cc96cc" xsi:nil="true"/>
-    <NumericId xmlns="4873beb7-5857-4685-be1f-d57550cc96cc" xsi:nil="true"/>
-    <ParentAssetId xmlns="4873beb7-5857-4685-be1f-d57550cc96cc" xsi:nil="true"/>
-    <OriginalSourceMarket xmlns="4873beb7-5857-4685-be1f-d57550cc96cc" xsi:nil="true"/>
-    <ApprovalStatus xmlns="4873beb7-5857-4685-be1f-d57550cc96cc">InProgress</ApprovalStatus>
-    <TPComponent xmlns="4873beb7-5857-4685-be1f-d57550cc96cc" xsi:nil="true"/>
-    <EditorialTags xmlns="4873beb7-5857-4685-be1f-d57550cc96cc" xsi:nil="true"/>
-    <TPExecutable xmlns="4873beb7-5857-4685-be1f-d57550cc96cc" xsi:nil="true"/>
-    <TPLaunchHelpLink xmlns="4873beb7-5857-4685-be1f-d57550cc96cc" xsi:nil="true"/>
-    <LocComments xmlns="4873beb7-5857-4685-be1f-d57550cc96cc" xsi:nil="true"/>
-    <LocRecommendedHandoff xmlns="4873beb7-5857-4685-be1f-d57550cc96cc" xsi:nil="true"/>
-    <SourceTitle xmlns="4873beb7-5857-4685-be1f-d57550cc96cc" xsi:nil="true"/>
-    <CSXUpdate xmlns="4873beb7-5857-4685-be1f-d57550cc96cc">false</CSXUpdate>
-    <IntlLocPriority xmlns="4873beb7-5857-4685-be1f-d57550cc96cc" xsi:nil="true"/>
-    <UAProjectedTotalWords xmlns="4873beb7-5857-4685-be1f-d57550cc96cc" xsi:nil="true"/>
-    <AssetType xmlns="4873beb7-5857-4685-be1f-d57550cc96cc">TP</AssetType>
-    <MachineTranslated xmlns="4873beb7-5857-4685-be1f-d57550cc96cc">false</MachineTranslated>
-    <OutputCachingOn xmlns="4873beb7-5857-4685-be1f-d57550cc96cc">false</OutputCachingOn>
-    <TemplateStatus xmlns="4873beb7-5857-4685-be1f-d57550cc96cc">Complete</TemplateStatus>
-    <IsSearchable xmlns="4873beb7-5857-4685-be1f-d57550cc96cc">true</IsSearchable>
-    <ContentItem xmlns="4873beb7-5857-4685-be1f-d57550cc96cc" xsi:nil="true"/>
-    <HandoffToMSDN xmlns="4873beb7-5857-4685-be1f-d57550cc96cc" xsi:nil="true"/>
-    <ShowIn xmlns="4873beb7-5857-4685-be1f-d57550cc96cc">Show everywhere</ShowIn>
-    <ThumbnailAssetId xmlns="4873beb7-5857-4685-be1f-d57550cc96cc" xsi:nil="true"/>
-    <UALocComments xmlns="4873beb7-5857-4685-be1f-d57550cc96cc" xsi:nil="true"/>
-    <UALocRecommendation xmlns="4873beb7-5857-4685-be1f-d57550cc96cc">Localize</UALocRecommendation>
-    <LastModifiedDateTime xmlns="4873beb7-5857-4685-be1f-d57550cc96cc" xsi:nil="true"/>
-    <LegacyData xmlns="4873beb7-5857-4685-be1f-d57550cc96cc" xsi:nil="true"/>
-    <LocManualTestRequired xmlns="4873beb7-5857-4685-be1f-d57550cc96cc">false</LocManualTestRequired>
-    <LocMarketGroupTiers2 xmlns="4873beb7-5857-4685-be1f-d57550cc96cc" xsi:nil="true"/>
-    <ClipArtFilename xmlns="4873beb7-5857-4685-be1f-d57550cc96cc" xsi:nil="true"/>
-    <TPApplication xmlns="4873beb7-5857-4685-be1f-d57550cc96cc" xsi:nil="true"/>
-    <CSXHash xmlns="4873beb7-5857-4685-be1f-d57550cc96cc" xsi:nil="true"/>
-    <DirectSourceMarket xmlns="4873beb7-5857-4685-be1f-d57550cc96cc" xsi:nil="true"/>
-    <PrimaryImageGen xmlns="4873beb7-5857-4685-be1f-d57550cc96cc">true</PrimaryImageGen>
-    <PlannedPubDate xmlns="4873beb7-5857-4685-be1f-d57550cc96cc" xsi:nil="true"/>
-    <CSXSubmissionMarket xmlns="4873beb7-5857-4685-be1f-d57550cc96cc" xsi:nil="true"/>
-    <Downloads xmlns="4873beb7-5857-4685-be1f-d57550cc96cc">0</Downloads>
-    <ArtSampleDocs xmlns="4873beb7-5857-4685-be1f-d57550cc96cc" xsi:nil="true"/>
-    <TrustLevel xmlns="4873beb7-5857-4685-be1f-d57550cc96cc">1 Microsoft Managed Content</TrustLevel>
-    <BlockPublish xmlns="4873beb7-5857-4685-be1f-d57550cc96cc">false</BlockPublish>
-    <TPLaunchHelpLinkType xmlns="4873beb7-5857-4685-be1f-d57550cc96cc">Template</TPLaunchHelpLinkType>
-    <LocalizationTagsTaxHTField0 xmlns="4873beb7-5857-4685-be1f-d57550cc96cc">
-      <Terms xmlns="http://schemas.microsoft.com/office/infopath/2007/PartnerControls"/>
-    </LocalizationTagsTaxHTField0>
-    <BusinessGroup xmlns="4873beb7-5857-4685-be1f-d57550cc96cc" xsi:nil="true"/>
-    <Providers xmlns="4873beb7-5857-4685-be1f-d57550cc96cc" xsi:nil="true"/>
-    <TemplateTemplateType xmlns="4873beb7-5857-4685-be1f-d57550cc96cc">PowerPoint Presentation Template</TemplateTemplateType>
-    <TimesCloned xmlns="4873beb7-5857-4685-be1f-d57550cc96cc" xsi:nil="true"/>
-    <TPAppVersion xmlns="4873beb7-5857-4685-be1f-d57550cc96cc" xsi:nil="true"/>
-    <VoteCount xmlns="4873beb7-5857-4685-be1f-d57550cc96cc" xsi:nil="true"/>
-    <AverageRating xmlns="4873beb7-5857-4685-be1f-d57550cc96cc" xsi:nil="true"/>
-    <FeatureTagsTaxHTField0 xmlns="4873beb7-5857-4685-be1f-d57550cc96cc">
-      <Terms xmlns="http://schemas.microsoft.com/office/infopath/2007/PartnerControls"/>
-    </FeatureTagsTaxHTField0>
-    <Provider xmlns="4873beb7-5857-4685-be1f-d57550cc96cc" xsi:nil="true"/>
-    <UACurrentWords xmlns="4873beb7-5857-4685-be1f-d57550cc96cc" xsi:nil="true"/>
-    <AssetId xmlns="4873beb7-5857-4685-be1f-d57550cc96cc">TP103431361</AssetId>
-    <TPClientViewer xmlns="4873beb7-5857-4685-be1f-d57550cc96cc" xsi:nil="true"/>
-    <DSATActionTaken xmlns="4873beb7-5857-4685-be1f-d57550cc96cc" xsi:nil="true"/>
-    <APEditor xmlns="4873beb7-5857-4685-be1f-d57550cc96cc">
-      <UserInfo>
-        <DisplayName/>
-        <AccountId xsi:nil="true"/>
-        <AccountType/>
-      </UserInfo>
-    </APEditor>
-    <TPInstallLocation xmlns="4873beb7-5857-4685-be1f-d57550cc96cc" xsi:nil="true"/>
-    <OOCacheId xmlns="4873beb7-5857-4685-be1f-d57550cc96cc" xsi:nil="true"/>
-    <IsDeleted xmlns="4873beb7-5857-4685-be1f-d57550cc96cc">false</IsDeleted>
-    <PublishTargets xmlns="4873beb7-5857-4685-be1f-d57550cc96cc">OfficeOnlineVNext</PublishTargets>
-    <ApprovalLog xmlns="4873beb7-5857-4685-be1f-d57550cc96cc" xsi:nil="true"/>
-    <BugNumber xmlns="4873beb7-5857-4685-be1f-d57550cc96cc" xsi:nil="true"/>
-    <CrawlForDependencies xmlns="4873beb7-5857-4685-be1f-d57550cc96cc">false</CrawlForDependencies>
-    <InternalTagsTaxHTField0 xmlns="4873beb7-5857-4685-be1f-d57550cc96cc">
-      <Terms xmlns="http://schemas.microsoft.com/office/infopath/2007/PartnerControls"/>
-    </InternalTagsTaxHTField0>
-    <LastHandOff xmlns="4873beb7-5857-4685-be1f-d57550cc96cc" xsi:nil="true"/>
-    <Milestone xmlns="4873beb7-5857-4685-be1f-d57550cc96cc" xsi:nil="true"/>
-    <OriginalRelease xmlns="4873beb7-5857-4685-be1f-d57550cc96cc">15</OriginalRelease>
-    <RecommendationsModifier xmlns="4873beb7-5857-4685-be1f-d57550cc96cc" xsi:nil="true"/>
-    <ScenarioTagsTaxHTField0 xmlns="4873beb7-5857-4685-be1f-d57550cc96cc">
-      <Terms xmlns="http://schemas.microsoft.com/office/infopath/2007/PartnerControls"/>
-    </ScenarioTagsTaxHTField0>
-    <UANotes xmlns="4873beb7-5857-4685-be1f-d57550cc96cc" xsi:nil="true"/>
-  </documentManagement>
-</p:properties>
+<file path=customXml/itemProps2.xml><?xml version="1.0" encoding="utf-8"?>
+<ds:datastoreItem xmlns:ds="http://schemas.openxmlformats.org/officeDocument/2006/customXml" ds:itemID="{561E720F-F05D-4536-9C34-0CFCED65D3B7}">
+  <ds:schemaRefs>
+    <ds:schemaRef ds:uri="http://schemas.microsoft.com/sharepoint/v3/contenttype/forms"/>
+  </ds:schemaRefs>
+</ds:datastoreItem>
 </file>
 
-<file path=customXml/itemProps1.xml><?xml version="1.0" encoding="utf-8"?>
+<file path=customXml/itemProps3.xml><?xml version="1.0" encoding="utf-8"?>
 <ds:datastoreItem xmlns:ds="http://schemas.openxmlformats.org/officeDocument/2006/customXml" ds:itemID="{28C8B9CA-0273-4370-889A-FC05DA5C2FA5}">
   <ds:schemaRefs>
     <ds:schemaRef ds:uri="http://schemas.microsoft.com/office/2006/metadata/contentType"/>
@@ -10866,28 +11654,4 @@
     <ds:schemaRef ds:uri="http://schemas.microsoft.com/internal/obd"/>
   </ds:schemaRefs>
 </ds:datastoreItem>
-</file>
-
-<file path=customXml/itemProps2.xml><?xml version="1.0" encoding="utf-8"?>
-<ds:datastoreItem xmlns:ds="http://schemas.openxmlformats.org/officeDocument/2006/customXml" ds:itemID="{561E720F-F05D-4536-9C34-0CFCED65D3B7}">
-  <ds:schemaRefs>
-    <ds:schemaRef ds:uri="http://schemas.microsoft.com/sharepoint/v3/contenttype/forms"/>
-  </ds:schemaRefs>
-</ds:datastoreItem>
-</file>
-
-<file path=customXml/itemProps3.xml><?xml version="1.0" encoding="utf-8"?>
-<ds:datastoreItem xmlns:ds="http://schemas.openxmlformats.org/officeDocument/2006/customXml" ds:itemID="{8CDDBB83-77C1-4099-A0AA-289882E745E2}">
-  <ds:schemaRefs>
-    <ds:schemaRef ds:uri="http://purl.org/dc/terms/"/>
-    <ds:schemaRef ds:uri="http://purl.org/dc/dcmitype/"/>
-    <ds:schemaRef ds:uri="http://www.w3.org/XML/1998/namespace"/>
-    <ds:schemaRef ds:uri="http://purl.org/dc/elements/1.1/"/>
-    <ds:schemaRef ds:uri="http://schemas.microsoft.com/office/infopath/2007/PartnerControls"/>
-    <ds:schemaRef ds:uri="http://schemas.microsoft.com/office/2006/documentManagement/types"/>
-    <ds:schemaRef ds:uri="http://schemas.openxmlformats.org/package/2006/metadata/core-properties"/>
-    <ds:schemaRef ds:uri="4873beb7-5857-4685-be1f-d57550cc96cc"/>
-    <ds:schemaRef ds:uri="http://schemas.microsoft.com/office/2006/metadata/properties"/>
-  </ds:schemaRefs>
-</ds:datastoreItem>
 </file>
--- a/course/compiler/LectureNotes/(Spring2017)Lecture6.pptx
+++ b/course/compiler/LectureNotes/(Spring2017)Lecture6.pptx
@@ -5,10 +5,10 @@
     <p:sldMasterId id="2147483648" r:id="rId4"/>
   </p:sldMasterIdLst>
   <p:notesMasterIdLst>
-    <p:notesMasterId r:id="rId31"/>
+    <p:notesMasterId r:id="rId48"/>
   </p:notesMasterIdLst>
   <p:handoutMasterIdLst>
-    <p:handoutMasterId r:id="rId32"/>
+    <p:handoutMasterId r:id="rId49"/>
   </p:handoutMasterIdLst>
   <p:sldIdLst>
     <p:sldId id="256" r:id="rId5"/>
@@ -37,6 +37,23 @@
     <p:sldId id="360" r:id="rId28"/>
     <p:sldId id="361" r:id="rId29"/>
     <p:sldId id="362" r:id="rId30"/>
+    <p:sldId id="363" r:id="rId31"/>
+    <p:sldId id="364" r:id="rId32"/>
+    <p:sldId id="365" r:id="rId33"/>
+    <p:sldId id="366" r:id="rId34"/>
+    <p:sldId id="367" r:id="rId35"/>
+    <p:sldId id="368" r:id="rId36"/>
+    <p:sldId id="369" r:id="rId37"/>
+    <p:sldId id="370" r:id="rId38"/>
+    <p:sldId id="371" r:id="rId39"/>
+    <p:sldId id="372" r:id="rId40"/>
+    <p:sldId id="373" r:id="rId41"/>
+    <p:sldId id="374" r:id="rId42"/>
+    <p:sldId id="375" r:id="rId43"/>
+    <p:sldId id="376" r:id="rId44"/>
+    <p:sldId id="377" r:id="rId45"/>
+    <p:sldId id="378" r:id="rId46"/>
+    <p:sldId id="379" r:id="rId47"/>
   </p:sldIdLst>
   <p:sldSz cx="9144000" cy="6858000" type="screen4x3"/>
   <p:notesSz cx="6858000" cy="9144000"/>
@@ -5693,41 +5710,21 @@
           <a:p>
             <a:r>
               <a:rPr lang="en-US" altLang="zh-CN" sz="1800" dirty="0"/>
-              <a:t>Evaluating an SDD at the Nodes of a Parse </a:t>
-            </a:r>
-            <a:r>
-              <a:rPr lang="en-US" altLang="zh-CN" sz="1800" dirty="0" smtClean="0"/>
-              <a:t>Tree.</a:t>
+              <a:t>Evaluating an SDD at the Nodes of a Parse Tree.</a:t>
             </a:r>
           </a:p>
           <a:p>
             <a:pPr lvl="1"/>
             <a:r>
               <a:rPr lang="en-US" altLang="zh-CN" sz="1600" dirty="0"/>
-              <a:t>To visualize the translation specified by an SDD, it helps to work with </a:t>
-            </a:r>
-            <a:r>
-              <a:rPr lang="en-US" altLang="zh-CN" sz="1600" dirty="0" smtClean="0"/>
-              <a:t>parse trees</a:t>
-            </a:r>
+              <a:t>To visualize the translation specified by an SDD, it helps to work with parse trees, even though a translator need not actually build a parse tree.</a:t>
+            </a:r>
+          </a:p>
+          <a:p>
+            <a:pPr lvl="1"/>
             <a:r>
               <a:rPr lang="en-US" altLang="zh-CN" sz="1600" dirty="0"/>
-              <a:t>, even though a translator need not actually build a parse tree</a:t>
-            </a:r>
-            <a:r>
-              <a:rPr lang="en-US" altLang="zh-CN" sz="1600" dirty="0" smtClean="0"/>
-              <a:t>.</a:t>
-            </a:r>
-          </a:p>
-          <a:p>
-            <a:pPr lvl="1"/>
-            <a:r>
-              <a:rPr lang="en-US" altLang="zh-CN" sz="1600" dirty="0"/>
-              <a:t>A parse tree, showing the value(s) of its attribute(s) is </a:t>
-            </a:r>
-            <a:r>
-              <a:rPr lang="en-US" altLang="zh-CN" sz="1600" dirty="0" smtClean="0"/>
-              <a:t>called an </a:t>
+              <a:t>A parse tree, showing the value(s) of its attribute(s) is called an </a:t>
             </a:r>
             <a:r>
               <a:rPr lang="en-US" altLang="zh-CN" sz="1600" i="1" dirty="0">
@@ -5735,18 +5732,10 @@
                   <a:srgbClr val="7030A0"/>
                 </a:solidFill>
               </a:rPr>
-              <a:t>annotated parse </a:t>
-            </a:r>
-            <a:r>
-              <a:rPr lang="en-US" altLang="zh-CN" sz="1600" i="1" dirty="0" smtClean="0">
-                <a:solidFill>
-                  <a:srgbClr val="7030A0"/>
-                </a:solidFill>
-              </a:rPr>
-              <a:t>tree</a:t>
-            </a:r>
-            <a:r>
-              <a:rPr lang="en-US" altLang="zh-CN" sz="1600" dirty="0" smtClean="0"/>
+              <a:t>annotated parse tree</a:t>
+            </a:r>
+            <a:r>
+              <a:rPr lang="en-US" altLang="zh-CN" sz="1600" dirty="0"/>
               <a:t>.</a:t>
             </a:r>
           </a:p>
@@ -5762,17 +5751,8 @@
             </a:pPr>
             <a:r>
               <a:rPr lang="en-US" altLang="zh-CN" sz="1600" dirty="0"/>
-              <a:t>For SDD's with both inherited and synthesized attributes, there is no </a:t>
-            </a:r>
-            <a:r>
-              <a:rPr lang="en-US" altLang="zh-CN" sz="1600" dirty="0" smtClean="0"/>
-              <a:t>guarantee that </a:t>
-            </a:r>
-            <a:r>
-              <a:rPr lang="en-US" altLang="zh-CN" sz="1600" dirty="0"/>
-              <a:t>there is even one order in which to evaluate attributes at nodes.</a:t>
-            </a:r>
-            <a:endParaRPr lang="en-US" altLang="zh-CN" sz="1600" dirty="0" smtClean="0"/>
+              <a:t>For SDD's with both inherited and synthesized attributes, there is no guarantee that there is even one order in which to evaluate attributes at nodes.</a:t>
+            </a:r>
           </a:p>
         </p:txBody>
       </p:sp>
@@ -5894,13 +5874,6 @@
       </p:transition>
     </mc:Fallback>
   </mc:AlternateContent>
-  <p:timing>
-    <p:tnLst>
-      <p:par>
-        <p:cTn id="1" dur="indefinite" restart="never" nodeType="tmRoot"/>
-      </p:par>
-    </p:tnLst>
-  </p:timing>
 </p:sld>
 </file>
 
@@ -5967,7 +5940,7 @@
           <a:lstStyle/>
           <a:p>
             <a:r>
-              <a:rPr lang="en-US" altLang="zh-CN" dirty="0" smtClean="0">
+              <a:rPr lang="en-US" altLang="zh-CN" dirty="0">
                 <a:solidFill>
                   <a:srgbClr val="FF0000"/>
                 </a:solidFill>
@@ -6053,7 +6026,7 @@
           <a:lstStyle/>
           <a:p>
             <a:r>
-              <a:rPr lang="en-US" altLang="zh-CN" dirty="0" smtClean="0"/>
+              <a:rPr lang="en-US" altLang="zh-CN" dirty="0"/>
               <a:t>Bottom-up</a:t>
             </a:r>
             <a:endParaRPr lang="zh-CN" altLang="en-US" dirty="0"/>
@@ -6082,13 +6055,6 @@
       </p:transition>
     </mc:Fallback>
   </mc:AlternateContent>
-  <p:timing>
-    <p:tnLst>
-      <p:par>
-        <p:cTn id="1" dur="indefinite" restart="never" nodeType="tmRoot"/>
-      </p:par>
-    </p:tnLst>
-  </p:timing>
 </p:sld>
 </file>
 
@@ -6155,7 +6121,7 @@
           <a:lstStyle/>
           <a:p>
             <a:r>
-              <a:rPr lang="en-US" altLang="zh-CN" dirty="0" smtClean="0">
+              <a:rPr lang="en-US" altLang="zh-CN" dirty="0">
                 <a:solidFill>
                   <a:srgbClr val="FF0000"/>
                 </a:solidFill>
@@ -6193,7 +6159,7 @@
           <a:lstStyle/>
           <a:p>
             <a:r>
-              <a:rPr lang="en-US" altLang="zh-CN" dirty="0" smtClean="0"/>
+              <a:rPr lang="en-US" altLang="zh-CN" dirty="0"/>
               <a:t>Top-down</a:t>
             </a:r>
             <a:endParaRPr lang="zh-CN" altLang="en-US" dirty="0"/>
@@ -6294,13 +6260,6 @@
       </p:transition>
     </mc:Fallback>
   </mc:AlternateContent>
-  <p:timing>
-    <p:tnLst>
-      <p:par>
-        <p:cTn id="1" dur="indefinite" restart="never" nodeType="tmRoot"/>
-      </p:par>
-    </p:tnLst>
-  </p:timing>
 </p:sld>
 </file>
 
@@ -6338,15 +6297,7 @@
           <a:p>
             <a:r>
               <a:rPr lang="en-US" altLang="zh-CN" dirty="0"/>
-              <a:t>6.3 Evaluation Orders for SDD </a:t>
-            </a:r>
-            <a:r>
-              <a:rPr lang="en-US" altLang="zh-CN" dirty="0" smtClean="0"/>
-              <a:t>'s - </a:t>
-            </a:r>
-            <a:r>
-              <a:rPr lang="en-US" altLang="zh-CN" dirty="0"/>
-              <a:t>Dependency Graphs</a:t>
+              <a:t>6.3 Evaluation Orders for SDD 's - Dependency Graphs</a:t>
             </a:r>
             <a:endParaRPr lang="zh-CN" altLang="en-US" dirty="0"/>
           </a:p>
@@ -6388,35 +6339,7 @@
             </a:r>
             <a:r>
               <a:rPr lang="en-US" altLang="zh-CN" sz="1600" dirty="0"/>
-              <a:t>" are a useful tool for determining an evaluation order </a:t>
-            </a:r>
-            <a:r>
-              <a:rPr lang="en-US" altLang="zh-CN" sz="1600" dirty="0" smtClean="0"/>
-              <a:t>for the </a:t>
-            </a:r>
-            <a:r>
-              <a:rPr lang="en-US" altLang="zh-CN" sz="1600" dirty="0"/>
-              <a:t>attribute instances in a given parse tree. While an annotated parse </a:t>
-            </a:r>
-            <a:r>
-              <a:rPr lang="en-US" altLang="zh-CN" sz="1600" dirty="0" smtClean="0"/>
-              <a:t>tree shows </a:t>
-            </a:r>
-            <a:r>
-              <a:rPr lang="en-US" altLang="zh-CN" sz="1600" dirty="0"/>
-              <a:t>the values of attributes, a dependency graph helps us determine </a:t>
-            </a:r>
-            <a:r>
-              <a:rPr lang="en-US" altLang="zh-CN" sz="1600" dirty="0" smtClean="0"/>
-              <a:t>how those </a:t>
-            </a:r>
-            <a:r>
-              <a:rPr lang="en-US" altLang="zh-CN" sz="1600" dirty="0"/>
-              <a:t>values can be computed</a:t>
-            </a:r>
-            <a:r>
-              <a:rPr lang="en-US" altLang="zh-CN" sz="1600" dirty="0" smtClean="0"/>
-              <a:t>.</a:t>
+              <a:t>" are a useful tool for determining an evaluation order for the attribute instances in a given parse tree. While an annotated parse tree shows the values of attributes, a dependency graph helps us determine how those values can be computed.</a:t>
             </a:r>
           </a:p>
           <a:p>
@@ -6427,31 +6350,7 @@
             </a:pPr>
             <a:r>
               <a:rPr lang="en-US" altLang="zh-CN" sz="1600" dirty="0"/>
-              <a:t>A dependency graph depicts the flow of information among the attribute </a:t>
-            </a:r>
-            <a:r>
-              <a:rPr lang="en-US" altLang="zh-CN" sz="1600" dirty="0" smtClean="0"/>
-              <a:t>instances in </a:t>
-            </a:r>
-            <a:r>
-              <a:rPr lang="en-US" altLang="zh-CN" sz="1600" dirty="0"/>
-              <a:t>a particular parse tree; an edge from one attribute instance to </a:t>
-            </a:r>
-            <a:r>
-              <a:rPr lang="en-US" altLang="zh-CN" sz="1600" dirty="0" smtClean="0"/>
-              <a:t>another means </a:t>
-            </a:r>
-            <a:r>
-              <a:rPr lang="en-US" altLang="zh-CN" sz="1600" dirty="0"/>
-              <a:t>that the value of the first is needed to compute the second. </a:t>
-            </a:r>
-            <a:r>
-              <a:rPr lang="en-US" altLang="zh-CN" sz="1600" dirty="0" smtClean="0"/>
-              <a:t>Edges express </a:t>
-            </a:r>
-            <a:r>
-              <a:rPr lang="en-US" altLang="zh-CN" sz="1600" dirty="0"/>
-              <a:t>constraints implied by the semantic rules.</a:t>
+              <a:t>A dependency graph depicts the flow of information among the attribute instances in a particular parse tree; an edge from one attribute instance to another means that the value of the first is needed to compute the second. Edges express constraints implied by the semantic rules.</a:t>
             </a:r>
             <a:endParaRPr lang="zh-CN" altLang="en-US" sz="1600" dirty="0"/>
           </a:p>
@@ -6722,26 +6621,14 @@
                   <a:srgbClr val="7030A0"/>
                 </a:solidFill>
               </a:rPr>
-              <a:t>S-Attributed </a:t>
-            </a:r>
-            <a:r>
-              <a:rPr lang="en-US" altLang="zh-CN" sz="1800" b="1" dirty="0" smtClean="0">
-                <a:solidFill>
-                  <a:srgbClr val="7030A0"/>
-                </a:solidFill>
-              </a:rPr>
-              <a:t>Definitions</a:t>
+              <a:t>S-Attributed Definitions</a:t>
             </a:r>
           </a:p>
           <a:p>
             <a:pPr lvl="1"/>
             <a:r>
               <a:rPr lang="en-US" altLang="zh-CN" sz="1600" dirty="0"/>
-              <a:t>An SDD is S-attributed if every attribute is </a:t>
-            </a:r>
-            <a:r>
-              <a:rPr lang="en-US" altLang="zh-CN" sz="1600" dirty="0" smtClean="0"/>
-              <a:t>synthesized</a:t>
+              <a:t>An SDD is S-attributed if every attribute is synthesized</a:t>
             </a:r>
           </a:p>
           <a:p>
@@ -6751,39 +6638,7 @@
                   <a:schemeClr val="tx2"/>
                 </a:solidFill>
               </a:rPr>
-              <a:t>When an .SDD is S-attributed, we can evaluate its attributes in arty </a:t>
-            </a:r>
-            <a:r>
-              <a:rPr lang="en-US" altLang="zh-CN" sz="1900" b="1" dirty="0" smtClean="0">
-                <a:solidFill>
-                  <a:schemeClr val="tx2"/>
-                </a:solidFill>
-              </a:rPr>
-              <a:t>bottom up order </a:t>
-            </a:r>
-            <a:r>
-              <a:rPr lang="en-US" altLang="zh-CN" sz="1900" b="1" dirty="0">
-                <a:solidFill>
-                  <a:schemeClr val="tx2"/>
-                </a:solidFill>
-              </a:rPr>
-              <a:t>of the nodes of the parse tree. It is often especially simple to </a:t>
-            </a:r>
-            <a:r>
-              <a:rPr lang="en-US" altLang="zh-CN" sz="1900" b="1" dirty="0" smtClean="0">
-                <a:solidFill>
-                  <a:schemeClr val="tx2"/>
-                </a:solidFill>
-              </a:rPr>
-              <a:t>evaluate the </a:t>
-            </a:r>
-            <a:r>
-              <a:rPr lang="en-US" altLang="zh-CN" sz="1900" b="1" dirty="0">
-                <a:solidFill>
-                  <a:schemeClr val="tx2"/>
-                </a:solidFill>
-              </a:rPr>
-              <a:t>attributes by performing a </a:t>
+              <a:t>When an .SDD is S-attributed, we can evaluate its attributes in arty bottom up order of the nodes of the parse tree. It is often especially simple to evaluate the attributes by performing a </a:t>
             </a:r>
             <a:r>
               <a:rPr lang="en-US" altLang="zh-CN" sz="1900" b="1" dirty="0" err="1">
@@ -6799,31 +6654,7 @@
                   <a:schemeClr val="tx2"/>
                 </a:solidFill>
               </a:rPr>
-              <a:t> traversal of the parse tree and </a:t>
-            </a:r>
-            <a:r>
-              <a:rPr lang="en-US" altLang="zh-CN" sz="1900" b="1" dirty="0" smtClean="0">
-                <a:solidFill>
-                  <a:schemeClr val="tx2"/>
-                </a:solidFill>
-              </a:rPr>
-              <a:t>evaluating the </a:t>
-            </a:r>
-            <a:r>
-              <a:rPr lang="en-US" altLang="zh-CN" sz="1900" b="1" dirty="0">
-                <a:solidFill>
-                  <a:schemeClr val="tx2"/>
-                </a:solidFill>
-              </a:rPr>
-              <a:t>attributes at a node N when the traversal leaves N for the last </a:t>
-            </a:r>
-            <a:r>
-              <a:rPr lang="en-US" altLang="zh-CN" sz="1900" b="1" dirty="0" smtClean="0">
-                <a:solidFill>
-                  <a:schemeClr val="tx2"/>
-                </a:solidFill>
-              </a:rPr>
-              <a:t>time.</a:t>
+              <a:t> traversal of the parse tree and evaluating the attributes at a node N when the traversal leaves N for the last time.</a:t>
             </a:r>
             <a:endParaRPr lang="zh-CN" altLang="en-US" sz="1900" b="1" dirty="0">
               <a:solidFill>
@@ -7293,13 +7124,9 @@
             </a:pPr>
             <a:r>
               <a:rPr lang="en-US" altLang="zh-CN" sz="1600" dirty="0"/>
-              <a:t>We shall control side effects in SDD's in one of the following ways </a:t>
-            </a:r>
-            <a:r>
-              <a:rPr lang="en-US" altLang="zh-CN" sz="1600" dirty="0" smtClean="0"/>
-              <a:t>:</a:t>
-            </a:r>
-            <a:endParaRPr lang="en-US" altLang="zh-CN" sz="1300" dirty="0" smtClean="0"/>
+              <a:t>We shall control side effects in SDD's in one of the following ways :</a:t>
+            </a:r>
+            <a:endParaRPr lang="en-US" altLang="zh-CN" sz="1300" dirty="0"/>
           </a:p>
           <a:p>
             <a:pPr>
@@ -7309,31 +7136,7 @@
             </a:pPr>
             <a:r>
               <a:rPr lang="en-US" altLang="zh-CN" sz="1600" dirty="0"/>
-              <a:t>Permit incidental side effects that do not constrain attribute </a:t>
-            </a:r>
-            <a:r>
-              <a:rPr lang="en-US" altLang="zh-CN" sz="1600" dirty="0" smtClean="0"/>
-              <a:t>evaluation. In </a:t>
-            </a:r>
-            <a:r>
-              <a:rPr lang="en-US" altLang="zh-CN" sz="1600" dirty="0"/>
-              <a:t>other words, permit side effects when attribute evaluation based on </a:t>
-            </a:r>
-            <a:r>
-              <a:rPr lang="en-US" altLang="zh-CN" sz="1600" dirty="0" smtClean="0"/>
-              <a:t>any topological </a:t>
-            </a:r>
-            <a:r>
-              <a:rPr lang="en-US" altLang="zh-CN" sz="1600" dirty="0"/>
-              <a:t>sort of the dependency graph produces a "correct" </a:t>
-            </a:r>
-            <a:r>
-              <a:rPr lang="en-US" altLang="zh-CN" sz="1600" dirty="0" smtClean="0"/>
-              <a:t>translation, where </a:t>
-            </a:r>
-            <a:r>
-              <a:rPr lang="en-US" altLang="zh-CN" sz="1600" dirty="0"/>
-              <a:t>"correct" depends on the application .</a:t>
+              <a:t>Permit incidental side effects that do not constrain attribute evaluation. In other words, permit side effects when attribute evaluation based on any topological sort of the dependency graph produces a "correct" translation, where "correct" depends on the application .</a:t>
             </a:r>
           </a:p>
           <a:p>
@@ -7343,28 +7146,8 @@
               </a:lnSpc>
             </a:pPr>
             <a:r>
-              <a:rPr lang="en-US" altLang="zh-CN" sz="1600" dirty="0" smtClean="0"/>
-              <a:t> </a:t>
-            </a:r>
-            <a:r>
               <a:rPr lang="en-US" altLang="zh-CN" sz="1600" dirty="0"/>
-              <a:t>Constrain the allowable evaluation orders, so that the same translation </a:t>
-            </a:r>
-            <a:r>
-              <a:rPr lang="en-US" altLang="zh-CN" sz="1600" dirty="0" smtClean="0"/>
-              <a:t>is produced </a:t>
-            </a:r>
-            <a:r>
-              <a:rPr lang="en-US" altLang="zh-CN" sz="1600" dirty="0"/>
-              <a:t>for any allowable order. The constraints can be thought of </a:t>
-            </a:r>
-            <a:r>
-              <a:rPr lang="en-US" altLang="zh-CN" sz="1600" dirty="0" smtClean="0"/>
-              <a:t>as implicit </a:t>
-            </a:r>
-            <a:r>
-              <a:rPr lang="en-US" altLang="zh-CN" sz="1600" dirty="0"/>
-              <a:t>edges added to the dependency graph.</a:t>
+              <a:t> Constrain the allowable evaluation orders, so that the same translation is produced for any allowable order. The constraints can be thought of as implicit edges added to the dependency graph.</a:t>
             </a:r>
           </a:p>
         </p:txBody>
@@ -7640,15 +7423,7 @@
                   <a:srgbClr val="0070C0"/>
                 </a:solidFill>
               </a:rPr>
-              <a:t>Construction of Syntax </a:t>
-            </a:r>
-            <a:r>
-              <a:rPr lang="en-US" altLang="zh-CN" sz="1600" dirty="0" smtClean="0">
-                <a:solidFill>
-                  <a:srgbClr val="0070C0"/>
-                </a:solidFill>
-              </a:rPr>
-              <a:t>Trees</a:t>
+              <a:t>Construction of Syntax Trees</a:t>
             </a:r>
           </a:p>
           <a:p>
@@ -8044,12 +7819,12 @@
         <p:spPr>
           <a:xfrm>
             <a:off x="828675" y="1600200"/>
-            <a:ext cx="7486650" cy="424543"/>
+            <a:ext cx="7486650" cy="4720701"/>
           </a:xfrm>
         </p:spPr>
         <p:txBody>
           <a:bodyPr>
-            <a:normAutofit/>
+            <a:normAutofit lnSpcReduction="10000"/>
           </a:bodyPr>
           <a:lstStyle/>
           <a:p>
@@ -8059,32 +7834,103 @@
                   <a:srgbClr val="0070C0"/>
                 </a:solidFill>
               </a:rPr>
-              <a:t>The </a:t>
-            </a:r>
-            <a:r>
-              <a:rPr lang="en-US" altLang="zh-CN" sz="1800" dirty="0" smtClean="0">
+              <a:t>The Structure of a Type</a:t>
+            </a:r>
+          </a:p>
+          <a:p>
+            <a:endParaRPr lang="en-US" altLang="zh-CN" sz="1800" dirty="0">
+              <a:solidFill>
+                <a:srgbClr val="0070C0"/>
+              </a:solidFill>
+            </a:endParaRPr>
+          </a:p>
+          <a:p>
+            <a:endParaRPr lang="en-US" altLang="zh-CN" sz="1800" dirty="0">
+              <a:solidFill>
+                <a:srgbClr val="0070C0"/>
+              </a:solidFill>
+            </a:endParaRPr>
+          </a:p>
+          <a:p>
+            <a:endParaRPr lang="en-US" altLang="zh-CN" sz="1800" dirty="0">
+              <a:solidFill>
+                <a:srgbClr val="0070C0"/>
+              </a:solidFill>
+            </a:endParaRPr>
+          </a:p>
+          <a:p>
+            <a:endParaRPr lang="en-US" altLang="zh-CN" sz="1800" dirty="0">
+              <a:solidFill>
+                <a:srgbClr val="0070C0"/>
+              </a:solidFill>
+            </a:endParaRPr>
+          </a:p>
+          <a:p>
+            <a:endParaRPr lang="en-US" altLang="zh-CN" sz="1800" dirty="0">
+              <a:solidFill>
+                <a:srgbClr val="0070C0"/>
+              </a:solidFill>
+            </a:endParaRPr>
+          </a:p>
+          <a:p>
+            <a:endParaRPr lang="en-US" altLang="zh-CN" sz="1800" dirty="0">
+              <a:solidFill>
+                <a:srgbClr val="0070C0"/>
+              </a:solidFill>
+            </a:endParaRPr>
+          </a:p>
+          <a:p>
+            <a:endParaRPr lang="en-US" altLang="zh-CN" sz="1800" dirty="0">
+              <a:solidFill>
+                <a:srgbClr val="0070C0"/>
+              </a:solidFill>
+            </a:endParaRPr>
+          </a:p>
+          <a:p>
+            <a:pPr marL="0" indent="0">
+              <a:buNone/>
+            </a:pPr>
+            <a:endParaRPr lang="en-US" altLang="zh-CN" sz="1800" dirty="0">
+              <a:solidFill>
+                <a:srgbClr val="0070C0"/>
+              </a:solidFill>
+            </a:endParaRPr>
+          </a:p>
+          <a:p>
+            <a:pPr marL="0" indent="0">
+              <a:buNone/>
+            </a:pPr>
+            <a:r>
+              <a:rPr lang="en-US" altLang="zh-CN" sz="1700" dirty="0">
                 <a:solidFill>
                   <a:srgbClr val="0070C0"/>
                 </a:solidFill>
               </a:rPr>
-              <a:t>Structure </a:t>
-            </a:r>
-            <a:r>
-              <a:rPr lang="en-US" altLang="zh-CN" sz="1800" dirty="0">
+              <a:t>The </a:t>
+            </a:r>
+            <a:r>
+              <a:rPr lang="en-US" altLang="zh-CN" sz="1700" dirty="0" err="1">
                 <a:solidFill>
                   <a:srgbClr val="0070C0"/>
                 </a:solidFill>
               </a:rPr>
-              <a:t>of a </a:t>
-            </a:r>
-            <a:r>
-              <a:rPr lang="en-US" altLang="zh-CN" sz="1800" dirty="0" smtClean="0">
+              <a:t>nonterminals</a:t>
+            </a:r>
+            <a:r>
+              <a:rPr lang="en-US" altLang="zh-CN" sz="1700" dirty="0">
                 <a:solidFill>
                   <a:srgbClr val="0070C0"/>
                 </a:solidFill>
               </a:rPr>
-              <a:t>Type</a:t>
-            </a:r>
+              <a:t> B and T have a synthesized attribute t representing a type. The nonterminal C has two attributes: an inherited attribute b and a synthesized attribute t. The inherited b attributes pass a basic type down the tree, and the synthesized t attributes accumulate the result.</a:t>
+            </a:r>
+          </a:p>
+          <a:p>
+            <a:endParaRPr lang="en-US" altLang="zh-CN" sz="1800" dirty="0">
+              <a:solidFill>
+                <a:srgbClr val="0070C0"/>
+              </a:solidFill>
+            </a:endParaRPr>
           </a:p>
           <a:p>
             <a:pPr marL="0" indent="0">
@@ -8110,8 +7956,38 @@
         </p:blipFill>
         <p:spPr>
           <a:xfrm>
-            <a:off x="828675" y="1948541"/>
+            <a:off x="695510" y="1926579"/>
             <a:ext cx="6006359" cy="2569028"/>
+          </a:xfrm>
+          <a:prstGeom prst="rect">
+            <a:avLst/>
+          </a:prstGeom>
+        </p:spPr>
+      </p:pic>
+      <p:pic>
+        <p:nvPicPr>
+          <p:cNvPr id="5" name="图片 4">
+            <a:extLst>
+              <a:ext uri="{FF2B5EF4-FFF2-40B4-BE49-F238E27FC236}">
+                <a16:creationId xmlns:a16="http://schemas.microsoft.com/office/drawing/2014/main" id="{DB9ECCF3-D88F-4129-8C70-7ACF05D730C1}"/>
+              </a:ext>
+            </a:extLst>
+          </p:cNvPr>
+          <p:cNvPicPr>
+            <a:picLocks noChangeAspect="1"/>
+          </p:cNvPicPr>
+          <p:nvPr/>
+        </p:nvPicPr>
+        <p:blipFill>
+          <a:blip r:embed="rId3"/>
+          <a:stretch>
+            <a:fillRect/>
+          </a:stretch>
+        </p:blipFill>
+        <p:spPr>
+          <a:xfrm>
+            <a:off x="5284568" y="3027286"/>
+            <a:ext cx="3743197" cy="2008674"/>
           </a:xfrm>
           <a:prstGeom prst="rect">
             <a:avLst/>
@@ -8122,6 +7998,333 @@
     <p:extLst>
       <p:ext uri="{BB962C8B-B14F-4D97-AF65-F5344CB8AC3E}">
         <p14:creationId xmlns:p14="http://schemas.microsoft.com/office/powerpoint/2010/main" val="1459584752"/>
+      </p:ext>
+    </p:extLst>
+  </p:cSld>
+  <p:clrMapOvr>
+    <a:masterClrMapping/>
+  </p:clrMapOvr>
+  <mc:AlternateContent xmlns:mc="http://schemas.openxmlformats.org/markup-compatibility/2006" xmlns:p14="http://schemas.microsoft.com/office/powerpoint/2010/main">
+    <mc:Choice Requires="p14">
+      <p:transition spd="med" p14:dur="700">
+        <p:fade/>
+      </p:transition>
+    </mc:Choice>
+    <mc:Fallback xmlns="">
+      <p:transition spd="med">
+        <p:fade/>
+      </p:transition>
+    </mc:Fallback>
+  </mc:AlternateContent>
+</p:sld>
+</file>
+
+<file path=ppt/slides/slide27.xml><?xml version="1.0" encoding="utf-8"?>
+<p:sld xmlns:a="http://schemas.openxmlformats.org/drawingml/2006/main" xmlns:r="http://schemas.openxmlformats.org/officeDocument/2006/relationships" xmlns:p="http://schemas.openxmlformats.org/presentationml/2006/main">
+  <p:cSld>
+    <p:spTree>
+      <p:nvGrpSpPr>
+        <p:cNvPr id="1" name=""/>
+        <p:cNvGrpSpPr/>
+        <p:nvPr/>
+      </p:nvGrpSpPr>
+      <p:grpSpPr>
+        <a:xfrm>
+          <a:off x="0" y="0"/>
+          <a:ext cx="0" cy="0"/>
+          <a:chOff x="0" y="0"/>
+          <a:chExt cx="0" cy="0"/>
+        </a:xfrm>
+      </p:grpSpPr>
+      <p:sp>
+        <p:nvSpPr>
+          <p:cNvPr id="2" name="标题 1">
+            <a:extLst>
+              <a:ext uri="{FF2B5EF4-FFF2-40B4-BE49-F238E27FC236}">
+                <a16:creationId xmlns:a16="http://schemas.microsoft.com/office/drawing/2014/main" id="{ED2205E1-7F18-4A7D-80F7-3E308B6826EC}"/>
+              </a:ext>
+            </a:extLst>
+          </p:cNvPr>
+          <p:cNvSpPr>
+            <a:spLocks noGrp="1"/>
+          </p:cNvSpPr>
+          <p:nvPr>
+            <p:ph type="title"/>
+          </p:nvPr>
+        </p:nvSpPr>
+        <p:spPr/>
+        <p:txBody>
+          <a:bodyPr/>
+          <a:lstStyle/>
+          <a:p>
+            <a:r>
+              <a:rPr lang="en-US" altLang="zh-CN" dirty="0"/>
+              <a:t>6.4 Applications of Syntax-Directed Translation</a:t>
+            </a:r>
+            <a:endParaRPr lang="zh-CN" altLang="en-US" dirty="0"/>
+          </a:p>
+        </p:txBody>
+      </p:sp>
+      <p:pic>
+        <p:nvPicPr>
+          <p:cNvPr id="5" name="图片 4">
+            <a:extLst>
+              <a:ext uri="{FF2B5EF4-FFF2-40B4-BE49-F238E27FC236}">
+                <a16:creationId xmlns:a16="http://schemas.microsoft.com/office/drawing/2014/main" id="{CB22EE56-0091-4EAF-9632-C0FC6F5B4F29}"/>
+              </a:ext>
+            </a:extLst>
+          </p:cNvPr>
+          <p:cNvPicPr>
+            <a:picLocks noChangeAspect="1"/>
+          </p:cNvPicPr>
+          <p:nvPr/>
+        </p:nvPicPr>
+        <p:blipFill>
+          <a:blip r:embed="rId2"/>
+          <a:stretch>
+            <a:fillRect/>
+          </a:stretch>
+        </p:blipFill>
+        <p:spPr>
+          <a:xfrm>
+            <a:off x="828675" y="1758071"/>
+            <a:ext cx="7521592" cy="4336156"/>
+          </a:xfrm>
+          <a:prstGeom prst="rect">
+            <a:avLst/>
+          </a:prstGeom>
+        </p:spPr>
+      </p:pic>
+    </p:spTree>
+    <p:extLst>
+      <p:ext uri="{BB962C8B-B14F-4D97-AF65-F5344CB8AC3E}">
+        <p14:creationId xmlns:p14="http://schemas.microsoft.com/office/powerpoint/2010/main" val="2758987704"/>
+      </p:ext>
+    </p:extLst>
+  </p:cSld>
+  <p:clrMapOvr>
+    <a:masterClrMapping/>
+  </p:clrMapOvr>
+  <mc:AlternateContent xmlns:mc="http://schemas.openxmlformats.org/markup-compatibility/2006" xmlns:p14="http://schemas.microsoft.com/office/powerpoint/2010/main">
+    <mc:Choice Requires="p14">
+      <p:transition spd="med" p14:dur="700">
+        <p:fade/>
+      </p:transition>
+    </mc:Choice>
+    <mc:Fallback xmlns="">
+      <p:transition spd="med">
+        <p:fade/>
+      </p:transition>
+    </mc:Fallback>
+  </mc:AlternateContent>
+</p:sld>
+</file>
+
+<file path=ppt/slides/slide28.xml><?xml version="1.0" encoding="utf-8"?>
+<p:sld xmlns:a="http://schemas.openxmlformats.org/drawingml/2006/main" xmlns:r="http://schemas.openxmlformats.org/officeDocument/2006/relationships" xmlns:p="http://schemas.openxmlformats.org/presentationml/2006/main">
+  <p:cSld>
+    <p:spTree>
+      <p:nvGrpSpPr>
+        <p:cNvPr id="1" name=""/>
+        <p:cNvGrpSpPr/>
+        <p:nvPr/>
+      </p:nvGrpSpPr>
+      <p:grpSpPr>
+        <a:xfrm>
+          <a:off x="0" y="0"/>
+          <a:ext cx="0" cy="0"/>
+          <a:chOff x="0" y="0"/>
+          <a:chExt cx="0" cy="0"/>
+        </a:xfrm>
+      </p:grpSpPr>
+      <p:sp>
+        <p:nvSpPr>
+          <p:cNvPr id="2" name="标题 1">
+            <a:extLst>
+              <a:ext uri="{FF2B5EF4-FFF2-40B4-BE49-F238E27FC236}">
+                <a16:creationId xmlns:a16="http://schemas.microsoft.com/office/drawing/2014/main" id="{06D3FC8F-BF33-4907-B218-721029C3D885}"/>
+              </a:ext>
+            </a:extLst>
+          </p:cNvPr>
+          <p:cNvSpPr>
+            <a:spLocks noGrp="1"/>
+          </p:cNvSpPr>
+          <p:nvPr>
+            <p:ph type="title"/>
+          </p:nvPr>
+        </p:nvSpPr>
+        <p:spPr/>
+        <p:txBody>
+          <a:bodyPr/>
+          <a:lstStyle/>
+          <a:p>
+            <a:r>
+              <a:rPr lang="en-US" altLang="zh-CN" dirty="0"/>
+              <a:t>6.5 Syntax-Directed Translation Schemes</a:t>
+            </a:r>
+            <a:endParaRPr lang="zh-CN" altLang="en-US" dirty="0"/>
+          </a:p>
+        </p:txBody>
+      </p:sp>
+      <p:sp>
+        <p:nvSpPr>
+          <p:cNvPr id="3" name="内容占位符 2">
+            <a:extLst>
+              <a:ext uri="{FF2B5EF4-FFF2-40B4-BE49-F238E27FC236}">
+                <a16:creationId xmlns:a16="http://schemas.microsoft.com/office/drawing/2014/main" id="{14C50C73-3213-4060-953A-C9EE48B41786}"/>
+              </a:ext>
+            </a:extLst>
+          </p:cNvPr>
+          <p:cNvSpPr>
+            <a:spLocks noGrp="1"/>
+          </p:cNvSpPr>
+          <p:nvPr>
+            <p:ph idx="1"/>
+          </p:nvPr>
+        </p:nvSpPr>
+        <p:spPr/>
+        <p:txBody>
+          <a:bodyPr>
+            <a:normAutofit/>
+          </a:bodyPr>
+          <a:lstStyle/>
+          <a:p>
+            <a:pPr>
+              <a:lnSpc>
+                <a:spcPct val="100000"/>
+              </a:lnSpc>
+            </a:pPr>
+            <a:r>
+              <a:rPr lang="en-US" altLang="zh-CN" sz="1800" dirty="0"/>
+              <a:t>Syntax-directed translation schemes are a complementary notation to syntax directed definitions. All of the applications of syntax-directed definitions can be implemented using syntax-directed translation schemes.</a:t>
+            </a:r>
+          </a:p>
+          <a:p>
+            <a:pPr>
+              <a:lnSpc>
+                <a:spcPct val="100000"/>
+              </a:lnSpc>
+            </a:pPr>
+            <a:endParaRPr lang="en-US" altLang="zh-CN" sz="1800" dirty="0"/>
+          </a:p>
+          <a:p>
+            <a:pPr>
+              <a:lnSpc>
+                <a:spcPct val="100000"/>
+              </a:lnSpc>
+            </a:pPr>
+            <a:r>
+              <a:rPr lang="en-US" altLang="zh-CN" sz="1800" dirty="0"/>
+              <a:t>A syntax- directed translation scheme (SDT) is a context free grammar with program fragments embedded within production bodies . The program fragments are called semantic actions and can appear at any position within a production body.</a:t>
+            </a:r>
+          </a:p>
+        </p:txBody>
+      </p:sp>
+    </p:spTree>
+    <p:extLst>
+      <p:ext uri="{BB962C8B-B14F-4D97-AF65-F5344CB8AC3E}">
+        <p14:creationId xmlns:p14="http://schemas.microsoft.com/office/powerpoint/2010/main" val="908849836"/>
+      </p:ext>
+    </p:extLst>
+  </p:cSld>
+  <p:clrMapOvr>
+    <a:masterClrMapping/>
+  </p:clrMapOvr>
+  <mc:AlternateContent xmlns:mc="http://schemas.openxmlformats.org/markup-compatibility/2006" xmlns:p14="http://schemas.microsoft.com/office/powerpoint/2010/main">
+    <mc:Choice Requires="p14">
+      <p:transition spd="med" p14:dur="700">
+        <p:fade/>
+      </p:transition>
+    </mc:Choice>
+    <mc:Fallback xmlns="">
+      <p:transition spd="med">
+        <p:fade/>
+      </p:transition>
+    </mc:Fallback>
+  </mc:AlternateContent>
+</p:sld>
+</file>
+
+<file path=ppt/slides/slide29.xml><?xml version="1.0" encoding="utf-8"?>
+<p:sld xmlns:a="http://schemas.openxmlformats.org/drawingml/2006/main" xmlns:r="http://schemas.openxmlformats.org/officeDocument/2006/relationships" xmlns:p="http://schemas.openxmlformats.org/presentationml/2006/main">
+  <p:cSld>
+    <p:spTree>
+      <p:nvGrpSpPr>
+        <p:cNvPr id="1" name=""/>
+        <p:cNvGrpSpPr/>
+        <p:nvPr/>
+      </p:nvGrpSpPr>
+      <p:grpSpPr>
+        <a:xfrm>
+          <a:off x="0" y="0"/>
+          <a:ext cx="0" cy="0"/>
+          <a:chOff x="0" y="0"/>
+          <a:chExt cx="0" cy="0"/>
+        </a:xfrm>
+      </p:grpSpPr>
+      <p:sp>
+        <p:nvSpPr>
+          <p:cNvPr id="2" name="标题 1">
+            <a:extLst>
+              <a:ext uri="{FF2B5EF4-FFF2-40B4-BE49-F238E27FC236}">
+                <a16:creationId xmlns:a16="http://schemas.microsoft.com/office/drawing/2014/main" id="{44769F36-3310-4F2E-A61A-76B8E1EDD4E6}"/>
+              </a:ext>
+            </a:extLst>
+          </p:cNvPr>
+          <p:cNvSpPr>
+            <a:spLocks noGrp="1"/>
+          </p:cNvSpPr>
+          <p:nvPr>
+            <p:ph type="title"/>
+          </p:nvPr>
+        </p:nvSpPr>
+        <p:spPr/>
+        <p:txBody>
+          <a:bodyPr/>
+          <a:lstStyle/>
+          <a:p>
+            <a:r>
+              <a:rPr lang="en-US" altLang="zh-CN" dirty="0"/>
+              <a:t>6.5 Syntax-Directed Translation Schemes</a:t>
+            </a:r>
+            <a:endParaRPr lang="zh-CN" altLang="en-US" dirty="0"/>
+          </a:p>
+        </p:txBody>
+      </p:sp>
+      <p:pic>
+        <p:nvPicPr>
+          <p:cNvPr id="4" name="图片 3">
+            <a:extLst>
+              <a:ext uri="{FF2B5EF4-FFF2-40B4-BE49-F238E27FC236}">
+                <a16:creationId xmlns:a16="http://schemas.microsoft.com/office/drawing/2014/main" id="{4D266839-5B9B-4692-9B06-BC24B1CFC75D}"/>
+              </a:ext>
+            </a:extLst>
+          </p:cNvPr>
+          <p:cNvPicPr>
+            <a:picLocks noChangeAspect="1"/>
+          </p:cNvPicPr>
+          <p:nvPr/>
+        </p:nvPicPr>
+        <p:blipFill>
+          <a:blip r:embed="rId2"/>
+          <a:stretch>
+            <a:fillRect/>
+          </a:stretch>
+        </p:blipFill>
+        <p:spPr>
+          <a:xfrm>
+            <a:off x="505808" y="2003976"/>
+            <a:ext cx="8131245" cy="2796782"/>
+          </a:xfrm>
+          <a:prstGeom prst="rect">
+            <a:avLst/>
+          </a:prstGeom>
+        </p:spPr>
+      </p:pic>
+    </p:spTree>
+    <p:extLst>
+      <p:ext uri="{BB962C8B-B14F-4D97-AF65-F5344CB8AC3E}">
+        <p14:creationId xmlns:p14="http://schemas.microsoft.com/office/powerpoint/2010/main" val="3077542506"/>
       </p:ext>
     </p:extLst>
   </p:cSld>
@@ -8206,21 +8409,13 @@
           <a:p>
             <a:r>
               <a:rPr lang="en-US" altLang="zh-CN" dirty="0"/>
-              <a:t>Syntax-Directed </a:t>
-            </a:r>
-            <a:r>
-              <a:rPr lang="en-US" altLang="zh-CN" dirty="0" smtClean="0"/>
-              <a:t>Definitions</a:t>
+              <a:t>Syntax-Directed Definitions</a:t>
             </a:r>
           </a:p>
           <a:p>
             <a:r>
               <a:rPr lang="en-US" altLang="zh-CN" dirty="0"/>
-              <a:t>Evaluation Orders for SDD </a:t>
-            </a:r>
-            <a:r>
-              <a:rPr lang="en-US" altLang="zh-CN" dirty="0" smtClean="0"/>
-              <a:t>'s</a:t>
+              <a:t>Evaluation Orders for SDD 's</a:t>
             </a:r>
           </a:p>
           <a:p>
@@ -8228,6 +8423,14 @@
               <a:rPr lang="en-US" altLang="zh-CN" dirty="0"/>
               <a:t>Applications of Syntax-Directed Translation</a:t>
             </a:r>
+          </a:p>
+          <a:p>
+            <a:r>
+              <a:rPr lang="en-US" altLang="zh-CN" dirty="0"/>
+              <a:t>Syntax-Directed Translation Schemes</a:t>
+            </a:r>
+          </a:p>
+          <a:p>
             <a:endParaRPr lang="en-US" altLang="zh-CN" dirty="0"/>
           </a:p>
           <a:p>
@@ -8257,6 +8460,1506 @@
     <p:extLst>
       <p:ext uri="{BB962C8B-B14F-4D97-AF65-F5344CB8AC3E}">
         <p14:creationId xmlns:p14="http://schemas.microsoft.com/office/powerpoint/2010/main" val="1955709725"/>
+      </p:ext>
+    </p:extLst>
+  </p:cSld>
+  <p:clrMapOvr>
+    <a:masterClrMapping/>
+  </p:clrMapOvr>
+  <mc:AlternateContent xmlns:mc="http://schemas.openxmlformats.org/markup-compatibility/2006" xmlns:p14="http://schemas.microsoft.com/office/powerpoint/2010/main">
+    <mc:Choice Requires="p14">
+      <p:transition spd="med" p14:dur="700">
+        <p:fade/>
+      </p:transition>
+    </mc:Choice>
+    <mc:Fallback xmlns="">
+      <p:transition spd="med">
+        <p:fade/>
+      </p:transition>
+    </mc:Fallback>
+  </mc:AlternateContent>
+</p:sld>
+</file>
+
+<file path=ppt/slides/slide30.xml><?xml version="1.0" encoding="utf-8"?>
+<p:sld xmlns:a="http://schemas.openxmlformats.org/drawingml/2006/main" xmlns:r="http://schemas.openxmlformats.org/officeDocument/2006/relationships" xmlns:p="http://schemas.openxmlformats.org/presentationml/2006/main">
+  <p:cSld>
+    <p:spTree>
+      <p:nvGrpSpPr>
+        <p:cNvPr id="1" name=""/>
+        <p:cNvGrpSpPr/>
+        <p:nvPr/>
+      </p:nvGrpSpPr>
+      <p:grpSpPr>
+        <a:xfrm>
+          <a:off x="0" y="0"/>
+          <a:ext cx="0" cy="0"/>
+          <a:chOff x="0" y="0"/>
+          <a:chExt cx="0" cy="0"/>
+        </a:xfrm>
+      </p:grpSpPr>
+      <p:sp>
+        <p:nvSpPr>
+          <p:cNvPr id="2" name="标题 1">
+            <a:extLst>
+              <a:ext uri="{FF2B5EF4-FFF2-40B4-BE49-F238E27FC236}">
+                <a16:creationId xmlns:a16="http://schemas.microsoft.com/office/drawing/2014/main" id="{0C42D67D-46CF-4046-977E-9A4CBC3B9DC3}"/>
+              </a:ext>
+            </a:extLst>
+          </p:cNvPr>
+          <p:cNvSpPr>
+            <a:spLocks noGrp="1"/>
+          </p:cNvSpPr>
+          <p:nvPr>
+            <p:ph type="title"/>
+          </p:nvPr>
+        </p:nvSpPr>
+        <p:spPr/>
+        <p:txBody>
+          <a:bodyPr/>
+          <a:lstStyle/>
+          <a:p>
+            <a:r>
+              <a:rPr lang="en-US" altLang="zh-CN" dirty="0"/>
+              <a:t>6.5 Syntax-Directed Translation Schemes</a:t>
+            </a:r>
+            <a:endParaRPr lang="zh-CN" altLang="en-US" dirty="0"/>
+          </a:p>
+        </p:txBody>
+      </p:sp>
+      <p:sp>
+        <p:nvSpPr>
+          <p:cNvPr id="3" name="内容占位符 2">
+            <a:extLst>
+              <a:ext uri="{FF2B5EF4-FFF2-40B4-BE49-F238E27FC236}">
+                <a16:creationId xmlns:a16="http://schemas.microsoft.com/office/drawing/2014/main" id="{E64B9F9C-FC1C-4E07-8392-1E4E94959F8E}"/>
+              </a:ext>
+            </a:extLst>
+          </p:cNvPr>
+          <p:cNvSpPr>
+            <a:spLocks noGrp="1"/>
+          </p:cNvSpPr>
+          <p:nvPr>
+            <p:ph idx="1"/>
+          </p:nvPr>
+        </p:nvSpPr>
+        <p:spPr/>
+        <p:txBody>
+          <a:bodyPr>
+            <a:normAutofit/>
+          </a:bodyPr>
+          <a:lstStyle/>
+          <a:p>
+            <a:r>
+              <a:rPr lang="en-US" altLang="zh-CN" sz="1600" dirty="0"/>
+              <a:t>Postfix Translation Schemes</a:t>
+            </a:r>
+          </a:p>
+          <a:p>
+            <a:pPr marL="0" indent="0">
+              <a:buNone/>
+            </a:pPr>
+            <a:r>
+              <a:rPr lang="en-US" altLang="zh-CN" sz="1600" dirty="0">
+                <a:solidFill>
+                  <a:srgbClr val="00B050"/>
+                </a:solidFill>
+              </a:rPr>
+              <a:t>The simplest SDD implementation occurs when we can parse the grammar bottom-up and the SDD is S-attributed. In that case, we can construct an SDT in which each action is placed at the end of the production and is executed along with the reduction of the body to the head of that production.</a:t>
+            </a:r>
+            <a:endParaRPr lang="zh-CN" altLang="en-US" sz="1600" dirty="0">
+              <a:solidFill>
+                <a:srgbClr val="00B050"/>
+              </a:solidFill>
+            </a:endParaRPr>
+          </a:p>
+        </p:txBody>
+      </p:sp>
+      <p:pic>
+        <p:nvPicPr>
+          <p:cNvPr id="5" name="图片 4">
+            <a:extLst>
+              <a:ext uri="{FF2B5EF4-FFF2-40B4-BE49-F238E27FC236}">
+                <a16:creationId xmlns:a16="http://schemas.microsoft.com/office/drawing/2014/main" id="{C545A1B0-3864-4DC1-B1C0-6B9092DB15ED}"/>
+              </a:ext>
+            </a:extLst>
+          </p:cNvPr>
+          <p:cNvPicPr>
+            <a:picLocks noChangeAspect="1"/>
+          </p:cNvPicPr>
+          <p:nvPr/>
+        </p:nvPicPr>
+        <p:blipFill>
+          <a:blip r:embed="rId2">
+            <a:extLst>
+              <a:ext uri="{28A0092B-C50C-407E-A947-70E740481C1C}">
+                <a14:useLocalDpi xmlns:a14="http://schemas.microsoft.com/office/drawing/2010/main" val="0"/>
+              </a:ext>
+            </a:extLst>
+          </a:blip>
+          <a:stretch>
+            <a:fillRect/>
+          </a:stretch>
+        </p:blipFill>
+        <p:spPr>
+          <a:xfrm>
+            <a:off x="1636173" y="3274452"/>
+            <a:ext cx="5679027" cy="2610194"/>
+          </a:xfrm>
+          <a:prstGeom prst="rect">
+            <a:avLst/>
+          </a:prstGeom>
+        </p:spPr>
+      </p:pic>
+    </p:spTree>
+    <p:extLst>
+      <p:ext uri="{BB962C8B-B14F-4D97-AF65-F5344CB8AC3E}">
+        <p14:creationId xmlns:p14="http://schemas.microsoft.com/office/powerpoint/2010/main" val="3104626544"/>
+      </p:ext>
+    </p:extLst>
+  </p:cSld>
+  <p:clrMapOvr>
+    <a:masterClrMapping/>
+  </p:clrMapOvr>
+  <mc:AlternateContent xmlns:mc="http://schemas.openxmlformats.org/markup-compatibility/2006" xmlns:p14="http://schemas.microsoft.com/office/powerpoint/2010/main">
+    <mc:Choice Requires="p14">
+      <p:transition spd="med" p14:dur="700">
+        <p:fade/>
+      </p:transition>
+    </mc:Choice>
+    <mc:Fallback xmlns="">
+      <p:transition spd="med">
+        <p:fade/>
+      </p:transition>
+    </mc:Fallback>
+  </mc:AlternateContent>
+</p:sld>
+</file>
+
+<file path=ppt/slides/slide31.xml><?xml version="1.0" encoding="utf-8"?>
+<p:sld xmlns:a="http://schemas.openxmlformats.org/drawingml/2006/main" xmlns:r="http://schemas.openxmlformats.org/officeDocument/2006/relationships" xmlns:p="http://schemas.openxmlformats.org/presentationml/2006/main">
+  <p:cSld>
+    <p:spTree>
+      <p:nvGrpSpPr>
+        <p:cNvPr id="1" name=""/>
+        <p:cNvGrpSpPr/>
+        <p:nvPr/>
+      </p:nvGrpSpPr>
+      <p:grpSpPr>
+        <a:xfrm>
+          <a:off x="0" y="0"/>
+          <a:ext cx="0" cy="0"/>
+          <a:chOff x="0" y="0"/>
+          <a:chExt cx="0" cy="0"/>
+        </a:xfrm>
+      </p:grpSpPr>
+      <p:sp>
+        <p:nvSpPr>
+          <p:cNvPr id="2" name="标题 1">
+            <a:extLst>
+              <a:ext uri="{FF2B5EF4-FFF2-40B4-BE49-F238E27FC236}">
+                <a16:creationId xmlns:a16="http://schemas.microsoft.com/office/drawing/2014/main" id="{DE0AA93C-15DA-419F-B9B1-EED7854DE606}"/>
+              </a:ext>
+            </a:extLst>
+          </p:cNvPr>
+          <p:cNvSpPr>
+            <a:spLocks noGrp="1"/>
+          </p:cNvSpPr>
+          <p:nvPr>
+            <p:ph type="title"/>
+          </p:nvPr>
+        </p:nvSpPr>
+        <p:spPr/>
+        <p:txBody>
+          <a:bodyPr/>
+          <a:lstStyle/>
+          <a:p>
+            <a:r>
+              <a:rPr lang="en-US" altLang="zh-CN" dirty="0"/>
+              <a:t>6.5 Syntax-Directed Translation Schemes</a:t>
+            </a:r>
+            <a:endParaRPr lang="zh-CN" altLang="en-US" dirty="0"/>
+          </a:p>
+        </p:txBody>
+      </p:sp>
+      <p:sp>
+        <p:nvSpPr>
+          <p:cNvPr id="3" name="内容占位符 2">
+            <a:extLst>
+              <a:ext uri="{FF2B5EF4-FFF2-40B4-BE49-F238E27FC236}">
+                <a16:creationId xmlns:a16="http://schemas.microsoft.com/office/drawing/2014/main" id="{5F3FD113-9D12-4C39-BCF5-27D9CA2216CF}"/>
+              </a:ext>
+            </a:extLst>
+          </p:cNvPr>
+          <p:cNvSpPr>
+            <a:spLocks noGrp="1"/>
+          </p:cNvSpPr>
+          <p:nvPr>
+            <p:ph idx="1"/>
+          </p:nvPr>
+        </p:nvSpPr>
+        <p:spPr/>
+        <p:txBody>
+          <a:bodyPr/>
+          <a:lstStyle/>
+          <a:p>
+            <a:r>
+              <a:rPr lang="en-US" altLang="zh-CN" dirty="0">
+                <a:solidFill>
+                  <a:srgbClr val="00B050"/>
+                </a:solidFill>
+              </a:rPr>
+              <a:t>Parser-Stack Implementation of Postfix SDT’s</a:t>
+            </a:r>
+          </a:p>
+          <a:p>
+            <a:pPr marL="0" indent="0">
+              <a:buNone/>
+            </a:pPr>
+            <a:r>
+              <a:rPr lang="en-US" altLang="zh-CN" dirty="0"/>
+              <a:t>Postfix SDT's can be implemented during LR parsing by executing the actions when reductions occur. The attribute(s) of each grammar symbol can be put on the stack in a place where they can be found during the reduction. The best plan is to place the attributes along with the grammar symbols (or the LR states that represent these symbols) in records on the stack itself.</a:t>
+            </a:r>
+          </a:p>
+          <a:p>
+            <a:endParaRPr lang="zh-CN" altLang="en-US" dirty="0">
+              <a:solidFill>
+                <a:srgbClr val="00B050"/>
+              </a:solidFill>
+            </a:endParaRPr>
+          </a:p>
+        </p:txBody>
+      </p:sp>
+      <p:pic>
+        <p:nvPicPr>
+          <p:cNvPr id="4" name="图片 3">
+            <a:extLst>
+              <a:ext uri="{FF2B5EF4-FFF2-40B4-BE49-F238E27FC236}">
+                <a16:creationId xmlns:a16="http://schemas.microsoft.com/office/drawing/2014/main" id="{CD136149-8F2D-41F3-A731-12B4EA6036F0}"/>
+              </a:ext>
+            </a:extLst>
+          </p:cNvPr>
+          <p:cNvPicPr>
+            <a:picLocks noChangeAspect="1"/>
+          </p:cNvPicPr>
+          <p:nvPr/>
+        </p:nvPicPr>
+        <p:blipFill>
+          <a:blip r:embed="rId2"/>
+          <a:stretch>
+            <a:fillRect/>
+          </a:stretch>
+        </p:blipFill>
+        <p:spPr>
+          <a:xfrm>
+            <a:off x="1245012" y="3361513"/>
+            <a:ext cx="6652837" cy="2088061"/>
+          </a:xfrm>
+          <a:prstGeom prst="rect">
+            <a:avLst/>
+          </a:prstGeom>
+        </p:spPr>
+      </p:pic>
+    </p:spTree>
+    <p:extLst>
+      <p:ext uri="{BB962C8B-B14F-4D97-AF65-F5344CB8AC3E}">
+        <p14:creationId xmlns:p14="http://schemas.microsoft.com/office/powerpoint/2010/main" val="3284201862"/>
+      </p:ext>
+    </p:extLst>
+  </p:cSld>
+  <p:clrMapOvr>
+    <a:masterClrMapping/>
+  </p:clrMapOvr>
+  <mc:AlternateContent xmlns:mc="http://schemas.openxmlformats.org/markup-compatibility/2006" xmlns:p14="http://schemas.microsoft.com/office/powerpoint/2010/main">
+    <mc:Choice Requires="p14">
+      <p:transition spd="med" p14:dur="700">
+        <p:fade/>
+      </p:transition>
+    </mc:Choice>
+    <mc:Fallback xmlns="">
+      <p:transition spd="med">
+        <p:fade/>
+      </p:transition>
+    </mc:Fallback>
+  </mc:AlternateContent>
+</p:sld>
+</file>
+
+<file path=ppt/slides/slide32.xml><?xml version="1.0" encoding="utf-8"?>
+<p:sld xmlns:a="http://schemas.openxmlformats.org/drawingml/2006/main" xmlns:r="http://schemas.openxmlformats.org/officeDocument/2006/relationships" xmlns:p="http://schemas.openxmlformats.org/presentationml/2006/main">
+  <p:cSld>
+    <p:spTree>
+      <p:nvGrpSpPr>
+        <p:cNvPr id="1" name=""/>
+        <p:cNvGrpSpPr/>
+        <p:nvPr/>
+      </p:nvGrpSpPr>
+      <p:grpSpPr>
+        <a:xfrm>
+          <a:off x="0" y="0"/>
+          <a:ext cx="0" cy="0"/>
+          <a:chOff x="0" y="0"/>
+          <a:chExt cx="0" cy="0"/>
+        </a:xfrm>
+      </p:grpSpPr>
+      <p:sp>
+        <p:nvSpPr>
+          <p:cNvPr id="2" name="标题 1">
+            <a:extLst>
+              <a:ext uri="{FF2B5EF4-FFF2-40B4-BE49-F238E27FC236}">
+                <a16:creationId xmlns:a16="http://schemas.microsoft.com/office/drawing/2014/main" id="{DE0AA93C-15DA-419F-B9B1-EED7854DE606}"/>
+              </a:ext>
+            </a:extLst>
+          </p:cNvPr>
+          <p:cNvSpPr>
+            <a:spLocks noGrp="1"/>
+          </p:cNvSpPr>
+          <p:nvPr>
+            <p:ph type="title"/>
+          </p:nvPr>
+        </p:nvSpPr>
+        <p:spPr/>
+        <p:txBody>
+          <a:bodyPr/>
+          <a:lstStyle/>
+          <a:p>
+            <a:r>
+              <a:rPr lang="en-US" altLang="zh-CN" dirty="0"/>
+              <a:t>6.5 Syntax-Directed Translation Schemes</a:t>
+            </a:r>
+            <a:endParaRPr lang="zh-CN" altLang="en-US" dirty="0"/>
+          </a:p>
+        </p:txBody>
+      </p:sp>
+      <p:sp>
+        <p:nvSpPr>
+          <p:cNvPr id="3" name="内容占位符 2">
+            <a:extLst>
+              <a:ext uri="{FF2B5EF4-FFF2-40B4-BE49-F238E27FC236}">
+                <a16:creationId xmlns:a16="http://schemas.microsoft.com/office/drawing/2014/main" id="{5F3FD113-9D12-4C39-BCF5-27D9CA2216CF}"/>
+              </a:ext>
+            </a:extLst>
+          </p:cNvPr>
+          <p:cNvSpPr>
+            <a:spLocks noGrp="1"/>
+          </p:cNvSpPr>
+          <p:nvPr>
+            <p:ph idx="1"/>
+          </p:nvPr>
+        </p:nvSpPr>
+        <p:spPr/>
+        <p:txBody>
+          <a:bodyPr/>
+          <a:lstStyle/>
+          <a:p>
+            <a:r>
+              <a:rPr lang="en-US" altLang="zh-CN" dirty="0">
+                <a:solidFill>
+                  <a:srgbClr val="00B050"/>
+                </a:solidFill>
+              </a:rPr>
+              <a:t>Parser-Stack Implementation of Postfix SDT’s</a:t>
+            </a:r>
+          </a:p>
+          <a:p>
+            <a:pPr marL="0" indent="0">
+              <a:buNone/>
+            </a:pPr>
+            <a:r>
+              <a:rPr lang="en-US" altLang="zh-CN" dirty="0"/>
+              <a:t>Postfix SDT's can be implemented during LR parsing by executing the actions when reductions occur. The attribute(s) of each grammar symbol can be put on the stack in a place where they can be found during the reduction. The best plan is to place the attributes along with the grammar symbols (or the LR states that represent these symbols) in records on the stack itself.</a:t>
+            </a:r>
+          </a:p>
+          <a:p>
+            <a:endParaRPr lang="zh-CN" altLang="en-US" dirty="0">
+              <a:solidFill>
+                <a:srgbClr val="00B050"/>
+              </a:solidFill>
+            </a:endParaRPr>
+          </a:p>
+        </p:txBody>
+      </p:sp>
+      <p:pic>
+        <p:nvPicPr>
+          <p:cNvPr id="4" name="图片 3">
+            <a:extLst>
+              <a:ext uri="{FF2B5EF4-FFF2-40B4-BE49-F238E27FC236}">
+                <a16:creationId xmlns:a16="http://schemas.microsoft.com/office/drawing/2014/main" id="{CD136149-8F2D-41F3-A731-12B4EA6036F0}"/>
+              </a:ext>
+            </a:extLst>
+          </p:cNvPr>
+          <p:cNvPicPr>
+            <a:picLocks noChangeAspect="1"/>
+          </p:cNvPicPr>
+          <p:nvPr/>
+        </p:nvPicPr>
+        <p:blipFill>
+          <a:blip r:embed="rId2"/>
+          <a:stretch>
+            <a:fillRect/>
+          </a:stretch>
+        </p:blipFill>
+        <p:spPr>
+          <a:xfrm>
+            <a:off x="1245012" y="3361513"/>
+            <a:ext cx="6652837" cy="2088061"/>
+          </a:xfrm>
+          <a:prstGeom prst="rect">
+            <a:avLst/>
+          </a:prstGeom>
+        </p:spPr>
+      </p:pic>
+    </p:spTree>
+    <p:extLst>
+      <p:ext uri="{BB962C8B-B14F-4D97-AF65-F5344CB8AC3E}">
+        <p14:creationId xmlns:p14="http://schemas.microsoft.com/office/powerpoint/2010/main" val="3049368361"/>
+      </p:ext>
+    </p:extLst>
+  </p:cSld>
+  <p:clrMapOvr>
+    <a:masterClrMapping/>
+  </p:clrMapOvr>
+  <mc:AlternateContent xmlns:mc="http://schemas.openxmlformats.org/markup-compatibility/2006" xmlns:p14="http://schemas.microsoft.com/office/powerpoint/2010/main">
+    <mc:Choice Requires="p14">
+      <p:transition spd="med" p14:dur="700">
+        <p:fade/>
+      </p:transition>
+    </mc:Choice>
+    <mc:Fallback xmlns="">
+      <p:transition spd="med">
+        <p:fade/>
+      </p:transition>
+    </mc:Fallback>
+  </mc:AlternateContent>
+</p:sld>
+</file>
+
+<file path=ppt/slides/slide33.xml><?xml version="1.0" encoding="utf-8"?>
+<p:sld xmlns:a="http://schemas.openxmlformats.org/drawingml/2006/main" xmlns:r="http://schemas.openxmlformats.org/officeDocument/2006/relationships" xmlns:p="http://schemas.openxmlformats.org/presentationml/2006/main">
+  <p:cSld>
+    <p:spTree>
+      <p:nvGrpSpPr>
+        <p:cNvPr id="1" name=""/>
+        <p:cNvGrpSpPr/>
+        <p:nvPr/>
+      </p:nvGrpSpPr>
+      <p:grpSpPr>
+        <a:xfrm>
+          <a:off x="0" y="0"/>
+          <a:ext cx="0" cy="0"/>
+          <a:chOff x="0" y="0"/>
+          <a:chExt cx="0" cy="0"/>
+        </a:xfrm>
+      </p:grpSpPr>
+      <p:sp>
+        <p:nvSpPr>
+          <p:cNvPr id="2" name="标题 1">
+            <a:extLst>
+              <a:ext uri="{FF2B5EF4-FFF2-40B4-BE49-F238E27FC236}">
+                <a16:creationId xmlns:a16="http://schemas.microsoft.com/office/drawing/2014/main" id="{561DF9F1-55AA-4CE9-9FAA-5F2B1649D445}"/>
+              </a:ext>
+            </a:extLst>
+          </p:cNvPr>
+          <p:cNvSpPr>
+            <a:spLocks noGrp="1"/>
+          </p:cNvSpPr>
+          <p:nvPr>
+            <p:ph type="title"/>
+          </p:nvPr>
+        </p:nvSpPr>
+        <p:spPr/>
+        <p:txBody>
+          <a:bodyPr/>
+          <a:lstStyle/>
+          <a:p>
+            <a:r>
+              <a:rPr lang="en-US" altLang="zh-CN" dirty="0"/>
+              <a:t>6.5 Syntax-Directed Translation Schemes</a:t>
+            </a:r>
+            <a:endParaRPr lang="zh-CN" altLang="en-US" dirty="0"/>
+          </a:p>
+        </p:txBody>
+      </p:sp>
+      <p:pic>
+        <p:nvPicPr>
+          <p:cNvPr id="4" name="图片 3">
+            <a:extLst>
+              <a:ext uri="{FF2B5EF4-FFF2-40B4-BE49-F238E27FC236}">
+                <a16:creationId xmlns:a16="http://schemas.microsoft.com/office/drawing/2014/main" id="{8E58542B-8D82-4D44-9392-DC000903D4AC}"/>
+              </a:ext>
+            </a:extLst>
+          </p:cNvPr>
+          <p:cNvPicPr>
+            <a:picLocks noChangeAspect="1"/>
+          </p:cNvPicPr>
+          <p:nvPr/>
+        </p:nvPicPr>
+        <p:blipFill>
+          <a:blip r:embed="rId2"/>
+          <a:stretch>
+            <a:fillRect/>
+          </a:stretch>
+        </p:blipFill>
+        <p:spPr>
+          <a:xfrm>
+            <a:off x="828675" y="1801360"/>
+            <a:ext cx="7536833" cy="4107536"/>
+          </a:xfrm>
+          <a:prstGeom prst="rect">
+            <a:avLst/>
+          </a:prstGeom>
+        </p:spPr>
+      </p:pic>
+    </p:spTree>
+    <p:extLst>
+      <p:ext uri="{BB962C8B-B14F-4D97-AF65-F5344CB8AC3E}">
+        <p14:creationId xmlns:p14="http://schemas.microsoft.com/office/powerpoint/2010/main" val="598218367"/>
+      </p:ext>
+    </p:extLst>
+  </p:cSld>
+  <p:clrMapOvr>
+    <a:masterClrMapping/>
+  </p:clrMapOvr>
+  <mc:AlternateContent xmlns:mc="http://schemas.openxmlformats.org/markup-compatibility/2006" xmlns:p14="http://schemas.microsoft.com/office/powerpoint/2010/main">
+    <mc:Choice Requires="p14">
+      <p:transition spd="med" p14:dur="700">
+        <p:fade/>
+      </p:transition>
+    </mc:Choice>
+    <mc:Fallback xmlns="">
+      <p:transition spd="med">
+        <p:fade/>
+      </p:transition>
+    </mc:Fallback>
+  </mc:AlternateContent>
+</p:sld>
+</file>
+
+<file path=ppt/slides/slide34.xml><?xml version="1.0" encoding="utf-8"?>
+<p:sld xmlns:a="http://schemas.openxmlformats.org/drawingml/2006/main" xmlns:r="http://schemas.openxmlformats.org/officeDocument/2006/relationships" xmlns:p="http://schemas.openxmlformats.org/presentationml/2006/main">
+  <p:cSld>
+    <p:spTree>
+      <p:nvGrpSpPr>
+        <p:cNvPr id="1" name=""/>
+        <p:cNvGrpSpPr/>
+        <p:nvPr/>
+      </p:nvGrpSpPr>
+      <p:grpSpPr>
+        <a:xfrm>
+          <a:off x="0" y="0"/>
+          <a:ext cx="0" cy="0"/>
+          <a:chOff x="0" y="0"/>
+          <a:chExt cx="0" cy="0"/>
+        </a:xfrm>
+      </p:grpSpPr>
+      <p:sp>
+        <p:nvSpPr>
+          <p:cNvPr id="2" name="标题 1">
+            <a:extLst>
+              <a:ext uri="{FF2B5EF4-FFF2-40B4-BE49-F238E27FC236}">
+                <a16:creationId xmlns:a16="http://schemas.microsoft.com/office/drawing/2014/main" id="{375A8377-C778-4659-BEA4-72A986A03FF8}"/>
+              </a:ext>
+            </a:extLst>
+          </p:cNvPr>
+          <p:cNvSpPr>
+            <a:spLocks noGrp="1"/>
+          </p:cNvSpPr>
+          <p:nvPr>
+            <p:ph type="title"/>
+          </p:nvPr>
+        </p:nvSpPr>
+        <p:spPr/>
+        <p:txBody>
+          <a:bodyPr/>
+          <a:lstStyle/>
+          <a:p>
+            <a:r>
+              <a:rPr lang="en-US" altLang="zh-CN" dirty="0"/>
+              <a:t>6.5 Syntax-Directed Translation Schemes</a:t>
+            </a:r>
+            <a:endParaRPr lang="zh-CN" altLang="en-US" dirty="0"/>
+          </a:p>
+        </p:txBody>
+      </p:sp>
+      <p:sp>
+        <p:nvSpPr>
+          <p:cNvPr id="3" name="内容占位符 2">
+            <a:extLst>
+              <a:ext uri="{FF2B5EF4-FFF2-40B4-BE49-F238E27FC236}">
+                <a16:creationId xmlns:a16="http://schemas.microsoft.com/office/drawing/2014/main" id="{A3EEE31D-629D-4206-89E4-7F5BD29502F1}"/>
+              </a:ext>
+            </a:extLst>
+          </p:cNvPr>
+          <p:cNvSpPr>
+            <a:spLocks noGrp="1"/>
+          </p:cNvSpPr>
+          <p:nvPr>
+            <p:ph idx="1"/>
+          </p:nvPr>
+        </p:nvSpPr>
+        <p:spPr/>
+        <p:txBody>
+          <a:bodyPr>
+            <a:normAutofit/>
+          </a:bodyPr>
+          <a:lstStyle/>
+          <a:p>
+            <a:r>
+              <a:rPr lang="en-US" altLang="zh-CN" sz="1600" dirty="0">
+                <a:solidFill>
+                  <a:srgbClr val="0070C0"/>
+                </a:solidFill>
+              </a:rPr>
+              <a:t>SDT's With Actions Inside Productions</a:t>
+            </a:r>
+            <a:endParaRPr lang="zh-CN" altLang="en-US" sz="1600" dirty="0">
+              <a:solidFill>
+                <a:srgbClr val="0070C0"/>
+              </a:solidFill>
+            </a:endParaRPr>
+          </a:p>
+        </p:txBody>
+      </p:sp>
+      <p:pic>
+        <p:nvPicPr>
+          <p:cNvPr id="4" name="图片 3">
+            <a:extLst>
+              <a:ext uri="{FF2B5EF4-FFF2-40B4-BE49-F238E27FC236}">
+                <a16:creationId xmlns:a16="http://schemas.microsoft.com/office/drawing/2014/main" id="{262405F0-4C28-4A33-BDD8-1E08919120EA}"/>
+              </a:ext>
+            </a:extLst>
+          </p:cNvPr>
+          <p:cNvPicPr>
+            <a:picLocks noChangeAspect="1"/>
+          </p:cNvPicPr>
+          <p:nvPr/>
+        </p:nvPicPr>
+        <p:blipFill>
+          <a:blip r:embed="rId2"/>
+          <a:stretch>
+            <a:fillRect/>
+          </a:stretch>
+        </p:blipFill>
+        <p:spPr>
+          <a:xfrm>
+            <a:off x="443959" y="2022516"/>
+            <a:ext cx="8504657" cy="3452159"/>
+          </a:xfrm>
+          <a:prstGeom prst="rect">
+            <a:avLst/>
+          </a:prstGeom>
+        </p:spPr>
+      </p:pic>
+    </p:spTree>
+    <p:extLst>
+      <p:ext uri="{BB962C8B-B14F-4D97-AF65-F5344CB8AC3E}">
+        <p14:creationId xmlns:p14="http://schemas.microsoft.com/office/powerpoint/2010/main" val="2273325615"/>
+      </p:ext>
+    </p:extLst>
+  </p:cSld>
+  <p:clrMapOvr>
+    <a:masterClrMapping/>
+  </p:clrMapOvr>
+  <mc:AlternateContent xmlns:mc="http://schemas.openxmlformats.org/markup-compatibility/2006" xmlns:p14="http://schemas.microsoft.com/office/powerpoint/2010/main">
+    <mc:Choice Requires="p14">
+      <p:transition spd="med" p14:dur="700">
+        <p:fade/>
+      </p:transition>
+    </mc:Choice>
+    <mc:Fallback xmlns="">
+      <p:transition spd="med">
+        <p:fade/>
+      </p:transition>
+    </mc:Fallback>
+  </mc:AlternateContent>
+</p:sld>
+</file>
+
+<file path=ppt/slides/slide35.xml><?xml version="1.0" encoding="utf-8"?>
+<p:sld xmlns:a="http://schemas.openxmlformats.org/drawingml/2006/main" xmlns:r="http://schemas.openxmlformats.org/officeDocument/2006/relationships" xmlns:p="http://schemas.openxmlformats.org/presentationml/2006/main">
+  <p:cSld>
+    <p:spTree>
+      <p:nvGrpSpPr>
+        <p:cNvPr id="1" name=""/>
+        <p:cNvGrpSpPr/>
+        <p:nvPr/>
+      </p:nvGrpSpPr>
+      <p:grpSpPr>
+        <a:xfrm>
+          <a:off x="0" y="0"/>
+          <a:ext cx="0" cy="0"/>
+          <a:chOff x="0" y="0"/>
+          <a:chExt cx="0" cy="0"/>
+        </a:xfrm>
+      </p:grpSpPr>
+      <p:sp>
+        <p:nvSpPr>
+          <p:cNvPr id="2" name="标题 1">
+            <a:extLst>
+              <a:ext uri="{FF2B5EF4-FFF2-40B4-BE49-F238E27FC236}">
+                <a16:creationId xmlns:a16="http://schemas.microsoft.com/office/drawing/2014/main" id="{ABEECC54-2579-4F1D-8237-52FFDDCC8C67}"/>
+              </a:ext>
+            </a:extLst>
+          </p:cNvPr>
+          <p:cNvSpPr>
+            <a:spLocks noGrp="1"/>
+          </p:cNvSpPr>
+          <p:nvPr>
+            <p:ph type="title"/>
+          </p:nvPr>
+        </p:nvSpPr>
+        <p:spPr/>
+        <p:txBody>
+          <a:bodyPr/>
+          <a:lstStyle/>
+          <a:p>
+            <a:r>
+              <a:rPr lang="en-US" altLang="zh-CN" dirty="0"/>
+              <a:t>6.5 Syntax-Directed Translation Schemes</a:t>
+            </a:r>
+            <a:endParaRPr lang="zh-CN" altLang="en-US" dirty="0"/>
+          </a:p>
+        </p:txBody>
+      </p:sp>
+      <p:pic>
+        <p:nvPicPr>
+          <p:cNvPr id="4" name="图片 3">
+            <a:extLst>
+              <a:ext uri="{FF2B5EF4-FFF2-40B4-BE49-F238E27FC236}">
+                <a16:creationId xmlns:a16="http://schemas.microsoft.com/office/drawing/2014/main" id="{58807CEE-4B9B-474C-A5BE-9AEBD0252054}"/>
+              </a:ext>
+            </a:extLst>
+          </p:cNvPr>
+          <p:cNvPicPr>
+            <a:picLocks noChangeAspect="1"/>
+          </p:cNvPicPr>
+          <p:nvPr/>
+        </p:nvPicPr>
+        <p:blipFill>
+          <a:blip r:embed="rId2"/>
+          <a:stretch>
+            <a:fillRect/>
+          </a:stretch>
+        </p:blipFill>
+        <p:spPr>
+          <a:xfrm>
+            <a:off x="501998" y="1646590"/>
+            <a:ext cx="8138865" cy="4168501"/>
+          </a:xfrm>
+          <a:prstGeom prst="rect">
+            <a:avLst/>
+          </a:prstGeom>
+        </p:spPr>
+      </p:pic>
+    </p:spTree>
+    <p:extLst>
+      <p:ext uri="{BB962C8B-B14F-4D97-AF65-F5344CB8AC3E}">
+        <p14:creationId xmlns:p14="http://schemas.microsoft.com/office/powerpoint/2010/main" val="2946791336"/>
+      </p:ext>
+    </p:extLst>
+  </p:cSld>
+  <p:clrMapOvr>
+    <a:masterClrMapping/>
+  </p:clrMapOvr>
+  <mc:AlternateContent xmlns:mc="http://schemas.openxmlformats.org/markup-compatibility/2006" xmlns:p14="http://schemas.microsoft.com/office/powerpoint/2010/main">
+    <mc:Choice Requires="p14">
+      <p:transition spd="med" p14:dur="700">
+        <p:fade/>
+      </p:transition>
+    </mc:Choice>
+    <mc:Fallback xmlns="">
+      <p:transition spd="med">
+        <p:fade/>
+      </p:transition>
+    </mc:Fallback>
+  </mc:AlternateContent>
+</p:sld>
+</file>
+
+<file path=ppt/slides/slide36.xml><?xml version="1.0" encoding="utf-8"?>
+<p:sld xmlns:a="http://schemas.openxmlformats.org/drawingml/2006/main" xmlns:r="http://schemas.openxmlformats.org/officeDocument/2006/relationships" xmlns:p="http://schemas.openxmlformats.org/presentationml/2006/main">
+  <p:cSld>
+    <p:spTree>
+      <p:nvGrpSpPr>
+        <p:cNvPr id="1" name=""/>
+        <p:cNvGrpSpPr/>
+        <p:nvPr/>
+      </p:nvGrpSpPr>
+      <p:grpSpPr>
+        <a:xfrm>
+          <a:off x="0" y="0"/>
+          <a:ext cx="0" cy="0"/>
+          <a:chOff x="0" y="0"/>
+          <a:chExt cx="0" cy="0"/>
+        </a:xfrm>
+      </p:grpSpPr>
+      <p:sp>
+        <p:nvSpPr>
+          <p:cNvPr id="2" name="标题 1">
+            <a:extLst>
+              <a:ext uri="{FF2B5EF4-FFF2-40B4-BE49-F238E27FC236}">
+                <a16:creationId xmlns:a16="http://schemas.microsoft.com/office/drawing/2014/main" id="{5CC67A61-E529-41A8-829A-BE702D34341E}"/>
+              </a:ext>
+            </a:extLst>
+          </p:cNvPr>
+          <p:cNvSpPr>
+            <a:spLocks noGrp="1"/>
+          </p:cNvSpPr>
+          <p:nvPr>
+            <p:ph type="title"/>
+          </p:nvPr>
+        </p:nvSpPr>
+        <p:spPr/>
+        <p:txBody>
+          <a:bodyPr/>
+          <a:lstStyle/>
+          <a:p>
+            <a:r>
+              <a:rPr lang="en-US" altLang="zh-CN" dirty="0"/>
+              <a:t>6.5 Syntax-Directed Translation Schemes</a:t>
+            </a:r>
+            <a:endParaRPr lang="zh-CN" altLang="en-US" dirty="0"/>
+          </a:p>
+        </p:txBody>
+      </p:sp>
+      <p:pic>
+        <p:nvPicPr>
+          <p:cNvPr id="4" name="图片 3">
+            <a:extLst>
+              <a:ext uri="{FF2B5EF4-FFF2-40B4-BE49-F238E27FC236}">
+                <a16:creationId xmlns:a16="http://schemas.microsoft.com/office/drawing/2014/main" id="{80FFBADB-FF94-41DA-8E84-6C2D2A18297B}"/>
+              </a:ext>
+            </a:extLst>
+          </p:cNvPr>
+          <p:cNvPicPr>
+            <a:picLocks noChangeAspect="1"/>
+          </p:cNvPicPr>
+          <p:nvPr/>
+        </p:nvPicPr>
+        <p:blipFill>
+          <a:blip r:embed="rId2"/>
+          <a:stretch>
+            <a:fillRect/>
+          </a:stretch>
+        </p:blipFill>
+        <p:spPr>
+          <a:xfrm>
+            <a:off x="2680487" y="3716880"/>
+            <a:ext cx="3781887" cy="2824262"/>
+          </a:xfrm>
+          <a:prstGeom prst="rect">
+            <a:avLst/>
+          </a:prstGeom>
+        </p:spPr>
+      </p:pic>
+      <p:pic>
+        <p:nvPicPr>
+          <p:cNvPr id="5" name="图片 4">
+            <a:extLst>
+              <a:ext uri="{FF2B5EF4-FFF2-40B4-BE49-F238E27FC236}">
+                <a16:creationId xmlns:a16="http://schemas.microsoft.com/office/drawing/2014/main" id="{ADFB117B-7C15-480F-A080-9D5755BDF06A}"/>
+              </a:ext>
+            </a:extLst>
+          </p:cNvPr>
+          <p:cNvPicPr>
+            <a:picLocks noChangeAspect="1"/>
+          </p:cNvPicPr>
+          <p:nvPr/>
+        </p:nvPicPr>
+        <p:blipFill>
+          <a:blip r:embed="rId3"/>
+          <a:stretch>
+            <a:fillRect/>
+          </a:stretch>
+        </p:blipFill>
+        <p:spPr>
+          <a:xfrm>
+            <a:off x="473706" y="1430682"/>
+            <a:ext cx="7902625" cy="2286198"/>
+          </a:xfrm>
+          <a:prstGeom prst="rect">
+            <a:avLst/>
+          </a:prstGeom>
+        </p:spPr>
+      </p:pic>
+    </p:spTree>
+    <p:extLst>
+      <p:ext uri="{BB962C8B-B14F-4D97-AF65-F5344CB8AC3E}">
+        <p14:creationId xmlns:p14="http://schemas.microsoft.com/office/powerpoint/2010/main" val="335233304"/>
+      </p:ext>
+    </p:extLst>
+  </p:cSld>
+  <p:clrMapOvr>
+    <a:masterClrMapping/>
+  </p:clrMapOvr>
+  <mc:AlternateContent xmlns:mc="http://schemas.openxmlformats.org/markup-compatibility/2006" xmlns:p14="http://schemas.microsoft.com/office/powerpoint/2010/main">
+    <mc:Choice Requires="p14">
+      <p:transition spd="med" p14:dur="700">
+        <p:fade/>
+      </p:transition>
+    </mc:Choice>
+    <mc:Fallback xmlns="">
+      <p:transition spd="med">
+        <p:fade/>
+      </p:transition>
+    </mc:Fallback>
+  </mc:AlternateContent>
+</p:sld>
+</file>
+
+<file path=ppt/slides/slide37.xml><?xml version="1.0" encoding="utf-8"?>
+<p:sld xmlns:a="http://schemas.openxmlformats.org/drawingml/2006/main" xmlns:r="http://schemas.openxmlformats.org/officeDocument/2006/relationships" xmlns:p="http://schemas.openxmlformats.org/presentationml/2006/main">
+  <p:cSld>
+    <p:spTree>
+      <p:nvGrpSpPr>
+        <p:cNvPr id="1" name=""/>
+        <p:cNvGrpSpPr/>
+        <p:nvPr/>
+      </p:nvGrpSpPr>
+      <p:grpSpPr>
+        <a:xfrm>
+          <a:off x="0" y="0"/>
+          <a:ext cx="0" cy="0"/>
+          <a:chOff x="0" y="0"/>
+          <a:chExt cx="0" cy="0"/>
+        </a:xfrm>
+      </p:grpSpPr>
+      <p:sp>
+        <p:nvSpPr>
+          <p:cNvPr id="2" name="标题 1">
+            <a:extLst>
+              <a:ext uri="{FF2B5EF4-FFF2-40B4-BE49-F238E27FC236}">
+                <a16:creationId xmlns:a16="http://schemas.microsoft.com/office/drawing/2014/main" id="{B360E440-5FC0-460F-8AB1-C40DE1DAB558}"/>
+              </a:ext>
+            </a:extLst>
+          </p:cNvPr>
+          <p:cNvSpPr>
+            <a:spLocks noGrp="1"/>
+          </p:cNvSpPr>
+          <p:nvPr>
+            <p:ph type="title"/>
+          </p:nvPr>
+        </p:nvSpPr>
+        <p:spPr/>
+        <p:txBody>
+          <a:bodyPr/>
+          <a:lstStyle/>
+          <a:p>
+            <a:r>
+              <a:rPr lang="en-US" altLang="zh-CN" dirty="0"/>
+              <a:t>6.5 Syntax-Directed Translation Schemes</a:t>
+            </a:r>
+            <a:endParaRPr lang="zh-CN" altLang="en-US" dirty="0"/>
+          </a:p>
+        </p:txBody>
+      </p:sp>
+      <p:sp>
+        <p:nvSpPr>
+          <p:cNvPr id="3" name="内容占位符 2">
+            <a:extLst>
+              <a:ext uri="{FF2B5EF4-FFF2-40B4-BE49-F238E27FC236}">
+                <a16:creationId xmlns:a16="http://schemas.microsoft.com/office/drawing/2014/main" id="{0CA84AFB-7CDA-4021-88CB-77864F504619}"/>
+              </a:ext>
+            </a:extLst>
+          </p:cNvPr>
+          <p:cNvSpPr>
+            <a:spLocks noGrp="1"/>
+          </p:cNvSpPr>
+          <p:nvPr>
+            <p:ph idx="1"/>
+          </p:nvPr>
+        </p:nvSpPr>
+        <p:spPr>
+          <a:xfrm>
+            <a:off x="828675" y="1600200"/>
+            <a:ext cx="7486650" cy="752383"/>
+          </a:xfrm>
+        </p:spPr>
+        <p:txBody>
+          <a:bodyPr/>
+          <a:lstStyle/>
+          <a:p>
+            <a:endParaRPr lang="zh-CN" altLang="en-US" dirty="0"/>
+          </a:p>
+        </p:txBody>
+      </p:sp>
+      <p:pic>
+        <p:nvPicPr>
+          <p:cNvPr id="4" name="图片 3">
+            <a:extLst>
+              <a:ext uri="{FF2B5EF4-FFF2-40B4-BE49-F238E27FC236}">
+                <a16:creationId xmlns:a16="http://schemas.microsoft.com/office/drawing/2014/main" id="{AEFD2626-5361-4F63-B263-5D64DE42885A}"/>
+              </a:ext>
+            </a:extLst>
+          </p:cNvPr>
+          <p:cNvPicPr>
+            <a:picLocks noChangeAspect="1"/>
+          </p:cNvPicPr>
+          <p:nvPr/>
+        </p:nvPicPr>
+        <p:blipFill>
+          <a:blip r:embed="rId2"/>
+          <a:stretch>
+            <a:fillRect/>
+          </a:stretch>
+        </p:blipFill>
+        <p:spPr>
+          <a:xfrm>
+            <a:off x="828675" y="1510991"/>
+            <a:ext cx="1722269" cy="586791"/>
+          </a:xfrm>
+          <a:prstGeom prst="rect">
+            <a:avLst/>
+          </a:prstGeom>
+        </p:spPr>
+      </p:pic>
+      <p:pic>
+        <p:nvPicPr>
+          <p:cNvPr id="5" name="图片 4">
+            <a:extLst>
+              <a:ext uri="{FF2B5EF4-FFF2-40B4-BE49-F238E27FC236}">
+                <a16:creationId xmlns:a16="http://schemas.microsoft.com/office/drawing/2014/main" id="{C4F97E0D-41C5-4086-B22D-6B2AE58B92AF}"/>
+              </a:ext>
+            </a:extLst>
+          </p:cNvPr>
+          <p:cNvPicPr>
+            <a:picLocks noChangeAspect="1"/>
+          </p:cNvPicPr>
+          <p:nvPr/>
+        </p:nvPicPr>
+        <p:blipFill>
+          <a:blip r:embed="rId3"/>
+          <a:stretch>
+            <a:fillRect/>
+          </a:stretch>
+        </p:blipFill>
+        <p:spPr>
+          <a:xfrm>
+            <a:off x="3475175" y="1600200"/>
+            <a:ext cx="1447925" cy="647756"/>
+          </a:xfrm>
+          <a:prstGeom prst="rect">
+            <a:avLst/>
+          </a:prstGeom>
+        </p:spPr>
+      </p:pic>
+      <p:sp>
+        <p:nvSpPr>
+          <p:cNvPr id="6" name="箭头: 右 5">
+            <a:extLst>
+              <a:ext uri="{FF2B5EF4-FFF2-40B4-BE49-F238E27FC236}">
+                <a16:creationId xmlns:a16="http://schemas.microsoft.com/office/drawing/2014/main" id="{1EBA6DF8-D0ED-45A6-8FE0-E178504F7A23}"/>
+              </a:ext>
+            </a:extLst>
+          </p:cNvPr>
+          <p:cNvSpPr/>
+          <p:nvPr/>
+        </p:nvSpPr>
+        <p:spPr>
+          <a:xfrm>
+            <a:off x="2805344" y="1804386"/>
+            <a:ext cx="541538" cy="201967"/>
+          </a:xfrm>
+          <a:prstGeom prst="rightArrow">
+            <a:avLst/>
+          </a:prstGeom>
+        </p:spPr>
+        <p:style>
+          <a:lnRef idx="2">
+            <a:schemeClr val="accent1">
+              <a:shade val="50000"/>
+            </a:schemeClr>
+          </a:lnRef>
+          <a:fillRef idx="1">
+            <a:schemeClr val="accent1"/>
+          </a:fillRef>
+          <a:effectRef idx="0">
+            <a:schemeClr val="accent1"/>
+          </a:effectRef>
+          <a:fontRef idx="minor">
+            <a:schemeClr val="lt1"/>
+          </a:fontRef>
+        </p:style>
+        <p:txBody>
+          <a:bodyPr rtlCol="0" anchor="ctr"/>
+          <a:lstStyle/>
+          <a:p>
+            <a:pPr algn="ctr"/>
+            <a:endParaRPr lang="zh-CN" altLang="en-US"/>
+          </a:p>
+        </p:txBody>
+      </p:sp>
+      <p:pic>
+        <p:nvPicPr>
+          <p:cNvPr id="7" name="图片 6">
+            <a:extLst>
+              <a:ext uri="{FF2B5EF4-FFF2-40B4-BE49-F238E27FC236}">
+                <a16:creationId xmlns:a16="http://schemas.microsoft.com/office/drawing/2014/main" id="{8DFBAA59-5C4D-4A82-ADA2-FAECD58F989A}"/>
+              </a:ext>
+            </a:extLst>
+          </p:cNvPr>
+          <p:cNvPicPr>
+            <a:picLocks noChangeAspect="1"/>
+          </p:cNvPicPr>
+          <p:nvPr/>
+        </p:nvPicPr>
+        <p:blipFill>
+          <a:blip r:embed="rId4"/>
+          <a:stretch>
+            <a:fillRect/>
+          </a:stretch>
+        </p:blipFill>
+        <p:spPr>
+          <a:xfrm>
+            <a:off x="929423" y="2556769"/>
+            <a:ext cx="6598841" cy="3668782"/>
+          </a:xfrm>
+          <a:prstGeom prst="rect">
+            <a:avLst/>
+          </a:prstGeom>
+        </p:spPr>
+      </p:pic>
+    </p:spTree>
+    <p:extLst>
+      <p:ext uri="{BB962C8B-B14F-4D97-AF65-F5344CB8AC3E}">
+        <p14:creationId xmlns:p14="http://schemas.microsoft.com/office/powerpoint/2010/main" val="3161865807"/>
+      </p:ext>
+    </p:extLst>
+  </p:cSld>
+  <p:clrMapOvr>
+    <a:masterClrMapping/>
+  </p:clrMapOvr>
+  <mc:AlternateContent xmlns:mc="http://schemas.openxmlformats.org/markup-compatibility/2006" xmlns:p14="http://schemas.microsoft.com/office/powerpoint/2010/main">
+    <mc:Choice Requires="p14">
+      <p:transition spd="med" p14:dur="700">
+        <p:fade/>
+      </p:transition>
+    </mc:Choice>
+    <mc:Fallback xmlns="">
+      <p:transition spd="med">
+        <p:fade/>
+      </p:transition>
+    </mc:Fallback>
+  </mc:AlternateContent>
+</p:sld>
+</file>
+
+<file path=ppt/slides/slide38.xml><?xml version="1.0" encoding="utf-8"?>
+<p:sld xmlns:a="http://schemas.openxmlformats.org/drawingml/2006/main" xmlns:r="http://schemas.openxmlformats.org/officeDocument/2006/relationships" xmlns:p="http://schemas.openxmlformats.org/presentationml/2006/main">
+  <p:cSld>
+    <p:spTree>
+      <p:nvGrpSpPr>
+        <p:cNvPr id="1" name=""/>
+        <p:cNvGrpSpPr/>
+        <p:nvPr/>
+      </p:nvGrpSpPr>
+      <p:grpSpPr>
+        <a:xfrm>
+          <a:off x="0" y="0"/>
+          <a:ext cx="0" cy="0"/>
+          <a:chOff x="0" y="0"/>
+          <a:chExt cx="0" cy="0"/>
+        </a:xfrm>
+      </p:grpSpPr>
+      <p:sp>
+        <p:nvSpPr>
+          <p:cNvPr id="2" name="标题 1">
+            <a:extLst>
+              <a:ext uri="{FF2B5EF4-FFF2-40B4-BE49-F238E27FC236}">
+                <a16:creationId xmlns:a16="http://schemas.microsoft.com/office/drawing/2014/main" id="{925036EB-DEE2-406D-9F14-44EEFE1EC6C6}"/>
+              </a:ext>
+            </a:extLst>
+          </p:cNvPr>
+          <p:cNvSpPr>
+            <a:spLocks noGrp="1"/>
+          </p:cNvSpPr>
+          <p:nvPr>
+            <p:ph type="title"/>
+          </p:nvPr>
+        </p:nvSpPr>
+        <p:spPr/>
+        <p:txBody>
+          <a:bodyPr/>
+          <a:lstStyle/>
+          <a:p>
+            <a:r>
+              <a:rPr lang="en-US" altLang="zh-CN" dirty="0"/>
+              <a:t>6.5 Syntax-Directed Translation Schemes</a:t>
+            </a:r>
+            <a:endParaRPr lang="zh-CN" altLang="en-US" dirty="0"/>
+          </a:p>
+        </p:txBody>
+      </p:sp>
+      <p:sp>
+        <p:nvSpPr>
+          <p:cNvPr id="3" name="内容占位符 2">
+            <a:extLst>
+              <a:ext uri="{FF2B5EF4-FFF2-40B4-BE49-F238E27FC236}">
+                <a16:creationId xmlns:a16="http://schemas.microsoft.com/office/drawing/2014/main" id="{00AE49C5-625F-4BD7-A9B4-C6047E019503}"/>
+              </a:ext>
+            </a:extLst>
+          </p:cNvPr>
+          <p:cNvSpPr>
+            <a:spLocks noGrp="1"/>
+          </p:cNvSpPr>
+          <p:nvPr>
+            <p:ph idx="1"/>
+          </p:nvPr>
+        </p:nvSpPr>
+        <p:spPr/>
+        <p:txBody>
+          <a:bodyPr/>
+          <a:lstStyle/>
+          <a:p>
+            <a:r>
+              <a:rPr lang="en-US" altLang="zh-CN" dirty="0"/>
+              <a:t>When the actions of an SDD compute attributes rather than merely printing output, we must be more careful about how we eliminate left recursion from a grammar. However , if the SDD is S-attributed, then we can always construct an SDT by placing attribute-computing actions at appropriate positions in the new productions.</a:t>
+            </a:r>
+            <a:endParaRPr lang="zh-CN" altLang="en-US" dirty="0"/>
+          </a:p>
+        </p:txBody>
+      </p:sp>
+      <p:pic>
+        <p:nvPicPr>
+          <p:cNvPr id="4" name="图片 3">
+            <a:extLst>
+              <a:ext uri="{FF2B5EF4-FFF2-40B4-BE49-F238E27FC236}">
+                <a16:creationId xmlns:a16="http://schemas.microsoft.com/office/drawing/2014/main" id="{9A2FD4A4-7C2D-4FDD-947D-30F715E480B2}"/>
+              </a:ext>
+            </a:extLst>
+          </p:cNvPr>
+          <p:cNvPicPr>
+            <a:picLocks noChangeAspect="1"/>
+          </p:cNvPicPr>
+          <p:nvPr/>
+        </p:nvPicPr>
+        <p:blipFill>
+          <a:blip r:embed="rId2"/>
+          <a:stretch>
+            <a:fillRect/>
+          </a:stretch>
+        </p:blipFill>
+        <p:spPr>
+          <a:xfrm>
+            <a:off x="2699753" y="2703074"/>
+            <a:ext cx="3886537" cy="670618"/>
+          </a:xfrm>
+          <a:prstGeom prst="rect">
+            <a:avLst/>
+          </a:prstGeom>
+        </p:spPr>
+      </p:pic>
+      <p:pic>
+        <p:nvPicPr>
+          <p:cNvPr id="5" name="图片 4">
+            <a:extLst>
+              <a:ext uri="{FF2B5EF4-FFF2-40B4-BE49-F238E27FC236}">
+                <a16:creationId xmlns:a16="http://schemas.microsoft.com/office/drawing/2014/main" id="{966B30D7-C591-47FD-A5A3-62270D7BE02D}"/>
+              </a:ext>
+            </a:extLst>
+          </p:cNvPr>
+          <p:cNvPicPr>
+            <a:picLocks noChangeAspect="1"/>
+          </p:cNvPicPr>
+          <p:nvPr/>
+        </p:nvPicPr>
+        <p:blipFill>
+          <a:blip r:embed="rId3"/>
+          <a:stretch>
+            <a:fillRect/>
+          </a:stretch>
+        </p:blipFill>
+        <p:spPr>
+          <a:xfrm>
+            <a:off x="1384806" y="3520297"/>
+            <a:ext cx="6858520" cy="3078941"/>
+          </a:xfrm>
+          <a:prstGeom prst="rect">
+            <a:avLst/>
+          </a:prstGeom>
+        </p:spPr>
+      </p:pic>
+    </p:spTree>
+    <p:extLst>
+      <p:ext uri="{BB962C8B-B14F-4D97-AF65-F5344CB8AC3E}">
+        <p14:creationId xmlns:p14="http://schemas.microsoft.com/office/powerpoint/2010/main" val="4111263170"/>
+      </p:ext>
+    </p:extLst>
+  </p:cSld>
+  <p:clrMapOvr>
+    <a:masterClrMapping/>
+  </p:clrMapOvr>
+  <mc:AlternateContent xmlns:mc="http://schemas.openxmlformats.org/markup-compatibility/2006" xmlns:p14="http://schemas.microsoft.com/office/powerpoint/2010/main">
+    <mc:Choice Requires="p14">
+      <p:transition spd="med" p14:dur="700">
+        <p:fade/>
+      </p:transition>
+    </mc:Choice>
+    <mc:Fallback xmlns="">
+      <p:transition spd="med">
+        <p:fade/>
+      </p:transition>
+    </mc:Fallback>
+  </mc:AlternateContent>
+</p:sld>
+</file>
+
+<file path=ppt/slides/slide39.xml><?xml version="1.0" encoding="utf-8"?>
+<p:sld xmlns:a="http://schemas.openxmlformats.org/drawingml/2006/main" xmlns:r="http://schemas.openxmlformats.org/officeDocument/2006/relationships" xmlns:p="http://schemas.openxmlformats.org/presentationml/2006/main">
+  <p:cSld>
+    <p:spTree>
+      <p:nvGrpSpPr>
+        <p:cNvPr id="1" name=""/>
+        <p:cNvGrpSpPr/>
+        <p:nvPr/>
+      </p:nvGrpSpPr>
+      <p:grpSpPr>
+        <a:xfrm>
+          <a:off x="0" y="0"/>
+          <a:ext cx="0" cy="0"/>
+          <a:chOff x="0" y="0"/>
+          <a:chExt cx="0" cy="0"/>
+        </a:xfrm>
+      </p:grpSpPr>
+      <p:sp>
+        <p:nvSpPr>
+          <p:cNvPr id="2" name="标题 1">
+            <a:extLst>
+              <a:ext uri="{FF2B5EF4-FFF2-40B4-BE49-F238E27FC236}">
+                <a16:creationId xmlns:a16="http://schemas.microsoft.com/office/drawing/2014/main" id="{B3616FFA-97A1-432F-A572-9D4A9851BF1C}"/>
+              </a:ext>
+            </a:extLst>
+          </p:cNvPr>
+          <p:cNvSpPr>
+            <a:spLocks noGrp="1"/>
+          </p:cNvSpPr>
+          <p:nvPr>
+            <p:ph type="title"/>
+          </p:nvPr>
+        </p:nvSpPr>
+        <p:spPr/>
+        <p:txBody>
+          <a:bodyPr/>
+          <a:lstStyle/>
+          <a:p>
+            <a:r>
+              <a:rPr lang="en-US" altLang="zh-CN" dirty="0"/>
+              <a:t>6.5 Syntax-Directed Translation Schemes</a:t>
+            </a:r>
+            <a:endParaRPr lang="zh-CN" altLang="en-US" dirty="0"/>
+          </a:p>
+        </p:txBody>
+      </p:sp>
+      <p:pic>
+        <p:nvPicPr>
+          <p:cNvPr id="4" name="图片 3">
+            <a:extLst>
+              <a:ext uri="{FF2B5EF4-FFF2-40B4-BE49-F238E27FC236}">
+                <a16:creationId xmlns:a16="http://schemas.microsoft.com/office/drawing/2014/main" id="{9BDBFCFF-B4CC-4975-A9E7-916425078DF2}"/>
+              </a:ext>
+            </a:extLst>
+          </p:cNvPr>
+          <p:cNvPicPr>
+            <a:picLocks noChangeAspect="1"/>
+          </p:cNvPicPr>
+          <p:nvPr/>
+        </p:nvPicPr>
+        <p:blipFill>
+          <a:blip r:embed="rId2"/>
+          <a:stretch>
+            <a:fillRect/>
+          </a:stretch>
+        </p:blipFill>
+        <p:spPr>
+          <a:xfrm>
+            <a:off x="828675" y="1833062"/>
+            <a:ext cx="3886537" cy="670618"/>
+          </a:xfrm>
+          <a:prstGeom prst="rect">
+            <a:avLst/>
+          </a:prstGeom>
+        </p:spPr>
+      </p:pic>
+      <p:pic>
+        <p:nvPicPr>
+          <p:cNvPr id="5" name="图片 4">
+            <a:extLst>
+              <a:ext uri="{FF2B5EF4-FFF2-40B4-BE49-F238E27FC236}">
+                <a16:creationId xmlns:a16="http://schemas.microsoft.com/office/drawing/2014/main" id="{542CBEA2-FC66-468B-BD17-38067158F767}"/>
+              </a:ext>
+            </a:extLst>
+          </p:cNvPr>
+          <p:cNvPicPr>
+            <a:picLocks noChangeAspect="1"/>
+          </p:cNvPicPr>
+          <p:nvPr/>
+        </p:nvPicPr>
+        <p:blipFill>
+          <a:blip r:embed="rId3"/>
+          <a:stretch>
+            <a:fillRect/>
+          </a:stretch>
+        </p:blipFill>
+        <p:spPr>
+          <a:xfrm>
+            <a:off x="828675" y="3163580"/>
+            <a:ext cx="5685013" cy="1028789"/>
+          </a:xfrm>
+          <a:prstGeom prst="rect">
+            <a:avLst/>
+          </a:prstGeom>
+        </p:spPr>
+      </p:pic>
+      <p:sp>
+        <p:nvSpPr>
+          <p:cNvPr id="6" name="箭头: 下 5">
+            <a:extLst>
+              <a:ext uri="{FF2B5EF4-FFF2-40B4-BE49-F238E27FC236}">
+                <a16:creationId xmlns:a16="http://schemas.microsoft.com/office/drawing/2014/main" id="{532FFDFA-E3F2-4F69-918C-330B329B480D}"/>
+              </a:ext>
+            </a:extLst>
+          </p:cNvPr>
+          <p:cNvSpPr/>
+          <p:nvPr/>
+        </p:nvSpPr>
+        <p:spPr>
+          <a:xfrm>
+            <a:off x="3045040" y="2632317"/>
+            <a:ext cx="230820" cy="402625"/>
+          </a:xfrm>
+          <a:prstGeom prst="downArrow">
+            <a:avLst/>
+          </a:prstGeom>
+        </p:spPr>
+        <p:style>
+          <a:lnRef idx="2">
+            <a:schemeClr val="accent1">
+              <a:shade val="50000"/>
+            </a:schemeClr>
+          </a:lnRef>
+          <a:fillRef idx="1">
+            <a:schemeClr val="accent1"/>
+          </a:fillRef>
+          <a:effectRef idx="0">
+            <a:schemeClr val="accent1"/>
+          </a:effectRef>
+          <a:fontRef idx="minor">
+            <a:schemeClr val="lt1"/>
+          </a:fontRef>
+        </p:style>
+        <p:txBody>
+          <a:bodyPr rtlCol="0" anchor="ctr"/>
+          <a:lstStyle/>
+          <a:p>
+            <a:pPr algn="ctr"/>
+            <a:endParaRPr lang="zh-CN" altLang="en-US"/>
+          </a:p>
+        </p:txBody>
+      </p:sp>
+    </p:spTree>
+    <p:extLst>
+      <p:ext uri="{BB962C8B-B14F-4D97-AF65-F5344CB8AC3E}">
+        <p14:creationId xmlns:p14="http://schemas.microsoft.com/office/powerpoint/2010/main" val="3422208744"/>
       </p:ext>
     </p:extLst>
   </p:cSld>
@@ -8394,7 +10097,7 @@
           <p:cNvPr id="6" name="图片 5">
             <a:extLst>
               <a:ext uri="{FF2B5EF4-FFF2-40B4-BE49-F238E27FC236}">
-                <a16:creationId xmlns="" xmlns:a16="http://schemas.microsoft.com/office/drawing/2014/main" id="{7C82A730-939B-4182-B617-CE5367D1FA16}"/>
+                <a16:creationId xmlns:a16="http://schemas.microsoft.com/office/drawing/2014/main" id="{7C82A730-939B-4182-B617-CE5367D1FA16}"/>
               </a:ext>
             </a:extLst>
           </p:cNvPr>
@@ -8424,7 +10127,7 @@
           <p:cNvPr id="7" name="矩形 6">
             <a:extLst>
               <a:ext uri="{FF2B5EF4-FFF2-40B4-BE49-F238E27FC236}">
-                <a16:creationId xmlns="" xmlns:a16="http://schemas.microsoft.com/office/drawing/2014/main" id="{225F7DE6-80B3-4B12-AF4E-4BFB981B7694}"/>
+                <a16:creationId xmlns:a16="http://schemas.microsoft.com/office/drawing/2014/main" id="{225F7DE6-80B3-4B12-AF4E-4BFB981B7694}"/>
               </a:ext>
             </a:extLst>
           </p:cNvPr>
@@ -8459,7 +10162,7 @@
           <p:cNvPr id="8" name="矩形 7">
             <a:extLst>
               <a:ext uri="{FF2B5EF4-FFF2-40B4-BE49-F238E27FC236}">
-                <a16:creationId xmlns="" xmlns:a16="http://schemas.microsoft.com/office/drawing/2014/main" id="{8CD4E63D-BCA8-466C-A68C-308C2F92ADBE}"/>
+                <a16:creationId xmlns:a16="http://schemas.microsoft.com/office/drawing/2014/main" id="{8CD4E63D-BCA8-466C-A68C-308C2F92ADBE}"/>
               </a:ext>
             </a:extLst>
           </p:cNvPr>
@@ -8502,7 +10205,7 @@
           <p:cNvPr id="10" name="直接箭头连接符 9">
             <a:extLst>
               <a:ext uri="{FF2B5EF4-FFF2-40B4-BE49-F238E27FC236}">
-                <a16:creationId xmlns="" xmlns:a16="http://schemas.microsoft.com/office/drawing/2014/main" id="{2A0BE18E-BFD3-485C-AB52-987C9F69FDA5}"/>
+                <a16:creationId xmlns:a16="http://schemas.microsoft.com/office/drawing/2014/main" id="{2A0BE18E-BFD3-485C-AB52-987C9F69FDA5}"/>
               </a:ext>
             </a:extLst>
           </p:cNvPr>
@@ -8564,6 +10267,561 @@
 </p:sld>
 </file>
 
+<file path=ppt/slides/slide40.xml><?xml version="1.0" encoding="utf-8"?>
+<p:sld xmlns:a="http://schemas.openxmlformats.org/drawingml/2006/main" xmlns:r="http://schemas.openxmlformats.org/officeDocument/2006/relationships" xmlns:p="http://schemas.openxmlformats.org/presentationml/2006/main">
+  <p:cSld>
+    <p:spTree>
+      <p:nvGrpSpPr>
+        <p:cNvPr id="1" name=""/>
+        <p:cNvGrpSpPr/>
+        <p:nvPr/>
+      </p:nvGrpSpPr>
+      <p:grpSpPr>
+        <a:xfrm>
+          <a:off x="0" y="0"/>
+          <a:ext cx="0" cy="0"/>
+          <a:chOff x="0" y="0"/>
+          <a:chExt cx="0" cy="0"/>
+        </a:xfrm>
+      </p:grpSpPr>
+      <p:sp>
+        <p:nvSpPr>
+          <p:cNvPr id="2" name="标题 1">
+            <a:extLst>
+              <a:ext uri="{FF2B5EF4-FFF2-40B4-BE49-F238E27FC236}">
+                <a16:creationId xmlns:a16="http://schemas.microsoft.com/office/drawing/2014/main" id="{047BF5E4-3F60-428E-A941-15D669C0BD11}"/>
+              </a:ext>
+            </a:extLst>
+          </p:cNvPr>
+          <p:cNvSpPr>
+            <a:spLocks noGrp="1"/>
+          </p:cNvSpPr>
+          <p:nvPr>
+            <p:ph type="title"/>
+          </p:nvPr>
+        </p:nvSpPr>
+        <p:spPr/>
+        <p:txBody>
+          <a:bodyPr/>
+          <a:lstStyle/>
+          <a:p>
+            <a:r>
+              <a:rPr lang="en-US" altLang="zh-CN" dirty="0"/>
+              <a:t>6.5 Syntax-Directed Translation Schemes</a:t>
+            </a:r>
+            <a:endParaRPr lang="zh-CN" altLang="en-US" dirty="0"/>
+          </a:p>
+        </p:txBody>
+      </p:sp>
+      <p:sp>
+        <p:nvSpPr>
+          <p:cNvPr id="3" name="内容占位符 2">
+            <a:extLst>
+              <a:ext uri="{FF2B5EF4-FFF2-40B4-BE49-F238E27FC236}">
+                <a16:creationId xmlns:a16="http://schemas.microsoft.com/office/drawing/2014/main" id="{CD8A2E96-23E2-4C98-BECA-C852F1B25A77}"/>
+              </a:ext>
+            </a:extLst>
+          </p:cNvPr>
+          <p:cNvSpPr>
+            <a:spLocks noGrp="1"/>
+          </p:cNvSpPr>
+          <p:nvPr>
+            <p:ph idx="1"/>
+          </p:nvPr>
+        </p:nvSpPr>
+        <p:spPr/>
+        <p:txBody>
+          <a:bodyPr>
+            <a:normAutofit/>
+          </a:bodyPr>
+          <a:lstStyle/>
+          <a:p>
+            <a:r>
+              <a:rPr lang="en-US" altLang="zh-CN" sz="1600" dirty="0">
+                <a:solidFill>
+                  <a:srgbClr val="0070C0"/>
+                </a:solidFill>
+              </a:rPr>
+              <a:t>SDT's for L-Attributed Definitions</a:t>
+            </a:r>
+          </a:p>
+          <a:p>
+            <a:pPr marL="0" indent="0">
+              <a:buNone/>
+            </a:pPr>
+            <a:r>
+              <a:rPr lang="en-US" altLang="zh-CN" sz="1600" dirty="0">
+                <a:solidFill>
+                  <a:srgbClr val="0070C0"/>
+                </a:solidFill>
+              </a:rPr>
+              <a:t>The rules for turning an L-attributed SDD into an SDT are as follows:</a:t>
+            </a:r>
+          </a:p>
+          <a:p>
+            <a:pPr marL="0" indent="0">
+              <a:buNone/>
+            </a:pPr>
+            <a:r>
+              <a:rPr lang="en-US" altLang="zh-CN" sz="1600" dirty="0"/>
+              <a:t>1. Embed the action that computes the inherited attributes for a nonterminal </a:t>
+            </a:r>
+            <a:r>
+              <a:rPr lang="en-US" altLang="zh-CN" sz="1600" i="1" dirty="0"/>
+              <a:t>A</a:t>
+            </a:r>
+            <a:r>
+              <a:rPr lang="en-US" altLang="zh-CN" sz="1600" dirty="0"/>
+              <a:t> immediately before that occurrence of </a:t>
+            </a:r>
+            <a:r>
+              <a:rPr lang="en-US" altLang="zh-CN" sz="1600" i="1" dirty="0"/>
+              <a:t>A</a:t>
+            </a:r>
+            <a:r>
+              <a:rPr lang="en-US" altLang="zh-CN" sz="1600" dirty="0"/>
+              <a:t> in the body of the production. If several inherited attributes for </a:t>
+            </a:r>
+            <a:r>
+              <a:rPr lang="en-US" altLang="zh-CN" sz="1600" i="1" dirty="0"/>
+              <a:t>A</a:t>
+            </a:r>
+            <a:r>
+              <a:rPr lang="en-US" altLang="zh-CN" sz="1600" dirty="0"/>
+              <a:t> depend on one another in an acyclic fashion, order the evaluation of attributes so that those needed first are computed first.</a:t>
+            </a:r>
+          </a:p>
+          <a:p>
+            <a:pPr marL="0" indent="0">
+              <a:buNone/>
+            </a:pPr>
+            <a:r>
+              <a:rPr lang="en-US" altLang="zh-CN" sz="1600" dirty="0"/>
+              <a:t>2. Place the actions that compute a synthesized attribute for the head of a production at the end of the body of that production.</a:t>
+            </a:r>
+          </a:p>
+        </p:txBody>
+      </p:sp>
+    </p:spTree>
+    <p:extLst>
+      <p:ext uri="{BB962C8B-B14F-4D97-AF65-F5344CB8AC3E}">
+        <p14:creationId xmlns:p14="http://schemas.microsoft.com/office/powerpoint/2010/main" val="432938756"/>
+      </p:ext>
+    </p:extLst>
+  </p:cSld>
+  <p:clrMapOvr>
+    <a:masterClrMapping/>
+  </p:clrMapOvr>
+  <mc:AlternateContent xmlns:mc="http://schemas.openxmlformats.org/markup-compatibility/2006" xmlns:p14="http://schemas.microsoft.com/office/powerpoint/2010/main">
+    <mc:Choice Requires="p14">
+      <p:transition spd="med" p14:dur="700">
+        <p:fade/>
+      </p:transition>
+    </mc:Choice>
+    <mc:Fallback xmlns="">
+      <p:transition spd="med">
+        <p:fade/>
+      </p:transition>
+    </mc:Fallback>
+  </mc:AlternateContent>
+</p:sld>
+</file>
+
+<file path=ppt/slides/slide41.xml><?xml version="1.0" encoding="utf-8"?>
+<p:sld xmlns:a="http://schemas.openxmlformats.org/drawingml/2006/main" xmlns:r="http://schemas.openxmlformats.org/officeDocument/2006/relationships" xmlns:p="http://schemas.openxmlformats.org/presentationml/2006/main">
+  <p:cSld>
+    <p:spTree>
+      <p:nvGrpSpPr>
+        <p:cNvPr id="1" name=""/>
+        <p:cNvGrpSpPr/>
+        <p:nvPr/>
+      </p:nvGrpSpPr>
+      <p:grpSpPr>
+        <a:xfrm>
+          <a:off x="0" y="0"/>
+          <a:ext cx="0" cy="0"/>
+          <a:chOff x="0" y="0"/>
+          <a:chExt cx="0" cy="0"/>
+        </a:xfrm>
+      </p:grpSpPr>
+      <p:sp>
+        <p:nvSpPr>
+          <p:cNvPr id="2" name="标题 1">
+            <a:extLst>
+              <a:ext uri="{FF2B5EF4-FFF2-40B4-BE49-F238E27FC236}">
+                <a16:creationId xmlns:a16="http://schemas.microsoft.com/office/drawing/2014/main" id="{815A092C-0A40-4C08-A19C-F13AD08D9639}"/>
+              </a:ext>
+            </a:extLst>
+          </p:cNvPr>
+          <p:cNvSpPr>
+            <a:spLocks noGrp="1"/>
+          </p:cNvSpPr>
+          <p:nvPr>
+            <p:ph type="title"/>
+          </p:nvPr>
+        </p:nvSpPr>
+        <p:spPr/>
+        <p:txBody>
+          <a:bodyPr/>
+          <a:lstStyle/>
+          <a:p>
+            <a:r>
+              <a:rPr lang="en-US" altLang="zh-CN" dirty="0"/>
+              <a:t>6.5 Syntax-Directed Translation Schemes</a:t>
+            </a:r>
+            <a:endParaRPr lang="zh-CN" altLang="en-US" dirty="0"/>
+          </a:p>
+        </p:txBody>
+      </p:sp>
+      <p:pic>
+        <p:nvPicPr>
+          <p:cNvPr id="4" name="图片 3">
+            <a:extLst>
+              <a:ext uri="{FF2B5EF4-FFF2-40B4-BE49-F238E27FC236}">
+                <a16:creationId xmlns:a16="http://schemas.microsoft.com/office/drawing/2014/main" id="{33F48C0D-3CBC-474F-B252-639229700A9E}"/>
+              </a:ext>
+            </a:extLst>
+          </p:cNvPr>
+          <p:cNvPicPr>
+            <a:picLocks noChangeAspect="1"/>
+          </p:cNvPicPr>
+          <p:nvPr/>
+        </p:nvPicPr>
+        <p:blipFill>
+          <a:blip r:embed="rId2"/>
+          <a:stretch>
+            <a:fillRect/>
+          </a:stretch>
+        </p:blipFill>
+        <p:spPr>
+          <a:xfrm>
+            <a:off x="549391" y="1533341"/>
+            <a:ext cx="8276037" cy="1234547"/>
+          </a:xfrm>
+          <a:prstGeom prst="rect">
+            <a:avLst/>
+          </a:prstGeom>
+        </p:spPr>
+      </p:pic>
+      <p:pic>
+        <p:nvPicPr>
+          <p:cNvPr id="5" name="图片 4">
+            <a:extLst>
+              <a:ext uri="{FF2B5EF4-FFF2-40B4-BE49-F238E27FC236}">
+                <a16:creationId xmlns:a16="http://schemas.microsoft.com/office/drawing/2014/main" id="{DC91E67A-D2D1-48CD-BC32-E8E470E5D15E}"/>
+              </a:ext>
+            </a:extLst>
+          </p:cNvPr>
+          <p:cNvPicPr>
+            <a:picLocks noChangeAspect="1"/>
+          </p:cNvPicPr>
+          <p:nvPr/>
+        </p:nvPicPr>
+        <p:blipFill>
+          <a:blip r:embed="rId3"/>
+          <a:stretch>
+            <a:fillRect/>
+          </a:stretch>
+        </p:blipFill>
+        <p:spPr>
+          <a:xfrm>
+            <a:off x="1883027" y="2541900"/>
+            <a:ext cx="4808637" cy="815411"/>
+          </a:xfrm>
+          <a:prstGeom prst="rect">
+            <a:avLst/>
+          </a:prstGeom>
+        </p:spPr>
+      </p:pic>
+      <p:pic>
+        <p:nvPicPr>
+          <p:cNvPr id="6" name="图片 5">
+            <a:extLst>
+              <a:ext uri="{FF2B5EF4-FFF2-40B4-BE49-F238E27FC236}">
+                <a16:creationId xmlns:a16="http://schemas.microsoft.com/office/drawing/2014/main" id="{C17D4DB8-6D7F-449C-B632-C04A663FB834}"/>
+              </a:ext>
+            </a:extLst>
+          </p:cNvPr>
+          <p:cNvPicPr>
+            <a:picLocks noChangeAspect="1"/>
+          </p:cNvPicPr>
+          <p:nvPr/>
+        </p:nvPicPr>
+        <p:blipFill>
+          <a:blip r:embed="rId4"/>
+          <a:stretch>
+            <a:fillRect/>
+          </a:stretch>
+        </p:blipFill>
+        <p:spPr>
+          <a:xfrm>
+            <a:off x="616308" y="3207528"/>
+            <a:ext cx="7910245" cy="2804403"/>
+          </a:xfrm>
+          <a:prstGeom prst="rect">
+            <a:avLst/>
+          </a:prstGeom>
+        </p:spPr>
+      </p:pic>
+    </p:spTree>
+    <p:extLst>
+      <p:ext uri="{BB962C8B-B14F-4D97-AF65-F5344CB8AC3E}">
+        <p14:creationId xmlns:p14="http://schemas.microsoft.com/office/powerpoint/2010/main" val="3330987802"/>
+      </p:ext>
+    </p:extLst>
+  </p:cSld>
+  <p:clrMapOvr>
+    <a:masterClrMapping/>
+  </p:clrMapOvr>
+  <mc:AlternateContent xmlns:mc="http://schemas.openxmlformats.org/markup-compatibility/2006" xmlns:p14="http://schemas.microsoft.com/office/powerpoint/2010/main">
+    <mc:Choice Requires="p14">
+      <p:transition spd="med" p14:dur="700">
+        <p:fade/>
+      </p:transition>
+    </mc:Choice>
+    <mc:Fallback xmlns="">
+      <p:transition spd="med">
+        <p:fade/>
+      </p:transition>
+    </mc:Fallback>
+  </mc:AlternateContent>
+</p:sld>
+</file>
+
+<file path=ppt/slides/slide42.xml><?xml version="1.0" encoding="utf-8"?>
+<p:sld xmlns:a="http://schemas.openxmlformats.org/drawingml/2006/main" xmlns:r="http://schemas.openxmlformats.org/officeDocument/2006/relationships" xmlns:p="http://schemas.openxmlformats.org/presentationml/2006/main">
+  <p:cSld>
+    <p:spTree>
+      <p:nvGrpSpPr>
+        <p:cNvPr id="1" name=""/>
+        <p:cNvGrpSpPr/>
+        <p:nvPr/>
+      </p:nvGrpSpPr>
+      <p:grpSpPr>
+        <a:xfrm>
+          <a:off x="0" y="0"/>
+          <a:ext cx="0" cy="0"/>
+          <a:chOff x="0" y="0"/>
+          <a:chExt cx="0" cy="0"/>
+        </a:xfrm>
+      </p:grpSpPr>
+      <p:sp>
+        <p:nvSpPr>
+          <p:cNvPr id="2" name="标题 1">
+            <a:extLst>
+              <a:ext uri="{FF2B5EF4-FFF2-40B4-BE49-F238E27FC236}">
+                <a16:creationId xmlns:a16="http://schemas.microsoft.com/office/drawing/2014/main" id="{53C26A74-3A65-4644-88A4-A95713C01160}"/>
+              </a:ext>
+            </a:extLst>
+          </p:cNvPr>
+          <p:cNvSpPr>
+            <a:spLocks noGrp="1"/>
+          </p:cNvSpPr>
+          <p:nvPr>
+            <p:ph type="title"/>
+          </p:nvPr>
+        </p:nvSpPr>
+        <p:spPr/>
+        <p:txBody>
+          <a:bodyPr/>
+          <a:lstStyle/>
+          <a:p>
+            <a:r>
+              <a:rPr lang="en-US" altLang="zh-CN" dirty="0"/>
+              <a:t>6.5 Syntax-Directed Translation Schemes</a:t>
+            </a:r>
+            <a:endParaRPr lang="zh-CN" altLang="en-US" dirty="0"/>
+          </a:p>
+        </p:txBody>
+      </p:sp>
+      <p:pic>
+        <p:nvPicPr>
+          <p:cNvPr id="4" name="内容占位符 3">
+            <a:extLst>
+              <a:ext uri="{FF2B5EF4-FFF2-40B4-BE49-F238E27FC236}">
+                <a16:creationId xmlns:a16="http://schemas.microsoft.com/office/drawing/2014/main" id="{C1F7CC53-031B-48DB-8A99-35007BA2330E}"/>
+              </a:ext>
+            </a:extLst>
+          </p:cNvPr>
+          <p:cNvPicPr>
+            <a:picLocks noGrp="1" noChangeAspect="1"/>
+          </p:cNvPicPr>
+          <p:nvPr>
+            <p:ph idx="1"/>
+          </p:nvPr>
+        </p:nvPicPr>
+        <p:blipFill>
+          <a:blip r:embed="rId2"/>
+          <a:stretch>
+            <a:fillRect/>
+          </a:stretch>
+        </p:blipFill>
+        <p:spPr>
+          <a:xfrm>
+            <a:off x="1495217" y="1314109"/>
+            <a:ext cx="5101206" cy="1288503"/>
+          </a:xfrm>
+          <a:prstGeom prst="rect">
+            <a:avLst/>
+          </a:prstGeom>
+        </p:spPr>
+      </p:pic>
+      <p:pic>
+        <p:nvPicPr>
+          <p:cNvPr id="5" name="图片 4">
+            <a:extLst>
+              <a:ext uri="{FF2B5EF4-FFF2-40B4-BE49-F238E27FC236}">
+                <a16:creationId xmlns:a16="http://schemas.microsoft.com/office/drawing/2014/main" id="{9E89FBA2-8533-4DEE-9641-9ED90D0BB78D}"/>
+              </a:ext>
+            </a:extLst>
+          </p:cNvPr>
+          <p:cNvPicPr>
+            <a:picLocks noChangeAspect="1"/>
+          </p:cNvPicPr>
+          <p:nvPr/>
+        </p:nvPicPr>
+        <p:blipFill>
+          <a:blip r:embed="rId3"/>
+          <a:stretch>
+            <a:fillRect/>
+          </a:stretch>
+        </p:blipFill>
+        <p:spPr>
+          <a:xfrm>
+            <a:off x="1495217" y="2602612"/>
+            <a:ext cx="5101206" cy="3935216"/>
+          </a:xfrm>
+          <a:prstGeom prst="rect">
+            <a:avLst/>
+          </a:prstGeom>
+        </p:spPr>
+      </p:pic>
+    </p:spTree>
+    <p:extLst>
+      <p:ext uri="{BB962C8B-B14F-4D97-AF65-F5344CB8AC3E}">
+        <p14:creationId xmlns:p14="http://schemas.microsoft.com/office/powerpoint/2010/main" val="3453512790"/>
+      </p:ext>
+    </p:extLst>
+  </p:cSld>
+  <p:clrMapOvr>
+    <a:masterClrMapping/>
+  </p:clrMapOvr>
+  <mc:AlternateContent xmlns:mc="http://schemas.openxmlformats.org/markup-compatibility/2006" xmlns:p14="http://schemas.microsoft.com/office/powerpoint/2010/main">
+    <mc:Choice Requires="p14">
+      <p:transition spd="med" p14:dur="700">
+        <p:fade/>
+      </p:transition>
+    </mc:Choice>
+    <mc:Fallback xmlns="">
+      <p:transition spd="med">
+        <p:fade/>
+      </p:transition>
+    </mc:Fallback>
+  </mc:AlternateContent>
+</p:sld>
+</file>
+
+<file path=ppt/slides/slide43.xml><?xml version="1.0" encoding="utf-8"?>
+<p:sld xmlns:a="http://schemas.openxmlformats.org/drawingml/2006/main" xmlns:r="http://schemas.openxmlformats.org/officeDocument/2006/relationships" xmlns:p="http://schemas.openxmlformats.org/presentationml/2006/main">
+  <p:cSld>
+    <p:spTree>
+      <p:nvGrpSpPr>
+        <p:cNvPr id="1" name=""/>
+        <p:cNvGrpSpPr/>
+        <p:nvPr/>
+      </p:nvGrpSpPr>
+      <p:grpSpPr>
+        <a:xfrm>
+          <a:off x="0" y="0"/>
+          <a:ext cx="0" cy="0"/>
+          <a:chOff x="0" y="0"/>
+          <a:chExt cx="0" cy="0"/>
+        </a:xfrm>
+      </p:grpSpPr>
+      <p:sp>
+        <p:nvSpPr>
+          <p:cNvPr id="2" name="标题 1">
+            <a:extLst>
+              <a:ext uri="{FF2B5EF4-FFF2-40B4-BE49-F238E27FC236}">
+                <a16:creationId xmlns:a16="http://schemas.microsoft.com/office/drawing/2014/main" id="{5C0CC61F-24CA-41A3-B586-F882C43E4D56}"/>
+              </a:ext>
+            </a:extLst>
+          </p:cNvPr>
+          <p:cNvSpPr>
+            <a:spLocks noGrp="1"/>
+          </p:cNvSpPr>
+          <p:nvPr>
+            <p:ph type="title"/>
+          </p:nvPr>
+        </p:nvSpPr>
+        <p:spPr/>
+        <p:txBody>
+          <a:bodyPr/>
+          <a:lstStyle/>
+          <a:p>
+            <a:r>
+              <a:rPr lang="en-US" altLang="zh-CN" dirty="0"/>
+              <a:t>6.5 Syntax-Directed Translation Schemes</a:t>
+            </a:r>
+            <a:endParaRPr lang="zh-CN" altLang="en-US" dirty="0"/>
+          </a:p>
+        </p:txBody>
+      </p:sp>
+      <p:pic>
+        <p:nvPicPr>
+          <p:cNvPr id="4" name="图片 3">
+            <a:extLst>
+              <a:ext uri="{FF2B5EF4-FFF2-40B4-BE49-F238E27FC236}">
+                <a16:creationId xmlns:a16="http://schemas.microsoft.com/office/drawing/2014/main" id="{5F6FC81A-75BB-4A52-BEE7-CE2FA036E7AB}"/>
+              </a:ext>
+            </a:extLst>
+          </p:cNvPr>
+          <p:cNvPicPr>
+            <a:picLocks noChangeAspect="1"/>
+          </p:cNvPicPr>
+          <p:nvPr/>
+        </p:nvPicPr>
+        <p:blipFill>
+          <a:blip r:embed="rId2"/>
+          <a:stretch>
+            <a:fillRect/>
+          </a:stretch>
+        </p:blipFill>
+        <p:spPr>
+          <a:xfrm>
+            <a:off x="1628874" y="1829118"/>
+            <a:ext cx="5809016" cy="4367496"/>
+          </a:xfrm>
+          <a:prstGeom prst="rect">
+            <a:avLst/>
+          </a:prstGeom>
+        </p:spPr>
+      </p:pic>
+    </p:spTree>
+    <p:extLst>
+      <p:ext uri="{BB962C8B-B14F-4D97-AF65-F5344CB8AC3E}">
+        <p14:creationId xmlns:p14="http://schemas.microsoft.com/office/powerpoint/2010/main" val="2171289830"/>
+      </p:ext>
+    </p:extLst>
+  </p:cSld>
+  <p:clrMapOvr>
+    <a:masterClrMapping/>
+  </p:clrMapOvr>
+  <mc:AlternateContent xmlns:mc="http://schemas.openxmlformats.org/markup-compatibility/2006" xmlns:p14="http://schemas.microsoft.com/office/powerpoint/2010/main">
+    <mc:Choice Requires="p14">
+      <p:transition spd="med" p14:dur="700">
+        <p:fade/>
+      </p:transition>
+    </mc:Choice>
+    <mc:Fallback xmlns="">
+      <p:transition spd="med">
+        <p:fade/>
+      </p:transition>
+    </mc:Fallback>
+  </mc:AlternateContent>
+</p:sld>
+</file>
+
 <file path=ppt/slides/slide5.xml><?xml version="1.0" encoding="utf-8"?>
 <p:sld xmlns:a="http://schemas.openxmlformats.org/drawingml/2006/main" xmlns:r="http://schemas.openxmlformats.org/officeDocument/2006/relationships" xmlns:p="http://schemas.openxmlformats.org/presentationml/2006/main">
   <p:cSld>
@@ -8586,7 +10844,7 @@
           <p:cNvPr id="2" name="标题 1">
             <a:extLst>
               <a:ext uri="{FF2B5EF4-FFF2-40B4-BE49-F238E27FC236}">
-                <a16:creationId xmlns="" xmlns:a16="http://schemas.microsoft.com/office/drawing/2014/main" id="{24F4F8E7-4DA6-4043-A142-FFD00000D364}"/>
+                <a16:creationId xmlns:a16="http://schemas.microsoft.com/office/drawing/2014/main" id="{24F4F8E7-4DA6-4043-A142-FFD00000D364}"/>
               </a:ext>
             </a:extLst>
           </p:cNvPr>
@@ -8615,7 +10873,7 @@
           <p:cNvPr id="3" name="内容占位符 2">
             <a:extLst>
               <a:ext uri="{FF2B5EF4-FFF2-40B4-BE49-F238E27FC236}">
-                <a16:creationId xmlns="" xmlns:a16="http://schemas.microsoft.com/office/drawing/2014/main" id="{EDE2676F-59AB-4DD6-B234-479EC08E73DD}"/>
+                <a16:creationId xmlns:a16="http://schemas.microsoft.com/office/drawing/2014/main" id="{EDE2676F-59AB-4DD6-B234-479EC08E73DD}"/>
               </a:ext>
             </a:extLst>
           </p:cNvPr>
@@ -8656,7 +10914,7 @@
           <p:cNvPr id="5" name="矩形 4">
             <a:extLst>
               <a:ext uri="{FF2B5EF4-FFF2-40B4-BE49-F238E27FC236}">
-                <a16:creationId xmlns="" xmlns:a16="http://schemas.microsoft.com/office/drawing/2014/main" id="{39DE9480-8F05-44FA-97B1-FF50EF5D73D0}"/>
+                <a16:creationId xmlns:a16="http://schemas.microsoft.com/office/drawing/2014/main" id="{39DE9480-8F05-44FA-97B1-FF50EF5D73D0}"/>
               </a:ext>
             </a:extLst>
           </p:cNvPr>
@@ -8730,7 +10988,7 @@
           <p:cNvPr id="7" name="图片 6">
             <a:extLst>
               <a:ext uri="{FF2B5EF4-FFF2-40B4-BE49-F238E27FC236}">
-                <a16:creationId xmlns="" xmlns:a16="http://schemas.microsoft.com/office/drawing/2014/main" id="{C9A7BF75-F594-43DA-AFC2-34EA0782CA66}"/>
+                <a16:creationId xmlns:a16="http://schemas.microsoft.com/office/drawing/2014/main" id="{C9A7BF75-F594-43DA-AFC2-34EA0782CA66}"/>
               </a:ext>
             </a:extLst>
           </p:cNvPr>
@@ -8760,7 +11018,7 @@
           <p:cNvPr id="8" name="矩形 7">
             <a:extLst>
               <a:ext uri="{FF2B5EF4-FFF2-40B4-BE49-F238E27FC236}">
-                <a16:creationId xmlns="" xmlns:a16="http://schemas.microsoft.com/office/drawing/2014/main" id="{24BFA8EF-A4B5-47C1-955D-97DA2A957F17}"/>
+                <a16:creationId xmlns:a16="http://schemas.microsoft.com/office/drawing/2014/main" id="{24BFA8EF-A4B5-47C1-955D-97DA2A957F17}"/>
               </a:ext>
             </a:extLst>
           </p:cNvPr>
@@ -8861,7 +11119,7 @@
           <p:cNvPr id="2" name="标题 1">
             <a:extLst>
               <a:ext uri="{FF2B5EF4-FFF2-40B4-BE49-F238E27FC236}">
-                <a16:creationId xmlns="" xmlns:a16="http://schemas.microsoft.com/office/drawing/2014/main" id="{0DD30E7F-B65C-4295-A0CF-6CA3E34F8DD8}"/>
+                <a16:creationId xmlns:a16="http://schemas.microsoft.com/office/drawing/2014/main" id="{0DD30E7F-B65C-4295-A0CF-6CA3E34F8DD8}"/>
               </a:ext>
             </a:extLst>
           </p:cNvPr>
@@ -8890,7 +11148,7 @@
           <p:cNvPr id="3" name="内容占位符 2">
             <a:extLst>
               <a:ext uri="{FF2B5EF4-FFF2-40B4-BE49-F238E27FC236}">
-                <a16:creationId xmlns="" xmlns:a16="http://schemas.microsoft.com/office/drawing/2014/main" id="{6075EA04-0D09-47A3-898C-E17D4DE095B3}"/>
+                <a16:creationId xmlns:a16="http://schemas.microsoft.com/office/drawing/2014/main" id="{6075EA04-0D09-47A3-898C-E17D4DE095B3}"/>
               </a:ext>
             </a:extLst>
           </p:cNvPr>
@@ -8917,7 +11175,6 @@
               <a:rPr lang="en-US" altLang="zh-CN" sz="1800" dirty="0"/>
               <a:t>A syntax-directed definition ( SDD) is a context-free grammar together with attributes and rules. Attributes are associated with grammar symbols and rules are associated with productions. </a:t>
             </a:r>
-            <a:endParaRPr lang="en-US" altLang="zh-CN" sz="1800" dirty="0" smtClean="0"/>
           </a:p>
           <a:p>
             <a:pPr>
@@ -8927,15 +11184,7 @@
             </a:pPr>
             <a:r>
               <a:rPr lang="en-US" altLang="zh-CN" sz="1800" dirty="0"/>
-              <a:t>If X is a symbol and a is one of its </a:t>
-            </a:r>
-            <a:r>
-              <a:rPr lang="en-US" altLang="zh-CN" sz="1800" dirty="0" smtClean="0"/>
-              <a:t>attributes, then </a:t>
-            </a:r>
-            <a:r>
-              <a:rPr lang="en-US" altLang="zh-CN" sz="1800" dirty="0"/>
-              <a:t>we write </a:t>
+              <a:t>If X is a symbol and a is one of its attributes, then we write </a:t>
             </a:r>
             <a:r>
               <a:rPr lang="en-US" altLang="zh-CN" sz="1800" dirty="0" err="1"/>
@@ -8943,19 +11192,7 @@
             </a:r>
             <a:r>
               <a:rPr lang="en-US" altLang="zh-CN" sz="1800" dirty="0"/>
-              <a:t> to denote the value of a at a particular parse-tree </a:t>
-            </a:r>
-            <a:r>
-              <a:rPr lang="en-US" altLang="zh-CN" sz="1800" dirty="0" smtClean="0"/>
-              <a:t>node labeled </a:t>
-            </a:r>
-            <a:r>
-              <a:rPr lang="en-US" altLang="zh-CN" sz="1800" dirty="0"/>
-              <a:t>X</a:t>
-            </a:r>
-            <a:r>
-              <a:rPr lang="en-US" altLang="zh-CN" sz="1800" dirty="0" smtClean="0"/>
-              <a:t>.</a:t>
+              <a:t> to denote the value of a at a particular parse-tree node labeled X.</a:t>
             </a:r>
           </a:p>
           <a:p>
@@ -8974,23 +11211,7 @@
             </a:pPr>
             <a:r>
               <a:rPr lang="en-US" altLang="zh-CN" sz="1800" dirty="0"/>
-              <a:t>Attributes may be of any kind: numbers , types , </a:t>
-            </a:r>
-            <a:r>
-              <a:rPr lang="en-US" altLang="zh-CN" sz="1800" dirty="0" smtClean="0"/>
-              <a:t>table references </a:t>
-            </a:r>
-            <a:r>
-              <a:rPr lang="en-US" altLang="zh-CN" sz="1800" dirty="0"/>
-              <a:t>, or strings, for instance. The strings may even be long sequences </a:t>
-            </a:r>
-            <a:r>
-              <a:rPr lang="en-US" altLang="zh-CN" sz="1800" dirty="0" smtClean="0"/>
-              <a:t>of code</a:t>
-            </a:r>
-            <a:r>
-              <a:rPr lang="en-US" altLang="zh-CN" sz="1800" dirty="0"/>
-              <a:t>, say code in the intermediate language used by a compiler.</a:t>
+              <a:t>Attributes may be of any kind: numbers , types , table references , or strings, for instance. The strings may even be long sequences of code, say code in the intermediate language used by a compiler.</a:t>
             </a:r>
           </a:p>
         </p:txBody>
@@ -9054,26 +11275,14 @@
           <a:p>
             <a:r>
               <a:rPr lang="en-US" altLang="zh-CN" dirty="0"/>
-              <a:t>6.2 Syntax-Directed </a:t>
-            </a:r>
-            <a:r>
-              <a:rPr lang="en-US" altLang="zh-CN" dirty="0" smtClean="0"/>
-              <a:t>Definitions</a:t>
+              <a:t>6.2 Syntax-Directed Definitions</a:t>
             </a:r>
             <a:br>
-              <a:rPr lang="en-US" altLang="zh-CN" dirty="0" smtClean="0"/>
+              <a:rPr lang="en-US" altLang="zh-CN" dirty="0"/>
             </a:br>
             <a:r>
-              <a:rPr lang="en-US" altLang="zh-CN" dirty="0" smtClean="0"/>
-              <a:t>- Inherited </a:t>
-            </a:r>
-            <a:r>
               <a:rPr lang="en-US" altLang="zh-CN" dirty="0"/>
-              <a:t>and Synthesized </a:t>
-            </a:r>
-            <a:r>
-              <a:rPr lang="en-US" altLang="zh-CN" dirty="0" smtClean="0"/>
-              <a:t>Attributes</a:t>
+              <a:t>- Inherited and Synthesized Attributes</a:t>
             </a:r>
             <a:endParaRPr lang="zh-CN" altLang="en-US" dirty="0"/>
           </a:p>
@@ -9111,43 +11320,7 @@
             </a:r>
             <a:r>
               <a:rPr lang="en-US" altLang="zh-CN" sz="1800" dirty="0"/>
-              <a:t>for a nonterminal A at a parse-tree node N </a:t>
-            </a:r>
-            <a:r>
-              <a:rPr lang="en-US" altLang="zh-CN" sz="1800" dirty="0" smtClean="0"/>
-              <a:t>is defined </a:t>
-            </a:r>
-            <a:r>
-              <a:rPr lang="en-US" altLang="zh-CN" sz="1800" dirty="0"/>
-              <a:t>by a semantic rule associated with the production at N. </a:t>
-            </a:r>
-            <a:r>
-              <a:rPr lang="en-US" altLang="zh-CN" sz="1800" dirty="0" smtClean="0"/>
-              <a:t>Note that </a:t>
-            </a:r>
-            <a:r>
-              <a:rPr lang="en-US" altLang="zh-CN" sz="1800" dirty="0"/>
-              <a:t>the production must have A as its head. A synthesized attribute </a:t>
-            </a:r>
-            <a:r>
-              <a:rPr lang="en-US" altLang="zh-CN" sz="1800" dirty="0" smtClean="0"/>
-              <a:t>at node </a:t>
-            </a:r>
-            <a:r>
-              <a:rPr lang="en-US" altLang="zh-CN" sz="1800" dirty="0"/>
-              <a:t>N is defined only in terms of attribute values at the children of </a:t>
-            </a:r>
-            <a:r>
-              <a:rPr lang="en-US" altLang="zh-CN" sz="1800" dirty="0" smtClean="0"/>
-              <a:t>N and </a:t>
-            </a:r>
-            <a:r>
-              <a:rPr lang="en-US" altLang="zh-CN" sz="1800" dirty="0"/>
-              <a:t>at N itself</a:t>
-            </a:r>
-            <a:r>
-              <a:rPr lang="en-US" altLang="zh-CN" sz="1800" dirty="0" smtClean="0"/>
-              <a:t>.</a:t>
+              <a:t>for a nonterminal A at a parse-tree node N is defined by a semantic rule associated with the production at N. Note that the production must have A as its head. A synthesized attribute at node N is defined only in terms of attribute values at the children of N and at N itself.</a:t>
             </a:r>
           </a:p>
           <a:p>
@@ -9174,39 +11347,7 @@
             </a:r>
             <a:r>
               <a:rPr lang="en-US" altLang="zh-CN" sz="1800" dirty="0"/>
-              <a:t>for a nonterminal B at a parse-tree node N </a:t>
-            </a:r>
-            <a:r>
-              <a:rPr lang="en-US" altLang="zh-CN" sz="1800" dirty="0" smtClean="0"/>
-              <a:t>is defined </a:t>
-            </a:r>
-            <a:r>
-              <a:rPr lang="en-US" altLang="zh-CN" sz="1800" dirty="0"/>
-              <a:t>by a semantic rule associated with the production at the </a:t>
-            </a:r>
-            <a:r>
-              <a:rPr lang="en-US" altLang="zh-CN" sz="1800" dirty="0" smtClean="0"/>
-              <a:t>parent of </a:t>
-            </a:r>
-            <a:r>
-              <a:rPr lang="en-US" altLang="zh-CN" sz="1800" dirty="0"/>
-              <a:t>N. Note that the production must have B as a symbol in its body. </a:t>
-            </a:r>
-            <a:r>
-              <a:rPr lang="en-US" altLang="zh-CN" sz="1800" dirty="0" smtClean="0"/>
-              <a:t>An inherited </a:t>
-            </a:r>
-            <a:r>
-              <a:rPr lang="en-US" altLang="zh-CN" sz="1800" dirty="0"/>
-              <a:t>attribute at node N is defined only in terms of attribute </a:t>
-            </a:r>
-            <a:r>
-              <a:rPr lang="en-US" altLang="zh-CN" sz="1800" dirty="0" smtClean="0"/>
-              <a:t>values at </a:t>
-            </a:r>
-            <a:r>
-              <a:rPr lang="en-US" altLang="zh-CN" sz="1800" dirty="0"/>
-              <a:t>N's parent , N itself, and N's siblings.</a:t>
+              <a:t>for a nonterminal B at a parse-tree node N is defined by a semantic rule associated with the production at the parent of N. Note that the production must have B as a symbol in its body. An inherited attribute at node N is defined only in terms of attribute values at N's parent , N itself, and N's siblings.</a:t>
             </a:r>
             <a:endParaRPr lang="zh-CN" altLang="en-US" sz="1800" dirty="0"/>
           </a:p>
@@ -9308,39 +11449,7 @@
           <a:p>
             <a:r>
               <a:rPr lang="en-US" altLang="zh-CN" sz="1600" dirty="0"/>
-              <a:t>Terminals can have synthesized attributes, but not inherited attributes. </a:t>
-            </a:r>
-            <a:r>
-              <a:rPr lang="en-US" altLang="zh-CN" sz="1600" dirty="0" smtClean="0"/>
-              <a:t>Attributes for </a:t>
-            </a:r>
-            <a:r>
-              <a:rPr lang="en-US" altLang="zh-CN" sz="1600" dirty="0"/>
-              <a:t>terminals have lexical values that are supplied by the lexical </a:t>
-            </a:r>
-            <a:r>
-              <a:rPr lang="en-US" altLang="zh-CN" sz="1600" dirty="0" smtClean="0"/>
-              <a:t>analyzer; there </a:t>
-            </a:r>
-            <a:r>
-              <a:rPr lang="en-US" altLang="zh-CN" sz="1600" dirty="0"/>
-              <a:t>are no semantic rules in the SDD itself for computing the value </a:t>
-            </a:r>
-            <a:r>
-              <a:rPr lang="en-US" altLang="zh-CN" sz="1600" dirty="0" smtClean="0"/>
-              <a:t>of an </a:t>
-            </a:r>
-            <a:r>
-              <a:rPr lang="en-US" altLang="zh-CN" sz="1600" dirty="0"/>
-              <a:t>attribute for a </a:t>
-            </a:r>
-            <a:r>
-              <a:rPr lang="en-US" altLang="zh-CN" sz="1600" dirty="0" smtClean="0"/>
-              <a:t>terminal</a:t>
-            </a:r>
-            <a:r>
-              <a:rPr lang="en-US" altLang="zh-CN" sz="1600" dirty="0"/>
-              <a:t>.</a:t>
+              <a:t>Terminals can have synthesized attributes, but not inherited attributes. Attributes for terminals have lexical values that are supplied by the lexical analyzer; there are no semantic rules in the SDD itself for computing the value of an attribute for a terminal.</a:t>
             </a:r>
             <a:endParaRPr lang="zh-CN" altLang="en-US" sz="1600" dirty="0"/>
           </a:p>
@@ -9539,7 +11648,7 @@
               <a:t>An SDD that involves only synthesized attributes is called </a:t>
             </a:r>
             <a:r>
-              <a:rPr lang="en-US" altLang="zh-CN" sz="1600" b="1" dirty="0" smtClean="0">
+              <a:rPr lang="en-US" altLang="zh-CN" sz="1600" b="1" dirty="0">
                 <a:solidFill>
                   <a:srgbClr val="7030A0"/>
                 </a:solidFill>
@@ -9547,7 +11656,7 @@
               <a:t>S-attributed</a:t>
             </a:r>
             <a:r>
-              <a:rPr lang="en-US" altLang="zh-CN" sz="1600" dirty="0" smtClean="0"/>
+              <a:rPr lang="en-US" altLang="zh-CN" sz="1600" dirty="0"/>
               <a:t>.</a:t>
             </a:r>
           </a:p>
@@ -9559,15 +11668,7 @@
             </a:pPr>
             <a:r>
               <a:rPr lang="en-US" altLang="zh-CN" sz="1600" dirty="0"/>
-              <a:t>In an S-attributed SDD, each rule </a:t>
-            </a:r>
-            <a:r>
-              <a:rPr lang="en-US" altLang="zh-CN" sz="1600" dirty="0" smtClean="0"/>
-              <a:t>computes an </a:t>
-            </a:r>
-            <a:r>
-              <a:rPr lang="en-US" altLang="zh-CN" sz="1600" dirty="0"/>
-              <a:t>attribute for the </a:t>
+              <a:t>In an S-attributed SDD, each rule computes an attribute for the </a:t>
             </a:r>
             <a:r>
               <a:rPr lang="en-US" altLang="zh-CN" sz="1600" dirty="0">
@@ -9575,26 +11676,10 @@
                   <a:srgbClr val="FF0000"/>
                 </a:solidFill>
               </a:rPr>
-              <a:t>nonterminal at the head of a production from </a:t>
-            </a:r>
-            <a:r>
-              <a:rPr lang="en-US" altLang="zh-CN" sz="1600" dirty="0" smtClean="0">
-                <a:solidFill>
-                  <a:srgbClr val="FF0000"/>
-                </a:solidFill>
-              </a:rPr>
-              <a:t>attributes taken </a:t>
-            </a:r>
-            <a:r>
-              <a:rPr lang="en-US" altLang="zh-CN" sz="1600" dirty="0">
-                <a:solidFill>
-                  <a:srgbClr val="FF0000"/>
-                </a:solidFill>
-              </a:rPr>
-              <a:t>from the body of the production</a:t>
-            </a:r>
-            <a:r>
-              <a:rPr lang="en-US" altLang="zh-CN" sz="1600" dirty="0" smtClean="0"/>
+              <a:t>nonterminal at the head of a production from attributes taken from the body of the production</a:t>
+            </a:r>
+            <a:r>
+              <a:rPr lang="en-US" altLang="zh-CN" sz="1600" dirty="0"/>
               <a:t>.</a:t>
             </a:r>
           </a:p>
@@ -9606,19 +11691,7 @@
             </a:pPr>
             <a:r>
               <a:rPr lang="en-US" altLang="zh-CN" sz="1600" dirty="0"/>
-              <a:t>An S-attributed SDD can be implemented naturally in conjunction with </a:t>
-            </a:r>
-            <a:r>
-              <a:rPr lang="en-US" altLang="zh-CN" sz="1600" dirty="0" smtClean="0"/>
-              <a:t>an LR </a:t>
-            </a:r>
-            <a:r>
-              <a:rPr lang="en-US" altLang="zh-CN" sz="1600" dirty="0"/>
-              <a:t>parser</a:t>
-            </a:r>
-            <a:r>
-              <a:rPr lang="en-US" altLang="zh-CN" sz="1600" dirty="0" smtClean="0"/>
-              <a:t>.</a:t>
+              <a:t>An S-attributed SDD can be implemented naturally in conjunction with an LR parser.</a:t>
             </a:r>
           </a:p>
           <a:p>
@@ -9640,7 +11713,7 @@
               <a:t>attribute grammar</a:t>
             </a:r>
             <a:r>
-              <a:rPr lang="en-US" altLang="zh-CN" sz="1600" dirty="0" smtClean="0"/>
+              <a:rPr lang="en-US" altLang="zh-CN" sz="1600" dirty="0"/>
               <a:t>.</a:t>
             </a:r>
           </a:p>
@@ -9653,17 +11726,8 @@
             </a:pPr>
             <a:r>
               <a:rPr lang="en-US" altLang="zh-CN" sz="1600" dirty="0"/>
-              <a:t>Side effects: printing the result or </a:t>
-            </a:r>
-            <a:r>
-              <a:rPr lang="en-US" altLang="zh-CN" sz="1600" dirty="0" smtClean="0"/>
-              <a:t>interacting with </a:t>
-            </a:r>
-            <a:r>
-              <a:rPr lang="en-US" altLang="zh-CN" sz="1600" dirty="0"/>
-              <a:t>a symbol table</a:t>
-            </a:r>
-            <a:endParaRPr lang="en-US" altLang="zh-CN" sz="1600" dirty="0" smtClean="0"/>
+              <a:t>Side effects: printing the result or interacting with a symbol table</a:t>
+            </a:r>
           </a:p>
         </p:txBody>
       </p:sp>
@@ -10440,6 +12504,15 @@
 </file>
 
 <file path=customXml/item1.xml><?xml version="1.0" encoding="utf-8"?>
+<?mso-contentType ?>
+<FormTemplates xmlns="http://schemas.microsoft.com/sharepoint/v3/contenttype/forms">
+  <Display>DocumentLibraryForm</Display>
+  <Edit>AssetEditForm</Edit>
+  <New>DocumentLibraryForm</New>
+</FormTemplates>
+</file>
+
+<file path=customXml/item2.xml><?xml version="1.0" encoding="utf-8"?>
 <p:properties xmlns:p="http://schemas.microsoft.com/office/2006/metadata/properties" xmlns:xsi="http://www.w3.org/2001/XMLSchema-instance" xmlns:pc="http://schemas.microsoft.com/office/infopath/2007/PartnerControls">
   <documentManagement>
     <APDescription xmlns="4873beb7-5857-4685-be1f-d57550cc96cc" xsi:nil="true"/>
@@ -10563,15 +12636,6 @@
     <UANotes xmlns="4873beb7-5857-4685-be1f-d57550cc96cc" xsi:nil="true"/>
   </documentManagement>
 </p:properties>
-</file>
-
-<file path=customXml/item2.xml><?xml version="1.0" encoding="utf-8"?>
-<?mso-contentType ?>
-<FormTemplates xmlns="http://schemas.microsoft.com/sharepoint/v3/contenttype/forms">
-  <Display>DocumentLibraryForm</Display>
-  <Edit>AssetEditForm</Edit>
-  <New>DocumentLibraryForm</New>
-</FormTemplates>
 </file>
 
 <file path=customXml/item3.xml><?xml version="1.0" encoding="utf-8"?>
@@ -11615,6 +13679,14 @@
 </file>
 
 <file path=customXml/itemProps1.xml><?xml version="1.0" encoding="utf-8"?>
+<ds:datastoreItem xmlns:ds="http://schemas.openxmlformats.org/officeDocument/2006/customXml" ds:itemID="{561E720F-F05D-4536-9C34-0CFCED65D3B7}">
+  <ds:schemaRefs>
+    <ds:schemaRef ds:uri="http://schemas.microsoft.com/sharepoint/v3/contenttype/forms"/>
+  </ds:schemaRefs>
+</ds:datastoreItem>
+</file>
+
+<file path=customXml/itemProps2.xml><?xml version="1.0" encoding="utf-8"?>
 <ds:datastoreItem xmlns:ds="http://schemas.openxmlformats.org/officeDocument/2006/customXml" ds:itemID="{8CDDBB83-77C1-4099-A0AA-289882E745E2}">
   <ds:schemaRefs>
     <ds:schemaRef ds:uri="http://purl.org/dc/terms/"/>
@@ -11626,14 +13698,6 @@
     <ds:schemaRef ds:uri="http://schemas.openxmlformats.org/package/2006/metadata/core-properties"/>
     <ds:schemaRef ds:uri="4873beb7-5857-4685-be1f-d57550cc96cc"/>
     <ds:schemaRef ds:uri="http://schemas.microsoft.com/office/2006/metadata/properties"/>
-  </ds:schemaRefs>
-</ds:datastoreItem>
-</file>
-
-<file path=customXml/itemProps2.xml><?xml version="1.0" encoding="utf-8"?>
-<ds:datastoreItem xmlns:ds="http://schemas.openxmlformats.org/officeDocument/2006/customXml" ds:itemID="{561E720F-F05D-4536-9C34-0CFCED65D3B7}">
-  <ds:schemaRefs>
-    <ds:schemaRef ds:uri="http://schemas.microsoft.com/sharepoint/v3/contenttype/forms"/>
   </ds:schemaRefs>
 </ds:datastoreItem>
 </file>

--- a/course/compiler/LectureNotes/(Spring2017)Lecture6.pptx
+++ b/course/compiler/LectureNotes/(Spring2017)Lecture6.pptx
@@ -5,10 +5,10 @@
     <p:sldMasterId id="2147483648" r:id="rId4"/>
   </p:sldMasterIdLst>
   <p:notesMasterIdLst>
-    <p:notesMasterId r:id="rId48"/>
+    <p:notesMasterId r:id="rId49"/>
   </p:notesMasterIdLst>
   <p:handoutMasterIdLst>
-    <p:handoutMasterId r:id="rId49"/>
+    <p:handoutMasterId r:id="rId50"/>
   </p:handoutMasterIdLst>
   <p:sldIdLst>
     <p:sldId id="256" r:id="rId5"/>
@@ -54,6 +54,7 @@
     <p:sldId id="377" r:id="rId45"/>
     <p:sldId id="378" r:id="rId46"/>
     <p:sldId id="379" r:id="rId47"/>
+    <p:sldId id="380" r:id="rId48"/>
   </p:sldIdLst>
   <p:sldSz cx="9144000" cy="6858000" type="screen4x3"/>
   <p:notesSz cx="6858000" cy="9144000"/>
@@ -269,7 +270,7 @@
                 <a:ea typeface="微软雅黑" panose="020B0503020204020204" pitchFamily="34" charset="-122"/>
               </a:rPr>
               <a:pPr algn="r" rtl="0"/>
-              <a:t>2017/5/25</a:t>
+              <a:t>2017/5/31</a:t>
             </a:fld>
             <a:endParaRPr lang="zh-CN" altLang="en-US" dirty="0">
               <a:latin typeface="微软雅黑" panose="020B0503020204020204" pitchFamily="34" charset="-122"/>
@@ -456,7 +457,7 @@
             <a:fld id="{229B22C3-6CB1-491B-AD00-E0837F23A3F3}" type="datetime1">
               <a:rPr lang="zh-CN" altLang="en-US" smtClean="0"/>
               <a:pPr/>
-              <a:t>2017/5/25</a:t>
+              <a:t>2017/5/31</a:t>
             </a:fld>
             <a:endParaRPr lang="zh-CN" altLang="en-US" dirty="0"/>
           </a:p>
@@ -1052,7 +1053,7 @@
             <a:fld id="{A7392AAC-879E-4B39-8824-AF6B730A809E}" type="datetime1">
               <a:rPr lang="zh-CN" altLang="en-US" smtClean="0"/>
               <a:pPr/>
-              <a:t>2017/5/25</a:t>
+              <a:t>2017/5/31</a:t>
             </a:fld>
             <a:endParaRPr lang="zh-CN" altLang="en-US" dirty="0"/>
           </a:p>
@@ -1393,7 +1394,7 @@
             <a:fld id="{7118C275-B304-48F5-8C4F-015CBCF4E7C1}" type="datetime1">
               <a:rPr lang="zh-CN" altLang="en-US" smtClean="0"/>
               <a:pPr/>
-              <a:t>2017/5/25</a:t>
+              <a:t>2017/5/31</a:t>
             </a:fld>
             <a:r>
               <a:rPr lang="zh-CN" altLang="en-US" dirty="0"/>
@@ -1599,7 +1600,7 @@
             <a:fld id="{98791AA9-DDCB-4BA8-AD1D-963A3AA00622}" type="datetime1">
               <a:rPr lang="zh-CN" altLang="en-US" smtClean="0"/>
               <a:pPr/>
-              <a:t>2017/5/25</a:t>
+              <a:t>2017/5/31</a:t>
             </a:fld>
             <a:endParaRPr lang="zh-CN" altLang="en-US" dirty="0"/>
           </a:p>
@@ -1803,7 +1804,7 @@
             <a:fld id="{9170426F-E661-472B-BE42-25E072CD46D9}" type="datetime1">
               <a:rPr lang="zh-CN" altLang="en-US" smtClean="0"/>
               <a:pPr/>
-              <a:t>2017/5/25</a:t>
+              <a:t>2017/5/31</a:t>
             </a:fld>
             <a:endParaRPr lang="zh-CN" altLang="en-US" dirty="0"/>
           </a:p>
@@ -2125,7 +2126,7 @@
             <a:fld id="{9BA78444-6099-4C0A-A3A9-C6F3C5D7F289}" type="datetime1">
               <a:rPr lang="zh-CN" altLang="en-US" smtClean="0"/>
               <a:pPr/>
-              <a:t>2017/5/25</a:t>
+              <a:t>2017/5/31</a:t>
             </a:fld>
             <a:endParaRPr lang="zh-CN" altLang="en-US" dirty="0"/>
           </a:p>
@@ -3237,7 +3238,7 @@
             <a:fld id="{AF5F6A19-70BF-4380-9A40-68C9536408C6}" type="datetime1">
               <a:rPr lang="zh-CN" altLang="en-US" smtClean="0"/>
               <a:pPr/>
-              <a:t>2017/5/25</a:t>
+              <a:t>2017/5/31</a:t>
             </a:fld>
             <a:endParaRPr lang="zh-CN" altLang="en-US" dirty="0"/>
           </a:p>
@@ -3636,7 +3637,7 @@
             <a:fld id="{6017EB90-196C-4C15-BD31-13E0E0436C73}" type="datetime1">
               <a:rPr lang="zh-CN" altLang="en-US" smtClean="0"/>
               <a:pPr/>
-              <a:t>2017/5/25</a:t>
+              <a:t>2017/5/31</a:t>
             </a:fld>
             <a:r>
               <a:rPr lang="zh-CN" altLang="en-US" dirty="0"/>
@@ -4118,7 +4119,7 @@
             <a:fld id="{C2EC0F41-B48F-4298-A7F6-618EB9D22195}" type="datetime1">
               <a:rPr lang="zh-CN" altLang="en-US" smtClean="0"/>
               <a:pPr/>
-              <a:t>2017/5/25</a:t>
+              <a:t>2017/5/31</a:t>
             </a:fld>
             <a:endParaRPr lang="zh-CN" altLang="en-US" dirty="0"/>
           </a:p>
@@ -4269,7 +4270,7 @@
             <a:fld id="{7DB2D836-56E8-4B15-857C-14B1A5B3B67B}" type="datetime1">
               <a:rPr lang="zh-CN" altLang="en-US" smtClean="0"/>
               <a:pPr/>
-              <a:t>2017/5/25</a:t>
+              <a:t>2017/5/31</a:t>
             </a:fld>
             <a:endParaRPr lang="zh-CN" altLang="en-US" dirty="0"/>
           </a:p>
@@ -4387,7 +4388,7 @@
             <a:fld id="{038D929F-7D8C-4CC3-8AC7-BB9B8FE2DEBF}" type="datetime1">
               <a:rPr lang="zh-CN" altLang="en-US" smtClean="0"/>
               <a:pPr/>
-              <a:t>2017/5/25</a:t>
+              <a:t>2017/5/31</a:t>
             </a:fld>
             <a:endParaRPr lang="zh-CN" altLang="en-US" dirty="0"/>
           </a:p>
@@ -4690,7 +4691,7 @@
             <a:fld id="{F7892ACC-8BC8-4C9E-9D2B-0669DA5038B6}" type="datetime1">
               <a:rPr lang="zh-CN" altLang="en-US" smtClean="0"/>
               <a:pPr/>
-              <a:t>2017/5/25</a:t>
+              <a:t>2017/5/31</a:t>
             </a:fld>
             <a:endParaRPr lang="zh-CN" altLang="en-US" dirty="0"/>
           </a:p>
@@ -4956,7 +4957,7 @@
             <a:fld id="{660B6A15-7713-4A08-BBFD-F297CCC2B976}" type="datetime1">
               <a:rPr lang="zh-CN" altLang="en-US" smtClean="0"/>
               <a:pPr/>
-              <a:t>2017/5/25</a:t>
+              <a:t>2017/5/31</a:t>
             </a:fld>
             <a:r>
               <a:rPr lang="zh-CN" altLang="en-US" dirty="0"/>
@@ -7969,7 +7970,7 @@
           <p:cNvPr id="5" name="图片 4">
             <a:extLst>
               <a:ext uri="{FF2B5EF4-FFF2-40B4-BE49-F238E27FC236}">
-                <a16:creationId xmlns:a16="http://schemas.microsoft.com/office/drawing/2014/main" id="{DB9ECCF3-D88F-4129-8C70-7ACF05D730C1}"/>
+                <a16:creationId xmlns:a16="http://schemas.microsoft.com/office/drawing/2014/main" xmlns="" id="{DB9ECCF3-D88F-4129-8C70-7ACF05D730C1}"/>
               </a:ext>
             </a:extLst>
           </p:cNvPr>
@@ -8041,7 +8042,7 @@
           <p:cNvPr id="2" name="标题 1">
             <a:extLst>
               <a:ext uri="{FF2B5EF4-FFF2-40B4-BE49-F238E27FC236}">
-                <a16:creationId xmlns:a16="http://schemas.microsoft.com/office/drawing/2014/main" id="{ED2205E1-7F18-4A7D-80F7-3E308B6826EC}"/>
+                <a16:creationId xmlns:a16="http://schemas.microsoft.com/office/drawing/2014/main" xmlns="" id="{ED2205E1-7F18-4A7D-80F7-3E308B6826EC}"/>
               </a:ext>
             </a:extLst>
           </p:cNvPr>
@@ -8070,7 +8071,7 @@
           <p:cNvPr id="5" name="图片 4">
             <a:extLst>
               <a:ext uri="{FF2B5EF4-FFF2-40B4-BE49-F238E27FC236}">
-                <a16:creationId xmlns:a16="http://schemas.microsoft.com/office/drawing/2014/main" id="{CB22EE56-0091-4EAF-9632-C0FC6F5B4F29}"/>
+                <a16:creationId xmlns:a16="http://schemas.microsoft.com/office/drawing/2014/main" xmlns="" id="{CB22EE56-0091-4EAF-9632-C0FC6F5B4F29}"/>
               </a:ext>
             </a:extLst>
           </p:cNvPr>
@@ -8142,7 +8143,7 @@
           <p:cNvPr id="2" name="标题 1">
             <a:extLst>
               <a:ext uri="{FF2B5EF4-FFF2-40B4-BE49-F238E27FC236}">
-                <a16:creationId xmlns:a16="http://schemas.microsoft.com/office/drawing/2014/main" id="{06D3FC8F-BF33-4907-B218-721029C3D885}"/>
+                <a16:creationId xmlns:a16="http://schemas.microsoft.com/office/drawing/2014/main" xmlns="" id="{06D3FC8F-BF33-4907-B218-721029C3D885}"/>
               </a:ext>
             </a:extLst>
           </p:cNvPr>
@@ -8171,7 +8172,7 @@
           <p:cNvPr id="3" name="内容占位符 2">
             <a:extLst>
               <a:ext uri="{FF2B5EF4-FFF2-40B4-BE49-F238E27FC236}">
-                <a16:creationId xmlns:a16="http://schemas.microsoft.com/office/drawing/2014/main" id="{14C50C73-3213-4060-953A-C9EE48B41786}"/>
+                <a16:creationId xmlns:a16="http://schemas.microsoft.com/office/drawing/2014/main" xmlns="" id="{14C50C73-3213-4060-953A-C9EE48B41786}"/>
               </a:ext>
             </a:extLst>
           </p:cNvPr>
@@ -8267,7 +8268,7 @@
           <p:cNvPr id="2" name="标题 1">
             <a:extLst>
               <a:ext uri="{FF2B5EF4-FFF2-40B4-BE49-F238E27FC236}">
-                <a16:creationId xmlns:a16="http://schemas.microsoft.com/office/drawing/2014/main" id="{44769F36-3310-4F2E-A61A-76B8E1EDD4E6}"/>
+                <a16:creationId xmlns:a16="http://schemas.microsoft.com/office/drawing/2014/main" xmlns="" id="{44769F36-3310-4F2E-A61A-76B8E1EDD4E6}"/>
               </a:ext>
             </a:extLst>
           </p:cNvPr>
@@ -8296,7 +8297,7 @@
           <p:cNvPr id="4" name="图片 3">
             <a:extLst>
               <a:ext uri="{FF2B5EF4-FFF2-40B4-BE49-F238E27FC236}">
-                <a16:creationId xmlns:a16="http://schemas.microsoft.com/office/drawing/2014/main" id="{4D266839-5B9B-4692-9B06-BC24B1CFC75D}"/>
+                <a16:creationId xmlns:a16="http://schemas.microsoft.com/office/drawing/2014/main" xmlns="" id="{4D266839-5B9B-4692-9B06-BC24B1CFC75D}"/>
               </a:ext>
             </a:extLst>
           </p:cNvPr>
@@ -8503,7 +8504,7 @@
           <p:cNvPr id="2" name="标题 1">
             <a:extLst>
               <a:ext uri="{FF2B5EF4-FFF2-40B4-BE49-F238E27FC236}">
-                <a16:creationId xmlns:a16="http://schemas.microsoft.com/office/drawing/2014/main" id="{0C42D67D-46CF-4046-977E-9A4CBC3B9DC3}"/>
+                <a16:creationId xmlns:a16="http://schemas.microsoft.com/office/drawing/2014/main" xmlns="" id="{0C42D67D-46CF-4046-977E-9A4CBC3B9DC3}"/>
               </a:ext>
             </a:extLst>
           </p:cNvPr>
@@ -8532,7 +8533,7 @@
           <p:cNvPr id="3" name="内容占位符 2">
             <a:extLst>
               <a:ext uri="{FF2B5EF4-FFF2-40B4-BE49-F238E27FC236}">
-                <a16:creationId xmlns:a16="http://schemas.microsoft.com/office/drawing/2014/main" id="{E64B9F9C-FC1C-4E07-8392-1E4E94959F8E}"/>
+                <a16:creationId xmlns:a16="http://schemas.microsoft.com/office/drawing/2014/main" xmlns="" id="{E64B9F9C-FC1C-4E07-8392-1E4E94959F8E}"/>
               </a:ext>
             </a:extLst>
           </p:cNvPr>
@@ -8580,7 +8581,7 @@
           <p:cNvPr id="5" name="图片 4">
             <a:extLst>
               <a:ext uri="{FF2B5EF4-FFF2-40B4-BE49-F238E27FC236}">
-                <a16:creationId xmlns:a16="http://schemas.microsoft.com/office/drawing/2014/main" id="{C545A1B0-3864-4DC1-B1C0-6B9092DB15ED}"/>
+                <a16:creationId xmlns:a16="http://schemas.microsoft.com/office/drawing/2014/main" xmlns="" id="{C545A1B0-3864-4DC1-B1C0-6B9092DB15ED}"/>
               </a:ext>
             </a:extLst>
           </p:cNvPr>
@@ -8658,7 +8659,7 @@
           <p:cNvPr id="2" name="标题 1">
             <a:extLst>
               <a:ext uri="{FF2B5EF4-FFF2-40B4-BE49-F238E27FC236}">
-                <a16:creationId xmlns:a16="http://schemas.microsoft.com/office/drawing/2014/main" id="{DE0AA93C-15DA-419F-B9B1-EED7854DE606}"/>
+                <a16:creationId xmlns:a16="http://schemas.microsoft.com/office/drawing/2014/main" xmlns="" id="{DE0AA93C-15DA-419F-B9B1-EED7854DE606}"/>
               </a:ext>
             </a:extLst>
           </p:cNvPr>
@@ -8687,7 +8688,7 @@
           <p:cNvPr id="3" name="内容占位符 2">
             <a:extLst>
               <a:ext uri="{FF2B5EF4-FFF2-40B4-BE49-F238E27FC236}">
-                <a16:creationId xmlns:a16="http://schemas.microsoft.com/office/drawing/2014/main" id="{5F3FD113-9D12-4C39-BCF5-27D9CA2216CF}"/>
+                <a16:creationId xmlns:a16="http://schemas.microsoft.com/office/drawing/2014/main" xmlns="" id="{5F3FD113-9D12-4C39-BCF5-27D9CA2216CF}"/>
               </a:ext>
             </a:extLst>
           </p:cNvPr>
@@ -8735,7 +8736,7 @@
           <p:cNvPr id="4" name="图片 3">
             <a:extLst>
               <a:ext uri="{FF2B5EF4-FFF2-40B4-BE49-F238E27FC236}">
-                <a16:creationId xmlns:a16="http://schemas.microsoft.com/office/drawing/2014/main" id="{CD136149-8F2D-41F3-A731-12B4EA6036F0}"/>
+                <a16:creationId xmlns:a16="http://schemas.microsoft.com/office/drawing/2014/main" xmlns="" id="{CD136149-8F2D-41F3-A731-12B4EA6036F0}"/>
               </a:ext>
             </a:extLst>
           </p:cNvPr>
@@ -8807,7 +8808,7 @@
           <p:cNvPr id="2" name="标题 1">
             <a:extLst>
               <a:ext uri="{FF2B5EF4-FFF2-40B4-BE49-F238E27FC236}">
-                <a16:creationId xmlns:a16="http://schemas.microsoft.com/office/drawing/2014/main" id="{DE0AA93C-15DA-419F-B9B1-EED7854DE606}"/>
+                <a16:creationId xmlns:a16="http://schemas.microsoft.com/office/drawing/2014/main" xmlns="" id="{DE0AA93C-15DA-419F-B9B1-EED7854DE606}"/>
               </a:ext>
             </a:extLst>
           </p:cNvPr>
@@ -8836,7 +8837,7 @@
           <p:cNvPr id="3" name="内容占位符 2">
             <a:extLst>
               <a:ext uri="{FF2B5EF4-FFF2-40B4-BE49-F238E27FC236}">
-                <a16:creationId xmlns:a16="http://schemas.microsoft.com/office/drawing/2014/main" id="{5F3FD113-9D12-4C39-BCF5-27D9CA2216CF}"/>
+                <a16:creationId xmlns:a16="http://schemas.microsoft.com/office/drawing/2014/main" xmlns="" id="{5F3FD113-9D12-4C39-BCF5-27D9CA2216CF}"/>
               </a:ext>
             </a:extLst>
           </p:cNvPr>
@@ -8884,7 +8885,7 @@
           <p:cNvPr id="4" name="图片 3">
             <a:extLst>
               <a:ext uri="{FF2B5EF4-FFF2-40B4-BE49-F238E27FC236}">
-                <a16:creationId xmlns:a16="http://schemas.microsoft.com/office/drawing/2014/main" id="{CD136149-8F2D-41F3-A731-12B4EA6036F0}"/>
+                <a16:creationId xmlns:a16="http://schemas.microsoft.com/office/drawing/2014/main" xmlns="" id="{CD136149-8F2D-41F3-A731-12B4EA6036F0}"/>
               </a:ext>
             </a:extLst>
           </p:cNvPr>
@@ -8956,7 +8957,7 @@
           <p:cNvPr id="2" name="标题 1">
             <a:extLst>
               <a:ext uri="{FF2B5EF4-FFF2-40B4-BE49-F238E27FC236}">
-                <a16:creationId xmlns:a16="http://schemas.microsoft.com/office/drawing/2014/main" id="{561DF9F1-55AA-4CE9-9FAA-5F2B1649D445}"/>
+                <a16:creationId xmlns:a16="http://schemas.microsoft.com/office/drawing/2014/main" xmlns="" id="{561DF9F1-55AA-4CE9-9FAA-5F2B1649D445}"/>
               </a:ext>
             </a:extLst>
           </p:cNvPr>
@@ -8985,7 +8986,7 @@
           <p:cNvPr id="4" name="图片 3">
             <a:extLst>
               <a:ext uri="{FF2B5EF4-FFF2-40B4-BE49-F238E27FC236}">
-                <a16:creationId xmlns:a16="http://schemas.microsoft.com/office/drawing/2014/main" id="{8E58542B-8D82-4D44-9392-DC000903D4AC}"/>
+                <a16:creationId xmlns:a16="http://schemas.microsoft.com/office/drawing/2014/main" xmlns="" id="{8E58542B-8D82-4D44-9392-DC000903D4AC}"/>
               </a:ext>
             </a:extLst>
           </p:cNvPr>
@@ -9057,7 +9058,7 @@
           <p:cNvPr id="2" name="标题 1">
             <a:extLst>
               <a:ext uri="{FF2B5EF4-FFF2-40B4-BE49-F238E27FC236}">
-                <a16:creationId xmlns:a16="http://schemas.microsoft.com/office/drawing/2014/main" id="{375A8377-C778-4659-BEA4-72A986A03FF8}"/>
+                <a16:creationId xmlns:a16="http://schemas.microsoft.com/office/drawing/2014/main" xmlns="" id="{375A8377-C778-4659-BEA4-72A986A03FF8}"/>
               </a:ext>
             </a:extLst>
           </p:cNvPr>
@@ -9086,7 +9087,7 @@
           <p:cNvPr id="3" name="内容占位符 2">
             <a:extLst>
               <a:ext uri="{FF2B5EF4-FFF2-40B4-BE49-F238E27FC236}">
-                <a16:creationId xmlns:a16="http://schemas.microsoft.com/office/drawing/2014/main" id="{A3EEE31D-629D-4206-89E4-7F5BD29502F1}"/>
+                <a16:creationId xmlns:a16="http://schemas.microsoft.com/office/drawing/2014/main" xmlns="" id="{A3EEE31D-629D-4206-89E4-7F5BD29502F1}"/>
               </a:ext>
             </a:extLst>
           </p:cNvPr>
@@ -9125,7 +9126,7 @@
           <p:cNvPr id="4" name="图片 3">
             <a:extLst>
               <a:ext uri="{FF2B5EF4-FFF2-40B4-BE49-F238E27FC236}">
-                <a16:creationId xmlns:a16="http://schemas.microsoft.com/office/drawing/2014/main" id="{262405F0-4C28-4A33-BDD8-1E08919120EA}"/>
+                <a16:creationId xmlns:a16="http://schemas.microsoft.com/office/drawing/2014/main" xmlns="" id="{262405F0-4C28-4A33-BDD8-1E08919120EA}"/>
               </a:ext>
             </a:extLst>
           </p:cNvPr>
@@ -9197,7 +9198,7 @@
           <p:cNvPr id="2" name="标题 1">
             <a:extLst>
               <a:ext uri="{FF2B5EF4-FFF2-40B4-BE49-F238E27FC236}">
-                <a16:creationId xmlns:a16="http://schemas.microsoft.com/office/drawing/2014/main" id="{ABEECC54-2579-4F1D-8237-52FFDDCC8C67}"/>
+                <a16:creationId xmlns:a16="http://schemas.microsoft.com/office/drawing/2014/main" xmlns="" id="{ABEECC54-2579-4F1D-8237-52FFDDCC8C67}"/>
               </a:ext>
             </a:extLst>
           </p:cNvPr>
@@ -9226,7 +9227,7 @@
           <p:cNvPr id="4" name="图片 3">
             <a:extLst>
               <a:ext uri="{FF2B5EF4-FFF2-40B4-BE49-F238E27FC236}">
-                <a16:creationId xmlns:a16="http://schemas.microsoft.com/office/drawing/2014/main" id="{58807CEE-4B9B-474C-A5BE-9AEBD0252054}"/>
+                <a16:creationId xmlns:a16="http://schemas.microsoft.com/office/drawing/2014/main" xmlns="" id="{58807CEE-4B9B-474C-A5BE-9AEBD0252054}"/>
               </a:ext>
             </a:extLst>
           </p:cNvPr>
@@ -9298,7 +9299,7 @@
           <p:cNvPr id="2" name="标题 1">
             <a:extLst>
               <a:ext uri="{FF2B5EF4-FFF2-40B4-BE49-F238E27FC236}">
-                <a16:creationId xmlns:a16="http://schemas.microsoft.com/office/drawing/2014/main" id="{5CC67A61-E529-41A8-829A-BE702D34341E}"/>
+                <a16:creationId xmlns:a16="http://schemas.microsoft.com/office/drawing/2014/main" xmlns="" id="{5CC67A61-E529-41A8-829A-BE702D34341E}"/>
               </a:ext>
             </a:extLst>
           </p:cNvPr>
@@ -9327,7 +9328,7 @@
           <p:cNvPr id="4" name="图片 3">
             <a:extLst>
               <a:ext uri="{FF2B5EF4-FFF2-40B4-BE49-F238E27FC236}">
-                <a16:creationId xmlns:a16="http://schemas.microsoft.com/office/drawing/2014/main" id="{80FFBADB-FF94-41DA-8E84-6C2D2A18297B}"/>
+                <a16:creationId xmlns:a16="http://schemas.microsoft.com/office/drawing/2014/main" xmlns="" id="{80FFBADB-FF94-41DA-8E84-6C2D2A18297B}"/>
               </a:ext>
             </a:extLst>
           </p:cNvPr>
@@ -9357,7 +9358,7 @@
           <p:cNvPr id="5" name="图片 4">
             <a:extLst>
               <a:ext uri="{FF2B5EF4-FFF2-40B4-BE49-F238E27FC236}">
-                <a16:creationId xmlns:a16="http://schemas.microsoft.com/office/drawing/2014/main" id="{ADFB117B-7C15-480F-A080-9D5755BDF06A}"/>
+                <a16:creationId xmlns:a16="http://schemas.microsoft.com/office/drawing/2014/main" xmlns="" id="{ADFB117B-7C15-480F-A080-9D5755BDF06A}"/>
               </a:ext>
             </a:extLst>
           </p:cNvPr>
@@ -9429,7 +9430,7 @@
           <p:cNvPr id="2" name="标题 1">
             <a:extLst>
               <a:ext uri="{FF2B5EF4-FFF2-40B4-BE49-F238E27FC236}">
-                <a16:creationId xmlns:a16="http://schemas.microsoft.com/office/drawing/2014/main" id="{B360E440-5FC0-460F-8AB1-C40DE1DAB558}"/>
+                <a16:creationId xmlns:a16="http://schemas.microsoft.com/office/drawing/2014/main" xmlns="" id="{B360E440-5FC0-460F-8AB1-C40DE1DAB558}"/>
               </a:ext>
             </a:extLst>
           </p:cNvPr>
@@ -9458,7 +9459,7 @@
           <p:cNvPr id="3" name="内容占位符 2">
             <a:extLst>
               <a:ext uri="{FF2B5EF4-FFF2-40B4-BE49-F238E27FC236}">
-                <a16:creationId xmlns:a16="http://schemas.microsoft.com/office/drawing/2014/main" id="{0CA84AFB-7CDA-4021-88CB-77864F504619}"/>
+                <a16:creationId xmlns:a16="http://schemas.microsoft.com/office/drawing/2014/main" xmlns="" id="{0CA84AFB-7CDA-4021-88CB-77864F504619}"/>
               </a:ext>
             </a:extLst>
           </p:cNvPr>
@@ -9488,7 +9489,7 @@
           <p:cNvPr id="4" name="图片 3">
             <a:extLst>
               <a:ext uri="{FF2B5EF4-FFF2-40B4-BE49-F238E27FC236}">
-                <a16:creationId xmlns:a16="http://schemas.microsoft.com/office/drawing/2014/main" id="{AEFD2626-5361-4F63-B263-5D64DE42885A}"/>
+                <a16:creationId xmlns:a16="http://schemas.microsoft.com/office/drawing/2014/main" xmlns="" id="{AEFD2626-5361-4F63-B263-5D64DE42885A}"/>
               </a:ext>
             </a:extLst>
           </p:cNvPr>
@@ -9518,7 +9519,7 @@
           <p:cNvPr id="5" name="图片 4">
             <a:extLst>
               <a:ext uri="{FF2B5EF4-FFF2-40B4-BE49-F238E27FC236}">
-                <a16:creationId xmlns:a16="http://schemas.microsoft.com/office/drawing/2014/main" id="{C4F97E0D-41C5-4086-B22D-6B2AE58B92AF}"/>
+                <a16:creationId xmlns:a16="http://schemas.microsoft.com/office/drawing/2014/main" xmlns="" id="{C4F97E0D-41C5-4086-B22D-6B2AE58B92AF}"/>
               </a:ext>
             </a:extLst>
           </p:cNvPr>
@@ -9548,7 +9549,7 @@
           <p:cNvPr id="6" name="箭头: 右 5">
             <a:extLst>
               <a:ext uri="{FF2B5EF4-FFF2-40B4-BE49-F238E27FC236}">
-                <a16:creationId xmlns:a16="http://schemas.microsoft.com/office/drawing/2014/main" id="{1EBA6DF8-D0ED-45A6-8FE0-E178504F7A23}"/>
+                <a16:creationId xmlns:a16="http://schemas.microsoft.com/office/drawing/2014/main" xmlns="" id="{1EBA6DF8-D0ED-45A6-8FE0-E178504F7A23}"/>
               </a:ext>
             </a:extLst>
           </p:cNvPr>
@@ -9594,7 +9595,7 @@
           <p:cNvPr id="7" name="图片 6">
             <a:extLst>
               <a:ext uri="{FF2B5EF4-FFF2-40B4-BE49-F238E27FC236}">
-                <a16:creationId xmlns:a16="http://schemas.microsoft.com/office/drawing/2014/main" id="{8DFBAA59-5C4D-4A82-ADA2-FAECD58F989A}"/>
+                <a16:creationId xmlns:a16="http://schemas.microsoft.com/office/drawing/2014/main" xmlns="" id="{8DFBAA59-5C4D-4A82-ADA2-FAECD58F989A}"/>
               </a:ext>
             </a:extLst>
           </p:cNvPr>
@@ -9666,7 +9667,7 @@
           <p:cNvPr id="2" name="标题 1">
             <a:extLst>
               <a:ext uri="{FF2B5EF4-FFF2-40B4-BE49-F238E27FC236}">
-                <a16:creationId xmlns:a16="http://schemas.microsoft.com/office/drawing/2014/main" id="{925036EB-DEE2-406D-9F14-44EEFE1EC6C6}"/>
+                <a16:creationId xmlns:a16="http://schemas.microsoft.com/office/drawing/2014/main" xmlns="" id="{925036EB-DEE2-406D-9F14-44EEFE1EC6C6}"/>
               </a:ext>
             </a:extLst>
           </p:cNvPr>
@@ -9695,7 +9696,7 @@
           <p:cNvPr id="3" name="内容占位符 2">
             <a:extLst>
               <a:ext uri="{FF2B5EF4-FFF2-40B4-BE49-F238E27FC236}">
-                <a16:creationId xmlns:a16="http://schemas.microsoft.com/office/drawing/2014/main" id="{00AE49C5-625F-4BD7-A9B4-C6047E019503}"/>
+                <a16:creationId xmlns:a16="http://schemas.microsoft.com/office/drawing/2014/main" xmlns="" id="{00AE49C5-625F-4BD7-A9B4-C6047E019503}"/>
               </a:ext>
             </a:extLst>
           </p:cNvPr>
@@ -9724,7 +9725,7 @@
           <p:cNvPr id="4" name="图片 3">
             <a:extLst>
               <a:ext uri="{FF2B5EF4-FFF2-40B4-BE49-F238E27FC236}">
-                <a16:creationId xmlns:a16="http://schemas.microsoft.com/office/drawing/2014/main" id="{9A2FD4A4-7C2D-4FDD-947D-30F715E480B2}"/>
+                <a16:creationId xmlns:a16="http://schemas.microsoft.com/office/drawing/2014/main" xmlns="" id="{9A2FD4A4-7C2D-4FDD-947D-30F715E480B2}"/>
               </a:ext>
             </a:extLst>
           </p:cNvPr>
@@ -9754,7 +9755,7 @@
           <p:cNvPr id="5" name="图片 4">
             <a:extLst>
               <a:ext uri="{FF2B5EF4-FFF2-40B4-BE49-F238E27FC236}">
-                <a16:creationId xmlns:a16="http://schemas.microsoft.com/office/drawing/2014/main" id="{966B30D7-C591-47FD-A5A3-62270D7BE02D}"/>
+                <a16:creationId xmlns:a16="http://schemas.microsoft.com/office/drawing/2014/main" xmlns="" id="{966B30D7-C591-47FD-A5A3-62270D7BE02D}"/>
               </a:ext>
             </a:extLst>
           </p:cNvPr>
@@ -9826,7 +9827,7 @@
           <p:cNvPr id="2" name="标题 1">
             <a:extLst>
               <a:ext uri="{FF2B5EF4-FFF2-40B4-BE49-F238E27FC236}">
-                <a16:creationId xmlns:a16="http://schemas.microsoft.com/office/drawing/2014/main" id="{B3616FFA-97A1-432F-A572-9D4A9851BF1C}"/>
+                <a16:creationId xmlns:a16="http://schemas.microsoft.com/office/drawing/2014/main" xmlns="" id="{B3616FFA-97A1-432F-A572-9D4A9851BF1C}"/>
               </a:ext>
             </a:extLst>
           </p:cNvPr>
@@ -9855,7 +9856,7 @@
           <p:cNvPr id="4" name="图片 3">
             <a:extLst>
               <a:ext uri="{FF2B5EF4-FFF2-40B4-BE49-F238E27FC236}">
-                <a16:creationId xmlns:a16="http://schemas.microsoft.com/office/drawing/2014/main" id="{9BDBFCFF-B4CC-4975-A9E7-916425078DF2}"/>
+                <a16:creationId xmlns:a16="http://schemas.microsoft.com/office/drawing/2014/main" xmlns="" id="{9BDBFCFF-B4CC-4975-A9E7-916425078DF2}"/>
               </a:ext>
             </a:extLst>
           </p:cNvPr>
@@ -9885,7 +9886,7 @@
           <p:cNvPr id="5" name="图片 4">
             <a:extLst>
               <a:ext uri="{FF2B5EF4-FFF2-40B4-BE49-F238E27FC236}">
-                <a16:creationId xmlns:a16="http://schemas.microsoft.com/office/drawing/2014/main" id="{542CBEA2-FC66-468B-BD17-38067158F767}"/>
+                <a16:creationId xmlns:a16="http://schemas.microsoft.com/office/drawing/2014/main" xmlns="" id="{542CBEA2-FC66-468B-BD17-38067158F767}"/>
               </a:ext>
             </a:extLst>
           </p:cNvPr>
@@ -9915,7 +9916,7 @@
           <p:cNvPr id="6" name="箭头: 下 5">
             <a:extLst>
               <a:ext uri="{FF2B5EF4-FFF2-40B4-BE49-F238E27FC236}">
-                <a16:creationId xmlns:a16="http://schemas.microsoft.com/office/drawing/2014/main" id="{532FFDFA-E3F2-4F69-918C-330B329B480D}"/>
+                <a16:creationId xmlns:a16="http://schemas.microsoft.com/office/drawing/2014/main" xmlns="" id="{532FFDFA-E3F2-4F69-918C-330B329B480D}"/>
               </a:ext>
             </a:extLst>
           </p:cNvPr>
@@ -10097,7 +10098,7 @@
           <p:cNvPr id="6" name="图片 5">
             <a:extLst>
               <a:ext uri="{FF2B5EF4-FFF2-40B4-BE49-F238E27FC236}">
-                <a16:creationId xmlns:a16="http://schemas.microsoft.com/office/drawing/2014/main" id="{7C82A730-939B-4182-B617-CE5367D1FA16}"/>
+                <a16:creationId xmlns:a16="http://schemas.microsoft.com/office/drawing/2014/main" xmlns="" id="{7C82A730-939B-4182-B617-CE5367D1FA16}"/>
               </a:ext>
             </a:extLst>
           </p:cNvPr>
@@ -10127,7 +10128,7 @@
           <p:cNvPr id="7" name="矩形 6">
             <a:extLst>
               <a:ext uri="{FF2B5EF4-FFF2-40B4-BE49-F238E27FC236}">
-                <a16:creationId xmlns:a16="http://schemas.microsoft.com/office/drawing/2014/main" id="{225F7DE6-80B3-4B12-AF4E-4BFB981B7694}"/>
+                <a16:creationId xmlns:a16="http://schemas.microsoft.com/office/drawing/2014/main" xmlns="" id="{225F7DE6-80B3-4B12-AF4E-4BFB981B7694}"/>
               </a:ext>
             </a:extLst>
           </p:cNvPr>
@@ -10162,7 +10163,7 @@
           <p:cNvPr id="8" name="矩形 7">
             <a:extLst>
               <a:ext uri="{FF2B5EF4-FFF2-40B4-BE49-F238E27FC236}">
-                <a16:creationId xmlns:a16="http://schemas.microsoft.com/office/drawing/2014/main" id="{8CD4E63D-BCA8-466C-A68C-308C2F92ADBE}"/>
+                <a16:creationId xmlns:a16="http://schemas.microsoft.com/office/drawing/2014/main" xmlns="" id="{8CD4E63D-BCA8-466C-A68C-308C2F92ADBE}"/>
               </a:ext>
             </a:extLst>
           </p:cNvPr>
@@ -10205,7 +10206,7 @@
           <p:cNvPr id="10" name="直接箭头连接符 9">
             <a:extLst>
               <a:ext uri="{FF2B5EF4-FFF2-40B4-BE49-F238E27FC236}">
-                <a16:creationId xmlns:a16="http://schemas.microsoft.com/office/drawing/2014/main" id="{2A0BE18E-BFD3-485C-AB52-987C9F69FDA5}"/>
+                <a16:creationId xmlns:a16="http://schemas.microsoft.com/office/drawing/2014/main" xmlns="" id="{2A0BE18E-BFD3-485C-AB52-987C9F69FDA5}"/>
               </a:ext>
             </a:extLst>
           </p:cNvPr>
@@ -10289,7 +10290,7 @@
           <p:cNvPr id="2" name="标题 1">
             <a:extLst>
               <a:ext uri="{FF2B5EF4-FFF2-40B4-BE49-F238E27FC236}">
-                <a16:creationId xmlns:a16="http://schemas.microsoft.com/office/drawing/2014/main" id="{047BF5E4-3F60-428E-A941-15D669C0BD11}"/>
+                <a16:creationId xmlns:a16="http://schemas.microsoft.com/office/drawing/2014/main" xmlns="" id="{047BF5E4-3F60-428E-A941-15D669C0BD11}"/>
               </a:ext>
             </a:extLst>
           </p:cNvPr>
@@ -10318,7 +10319,7 @@
           <p:cNvPr id="3" name="内容占位符 2">
             <a:extLst>
               <a:ext uri="{FF2B5EF4-FFF2-40B4-BE49-F238E27FC236}">
-                <a16:creationId xmlns:a16="http://schemas.microsoft.com/office/drawing/2014/main" id="{CD8A2E96-23E2-4C98-BECA-C852F1B25A77}"/>
+                <a16:creationId xmlns:a16="http://schemas.microsoft.com/office/drawing/2014/main" xmlns="" id="{CD8A2E96-23E2-4C98-BECA-C852F1B25A77}"/>
               </a:ext>
             </a:extLst>
           </p:cNvPr>
@@ -10449,7 +10450,7 @@
           <p:cNvPr id="2" name="标题 1">
             <a:extLst>
               <a:ext uri="{FF2B5EF4-FFF2-40B4-BE49-F238E27FC236}">
-                <a16:creationId xmlns:a16="http://schemas.microsoft.com/office/drawing/2014/main" id="{815A092C-0A40-4C08-A19C-F13AD08D9639}"/>
+                <a16:creationId xmlns:a16="http://schemas.microsoft.com/office/drawing/2014/main" xmlns="" id="{815A092C-0A40-4C08-A19C-F13AD08D9639}"/>
               </a:ext>
             </a:extLst>
           </p:cNvPr>
@@ -10478,7 +10479,7 @@
           <p:cNvPr id="4" name="图片 3">
             <a:extLst>
               <a:ext uri="{FF2B5EF4-FFF2-40B4-BE49-F238E27FC236}">
-                <a16:creationId xmlns:a16="http://schemas.microsoft.com/office/drawing/2014/main" id="{33F48C0D-3CBC-474F-B252-639229700A9E}"/>
+                <a16:creationId xmlns:a16="http://schemas.microsoft.com/office/drawing/2014/main" xmlns="" id="{33F48C0D-3CBC-474F-B252-639229700A9E}"/>
               </a:ext>
             </a:extLst>
           </p:cNvPr>
@@ -10508,7 +10509,7 @@
           <p:cNvPr id="5" name="图片 4">
             <a:extLst>
               <a:ext uri="{FF2B5EF4-FFF2-40B4-BE49-F238E27FC236}">
-                <a16:creationId xmlns:a16="http://schemas.microsoft.com/office/drawing/2014/main" id="{DC91E67A-D2D1-48CD-BC32-E8E470E5D15E}"/>
+                <a16:creationId xmlns:a16="http://schemas.microsoft.com/office/drawing/2014/main" xmlns="" id="{DC91E67A-D2D1-48CD-BC32-E8E470E5D15E}"/>
               </a:ext>
             </a:extLst>
           </p:cNvPr>
@@ -10538,7 +10539,7 @@
           <p:cNvPr id="6" name="图片 5">
             <a:extLst>
               <a:ext uri="{FF2B5EF4-FFF2-40B4-BE49-F238E27FC236}">
-                <a16:creationId xmlns:a16="http://schemas.microsoft.com/office/drawing/2014/main" id="{C17D4DB8-6D7F-449C-B632-C04A663FB834}"/>
+                <a16:creationId xmlns:a16="http://schemas.microsoft.com/office/drawing/2014/main" xmlns="" id="{C17D4DB8-6D7F-449C-B632-C04A663FB834}"/>
               </a:ext>
             </a:extLst>
           </p:cNvPr>
@@ -10610,7 +10611,7 @@
           <p:cNvPr id="2" name="标题 1">
             <a:extLst>
               <a:ext uri="{FF2B5EF4-FFF2-40B4-BE49-F238E27FC236}">
-                <a16:creationId xmlns:a16="http://schemas.microsoft.com/office/drawing/2014/main" id="{53C26A74-3A65-4644-88A4-A95713C01160}"/>
+                <a16:creationId xmlns:a16="http://schemas.microsoft.com/office/drawing/2014/main" xmlns="" id="{53C26A74-3A65-4644-88A4-A95713C01160}"/>
               </a:ext>
             </a:extLst>
           </p:cNvPr>
@@ -10639,7 +10640,7 @@
           <p:cNvPr id="4" name="内容占位符 3">
             <a:extLst>
               <a:ext uri="{FF2B5EF4-FFF2-40B4-BE49-F238E27FC236}">
-                <a16:creationId xmlns:a16="http://schemas.microsoft.com/office/drawing/2014/main" id="{C1F7CC53-031B-48DB-8A99-35007BA2330E}"/>
+                <a16:creationId xmlns:a16="http://schemas.microsoft.com/office/drawing/2014/main" xmlns="" id="{C1F7CC53-031B-48DB-8A99-35007BA2330E}"/>
               </a:ext>
             </a:extLst>
           </p:cNvPr>
@@ -10671,7 +10672,7 @@
           <p:cNvPr id="5" name="图片 4">
             <a:extLst>
               <a:ext uri="{FF2B5EF4-FFF2-40B4-BE49-F238E27FC236}">
-                <a16:creationId xmlns:a16="http://schemas.microsoft.com/office/drawing/2014/main" id="{9E89FBA2-8533-4DEE-9641-9ED90D0BB78D}"/>
+                <a16:creationId xmlns:a16="http://schemas.microsoft.com/office/drawing/2014/main" xmlns="" id="{9E89FBA2-8533-4DEE-9641-9ED90D0BB78D}"/>
               </a:ext>
             </a:extLst>
           </p:cNvPr>
@@ -10743,7 +10744,7 @@
           <p:cNvPr id="2" name="标题 1">
             <a:extLst>
               <a:ext uri="{FF2B5EF4-FFF2-40B4-BE49-F238E27FC236}">
-                <a16:creationId xmlns:a16="http://schemas.microsoft.com/office/drawing/2014/main" id="{5C0CC61F-24CA-41A3-B586-F882C43E4D56}"/>
+                <a16:creationId xmlns:a16="http://schemas.microsoft.com/office/drawing/2014/main" xmlns="" id="{5C0CC61F-24CA-41A3-B586-F882C43E4D56}"/>
               </a:ext>
             </a:extLst>
           </p:cNvPr>
@@ -10772,7 +10773,7 @@
           <p:cNvPr id="4" name="图片 3">
             <a:extLst>
               <a:ext uri="{FF2B5EF4-FFF2-40B4-BE49-F238E27FC236}">
-                <a16:creationId xmlns:a16="http://schemas.microsoft.com/office/drawing/2014/main" id="{5F6FC81A-75BB-4A52-BEE7-CE2FA036E7AB}"/>
+                <a16:creationId xmlns:a16="http://schemas.microsoft.com/office/drawing/2014/main" xmlns="" id="{5F6FC81A-75BB-4A52-BEE7-CE2FA036E7AB}"/>
               </a:ext>
             </a:extLst>
           </p:cNvPr>
@@ -10822,6 +10823,288 @@
 </p:sld>
 </file>
 
+<file path=ppt/slides/slide44.xml><?xml version="1.0" encoding="utf-8"?>
+<p:sld xmlns:a="http://schemas.openxmlformats.org/drawingml/2006/main" xmlns:r="http://schemas.openxmlformats.org/officeDocument/2006/relationships" xmlns:p="http://schemas.openxmlformats.org/presentationml/2006/main">
+  <p:cSld>
+    <p:spTree>
+      <p:nvGrpSpPr>
+        <p:cNvPr id="1" name=""/>
+        <p:cNvGrpSpPr/>
+        <p:nvPr/>
+      </p:nvGrpSpPr>
+      <p:grpSpPr>
+        <a:xfrm>
+          <a:off x="0" y="0"/>
+          <a:ext cx="0" cy="0"/>
+          <a:chOff x="0" y="0"/>
+          <a:chExt cx="0" cy="0"/>
+        </a:xfrm>
+      </p:grpSpPr>
+      <p:sp>
+        <p:nvSpPr>
+          <p:cNvPr id="2" name="标题 1"/>
+          <p:cNvSpPr>
+            <a:spLocks noGrp="1"/>
+          </p:cNvSpPr>
+          <p:nvPr>
+            <p:ph type="title"/>
+          </p:nvPr>
+        </p:nvSpPr>
+        <p:spPr/>
+        <p:txBody>
+          <a:bodyPr/>
+          <a:lstStyle/>
+          <a:p>
+            <a:r>
+              <a:rPr lang="en-US" altLang="zh-CN" dirty="0" smtClean="0"/>
+              <a:t>Homework 6</a:t>
+            </a:r>
+            <a:endParaRPr lang="zh-CN" altLang="en-US" dirty="0"/>
+          </a:p>
+        </p:txBody>
+      </p:sp>
+      <p:sp>
+        <p:nvSpPr>
+          <p:cNvPr id="3" name="内容占位符 2"/>
+          <p:cNvSpPr>
+            <a:spLocks noGrp="1"/>
+          </p:cNvSpPr>
+          <p:nvPr>
+            <p:ph idx="1"/>
+          </p:nvPr>
+        </p:nvSpPr>
+        <p:spPr>
+          <a:xfrm>
+            <a:off x="828674" y="2046514"/>
+            <a:ext cx="7485513" cy="3635829"/>
+          </a:xfrm>
+        </p:spPr>
+        <p:txBody>
+          <a:bodyPr/>
+          <a:lstStyle/>
+          <a:p>
+            <a:r>
+              <a:rPr lang="en-US" altLang="zh-CN" dirty="0" smtClean="0"/>
+              <a:t>Consider </a:t>
+            </a:r>
+            <a:r>
+              <a:rPr lang="en-US" altLang="zh-CN" dirty="0"/>
+              <a:t>the following </a:t>
+            </a:r>
+            <a:r>
+              <a:rPr lang="en-US" altLang="zh-CN" dirty="0" smtClean="0"/>
+              <a:t>grammar</a:t>
+            </a:r>
+            <a:endParaRPr lang="en-US" altLang="zh-CN" dirty="0"/>
+          </a:p>
+          <a:p>
+            <a:pPr marL="0" indent="0">
+              <a:buNone/>
+            </a:pPr>
+            <a:endParaRPr lang="en-US" altLang="zh-CN" dirty="0" smtClean="0"/>
+          </a:p>
+          <a:p>
+            <a:pPr marL="0" indent="0">
+              <a:buNone/>
+            </a:pPr>
+            <a:endParaRPr lang="en-US" altLang="zh-CN" dirty="0"/>
+          </a:p>
+          <a:p>
+            <a:pPr marL="0" indent="0">
+              <a:buNone/>
+            </a:pPr>
+            <a:endParaRPr lang="en-US" altLang="zh-CN" dirty="0"/>
+          </a:p>
+          <a:p>
+            <a:r>
+              <a:rPr lang="en-US" altLang="zh-CN" dirty="0"/>
+              <a:t>(a) write a syntax-directed definition that prints out the number of parenthesis pairs. </a:t>
+            </a:r>
+            <a:endParaRPr lang="en-US" altLang="zh-CN" dirty="0" smtClean="0"/>
+          </a:p>
+          <a:p>
+            <a:r>
+              <a:rPr lang="en-US" altLang="zh-CN" dirty="0" smtClean="0"/>
+              <a:t>(b) </a:t>
+            </a:r>
+            <a:r>
+              <a:rPr lang="en-US" altLang="zh-CN" dirty="0"/>
+              <a:t>write a syntax-directed translation scheme that prints out the depth of each a. </a:t>
+            </a:r>
+            <a:endParaRPr lang="en-US" altLang="zh-CN" dirty="0" smtClean="0"/>
+          </a:p>
+          <a:p>
+            <a:r>
+              <a:rPr lang="en-US" altLang="zh-CN" dirty="0" smtClean="0"/>
+              <a:t>(c</a:t>
+            </a:r>
+            <a:r>
+              <a:rPr lang="en-US" altLang="zh-CN" dirty="0"/>
+              <a:t>) </a:t>
+            </a:r>
+            <a:r>
+              <a:rPr lang="en-US" altLang="zh-CN" dirty="0" smtClean="0"/>
+              <a:t>Write </a:t>
+            </a:r>
+            <a:r>
+              <a:rPr lang="en-US" altLang="zh-CN" dirty="0"/>
+              <a:t>a syntax-directed translation scheme that prints out the order number of each a. </a:t>
+            </a:r>
+          </a:p>
+          <a:p>
+            <a:endParaRPr lang="zh-CN" altLang="en-US" dirty="0"/>
+          </a:p>
+        </p:txBody>
+      </p:sp>
+      <p:sp>
+        <p:nvSpPr>
+          <p:cNvPr id="7" name="Rectangle 5"/>
+          <p:cNvSpPr>
+            <a:spLocks noChangeArrowheads="1"/>
+          </p:cNvSpPr>
+          <p:nvPr/>
+        </p:nvSpPr>
+        <p:spPr bwMode="auto">
+          <a:xfrm>
+            <a:off x="-1" y="-1"/>
+            <a:ext cx="13159621" cy="45719"/>
+          </a:xfrm>
+          <a:prstGeom prst="rect">
+            <a:avLst/>
+          </a:prstGeom>
+          <a:noFill/>
+          <a:ln>
+            <a:noFill/>
+          </a:ln>
+          <a:effectLst/>
+          <a:extLst>
+            <a:ext uri="{909E8E84-426E-40DD-AFC4-6F175D3DCCD1}">
+              <a14:hiddenFill xmlns:a14="http://schemas.microsoft.com/office/drawing/2010/main">
+                <a:solidFill>
+                  <a:schemeClr val="accent1"/>
+                </a:solidFill>
+              </a14:hiddenFill>
+            </a:ext>
+            <a:ext uri="{91240B29-F687-4F45-9708-019B960494DF}">
+              <a14:hiddenLine xmlns:a14="http://schemas.microsoft.com/office/drawing/2010/main" w="9525">
+                <a:solidFill>
+                  <a:schemeClr val="tx1"/>
+                </a:solidFill>
+                <a:miter lim="800000"/>
+                <a:headEnd/>
+                <a:tailEnd/>
+              </a14:hiddenLine>
+            </a:ext>
+            <a:ext uri="{AF507438-7753-43E0-B8FC-AC1667EBCBE1}">
+              <a14:hiddenEffects xmlns:a14="http://schemas.microsoft.com/office/drawing/2010/main">
+                <a:effectLst>
+                  <a:outerShdw dist="35921" dir="2700000" algn="ctr" rotWithShape="0">
+                    <a:schemeClr val="bg2"/>
+                  </a:outerShdw>
+                </a:effectLst>
+              </a14:hiddenEffects>
+            </a:ext>
+          </a:extLst>
+        </p:spPr>
+        <p:txBody>
+          <a:bodyPr vert="horz" wrap="square" lIns="91440" tIns="45720" rIns="91440" bIns="45720" numCol="1" anchor="ctr" anchorCtr="0" compatLnSpc="1">
+            <a:prstTxWarp prst="textNoShape">
+              <a:avLst/>
+            </a:prstTxWarp>
+            <a:spAutoFit/>
+          </a:bodyPr>
+          <a:lstStyle/>
+          <a:p>
+            <a:endParaRPr lang="zh-CN" altLang="en-US"/>
+          </a:p>
+        </p:txBody>
+      </p:sp>
+      <p:graphicFrame>
+        <p:nvGraphicFramePr>
+          <p:cNvPr id="8" name="对象 7"/>
+          <p:cNvGraphicFramePr>
+            <a:graphicFrameLocks noChangeAspect="1"/>
+          </p:cNvGraphicFramePr>
+          <p:nvPr>
+            <p:extLst>
+              <p:ext uri="{D42A27DB-BD31-4B8C-83A1-F6EECF244321}">
+                <p14:modId xmlns:p14="http://schemas.microsoft.com/office/powerpoint/2010/main" val="2985865507"/>
+              </p:ext>
+            </p:extLst>
+          </p:nvPr>
+        </p:nvGraphicFramePr>
+        <p:xfrm>
+          <a:off x="1251857" y="2558143"/>
+          <a:ext cx="1332412" cy="740229"/>
+        </p:xfrm>
+        <a:graphic>
+          <a:graphicData uri="http://schemas.openxmlformats.org/presentationml/2006/ole">
+            <mc:AlternateContent xmlns:mc="http://schemas.openxmlformats.org/markup-compatibility/2006">
+              <mc:Choice xmlns:v="urn:schemas-microsoft-com:vml" Requires="v">
+                <p:oleObj spid="_x0000_s1032" name="Equation" r:id="rId3" imgW="774360" imgH="431640" progId="Equation.DSMT4">
+                  <p:embed/>
+                </p:oleObj>
+              </mc:Choice>
+              <mc:Fallback>
+                <p:oleObj name="Equation" r:id="rId3" imgW="774360" imgH="431640" progId="Equation.DSMT4">
+                  <p:embed/>
+                  <p:pic>
+                    <p:nvPicPr>
+                      <p:cNvPr id="0" name="Object 4"/>
+                      <p:cNvPicPr>
+                        <a:picLocks noChangeAspect="1" noChangeArrowheads="1"/>
+                      </p:cNvPicPr>
+                      <p:nvPr/>
+                    </p:nvPicPr>
+                    <p:blipFill>
+                      <a:blip r:embed="rId4"/>
+                      <a:srcRect/>
+                      <a:stretch>
+                        <a:fillRect/>
+                      </a:stretch>
+                    </p:blipFill>
+                    <p:spPr bwMode="auto">
+                      <a:xfrm>
+                        <a:off x="1251857" y="2558143"/>
+                        <a:ext cx="1332412" cy="740229"/>
+                      </a:xfrm>
+                      <a:prstGeom prst="rect">
+                        <a:avLst/>
+                      </a:prstGeom>
+                      <a:noFill/>
+                    </p:spPr>
+                  </p:pic>
+                </p:oleObj>
+              </mc:Fallback>
+            </mc:AlternateContent>
+          </a:graphicData>
+        </a:graphic>
+      </p:graphicFrame>
+    </p:spTree>
+    <p:extLst>
+      <p:ext uri="{BB962C8B-B14F-4D97-AF65-F5344CB8AC3E}">
+        <p14:creationId xmlns:p14="http://schemas.microsoft.com/office/powerpoint/2010/main" val="2923974425"/>
+      </p:ext>
+    </p:extLst>
+  </p:cSld>
+  <p:clrMapOvr>
+    <a:masterClrMapping/>
+  </p:clrMapOvr>
+  <mc:AlternateContent xmlns:mc="http://schemas.openxmlformats.org/markup-compatibility/2006" xmlns:p14="http://schemas.microsoft.com/office/powerpoint/2010/main">
+    <mc:Choice Requires="p14">
+      <p:transition spd="med" p14:dur="700">
+        <p:fade/>
+      </p:transition>
+    </mc:Choice>
+    <mc:Fallback xmlns="">
+      <p:transition spd="med">
+        <p:fade/>
+      </p:transition>
+    </mc:Fallback>
+  </mc:AlternateContent>
+</p:sld>
+</file>
+
 <file path=ppt/slides/slide5.xml><?xml version="1.0" encoding="utf-8"?>
 <p:sld xmlns:a="http://schemas.openxmlformats.org/drawingml/2006/main" xmlns:r="http://schemas.openxmlformats.org/officeDocument/2006/relationships" xmlns:p="http://schemas.openxmlformats.org/presentationml/2006/main">
   <p:cSld>
@@ -10844,7 +11127,7 @@
           <p:cNvPr id="2" name="标题 1">
             <a:extLst>
               <a:ext uri="{FF2B5EF4-FFF2-40B4-BE49-F238E27FC236}">
-                <a16:creationId xmlns:a16="http://schemas.microsoft.com/office/drawing/2014/main" id="{24F4F8E7-4DA6-4043-A142-FFD00000D364}"/>
+                <a16:creationId xmlns:a16="http://schemas.microsoft.com/office/drawing/2014/main" xmlns="" id="{24F4F8E7-4DA6-4043-A142-FFD00000D364}"/>
               </a:ext>
             </a:extLst>
           </p:cNvPr>
@@ -10873,7 +11156,7 @@
           <p:cNvPr id="3" name="内容占位符 2">
             <a:extLst>
               <a:ext uri="{FF2B5EF4-FFF2-40B4-BE49-F238E27FC236}">
-                <a16:creationId xmlns:a16="http://schemas.microsoft.com/office/drawing/2014/main" id="{EDE2676F-59AB-4DD6-B234-479EC08E73DD}"/>
+                <a16:creationId xmlns:a16="http://schemas.microsoft.com/office/drawing/2014/main" xmlns="" id="{EDE2676F-59AB-4DD6-B234-479EC08E73DD}"/>
               </a:ext>
             </a:extLst>
           </p:cNvPr>
@@ -10914,7 +11197,7 @@
           <p:cNvPr id="5" name="矩形 4">
             <a:extLst>
               <a:ext uri="{FF2B5EF4-FFF2-40B4-BE49-F238E27FC236}">
-                <a16:creationId xmlns:a16="http://schemas.microsoft.com/office/drawing/2014/main" id="{39DE9480-8F05-44FA-97B1-FF50EF5D73D0}"/>
+                <a16:creationId xmlns:a16="http://schemas.microsoft.com/office/drawing/2014/main" xmlns="" id="{39DE9480-8F05-44FA-97B1-FF50EF5D73D0}"/>
               </a:ext>
             </a:extLst>
           </p:cNvPr>
@@ -10988,7 +11271,7 @@
           <p:cNvPr id="7" name="图片 6">
             <a:extLst>
               <a:ext uri="{FF2B5EF4-FFF2-40B4-BE49-F238E27FC236}">
-                <a16:creationId xmlns:a16="http://schemas.microsoft.com/office/drawing/2014/main" id="{C9A7BF75-F594-43DA-AFC2-34EA0782CA66}"/>
+                <a16:creationId xmlns:a16="http://schemas.microsoft.com/office/drawing/2014/main" xmlns="" id="{C9A7BF75-F594-43DA-AFC2-34EA0782CA66}"/>
               </a:ext>
             </a:extLst>
           </p:cNvPr>
@@ -11018,7 +11301,7 @@
           <p:cNvPr id="8" name="矩形 7">
             <a:extLst>
               <a:ext uri="{FF2B5EF4-FFF2-40B4-BE49-F238E27FC236}">
-                <a16:creationId xmlns:a16="http://schemas.microsoft.com/office/drawing/2014/main" id="{24BFA8EF-A4B5-47C1-955D-97DA2A957F17}"/>
+                <a16:creationId xmlns:a16="http://schemas.microsoft.com/office/drawing/2014/main" xmlns="" id="{24BFA8EF-A4B5-47C1-955D-97DA2A957F17}"/>
               </a:ext>
             </a:extLst>
           </p:cNvPr>
@@ -11119,7 +11402,7 @@
           <p:cNvPr id="2" name="标题 1">
             <a:extLst>
               <a:ext uri="{FF2B5EF4-FFF2-40B4-BE49-F238E27FC236}">
-                <a16:creationId xmlns:a16="http://schemas.microsoft.com/office/drawing/2014/main" id="{0DD30E7F-B65C-4295-A0CF-6CA3E34F8DD8}"/>
+                <a16:creationId xmlns:a16="http://schemas.microsoft.com/office/drawing/2014/main" xmlns="" id="{0DD30E7F-B65C-4295-A0CF-6CA3E34F8DD8}"/>
               </a:ext>
             </a:extLst>
           </p:cNvPr>
@@ -11148,7 +11431,7 @@
           <p:cNvPr id="3" name="内容占位符 2">
             <a:extLst>
               <a:ext uri="{FF2B5EF4-FFF2-40B4-BE49-F238E27FC236}">
-                <a16:creationId xmlns:a16="http://schemas.microsoft.com/office/drawing/2014/main" id="{6075EA04-0D09-47A3-898C-E17D4DE095B3}"/>
+                <a16:creationId xmlns:a16="http://schemas.microsoft.com/office/drawing/2014/main" xmlns="" id="{6075EA04-0D09-47A3-898C-E17D4DE095B3}"/>
               </a:ext>
             </a:extLst>
           </p:cNvPr>
@@ -12504,15 +12787,6 @@
 </file>
 
 <file path=customXml/item1.xml><?xml version="1.0" encoding="utf-8"?>
-<?mso-contentType ?>
-<FormTemplates xmlns="http://schemas.microsoft.com/sharepoint/v3/contenttype/forms">
-  <Display>DocumentLibraryForm</Display>
-  <Edit>AssetEditForm</Edit>
-  <New>DocumentLibraryForm</New>
-</FormTemplates>
-</file>
-
-<file path=customXml/item2.xml><?xml version="1.0" encoding="utf-8"?>
 <p:properties xmlns:p="http://schemas.microsoft.com/office/2006/metadata/properties" xmlns:xsi="http://www.w3.org/2001/XMLSchema-instance" xmlns:pc="http://schemas.microsoft.com/office/infopath/2007/PartnerControls">
   <documentManagement>
     <APDescription xmlns="4873beb7-5857-4685-be1f-d57550cc96cc" xsi:nil="true"/>
@@ -12638,7 +12912,7 @@
 </p:properties>
 </file>
 
-<file path=customXml/item3.xml><?xml version="1.0" encoding="utf-8"?>
+<file path=customXml/item2.xml><?xml version="1.0" encoding="utf-8"?>
 <ct:contentTypeSchema xmlns:ct="http://schemas.microsoft.com/office/2006/metadata/contentType" xmlns:ma="http://schemas.microsoft.com/office/2006/metadata/properties/metaAttributes" ct:_="" ma:_="" ma:contentTypeName="TemplateFile" ma:contentTypeID="0x0101006EDDDB5EE6D98C44930B742096920B300400F5B6D36B3EF94B4E9A635CDF2A18F5B8" ma:contentTypeVersion="72" ma:contentTypeDescription="Create a new document." ma:contentTypeScope="" ma:versionID="a23e56308344d904b51738559c3d67c9">
   <xsd:schema xmlns:xsd="http://www.w3.org/2001/XMLSchema" xmlns:xs="http://www.w3.org/2001/XMLSchema" xmlns:p="http://schemas.microsoft.com/office/2006/metadata/properties" xmlns:ns2="4873beb7-5857-4685-be1f-d57550cc96cc" targetNamespace="http://schemas.microsoft.com/office/2006/metadata/properties" ma:root="true" ma:fieldsID="cd0908cc4600e77bf5da051303e00c8d" ns2:_="">
     <xsd:import namespace="4873beb7-5857-4685-be1f-d57550cc96cc"/>
@@ -13678,15 +13952,16 @@
 </ct:contentTypeSchema>
 </file>
 
-<file path=customXml/itemProps1.xml><?xml version="1.0" encoding="utf-8"?>
-<ds:datastoreItem xmlns:ds="http://schemas.openxmlformats.org/officeDocument/2006/customXml" ds:itemID="{561E720F-F05D-4536-9C34-0CFCED65D3B7}">
-  <ds:schemaRefs>
-    <ds:schemaRef ds:uri="http://schemas.microsoft.com/sharepoint/v3/contenttype/forms"/>
-  </ds:schemaRefs>
-</ds:datastoreItem>
+<file path=customXml/item3.xml><?xml version="1.0" encoding="utf-8"?>
+<?mso-contentType ?>
+<FormTemplates xmlns="http://schemas.microsoft.com/sharepoint/v3/contenttype/forms">
+  <Display>DocumentLibraryForm</Display>
+  <Edit>AssetEditForm</Edit>
+  <New>DocumentLibraryForm</New>
+</FormTemplates>
 </file>
 
-<file path=customXml/itemProps2.xml><?xml version="1.0" encoding="utf-8"?>
+<file path=customXml/itemProps1.xml><?xml version="1.0" encoding="utf-8"?>
 <ds:datastoreItem xmlns:ds="http://schemas.openxmlformats.org/officeDocument/2006/customXml" ds:itemID="{8CDDBB83-77C1-4099-A0AA-289882E745E2}">
   <ds:schemaRefs>
     <ds:schemaRef ds:uri="http://purl.org/dc/terms/"/>
@@ -13702,7 +13977,7 @@
 </ds:datastoreItem>
 </file>
 
-<file path=customXml/itemProps3.xml><?xml version="1.0" encoding="utf-8"?>
+<file path=customXml/itemProps2.xml><?xml version="1.0" encoding="utf-8"?>
 <ds:datastoreItem xmlns:ds="http://schemas.openxmlformats.org/officeDocument/2006/customXml" ds:itemID="{28C8B9CA-0273-4370-889A-FC05DA5C2FA5}">
   <ds:schemaRefs>
     <ds:schemaRef ds:uri="http://schemas.microsoft.com/office/2006/metadata/contentType"/>
@@ -13718,4 +13993,12 @@
     <ds:schemaRef ds:uri="http://schemas.microsoft.com/internal/obd"/>
   </ds:schemaRefs>
 </ds:datastoreItem>
+</file>
+
+<file path=customXml/itemProps3.xml><?xml version="1.0" encoding="utf-8"?>
+<ds:datastoreItem xmlns:ds="http://schemas.openxmlformats.org/officeDocument/2006/customXml" ds:itemID="{561E720F-F05D-4536-9C34-0CFCED65D3B7}">
+  <ds:schemaRefs>
+    <ds:schemaRef ds:uri="http://schemas.microsoft.com/sharepoint/v3/contenttype/forms"/>
+  </ds:schemaRefs>
+</ds:datastoreItem>
 </file>